--- a/slides/Sydeaka_Watson_EARL_2018_Workflow_Automation.pptx
+++ b/slides/Sydeaka_Watson_EARL_2018_Workflow_Automation.pptx
@@ -647,6 +647,90 @@
 </file>
 
 <file path=ppt/notesSlides/notesSlide3.xml><?xml version="1.0" encoding="utf-8"?>
+<p:notes xmlns:a="http://schemas.openxmlformats.org/drawingml/2006/main" xmlns:r="http://schemas.openxmlformats.org/officeDocument/2006/relationships" xmlns:p="http://schemas.openxmlformats.org/presentationml/2006/main">
+  <p:cSld>
+    <p:spTree>
+      <p:nvGrpSpPr>
+        <p:cNvPr id="1" name=""/>
+        <p:cNvGrpSpPr/>
+        <p:nvPr/>
+      </p:nvGrpSpPr>
+      <p:grpSpPr>
+        <a:xfrm>
+          <a:off x="0" y="0"/>
+          <a:ext cx="0" cy="0"/>
+          <a:chOff x="0" y="0"/>
+          <a:chExt cx="0" cy="0"/>
+        </a:xfrm>
+      </p:grpSpPr>
+      <p:sp>
+        <p:nvSpPr>
+          <p:cNvPr id="2" name="Slide Image Placeholder 1"/>
+          <p:cNvSpPr>
+            <a:spLocks noGrp="1" noRot="1" noChangeAspect="1"/>
+          </p:cNvSpPr>
+          <p:nvPr>
+            <p:ph type="sldImg"/>
+          </p:nvPr>
+        </p:nvSpPr>
+        <p:spPr/>
+      </p:sp>
+      <p:sp>
+        <p:nvSpPr>
+          <p:cNvPr id="3" name="Notes Placeholder 2"/>
+          <p:cNvSpPr>
+            <a:spLocks noGrp="1"/>
+          </p:cNvSpPr>
+          <p:nvPr>
+            <p:ph type="body" idx="1"/>
+          </p:nvPr>
+        </p:nvSpPr>
+        <p:spPr/>
+        <p:txBody>
+          <a:bodyPr/>
+          <a:lstStyle/>
+          <a:p>
+            <a:endParaRPr lang="en-US" dirty="0"/>
+          </a:p>
+        </p:txBody>
+      </p:sp>
+      <p:sp>
+        <p:nvSpPr>
+          <p:cNvPr id="4" name="Slide Number Placeholder 3"/>
+          <p:cNvSpPr>
+            <a:spLocks noGrp="1"/>
+          </p:cNvSpPr>
+          <p:nvPr>
+            <p:ph type="sldNum" sz="quarter" idx="5"/>
+          </p:nvPr>
+        </p:nvSpPr>
+        <p:spPr/>
+        <p:txBody>
+          <a:bodyPr/>
+          <a:lstStyle/>
+          <a:p>
+            <a:fld id="{1E0B824E-9E86-EB4D-B560-8CBEB7D5E0F5}" type="slidenum">
+              <a:rPr lang="en-US" smtClean="0"/>
+              <a:t>4</a:t>
+            </a:fld>
+            <a:endParaRPr lang="en-US"/>
+          </a:p>
+        </p:txBody>
+      </p:sp>
+    </p:spTree>
+    <p:extLst>
+      <p:ext uri="{BB962C8B-B14F-4D97-AF65-F5344CB8AC3E}">
+        <p14:creationId xmlns:p14="http://schemas.microsoft.com/office/powerpoint/2010/main" val="2471661604"/>
+      </p:ext>
+    </p:extLst>
+  </p:cSld>
+  <p:clrMapOvr>
+    <a:masterClrMapping/>
+  </p:clrMapOvr>
+</p:notes>
+</file>
+
+<file path=ppt/notesSlides/notesSlide4.xml><?xml version="1.0" encoding="utf-8"?>
 <p:notes xmlns:a="http://schemas.openxmlformats.org/drawingml/2006/main" xmlns:r="http://schemas.openxmlformats.org/officeDocument/2006/relationships" xmlns:p="http://schemas.openxmlformats.org/presentationml/2006/main">
   <p:cSld>
     <p:spTree>
@@ -3984,6 +4068,17 @@
           <a:p>
             <a:pPr algn="l"/>
             <a:r>
+              <a:rPr lang="en-US" sz="3100" b="1" i="1" dirty="0">
+                <a:solidFill>
+                  <a:srgbClr val="000000"/>
+                </a:solidFill>
+                <a:latin typeface="+mj-lt"/>
+                <a:ea typeface="+mj-ea"/>
+                <a:cs typeface="+mj-cs"/>
+              </a:rPr>
+              <a:t>R</a:t>
+            </a:r>
+            <a:r>
               <a:rPr lang="en-US" sz="3100" dirty="0">
                 <a:solidFill>
                   <a:srgbClr val="000000"/>
@@ -3992,7 +4087,7 @@
                 <a:ea typeface="+mj-ea"/>
                 <a:cs typeface="+mj-cs"/>
               </a:rPr>
-              <a:t>R-bots for Data Science Workflow Automation</a:t>
+              <a:t>-bots for Data Science Workflow Automation</a:t>
             </a:r>
             <a:endParaRPr lang="en-US" sz="3100" kern="1200" dirty="0">
               <a:solidFill>
@@ -5748,6 +5843,55 @@
           </a:p>
         </p:txBody>
       </p:sp>
+      <p:sp>
+        <p:nvSpPr>
+          <p:cNvPr id="4" name="TextBox 3">
+            <a:extLst>
+              <a:ext uri="{FF2B5EF4-FFF2-40B4-BE49-F238E27FC236}">
+                <a16:creationId xmlns:a16="http://schemas.microsoft.com/office/drawing/2014/main" id="{474043A3-16FD-EF4A-88E6-337FABF12C2F}"/>
+              </a:ext>
+            </a:extLst>
+          </p:cNvPr>
+          <p:cNvSpPr txBox="1"/>
+          <p:nvPr/>
+        </p:nvSpPr>
+        <p:spPr>
+          <a:xfrm>
+            <a:off x="2948539" y="3105833"/>
+            <a:ext cx="6294922" cy="646331"/>
+          </a:xfrm>
+          <a:prstGeom prst="rect">
+            <a:avLst/>
+          </a:prstGeom>
+          <a:noFill/>
+        </p:spPr>
+        <p:txBody>
+          <a:bodyPr wrap="square" rtlCol="0">
+            <a:spAutoFit/>
+          </a:bodyPr>
+          <a:lstStyle/>
+          <a:p>
+            <a:pPr marL="285750" indent="-285750">
+              <a:buFont typeface="Wingdings" pitchFamily="2" charset="2"/>
+              <a:buChar char="q"/>
+            </a:pPr>
+            <a:r>
+              <a:rPr lang="en-US" dirty="0"/>
+              <a:t>Workflow begins with data creation/ingestion.</a:t>
+            </a:r>
+          </a:p>
+          <a:p>
+            <a:pPr marL="285750" indent="-285750">
+              <a:buFont typeface="Wingdings" pitchFamily="2" charset="2"/>
+              <a:buChar char="q"/>
+            </a:pPr>
+            <a:r>
+              <a:rPr lang="en-US" dirty="0"/>
+              <a:t>Workflow “ends” with the distribution/publishing of reports.</a:t>
+            </a:r>
+          </a:p>
+        </p:txBody>
+      </p:sp>
     </p:spTree>
     <p:extLst>
       <p:ext uri="{BB962C8B-B14F-4D97-AF65-F5344CB8AC3E}">
@@ -5824,20 +5968,10 @@
         </p:nvSpPr>
         <p:spPr/>
         <p:txBody>
-          <a:bodyPr/>
+          <a:bodyPr>
+            <a:normAutofit/>
+          </a:bodyPr>
           <a:lstStyle/>
-          <a:p>
-            <a:r>
-              <a:rPr lang="en-US" dirty="0"/>
-              <a:t>The work of a data scientist isn’t limited to the set of tasks that are specific to the data analysis. </a:t>
-            </a:r>
-          </a:p>
-          <a:p>
-            <a:r>
-              <a:rPr lang="en-US" dirty="0"/>
-              <a:t>The typical workflow includes a number of additional tasks that might start at data creation/ingestion and end with the distribution/publishing of reports.</a:t>
-            </a:r>
-          </a:p>
           <a:p>
             <a:r>
               <a:rPr lang="en-US" dirty="0"/>
@@ -5851,6 +5985,65 @@
               <a:rPr lang="en-US" dirty="0"/>
               <a:t> be run without user intervention.</a:t>
             </a:r>
+          </a:p>
+          <a:p>
+            <a:r>
+              <a:rPr lang="en-US" dirty="0"/>
+              <a:t>An </a:t>
+            </a:r>
+            <a:r>
+              <a:rPr lang="en-US" b="1" i="1" u="sng" dirty="0"/>
+              <a:t>R</a:t>
+            </a:r>
+            <a:r>
+              <a:rPr lang="en-US" b="1" u="sng" dirty="0"/>
+              <a:t>-Bot</a:t>
+            </a:r>
+            <a:r>
+              <a:rPr lang="en-US" dirty="0"/>
+              <a:t> is an R script that executes one or more tasks in a data science workflow.</a:t>
+            </a:r>
+          </a:p>
+          <a:p>
+            <a:r>
+              <a:rPr lang="en-US" dirty="0"/>
+              <a:t>Examples:</a:t>
+            </a:r>
+          </a:p>
+          <a:p>
+            <a:pPr lvl="1"/>
+            <a:r>
+              <a:rPr lang="en-US" dirty="0"/>
+              <a:t>Data ingestion</a:t>
+            </a:r>
+          </a:p>
+          <a:p>
+            <a:pPr lvl="1"/>
+            <a:r>
+              <a:rPr lang="en-US" dirty="0"/>
+              <a:t>Create report with dynamically generated content</a:t>
+            </a:r>
+          </a:p>
+          <a:p>
+            <a:pPr lvl="1"/>
+            <a:r>
+              <a:rPr lang="en-US" dirty="0"/>
+              <a:t>Send emails</a:t>
+            </a:r>
+          </a:p>
+          <a:p>
+            <a:pPr lvl="1"/>
+            <a:r>
+              <a:rPr lang="en-US" dirty="0"/>
+              <a:t>Version control</a:t>
+            </a:r>
+          </a:p>
+          <a:p>
+            <a:pPr lvl="1"/>
+            <a:endParaRPr lang="en-US" dirty="0"/>
+          </a:p>
+          <a:p>
+            <a:endParaRPr lang="en-US" dirty="0"/>
           </a:p>
           <a:p>
             <a:endParaRPr lang="en-US" dirty="0"/>
@@ -6171,7 +6364,7 @@
         </p:nvSpPr>
         <p:spPr>
           <a:xfrm>
-            <a:off x="838200" y="1825625"/>
+            <a:off x="838200" y="1488741"/>
             <a:ext cx="10515600" cy="4671994"/>
           </a:xfrm>
         </p:spPr>
@@ -7989,7 +8182,7 @@
           <a:p>
             <a:r>
               <a:rPr lang="en-US" dirty="0"/>
-              <a:t>In enterprise setting, you may have limitations on which types of packages you can install on the server, so you may be limited to base R or system commands. </a:t>
+              <a:t>In enterprise setting, you may have limitations on which types of packages you can install on the server, so you may be limited to mostly base R or system commands. </a:t>
             </a:r>
           </a:p>
           <a:p>
@@ -8001,15 +8194,7 @@
           <a:p>
             <a:r>
               <a:rPr lang="en-US" dirty="0"/>
-              <a:t>In the demo, I give </a:t>
-            </a:r>
-            <a:r>
-              <a:rPr lang="en-US"/>
-              <a:t>an example of a workflow </a:t>
-            </a:r>
-            <a:r>
-              <a:rPr lang="en-US" dirty="0"/>
-              <a:t>created under this scenario.</a:t>
+              <a:t>In the demo, I give an example of a workflow created under this scenario.</a:t>
             </a:r>
           </a:p>
         </p:txBody>

--- a/slides/Sydeaka_Watson_EARL_2018_Workflow_Automation.pptx
+++ b/slides/Sydeaka_Watson_EARL_2018_Workflow_Automation.pptx
@@ -5,7 +5,7 @@
     <p:sldMasterId id="2147483684" r:id="rId1"/>
   </p:sldMasterIdLst>
   <p:notesMasterIdLst>
-    <p:notesMasterId r:id="rId17"/>
+    <p:notesMasterId r:id="rId18"/>
   </p:notesMasterIdLst>
   <p:sldIdLst>
     <p:sldId id="256" r:id="rId2"/>
@@ -16,13 +16,14 @@
     <p:sldId id="262" r:id="rId7"/>
     <p:sldId id="263" r:id="rId8"/>
     <p:sldId id="264" r:id="rId9"/>
-    <p:sldId id="265" r:id="rId10"/>
-    <p:sldId id="268" r:id="rId11"/>
-    <p:sldId id="272" r:id="rId12"/>
-    <p:sldId id="273" r:id="rId13"/>
-    <p:sldId id="266" r:id="rId14"/>
-    <p:sldId id="269" r:id="rId15"/>
-    <p:sldId id="271" r:id="rId16"/>
+    <p:sldId id="377" r:id="rId10"/>
+    <p:sldId id="265" r:id="rId11"/>
+    <p:sldId id="268" r:id="rId12"/>
+    <p:sldId id="272" r:id="rId13"/>
+    <p:sldId id="273" r:id="rId14"/>
+    <p:sldId id="266" r:id="rId15"/>
+    <p:sldId id="269" r:id="rId16"/>
+    <p:sldId id="271" r:id="rId17"/>
   </p:sldIdLst>
   <p:sldSz cx="12192000" cy="6858000"/>
   <p:notesSz cx="6858000" cy="9144000"/>
@@ -211,7 +212,7 @@
           <a:p>
             <a:fld id="{1056DE2E-A099-9E4F-B388-D0B65C2E8A5F}" type="datetimeFigureOut">
               <a:rPr lang="en-US" smtClean="0"/>
-              <a:t>10/18/18</a:t>
+              <a:t>11/7/18</a:t>
             </a:fld>
             <a:endParaRPr lang="en-US"/>
           </a:p>
@@ -795,7 +796,7 @@
           <a:p>
             <a:fld id="{1E0B824E-9E86-EB4D-B560-8CBEB7D5E0F5}" type="slidenum">
               <a:rPr lang="en-US" smtClean="0"/>
-              <a:t>11</a:t>
+              <a:t>12</a:t>
             </a:fld>
             <a:endParaRPr lang="en-US"/>
           </a:p>
@@ -1345,7 +1346,7 @@
           <a:p>
             <a:fld id="{78C73B09-5639-4F51-9EDB-083DFE102190}" type="datetimeFigureOut">
               <a:rPr lang="en-GB" smtClean="0"/>
-              <a:t>18/10/2018</a:t>
+              <a:t>07/11/2018</a:t>
             </a:fld>
             <a:endParaRPr lang="en-GB"/>
           </a:p>
@@ -1524,7 +1525,7 @@
           <a:p>
             <a:fld id="{78C73B09-5639-4F51-9EDB-083DFE102190}" type="datetimeFigureOut">
               <a:rPr lang="en-GB" smtClean="0"/>
-              <a:t>18/10/2018</a:t>
+              <a:t>07/11/2018</a:t>
             </a:fld>
             <a:endParaRPr lang="en-GB"/>
           </a:p>
@@ -1697,7 +1698,7 @@
           <a:p>
             <a:fld id="{78C73B09-5639-4F51-9EDB-083DFE102190}" type="datetimeFigureOut">
               <a:rPr lang="en-GB" smtClean="0"/>
-              <a:t>18/10/2018</a:t>
+              <a:t>07/11/2018</a:t>
             </a:fld>
             <a:endParaRPr lang="en-GB"/>
           </a:p>
@@ -1940,7 +1941,7 @@
           <a:p>
             <a:fld id="{78C73B09-5639-4F51-9EDB-083DFE102190}" type="datetimeFigureOut">
               <a:rPr lang="en-GB" smtClean="0"/>
-              <a:t>18/10/2018</a:t>
+              <a:t>07/11/2018</a:t>
             </a:fld>
             <a:endParaRPr lang="en-GB"/>
           </a:p>
@@ -2172,7 +2173,7 @@
           <a:p>
             <a:fld id="{78C73B09-5639-4F51-9EDB-083DFE102190}" type="datetimeFigureOut">
               <a:rPr lang="en-GB" smtClean="0"/>
-              <a:t>18/10/2018</a:t>
+              <a:t>07/11/2018</a:t>
             </a:fld>
             <a:endParaRPr lang="en-GB"/>
           </a:p>
@@ -2539,7 +2540,7 @@
           <a:p>
             <a:fld id="{78C73B09-5639-4F51-9EDB-083DFE102190}" type="datetimeFigureOut">
               <a:rPr lang="en-GB" smtClean="0"/>
-              <a:t>18/10/2018</a:t>
+              <a:t>07/11/2018</a:t>
             </a:fld>
             <a:endParaRPr lang="en-GB"/>
           </a:p>
@@ -2657,7 +2658,7 @@
           <a:p>
             <a:fld id="{78C73B09-5639-4F51-9EDB-083DFE102190}" type="datetimeFigureOut">
               <a:rPr lang="en-GB" smtClean="0"/>
-              <a:t>18/10/2018</a:t>
+              <a:t>07/11/2018</a:t>
             </a:fld>
             <a:endParaRPr lang="en-GB"/>
           </a:p>
@@ -2752,7 +2753,7 @@
           <a:p>
             <a:fld id="{78C73B09-5639-4F51-9EDB-083DFE102190}" type="datetimeFigureOut">
               <a:rPr lang="en-GB" smtClean="0"/>
-              <a:t>18/10/2018</a:t>
+              <a:t>07/11/2018</a:t>
             </a:fld>
             <a:endParaRPr lang="en-GB"/>
           </a:p>
@@ -3029,7 +3030,7 @@
           <a:p>
             <a:fld id="{78C73B09-5639-4F51-9EDB-083DFE102190}" type="datetimeFigureOut">
               <a:rPr lang="en-GB" smtClean="0"/>
-              <a:t>18/10/2018</a:t>
+              <a:t>07/11/2018</a:t>
             </a:fld>
             <a:endParaRPr lang="en-GB"/>
           </a:p>
@@ -3286,7 +3287,7 @@
           <a:p>
             <a:fld id="{78C73B09-5639-4F51-9EDB-083DFE102190}" type="datetimeFigureOut">
               <a:rPr lang="en-GB" smtClean="0"/>
-              <a:t>18/10/2018</a:t>
+              <a:t>07/11/2018</a:t>
             </a:fld>
             <a:endParaRPr lang="en-GB"/>
           </a:p>
@@ -3497,7 +3498,7 @@
           <a:p>
             <a:fld id="{78C73B09-5639-4F51-9EDB-083DFE102190}" type="datetimeFigureOut">
               <a:rPr lang="en-GB" smtClean="0"/>
-              <a:t>18/10/2018</a:t>
+              <a:t>07/11/2018</a:t>
             </a:fld>
             <a:endParaRPr lang="en-GB"/>
           </a:p>
@@ -4194,7 +4195,7 @@
           <p:cNvPr id="2" name="Title 1">
             <a:extLst>
               <a:ext uri="{FF2B5EF4-FFF2-40B4-BE49-F238E27FC236}">
-                <a16:creationId xmlns:a16="http://schemas.microsoft.com/office/drawing/2014/main" id="{91DE7701-EF12-9244-8683-D213CB4CDA44}"/>
+                <a16:creationId xmlns:a16="http://schemas.microsoft.com/office/drawing/2014/main" id="{4F909432-576F-DD4E-B149-428ED4C0B148}"/>
               </a:ext>
             </a:extLst>
           </p:cNvPr>
@@ -4212,7 +4213,7 @@
           <a:p>
             <a:r>
               <a:rPr lang="en-US" dirty="0"/>
-              <a:t>DEMO</a:t>
+              <a:t>Enterprise considerations</a:t>
             </a:r>
           </a:p>
         </p:txBody>
@@ -4222,7 +4223,7 @@
           <p:cNvPr id="3" name="Content Placeholder 2">
             <a:extLst>
               <a:ext uri="{FF2B5EF4-FFF2-40B4-BE49-F238E27FC236}">
-                <a16:creationId xmlns:a16="http://schemas.microsoft.com/office/drawing/2014/main" id="{18D3D842-E0C5-0B4C-A6A0-4A837A87F4ED}"/>
+                <a16:creationId xmlns:a16="http://schemas.microsoft.com/office/drawing/2014/main" id="{E3F3B1BE-0E0D-134F-86FD-854FF4BEAB9A}"/>
               </a:ext>
             </a:extLst>
           </p:cNvPr>
@@ -4238,31 +4239,21 @@
           <a:bodyPr/>
           <a:lstStyle/>
           <a:p>
+            <a:r>
+              <a:rPr lang="en-US" dirty="0"/>
+              <a:t>In enterprise setting, you may have limitations on which types of packages you can install on the server, so you may be limited to mostly base R or system commands. </a:t>
+            </a:r>
+          </a:p>
+          <a:p>
             <a:pPr marL="0" indent="0">
               <a:buNone/>
             </a:pPr>
-            <a:r>
-              <a:rPr lang="en-US" dirty="0"/>
-              <a:t>Example is available in my public repository: </a:t>
-            </a:r>
-          </a:p>
-          <a:p>
-            <a:pPr marL="0" indent="0">
-              <a:buNone/>
-            </a:pPr>
-            <a:r>
-              <a:rPr lang="en-US" dirty="0"/>
-              <a:t> </a:t>
-            </a:r>
-            <a:r>
-              <a:rPr lang="en-US" dirty="0">
-                <a:hlinkClick r:id="rId2"/>
-              </a:rPr>
-              <a:t>https://github.com/sydeaka/workflow-automation</a:t>
-            </a:r>
-            <a:r>
-              <a:rPr lang="en-US" dirty="0"/>
-              <a:t> </a:t>
+            <a:endParaRPr lang="en-US" dirty="0"/>
+          </a:p>
+          <a:p>
+            <a:r>
+              <a:rPr lang="en-US" dirty="0"/>
+              <a:t>In the demo, I give an example of a workflow created under this scenario.</a:t>
             </a:r>
           </a:p>
         </p:txBody>
@@ -4270,7 +4261,7 @@
     </p:spTree>
     <p:extLst>
       <p:ext uri="{BB962C8B-B14F-4D97-AF65-F5344CB8AC3E}">
-        <p14:creationId xmlns:p14="http://schemas.microsoft.com/office/powerpoint/2010/main" val="909427575"/>
+        <p14:creationId xmlns:p14="http://schemas.microsoft.com/office/powerpoint/2010/main" val="4241006663"/>
       </p:ext>
     </p:extLst>
   </p:cSld>
@@ -4302,7 +4293,7 @@
           <p:cNvPr id="2" name="Title 1">
             <a:extLst>
               <a:ext uri="{FF2B5EF4-FFF2-40B4-BE49-F238E27FC236}">
-                <a16:creationId xmlns:a16="http://schemas.microsoft.com/office/drawing/2014/main" id="{2F33E213-1ECE-E745-8E60-3C9C7D634085}"/>
+                <a16:creationId xmlns:a16="http://schemas.microsoft.com/office/drawing/2014/main" id="{91DE7701-EF12-9244-8683-D213CB4CDA44}"/>
               </a:ext>
             </a:extLst>
           </p:cNvPr>
@@ -4320,7 +4311,7 @@
           <a:p>
             <a:r>
               <a:rPr lang="en-US" dirty="0"/>
-              <a:t>DEMO: Instructions</a:t>
+              <a:t>DEMO</a:t>
             </a:r>
           </a:p>
         </p:txBody>
@@ -4330,7 +4321,7 @@
           <p:cNvPr id="3" name="Content Placeholder 2">
             <a:extLst>
               <a:ext uri="{FF2B5EF4-FFF2-40B4-BE49-F238E27FC236}">
-                <a16:creationId xmlns:a16="http://schemas.microsoft.com/office/drawing/2014/main" id="{70CB7CA0-87C1-7A47-9CC9-C1A7A6021127}"/>
+                <a16:creationId xmlns:a16="http://schemas.microsoft.com/office/drawing/2014/main" id="{18D3D842-E0C5-0B4C-A6A0-4A837A87F4ED}"/>
               </a:ext>
             </a:extLst>
           </p:cNvPr>
@@ -4341,212 +4332,44 @@
             <p:ph idx="1"/>
           </p:nvPr>
         </p:nvSpPr>
-        <p:spPr>
-          <a:xfrm>
-            <a:off x="838200" y="1420010"/>
-            <a:ext cx="10515600" cy="5303519"/>
-          </a:xfrm>
-        </p:spPr>
-        <p:txBody>
-          <a:bodyPr>
-            <a:normAutofit fontScale="92500" lnSpcReduction="20000"/>
-          </a:bodyPr>
+        <p:spPr/>
+        <p:txBody>
+          <a:bodyPr/>
           <a:lstStyle/>
-          <a:p>
-            <a:r>
-              <a:rPr lang="en-US" dirty="0"/>
-              <a:t>System requirements</a:t>
-            </a:r>
-          </a:p>
-          <a:p>
-            <a:pPr lvl="1"/>
-            <a:r>
-              <a:rPr lang="en-US" dirty="0"/>
-              <a:t>Mac / Linux operating system</a:t>
-            </a:r>
-          </a:p>
-          <a:p>
-            <a:pPr lvl="1"/>
-            <a:r>
-              <a:rPr lang="en-US" dirty="0"/>
-              <a:t>MYSQL (optional)</a:t>
-            </a:r>
-          </a:p>
-          <a:p>
-            <a:pPr lvl="2"/>
-            <a:r>
-              <a:rPr lang="en-US" dirty="0"/>
-              <a:t>If you have MYSQL installed, set </a:t>
-            </a:r>
-            <a:r>
-              <a:rPr lang="en-US" dirty="0" err="1"/>
-              <a:t>use_mysql</a:t>
-            </a:r>
-            <a:r>
-              <a:rPr lang="en-US" dirty="0"/>
-              <a:t>=TRUE and create a credentials file in your system’s home directory. The file should contain two lines: </a:t>
-            </a:r>
-          </a:p>
-          <a:p>
-            <a:pPr marL="914400" lvl="2" indent="0">
-              <a:buNone/>
-            </a:pPr>
-            <a:endParaRPr lang="en-US" dirty="0"/>
-          </a:p>
-          <a:p>
-            <a:pPr marL="3657600" lvl="8" indent="0">
-              <a:buNone/>
-            </a:pPr>
-            <a:r>
-              <a:rPr lang="en-US" dirty="0"/>
-              <a:t>username=</a:t>
-            </a:r>
-            <a:r>
-              <a:rPr lang="en-US" dirty="0" err="1"/>
-              <a:t>YourUserName</a:t>
-            </a:r>
-            <a:r>
-              <a:rPr lang="en-US" dirty="0"/>
-              <a:t> </a:t>
-            </a:r>
-          </a:p>
-          <a:p>
-            <a:pPr marL="3657600" lvl="8" indent="0">
-              <a:buNone/>
-            </a:pPr>
-            <a:r>
-              <a:rPr lang="en-US" dirty="0"/>
-              <a:t>password=</a:t>
-            </a:r>
-            <a:r>
-              <a:rPr lang="en-US" dirty="0" err="1"/>
-              <a:t>YourPassword</a:t>
-            </a:r>
-            <a:endParaRPr lang="en-US" dirty="0"/>
-          </a:p>
-          <a:p>
-            <a:pPr marL="3657600" lvl="8" indent="0">
-              <a:buNone/>
-            </a:pPr>
-            <a:endParaRPr lang="en-US" dirty="0"/>
-          </a:p>
-          <a:p>
-            <a:pPr lvl="2"/>
-            <a:r>
-              <a:rPr lang="en-US" dirty="0"/>
-              <a:t>If not, set </a:t>
-            </a:r>
-            <a:r>
-              <a:rPr lang="en-US" dirty="0" err="1"/>
-              <a:t>use_mysql</a:t>
-            </a:r>
-            <a:r>
-              <a:rPr lang="en-US" dirty="0"/>
-              <a:t>=FALSE to run without MYSQL</a:t>
-            </a:r>
-          </a:p>
-          <a:p>
-            <a:r>
-              <a:rPr lang="en-US" dirty="0"/>
-              <a:t>To run</a:t>
-            </a:r>
-          </a:p>
-          <a:p>
-            <a:pPr lvl="1"/>
-            <a:r>
-              <a:rPr lang="en-US" dirty="0"/>
-              <a:t>navigate to the top-level directory in the repository in your terminal</a:t>
-            </a:r>
-          </a:p>
-          <a:p>
-            <a:pPr lvl="1"/>
-            <a:r>
-              <a:rPr lang="en-US" dirty="0"/>
-              <a:t>modify working directory at top of “</a:t>
-            </a:r>
-            <a:r>
-              <a:rPr lang="en-US" dirty="0" err="1"/>
-              <a:t>mysql_example.sh</a:t>
-            </a:r>
-            <a:r>
-              <a:rPr lang="en-US" dirty="0"/>
-              <a:t>” file</a:t>
-            </a:r>
-          </a:p>
-          <a:p>
-            <a:pPr lvl="1"/>
-            <a:r>
-              <a:rPr lang="en-US" dirty="0"/>
-              <a:t>modify from/to email addresses in </a:t>
-            </a:r>
-            <a:r>
-              <a:rPr lang="en-US" dirty="0" err="1"/>
-              <a:t>email.R</a:t>
-            </a:r>
-            <a:r>
-              <a:rPr lang="en-US" dirty="0"/>
-              <a:t>, and create “</a:t>
-            </a:r>
-            <a:r>
-              <a:rPr lang="en-US" dirty="0" err="1"/>
-              <a:t>gmail.txt</a:t>
-            </a:r>
-            <a:r>
-              <a:rPr lang="en-US" dirty="0"/>
-              <a:t>” file in system home directory (file just contains your password as raw text, no quotes)</a:t>
-            </a:r>
-          </a:p>
-          <a:p>
-            <a:pPr lvl="1"/>
-            <a:r>
-              <a:rPr lang="en-US" dirty="0"/>
-              <a:t>execute the following:</a:t>
-            </a:r>
-          </a:p>
           <a:p>
             <a:pPr marL="0" indent="0">
               <a:buNone/>
             </a:pPr>
             <a:r>
+              <a:rPr lang="en-US" dirty="0"/>
+              <a:t>Example is available in my public repository: </a:t>
+            </a:r>
+          </a:p>
+          <a:p>
+            <a:pPr marL="0" indent="0">
+              <a:buNone/>
+            </a:pPr>
+            <a:r>
+              <a:rPr lang="en-US" dirty="0"/>
+              <a:t> </a:t>
+            </a:r>
+            <a:r>
               <a:rPr lang="en-US" dirty="0">
-                <a:latin typeface="Courier New" panose="02070309020205020404" pitchFamily="49" charset="0"/>
-                <a:cs typeface="Courier New" panose="02070309020205020404" pitchFamily="49" charset="0"/>
+                <a:hlinkClick r:id="rId2"/>
               </a:rPr>
-              <a:t>			   </a:t>
-            </a:r>
-            <a:r>
-              <a:rPr lang="en-US" b="1" dirty="0">
-                <a:latin typeface="Courier New" panose="02070309020205020404" pitchFamily="49" charset="0"/>
-                <a:cs typeface="Courier New" panose="02070309020205020404" pitchFamily="49" charset="0"/>
-              </a:rPr>
-              <a:t>./</a:t>
-            </a:r>
-            <a:r>
-              <a:rPr lang="en-US" b="1" dirty="0" err="1">
-                <a:latin typeface="Courier New" panose="02070309020205020404" pitchFamily="49" charset="0"/>
-                <a:cs typeface="Courier New" panose="02070309020205020404" pitchFamily="49" charset="0"/>
-              </a:rPr>
-              <a:t>mysql_example.sh</a:t>
-            </a:r>
-            <a:endParaRPr lang="en-US" b="1" dirty="0"/>
-          </a:p>
-          <a:p>
-            <a:pPr lvl="1"/>
-            <a:endParaRPr lang="en-US" dirty="0"/>
-          </a:p>
-          <a:p>
-            <a:pPr lvl="1"/>
-            <a:endParaRPr lang="en-US" dirty="0"/>
-          </a:p>
-          <a:p>
-            <a:endParaRPr lang="en-US" dirty="0"/>
+              <a:t>https://github.com/sydeaka/workflow-automation</a:t>
+            </a:r>
+            <a:r>
+              <a:rPr lang="en-US" dirty="0"/>
+              <a:t> </a:t>
+            </a:r>
           </a:p>
         </p:txBody>
       </p:sp>
     </p:spTree>
     <p:extLst>
       <p:ext uri="{BB962C8B-B14F-4D97-AF65-F5344CB8AC3E}">
-        <p14:creationId xmlns:p14="http://schemas.microsoft.com/office/powerpoint/2010/main" val="1554562189"/>
+        <p14:creationId xmlns:p14="http://schemas.microsoft.com/office/powerpoint/2010/main" val="909427575"/>
       </p:ext>
     </p:extLst>
   </p:cSld>
@@ -4578,6 +4401,282 @@
           <p:cNvPr id="2" name="Title 1">
             <a:extLst>
               <a:ext uri="{FF2B5EF4-FFF2-40B4-BE49-F238E27FC236}">
+                <a16:creationId xmlns:a16="http://schemas.microsoft.com/office/drawing/2014/main" id="{2F33E213-1ECE-E745-8E60-3C9C7D634085}"/>
+              </a:ext>
+            </a:extLst>
+          </p:cNvPr>
+          <p:cNvSpPr>
+            <a:spLocks noGrp="1"/>
+          </p:cNvSpPr>
+          <p:nvPr>
+            <p:ph type="title"/>
+          </p:nvPr>
+        </p:nvSpPr>
+        <p:spPr/>
+        <p:txBody>
+          <a:bodyPr/>
+          <a:lstStyle/>
+          <a:p>
+            <a:r>
+              <a:rPr lang="en-US" dirty="0"/>
+              <a:t>DEMO: Instructions</a:t>
+            </a:r>
+          </a:p>
+        </p:txBody>
+      </p:sp>
+      <p:sp>
+        <p:nvSpPr>
+          <p:cNvPr id="3" name="Content Placeholder 2">
+            <a:extLst>
+              <a:ext uri="{FF2B5EF4-FFF2-40B4-BE49-F238E27FC236}">
+                <a16:creationId xmlns:a16="http://schemas.microsoft.com/office/drawing/2014/main" id="{70CB7CA0-87C1-7A47-9CC9-C1A7A6021127}"/>
+              </a:ext>
+            </a:extLst>
+          </p:cNvPr>
+          <p:cNvSpPr>
+            <a:spLocks noGrp="1"/>
+          </p:cNvSpPr>
+          <p:nvPr>
+            <p:ph idx="1"/>
+          </p:nvPr>
+        </p:nvSpPr>
+        <p:spPr>
+          <a:xfrm>
+            <a:off x="838200" y="1420010"/>
+            <a:ext cx="10515600" cy="5303519"/>
+          </a:xfrm>
+        </p:spPr>
+        <p:txBody>
+          <a:bodyPr>
+            <a:normAutofit fontScale="92500" lnSpcReduction="20000"/>
+          </a:bodyPr>
+          <a:lstStyle/>
+          <a:p>
+            <a:r>
+              <a:rPr lang="en-US" dirty="0"/>
+              <a:t>System requirements</a:t>
+            </a:r>
+          </a:p>
+          <a:p>
+            <a:pPr lvl="1"/>
+            <a:r>
+              <a:rPr lang="en-US" dirty="0"/>
+              <a:t>Mac / Linux operating system</a:t>
+            </a:r>
+          </a:p>
+          <a:p>
+            <a:pPr lvl="1"/>
+            <a:r>
+              <a:rPr lang="en-US" dirty="0"/>
+              <a:t>MYSQL (optional)</a:t>
+            </a:r>
+          </a:p>
+          <a:p>
+            <a:pPr lvl="2"/>
+            <a:r>
+              <a:rPr lang="en-US" dirty="0"/>
+              <a:t>If you have MYSQL installed, set </a:t>
+            </a:r>
+            <a:r>
+              <a:rPr lang="en-US" dirty="0" err="1"/>
+              <a:t>use_mysql</a:t>
+            </a:r>
+            <a:r>
+              <a:rPr lang="en-US" dirty="0"/>
+              <a:t>=TRUE and create a credentials file in your system’s home directory. The file should contain two lines: </a:t>
+            </a:r>
+          </a:p>
+          <a:p>
+            <a:pPr marL="914400" lvl="2" indent="0">
+              <a:buNone/>
+            </a:pPr>
+            <a:endParaRPr lang="en-US" dirty="0"/>
+          </a:p>
+          <a:p>
+            <a:pPr marL="3657600" lvl="8" indent="0">
+              <a:buNone/>
+            </a:pPr>
+            <a:r>
+              <a:rPr lang="en-US" dirty="0"/>
+              <a:t>username=</a:t>
+            </a:r>
+            <a:r>
+              <a:rPr lang="en-US" dirty="0" err="1"/>
+              <a:t>YourUserName</a:t>
+            </a:r>
+            <a:r>
+              <a:rPr lang="en-US" dirty="0"/>
+              <a:t> </a:t>
+            </a:r>
+          </a:p>
+          <a:p>
+            <a:pPr marL="3657600" lvl="8" indent="0">
+              <a:buNone/>
+            </a:pPr>
+            <a:r>
+              <a:rPr lang="en-US" dirty="0"/>
+              <a:t>password=</a:t>
+            </a:r>
+            <a:r>
+              <a:rPr lang="en-US" dirty="0" err="1"/>
+              <a:t>YourPassword</a:t>
+            </a:r>
+            <a:endParaRPr lang="en-US" dirty="0"/>
+          </a:p>
+          <a:p>
+            <a:pPr marL="3657600" lvl="8" indent="0">
+              <a:buNone/>
+            </a:pPr>
+            <a:endParaRPr lang="en-US" dirty="0"/>
+          </a:p>
+          <a:p>
+            <a:pPr lvl="2"/>
+            <a:r>
+              <a:rPr lang="en-US" dirty="0"/>
+              <a:t>If not, set </a:t>
+            </a:r>
+            <a:r>
+              <a:rPr lang="en-US" dirty="0" err="1"/>
+              <a:t>use_mysql</a:t>
+            </a:r>
+            <a:r>
+              <a:rPr lang="en-US" dirty="0"/>
+              <a:t>=FALSE to run without MYSQL</a:t>
+            </a:r>
+          </a:p>
+          <a:p>
+            <a:r>
+              <a:rPr lang="en-US" dirty="0"/>
+              <a:t>To run</a:t>
+            </a:r>
+          </a:p>
+          <a:p>
+            <a:pPr lvl="1"/>
+            <a:r>
+              <a:rPr lang="en-US" dirty="0"/>
+              <a:t>navigate to the top-level directory in the repository in your terminal</a:t>
+            </a:r>
+          </a:p>
+          <a:p>
+            <a:pPr lvl="1"/>
+            <a:r>
+              <a:rPr lang="en-US" dirty="0"/>
+              <a:t>modify working directory at top of “</a:t>
+            </a:r>
+            <a:r>
+              <a:rPr lang="en-US" dirty="0" err="1"/>
+              <a:t>mysql_example.sh</a:t>
+            </a:r>
+            <a:r>
+              <a:rPr lang="en-US" dirty="0"/>
+              <a:t>” file</a:t>
+            </a:r>
+          </a:p>
+          <a:p>
+            <a:pPr lvl="1"/>
+            <a:r>
+              <a:rPr lang="en-US" dirty="0"/>
+              <a:t>modify from/to email addresses in </a:t>
+            </a:r>
+            <a:r>
+              <a:rPr lang="en-US" dirty="0" err="1"/>
+              <a:t>email.R</a:t>
+            </a:r>
+            <a:r>
+              <a:rPr lang="en-US" dirty="0"/>
+              <a:t>, and create “</a:t>
+            </a:r>
+            <a:r>
+              <a:rPr lang="en-US" dirty="0" err="1"/>
+              <a:t>gmail.txt</a:t>
+            </a:r>
+            <a:r>
+              <a:rPr lang="en-US" dirty="0"/>
+              <a:t>” file in system home directory (file just contains your password as raw text, no quotes)</a:t>
+            </a:r>
+          </a:p>
+          <a:p>
+            <a:pPr lvl="1"/>
+            <a:r>
+              <a:rPr lang="en-US" dirty="0"/>
+              <a:t>execute the following:</a:t>
+            </a:r>
+          </a:p>
+          <a:p>
+            <a:pPr marL="0" indent="0">
+              <a:buNone/>
+            </a:pPr>
+            <a:r>
+              <a:rPr lang="en-US" dirty="0">
+                <a:latin typeface="Courier New" panose="02070309020205020404" pitchFamily="49" charset="0"/>
+                <a:cs typeface="Courier New" panose="02070309020205020404" pitchFamily="49" charset="0"/>
+              </a:rPr>
+              <a:t>			   </a:t>
+            </a:r>
+            <a:r>
+              <a:rPr lang="en-US" b="1" dirty="0">
+                <a:latin typeface="Courier New" panose="02070309020205020404" pitchFamily="49" charset="0"/>
+                <a:cs typeface="Courier New" panose="02070309020205020404" pitchFamily="49" charset="0"/>
+              </a:rPr>
+              <a:t>./</a:t>
+            </a:r>
+            <a:r>
+              <a:rPr lang="en-US" b="1" dirty="0" err="1">
+                <a:latin typeface="Courier New" panose="02070309020205020404" pitchFamily="49" charset="0"/>
+                <a:cs typeface="Courier New" panose="02070309020205020404" pitchFamily="49" charset="0"/>
+              </a:rPr>
+              <a:t>mysql_example.sh</a:t>
+            </a:r>
+            <a:endParaRPr lang="en-US" b="1" dirty="0"/>
+          </a:p>
+          <a:p>
+            <a:pPr lvl="1"/>
+            <a:endParaRPr lang="en-US" dirty="0"/>
+          </a:p>
+          <a:p>
+            <a:pPr lvl="1"/>
+            <a:endParaRPr lang="en-US" dirty="0"/>
+          </a:p>
+          <a:p>
+            <a:endParaRPr lang="en-US" dirty="0"/>
+          </a:p>
+        </p:txBody>
+      </p:sp>
+    </p:spTree>
+    <p:extLst>
+      <p:ext uri="{BB962C8B-B14F-4D97-AF65-F5344CB8AC3E}">
+        <p14:creationId xmlns:p14="http://schemas.microsoft.com/office/powerpoint/2010/main" val="1554562189"/>
+      </p:ext>
+    </p:extLst>
+  </p:cSld>
+  <p:clrMapOvr>
+    <a:masterClrMapping/>
+  </p:clrMapOvr>
+</p:sld>
+</file>
+
+<file path=ppt/slides/slide13.xml><?xml version="1.0" encoding="utf-8"?>
+<p:sld xmlns:a="http://schemas.openxmlformats.org/drawingml/2006/main" xmlns:r="http://schemas.openxmlformats.org/officeDocument/2006/relationships" xmlns:p="http://schemas.openxmlformats.org/presentationml/2006/main">
+  <p:cSld>
+    <p:spTree>
+      <p:nvGrpSpPr>
+        <p:cNvPr id="1" name=""/>
+        <p:cNvGrpSpPr/>
+        <p:nvPr/>
+      </p:nvGrpSpPr>
+      <p:grpSpPr>
+        <a:xfrm>
+          <a:off x="0" y="0"/>
+          <a:ext cx="0" cy="0"/>
+          <a:chOff x="0" y="0"/>
+          <a:chExt cx="0" cy="0"/>
+        </a:xfrm>
+      </p:grpSpPr>
+      <p:sp>
+        <p:nvSpPr>
+          <p:cNvPr id="2" name="Title 1">
+            <a:extLst>
+              <a:ext uri="{FF2B5EF4-FFF2-40B4-BE49-F238E27FC236}">
                 <a16:creationId xmlns:a16="http://schemas.microsoft.com/office/drawing/2014/main" id="{026D2B04-8B5E-E54D-BE4F-6508E8FCC192}"/>
               </a:ext>
             </a:extLst>
@@ -4625,14 +4724,14 @@
             <p:ph idx="1"/>
             <p:extLst>
               <p:ext uri="{D42A27DB-BD31-4B8C-83A1-F6EECF244321}">
-                <p14:modId xmlns:p14="http://schemas.microsoft.com/office/powerpoint/2010/main" val="1162851732"/>
+                <p14:modId xmlns:p14="http://schemas.microsoft.com/office/powerpoint/2010/main" val="2091386602"/>
               </p:ext>
             </p:extLst>
           </p:nvPr>
         </p:nvGraphicFramePr>
         <p:xfrm>
-          <a:off x="209027" y="1268318"/>
-          <a:ext cx="11773945" cy="4662588"/>
+          <a:off x="209027" y="1424704"/>
+          <a:ext cx="11773945" cy="5302668"/>
         </p:xfrm>
         <a:graphic>
           <a:graphicData uri="http://schemas.openxmlformats.org/drawingml/2006/table">
@@ -4761,51 +4860,28 @@
                     <a:bodyPr/>
                     <a:lstStyle/>
                     <a:p>
+                      <a:pPr marL="0" marR="0" lvl="0" indent="0" algn="l" defTabSz="914400" rtl="0" eaLnBrk="1" fontAlgn="auto" latinLnBrk="0" hangingPunct="1">
+                        <a:lnSpc>
+                          <a:spcPct val="100000"/>
+                        </a:lnSpc>
+                        <a:spcBef>
+                          <a:spcPts val="0"/>
+                        </a:spcBef>
+                        <a:spcAft>
+                          <a:spcPts val="0"/>
+                        </a:spcAft>
+                        <a:buClrTx/>
+                        <a:buSzTx/>
+                        <a:buFontTx/>
+                        <a:buNone/>
+                        <a:tabLst/>
+                        <a:defRPr/>
+                      </a:pPr>
                       <a:r>
                         <a:rPr lang="en-US" sz="1800" dirty="0"/>
                         <a:t>data</a:t>
                       </a:r>
                     </a:p>
-                  </a:txBody>
-                  <a:tcPr/>
-                </a:tc>
-                <a:tc>
-                  <a:txBody>
-                    <a:bodyPr/>
-                    <a:lstStyle/>
-                    <a:p>
-                      <a:r>
-                        <a:rPr lang="en-US" sz="1800" dirty="0"/>
-                        <a:t>bash</a:t>
-                      </a:r>
-                    </a:p>
-                  </a:txBody>
-                  <a:tcPr/>
-                </a:tc>
-                <a:tc>
-                  <a:txBody>
-                    <a:bodyPr/>
-                    <a:lstStyle/>
-                    <a:p>
-                      <a:r>
-                        <a:rPr lang="en-US" sz="1800" dirty="0"/>
-                        <a:t>Bash scripts</a:t>
-                      </a:r>
-                    </a:p>
-                  </a:txBody>
-                  <a:tcPr/>
-                </a:tc>
-                <a:extLst>
-                  <a:ext uri="{0D108BD9-81ED-4DB2-BD59-A6C34878D82A}">
-                    <a16:rowId xmlns:a16="http://schemas.microsoft.com/office/drawing/2014/main" val="573876612"/>
-                  </a:ext>
-                </a:extLst>
-              </a:tr>
-              <a:tr h="388549">
-                <a:tc>
-                  <a:txBody>
-                    <a:bodyPr/>
-                    <a:lstStyle/>
                     <a:p>
                       <a:endParaRPr lang="en-US" sz="1800" dirty="0"/>
                     </a:p>
@@ -5113,6 +5189,50 @@
                     <a:lstStyle/>
                     <a:p>
                       <a:r>
+                        <a:rPr lang="en-US" sz="1800" dirty="0" err="1"/>
+                        <a:t>R_bots</a:t>
+                      </a:r>
+                      <a:endParaRPr lang="en-US" sz="1800" dirty="0"/>
+                    </a:p>
+                  </a:txBody>
+                  <a:tcPr/>
+                </a:tc>
+                <a:tc>
+                  <a:txBody>
+                    <a:bodyPr/>
+                    <a:lstStyle/>
+                    <a:p>
+                      <a:endParaRPr lang="en-US" sz="1800" dirty="0"/>
+                    </a:p>
+                  </a:txBody>
+                  <a:tcPr/>
+                </a:tc>
+                <a:tc>
+                  <a:txBody>
+                    <a:bodyPr/>
+                    <a:lstStyle/>
+                    <a:p>
+                      <a:r>
+                        <a:rPr lang="en-US" sz="1800" dirty="0"/>
+                        <a:t>R-scripts executed in the workflow</a:t>
+                      </a:r>
+                    </a:p>
+                  </a:txBody>
+                  <a:tcPr/>
+                </a:tc>
+                <a:extLst>
+                  <a:ext uri="{0D108BD9-81ED-4DB2-BD59-A6C34878D82A}">
+                    <a16:rowId xmlns:a16="http://schemas.microsoft.com/office/drawing/2014/main" val="812221320"/>
+                  </a:ext>
+                </a:extLst>
+              </a:tr>
+              <a:tr h="388549">
+                <a:tc>
+                  <a:txBody>
+                    <a:bodyPr/>
+                    <a:lstStyle/>
+                    <a:p>
+                      <a:r>
                         <a:rPr lang="en-US" sz="1800" dirty="0"/>
                         <a:t>reports</a:t>
                       </a:r>
@@ -5136,12 +5256,8 @@
                     <a:lstStyle/>
                     <a:p>
                       <a:r>
-                        <a:rPr lang="en-US" sz="1800" dirty="0" err="1"/>
-                        <a:t>Rmarkdown</a:t>
-                      </a:r>
-                      <a:r>
                         <a:rPr lang="en-US" sz="1800" dirty="0"/>
-                        <a:t> files + rendered reports (HTML/Markdown formats)</a:t>
+                        <a:t>Rmarkdown files + rendered reports (HTML/Markdown formats)</a:t>
                       </a:r>
                     </a:p>
                   </a:txBody>
@@ -5150,6 +5266,49 @@
                 <a:extLst>
                   <a:ext uri="{0D108BD9-81ED-4DB2-BD59-A6C34878D82A}">
                     <a16:rowId xmlns:a16="http://schemas.microsoft.com/office/drawing/2014/main" val="1299990883"/>
+                  </a:ext>
+                </a:extLst>
+              </a:tr>
+              <a:tr h="388549">
+                <a:tc>
+                  <a:txBody>
+                    <a:bodyPr/>
+                    <a:lstStyle/>
+                    <a:p>
+                      <a:r>
+                        <a:rPr lang="en-US" sz="1800" dirty="0"/>
+                        <a:t>slides</a:t>
+                      </a:r>
+                    </a:p>
+                  </a:txBody>
+                  <a:tcPr/>
+                </a:tc>
+                <a:tc>
+                  <a:txBody>
+                    <a:bodyPr/>
+                    <a:lstStyle/>
+                    <a:p>
+                      <a:endParaRPr lang="en-US" sz="1800" dirty="0"/>
+                    </a:p>
+                  </a:txBody>
+                  <a:tcPr/>
+                </a:tc>
+                <a:tc>
+                  <a:txBody>
+                    <a:bodyPr/>
+                    <a:lstStyle/>
+                    <a:p>
+                      <a:r>
+                        <a:rPr lang="en-US" sz="1800" dirty="0"/>
+                        <a:t>PPT and PDF of presentation</a:t>
+                      </a:r>
+                    </a:p>
+                  </a:txBody>
+                  <a:tcPr/>
+                </a:tc>
+                <a:extLst>
+                  <a:ext uri="{0D108BD9-81ED-4DB2-BD59-A6C34878D82A}">
+                    <a16:rowId xmlns:a16="http://schemas.microsoft.com/office/drawing/2014/main" val="78086803"/>
                   </a:ext>
                 </a:extLst>
               </a:tr>
@@ -5185,7 +5344,7 @@
                     <a:p>
                       <a:r>
                         <a:rPr lang="en-US" sz="1800" dirty="0"/>
-                        <a:t>R scripts</a:t>
+                        <a:t>Re-usable utilities that could be used in other projects</a:t>
                       </a:r>
                     </a:p>
                   </a:txBody>
@@ -5214,222 +5373,6 @@
 </p:sld>
 </file>
 
-<file path=ppt/slides/slide13.xml><?xml version="1.0" encoding="utf-8"?>
-<p:sld xmlns:a="http://schemas.openxmlformats.org/drawingml/2006/main" xmlns:r="http://schemas.openxmlformats.org/officeDocument/2006/relationships" xmlns:p="http://schemas.openxmlformats.org/presentationml/2006/main">
-  <p:cSld>
-    <p:spTree>
-      <p:nvGrpSpPr>
-        <p:cNvPr id="1" name=""/>
-        <p:cNvGrpSpPr/>
-        <p:nvPr/>
-      </p:nvGrpSpPr>
-      <p:grpSpPr>
-        <a:xfrm>
-          <a:off x="0" y="0"/>
-          <a:ext cx="0" cy="0"/>
-          <a:chOff x="0" y="0"/>
-          <a:chExt cx="0" cy="0"/>
-        </a:xfrm>
-      </p:grpSpPr>
-      <p:sp>
-        <p:nvSpPr>
-          <p:cNvPr id="2" name="Title 1">
-            <a:extLst>
-              <a:ext uri="{FF2B5EF4-FFF2-40B4-BE49-F238E27FC236}">
-                <a16:creationId xmlns:a16="http://schemas.microsoft.com/office/drawing/2014/main" id="{156B4F97-C8DC-884B-BE50-CAA56A351B04}"/>
-              </a:ext>
-            </a:extLst>
-          </p:cNvPr>
-          <p:cNvSpPr>
-            <a:spLocks noGrp="1"/>
-          </p:cNvSpPr>
-          <p:nvPr>
-            <p:ph type="title"/>
-          </p:nvPr>
-        </p:nvSpPr>
-        <p:spPr/>
-        <p:txBody>
-          <a:bodyPr/>
-          <a:lstStyle/>
-          <a:p>
-            <a:r>
-              <a:rPr lang="en-US" dirty="0"/>
-              <a:t>DEMO: Skeleton of </a:t>
-            </a:r>
-            <a:r>
-              <a:rPr lang="en-US" b="1" dirty="0" err="1">
-                <a:latin typeface="Courier New" panose="02070309020205020404" pitchFamily="49" charset="0"/>
-                <a:cs typeface="Courier New" panose="02070309020205020404" pitchFamily="49" charset="0"/>
-              </a:rPr>
-              <a:t>mysql_example.sh</a:t>
-            </a:r>
-            <a:endParaRPr lang="en-US" b="1" dirty="0">
-              <a:latin typeface="Courier New" panose="02070309020205020404" pitchFamily="49" charset="0"/>
-              <a:cs typeface="Courier New" panose="02070309020205020404" pitchFamily="49" charset="0"/>
-            </a:endParaRPr>
-          </a:p>
-        </p:txBody>
-      </p:sp>
-      <p:sp>
-        <p:nvSpPr>
-          <p:cNvPr id="3" name="Content Placeholder 2">
-            <a:extLst>
-              <a:ext uri="{FF2B5EF4-FFF2-40B4-BE49-F238E27FC236}">
-                <a16:creationId xmlns:a16="http://schemas.microsoft.com/office/drawing/2014/main" id="{BF5DC333-5F7D-074F-9393-5C73E060AA16}"/>
-              </a:ext>
-            </a:extLst>
-          </p:cNvPr>
-          <p:cNvSpPr>
-            <a:spLocks noGrp="1"/>
-          </p:cNvSpPr>
-          <p:nvPr>
-            <p:ph idx="1"/>
-          </p:nvPr>
-        </p:nvSpPr>
-        <p:spPr>
-          <a:xfrm>
-            <a:off x="838200" y="1449106"/>
-            <a:ext cx="10515600" cy="5252907"/>
-          </a:xfrm>
-        </p:spPr>
-        <p:txBody>
-          <a:bodyPr>
-            <a:normAutofit fontScale="92500" lnSpcReduction="20000"/>
-          </a:bodyPr>
-          <a:lstStyle/>
-          <a:p>
-            <a:pPr marL="514350" indent="-514350">
-              <a:buFont typeface="+mj-lt"/>
-              <a:buAutoNum type="arabicPeriod"/>
-            </a:pPr>
-            <a:r>
-              <a:rPr lang="en-US" dirty="0"/>
-              <a:t>Read in MYSQL credentials and set session parameters</a:t>
-            </a:r>
-          </a:p>
-          <a:p>
-            <a:pPr marL="514350" indent="-514350">
-              <a:buFont typeface="+mj-lt"/>
-              <a:buAutoNum type="arabicPeriod"/>
-            </a:pPr>
-            <a:r>
-              <a:rPr lang="en-US" dirty="0"/>
-              <a:t>Download dataset for selected year/quarter if it does not exist</a:t>
-            </a:r>
-          </a:p>
-          <a:p>
-            <a:pPr marL="514350" indent="-514350">
-              <a:buFont typeface="+mj-lt"/>
-              <a:buAutoNum type="arabicPeriod"/>
-            </a:pPr>
-            <a:r>
-              <a:rPr lang="en-US" dirty="0"/>
-              <a:t>Generate code for ingestion of entire dataset into MYSQL database + join with existing dataset</a:t>
-            </a:r>
-          </a:p>
-          <a:p>
-            <a:pPr marL="514350" indent="-514350">
-              <a:buFont typeface="+mj-lt"/>
-              <a:buAutoNum type="arabicPeriod"/>
-            </a:pPr>
-            <a:r>
-              <a:rPr lang="en-US" dirty="0"/>
-              <a:t>Execute code created in #3</a:t>
-            </a:r>
-          </a:p>
-          <a:p>
-            <a:pPr marL="514350" indent="-514350">
-              <a:buFont typeface="+mj-lt"/>
-              <a:buAutoNum type="arabicPeriod"/>
-            </a:pPr>
-            <a:r>
-              <a:rPr lang="en-US" dirty="0"/>
-              <a:t>Generate code to create new MYSQL table with selected attributes for modeling</a:t>
-            </a:r>
-          </a:p>
-          <a:p>
-            <a:pPr marL="514350" indent="-514350">
-              <a:buFont typeface="+mj-lt"/>
-              <a:buAutoNum type="arabicPeriod"/>
-            </a:pPr>
-            <a:r>
-              <a:rPr lang="en-US" dirty="0"/>
-              <a:t>Execute code created in #5</a:t>
-            </a:r>
-          </a:p>
-          <a:p>
-            <a:pPr marL="514350" indent="-514350">
-              <a:buFont typeface="+mj-lt"/>
-              <a:buAutoNum type="arabicPeriod"/>
-            </a:pPr>
-            <a:r>
-              <a:rPr lang="en-US" dirty="0"/>
-              <a:t>Pull MYSQL modeling table into an R session, apply transformations</a:t>
-            </a:r>
-          </a:p>
-          <a:p>
-            <a:pPr marL="514350" indent="-514350">
-              <a:buFont typeface="+mj-lt"/>
-              <a:buAutoNum type="arabicPeriod"/>
-            </a:pPr>
-            <a:r>
-              <a:rPr lang="en-US" dirty="0"/>
-              <a:t>Build predictive models and save results</a:t>
-            </a:r>
-          </a:p>
-          <a:p>
-            <a:pPr marL="514350" indent="-514350">
-              <a:buFont typeface="+mj-lt"/>
-              <a:buAutoNum type="arabicPeriod"/>
-            </a:pPr>
-            <a:r>
-              <a:rPr lang="en-US" dirty="0"/>
-              <a:t>Create report of descriptive stats + modeling results</a:t>
-            </a:r>
-          </a:p>
-          <a:p>
-            <a:pPr marL="514350" indent="-514350">
-              <a:buFont typeface="+mj-lt"/>
-              <a:buAutoNum type="arabicPeriod"/>
-            </a:pPr>
-            <a:r>
-              <a:rPr lang="en-US" dirty="0"/>
-              <a:t>Email report</a:t>
-            </a:r>
-          </a:p>
-          <a:p>
-            <a:pPr marL="514350" indent="-514350">
-              <a:buFont typeface="+mj-lt"/>
-              <a:buAutoNum type="arabicPeriod"/>
-            </a:pPr>
-            <a:r>
-              <a:rPr lang="en-US" dirty="0"/>
-              <a:t>Check workflow code into </a:t>
-            </a:r>
-            <a:r>
-              <a:rPr lang="en-US" dirty="0" err="1"/>
-              <a:t>Github</a:t>
-            </a:r>
-            <a:r>
-              <a:rPr lang="en-US" dirty="0"/>
-              <a:t> repository</a:t>
-            </a:r>
-          </a:p>
-        </p:txBody>
-      </p:sp>
-    </p:spTree>
-    <p:extLst>
-      <p:ext uri="{BB962C8B-B14F-4D97-AF65-F5344CB8AC3E}">
-        <p14:creationId xmlns:p14="http://schemas.microsoft.com/office/powerpoint/2010/main" val="3361270873"/>
-      </p:ext>
-    </p:extLst>
-  </p:cSld>
-  <p:clrMapOvr>
-    <a:masterClrMapping/>
-  </p:clrMapOvr>
-</p:sld>
-</file>
-
 <file path=ppt/slides/slide14.xml><?xml version="1.0" encoding="utf-8"?>
 <p:sld xmlns:a="http://schemas.openxmlformats.org/drawingml/2006/main" xmlns:r="http://schemas.openxmlformats.org/officeDocument/2006/relationships" xmlns:p="http://schemas.openxmlformats.org/presentationml/2006/main">
   <p:cSld>
@@ -5452,6 +5395,222 @@
           <p:cNvPr id="2" name="Title 1">
             <a:extLst>
               <a:ext uri="{FF2B5EF4-FFF2-40B4-BE49-F238E27FC236}">
+                <a16:creationId xmlns:a16="http://schemas.microsoft.com/office/drawing/2014/main" id="{156B4F97-C8DC-884B-BE50-CAA56A351B04}"/>
+              </a:ext>
+            </a:extLst>
+          </p:cNvPr>
+          <p:cNvSpPr>
+            <a:spLocks noGrp="1"/>
+          </p:cNvSpPr>
+          <p:nvPr>
+            <p:ph type="title"/>
+          </p:nvPr>
+        </p:nvSpPr>
+        <p:spPr/>
+        <p:txBody>
+          <a:bodyPr/>
+          <a:lstStyle/>
+          <a:p>
+            <a:r>
+              <a:rPr lang="en-US" dirty="0"/>
+              <a:t>DEMO: Skeleton of </a:t>
+            </a:r>
+            <a:r>
+              <a:rPr lang="en-US" b="1" dirty="0" err="1">
+                <a:latin typeface="Courier New" panose="02070309020205020404" pitchFamily="49" charset="0"/>
+                <a:cs typeface="Courier New" panose="02070309020205020404" pitchFamily="49" charset="0"/>
+              </a:rPr>
+              <a:t>mysql_example.sh</a:t>
+            </a:r>
+            <a:endParaRPr lang="en-US" b="1" dirty="0">
+              <a:latin typeface="Courier New" panose="02070309020205020404" pitchFamily="49" charset="0"/>
+              <a:cs typeface="Courier New" panose="02070309020205020404" pitchFamily="49" charset="0"/>
+            </a:endParaRPr>
+          </a:p>
+        </p:txBody>
+      </p:sp>
+      <p:sp>
+        <p:nvSpPr>
+          <p:cNvPr id="3" name="Content Placeholder 2">
+            <a:extLst>
+              <a:ext uri="{FF2B5EF4-FFF2-40B4-BE49-F238E27FC236}">
+                <a16:creationId xmlns:a16="http://schemas.microsoft.com/office/drawing/2014/main" id="{BF5DC333-5F7D-074F-9393-5C73E060AA16}"/>
+              </a:ext>
+            </a:extLst>
+          </p:cNvPr>
+          <p:cNvSpPr>
+            <a:spLocks noGrp="1"/>
+          </p:cNvSpPr>
+          <p:nvPr>
+            <p:ph idx="1"/>
+          </p:nvPr>
+        </p:nvSpPr>
+        <p:spPr>
+          <a:xfrm>
+            <a:off x="838200" y="1449106"/>
+            <a:ext cx="10515600" cy="5252907"/>
+          </a:xfrm>
+        </p:spPr>
+        <p:txBody>
+          <a:bodyPr>
+            <a:normAutofit fontScale="85000" lnSpcReduction="20000"/>
+          </a:bodyPr>
+          <a:lstStyle/>
+          <a:p>
+            <a:pPr marL="514350" indent="-514350">
+              <a:buFont typeface="+mj-lt"/>
+              <a:buAutoNum type="arabicPeriod"/>
+            </a:pPr>
+            <a:r>
+              <a:rPr lang="en-US" dirty="0"/>
+              <a:t>Read in MYSQL credentials and set session parameters</a:t>
+            </a:r>
+          </a:p>
+          <a:p>
+            <a:pPr marL="514350" indent="-514350">
+              <a:buFont typeface="+mj-lt"/>
+              <a:buAutoNum type="arabicPeriod"/>
+            </a:pPr>
+            <a:r>
+              <a:rPr lang="en-US" dirty="0"/>
+              <a:t>Download dataset from Lending Club website for selected year/quarter if it does not exist</a:t>
+            </a:r>
+          </a:p>
+          <a:p>
+            <a:pPr marL="514350" indent="-514350">
+              <a:buFont typeface="+mj-lt"/>
+              <a:buAutoNum type="arabicPeriod"/>
+            </a:pPr>
+            <a:r>
+              <a:rPr lang="en-US" dirty="0"/>
+              <a:t>Generate code that moves data into MYSQL database + join with existing dataset</a:t>
+            </a:r>
+          </a:p>
+          <a:p>
+            <a:pPr marL="514350" indent="-514350">
+              <a:buFont typeface="+mj-lt"/>
+              <a:buAutoNum type="arabicPeriod"/>
+            </a:pPr>
+            <a:r>
+              <a:rPr lang="en-US" dirty="0"/>
+              <a:t>Execute code created in #3</a:t>
+            </a:r>
+          </a:p>
+          <a:p>
+            <a:pPr marL="514350" indent="-514350">
+              <a:buFont typeface="+mj-lt"/>
+              <a:buAutoNum type="arabicPeriod"/>
+            </a:pPr>
+            <a:r>
+              <a:rPr lang="en-US" dirty="0"/>
+              <a:t>Generate code to create new MYSQL table with selected attributes for modeling</a:t>
+            </a:r>
+          </a:p>
+          <a:p>
+            <a:pPr marL="514350" indent="-514350">
+              <a:buFont typeface="+mj-lt"/>
+              <a:buAutoNum type="arabicPeriod"/>
+            </a:pPr>
+            <a:r>
+              <a:rPr lang="en-US" dirty="0"/>
+              <a:t>Execute code created in #5</a:t>
+            </a:r>
+          </a:p>
+          <a:p>
+            <a:pPr marL="514350" indent="-514350">
+              <a:buFont typeface="+mj-lt"/>
+              <a:buAutoNum type="arabicPeriod"/>
+            </a:pPr>
+            <a:r>
+              <a:rPr lang="en-US" dirty="0"/>
+              <a:t>Pull MYSQL modeling table into an R session, apply transformations</a:t>
+            </a:r>
+          </a:p>
+          <a:p>
+            <a:pPr marL="514350" indent="-514350">
+              <a:buFont typeface="+mj-lt"/>
+              <a:buAutoNum type="arabicPeriod"/>
+            </a:pPr>
+            <a:r>
+              <a:rPr lang="en-US" dirty="0"/>
+              <a:t>Build predictive models and save results</a:t>
+            </a:r>
+          </a:p>
+          <a:p>
+            <a:pPr marL="514350" indent="-514350">
+              <a:buFont typeface="+mj-lt"/>
+              <a:buAutoNum type="arabicPeriod"/>
+            </a:pPr>
+            <a:r>
+              <a:rPr lang="en-US" dirty="0"/>
+              <a:t>Create report of descriptive stats + modeling results</a:t>
+            </a:r>
+          </a:p>
+          <a:p>
+            <a:pPr marL="514350" indent="-514350">
+              <a:buFont typeface="+mj-lt"/>
+              <a:buAutoNum type="arabicPeriod"/>
+            </a:pPr>
+            <a:r>
+              <a:rPr lang="en-US" dirty="0"/>
+              <a:t>Email report</a:t>
+            </a:r>
+          </a:p>
+          <a:p>
+            <a:pPr marL="514350" indent="-514350">
+              <a:buFont typeface="+mj-lt"/>
+              <a:buAutoNum type="arabicPeriod"/>
+            </a:pPr>
+            <a:r>
+              <a:rPr lang="en-US" dirty="0"/>
+              <a:t>Check workflow code into </a:t>
+            </a:r>
+            <a:r>
+              <a:rPr lang="en-US" dirty="0" err="1"/>
+              <a:t>Github</a:t>
+            </a:r>
+            <a:r>
+              <a:rPr lang="en-US" dirty="0"/>
+              <a:t> repository</a:t>
+            </a:r>
+          </a:p>
+        </p:txBody>
+      </p:sp>
+    </p:spTree>
+    <p:extLst>
+      <p:ext uri="{BB962C8B-B14F-4D97-AF65-F5344CB8AC3E}">
+        <p14:creationId xmlns:p14="http://schemas.microsoft.com/office/powerpoint/2010/main" val="3361270873"/>
+      </p:ext>
+    </p:extLst>
+  </p:cSld>
+  <p:clrMapOvr>
+    <a:masterClrMapping/>
+  </p:clrMapOvr>
+</p:sld>
+</file>
+
+<file path=ppt/slides/slide15.xml><?xml version="1.0" encoding="utf-8"?>
+<p:sld xmlns:a="http://schemas.openxmlformats.org/drawingml/2006/main" xmlns:r="http://schemas.openxmlformats.org/officeDocument/2006/relationships" xmlns:p="http://schemas.openxmlformats.org/presentationml/2006/main">
+  <p:cSld>
+    <p:spTree>
+      <p:nvGrpSpPr>
+        <p:cNvPr id="1" name=""/>
+        <p:cNvGrpSpPr/>
+        <p:nvPr/>
+      </p:nvGrpSpPr>
+      <p:grpSpPr>
+        <a:xfrm>
+          <a:off x="0" y="0"/>
+          <a:ext cx="0" cy="0"/>
+          <a:chOff x="0" y="0"/>
+          <a:chExt cx="0" cy="0"/>
+        </a:xfrm>
+      </p:grpSpPr>
+      <p:sp>
+        <p:nvSpPr>
+          <p:cNvPr id="2" name="Title 1">
+            <a:extLst>
+              <a:ext uri="{FF2B5EF4-FFF2-40B4-BE49-F238E27FC236}">
                 <a16:creationId xmlns:a16="http://schemas.microsoft.com/office/drawing/2014/main" id="{27D6ED08-6F70-5E44-B773-071A6B83BD0F}"/>
               </a:ext>
             </a:extLst>
@@ -5562,7 +5721,7 @@
 </p:sld>
 </file>
 
-<file path=ppt/slides/slide15.xml><?xml version="1.0" encoding="utf-8"?>
+<file path=ppt/slides/slide16.xml><?xml version="1.0" encoding="utf-8"?>
 <p:sld xmlns:a="http://schemas.openxmlformats.org/drawingml/2006/main" xmlns:r="http://schemas.openxmlformats.org/officeDocument/2006/relationships" xmlns:p="http://schemas.openxmlformats.org/presentationml/2006/main">
   <p:cSld>
     <p:spTree>
@@ -5975,20 +6134,6 @@
           <a:p>
             <a:r>
               <a:rPr lang="en-US" dirty="0"/>
-              <a:t>In an automated data science workflow, we link together a series of scripts that </a:t>
-            </a:r>
-            <a:r>
-              <a:rPr lang="en-US" i="1" dirty="0"/>
-              <a:t>could</a:t>
-            </a:r>
-            <a:r>
-              <a:rPr lang="en-US" dirty="0"/>
-              <a:t> be run without user intervention.</a:t>
-            </a:r>
-          </a:p>
-          <a:p>
-            <a:r>
-              <a:rPr lang="en-US" dirty="0"/>
               <a:t>An </a:t>
             </a:r>
             <a:r>
@@ -5997,7 +6142,7 @@
             </a:r>
             <a:r>
               <a:rPr lang="en-US" b="1" u="sng" dirty="0"/>
-              <a:t>-Bot</a:t>
+              <a:t>-bot</a:t>
             </a:r>
             <a:r>
               <a:rPr lang="en-US" dirty="0"/>
@@ -6039,14 +6184,18 @@
             </a:r>
           </a:p>
           <a:p>
-            <a:pPr lvl="1"/>
-            <a:endParaRPr lang="en-US" dirty="0"/>
-          </a:p>
-          <a:p>
-            <a:endParaRPr lang="en-US" dirty="0"/>
-          </a:p>
-          <a:p>
-            <a:endParaRPr lang="en-US" dirty="0"/>
+            <a:r>
+              <a:rPr lang="en-US" dirty="0"/>
+              <a:t>An end-to-end automated data science workflow could consist of a collection of </a:t>
+            </a:r>
+            <a:r>
+              <a:rPr lang="en-US" b="1" i="1" dirty="0"/>
+              <a:t>R-bots</a:t>
+            </a:r>
+            <a:r>
+              <a:rPr lang="en-US" dirty="0"/>
+              <a:t> executed from a common framework.</a:t>
+            </a:r>
           </a:p>
           <a:p>
             <a:endParaRPr lang="en-US" dirty="0"/>
@@ -6382,7 +6531,15 @@
             <a:pPr lvl="0"/>
             <a:r>
               <a:rPr lang="en-US" dirty="0"/>
-              <a:t>Use common framework from which all scripts are executed (e.g., R, Bash)</a:t>
+              <a:t>Use common framework from which all </a:t>
+            </a:r>
+            <a:r>
+              <a:rPr lang="en-US" b="1" i="1" dirty="0"/>
+              <a:t>R-bots</a:t>
+            </a:r>
+            <a:r>
+              <a:rPr lang="en-US" dirty="0"/>
+              <a:t> are executed (e.g., R, Bash)</a:t>
             </a:r>
           </a:p>
           <a:p>
@@ -6489,6 +6646,165 @@
           <a:p>
             <a:r>
               <a:rPr lang="en-US" dirty="0"/>
+              <a:t>R packages for workflow management</a:t>
+            </a:r>
+          </a:p>
+        </p:txBody>
+      </p:sp>
+      <p:sp>
+        <p:nvSpPr>
+          <p:cNvPr id="4" name="Content Placeholder 3">
+            <a:extLst>
+              <a:ext uri="{FF2B5EF4-FFF2-40B4-BE49-F238E27FC236}">
+                <a16:creationId xmlns:a16="http://schemas.microsoft.com/office/drawing/2014/main" id="{CD7D28C0-C85F-3242-BDDD-7ECC05172DBF}"/>
+              </a:ext>
+            </a:extLst>
+          </p:cNvPr>
+          <p:cNvSpPr>
+            <a:spLocks noGrp="1"/>
+          </p:cNvSpPr>
+          <p:nvPr>
+            <p:ph idx="1"/>
+          </p:nvPr>
+        </p:nvSpPr>
+        <p:spPr>
+          <a:xfrm>
+            <a:off x="838199" y="1690690"/>
+            <a:ext cx="3490609" cy="4070229"/>
+          </a:xfrm>
+        </p:spPr>
+        <p:txBody>
+          <a:bodyPr/>
+          <a:lstStyle/>
+          <a:p>
+            <a:pPr lvl="1"/>
+            <a:r>
+              <a:rPr lang="en-US" dirty="0">
+                <a:latin typeface="Courier New" panose="02070309020205020404" pitchFamily="49" charset="0"/>
+                <a:ea typeface="Calibri" panose="020F0502020204030204" pitchFamily="34" charset="0"/>
+                <a:cs typeface="Courier New" panose="02070309020205020404" pitchFamily="49" charset="0"/>
+                <a:hlinkClick r:id="rId2"/>
+              </a:rPr>
+              <a:t>workflowr</a:t>
+            </a:r>
+            <a:endParaRPr lang="en-US" dirty="0">
+              <a:latin typeface="Courier New" panose="02070309020205020404" pitchFamily="49" charset="0"/>
+              <a:ea typeface="Calibri" panose="020F0502020204030204" pitchFamily="34" charset="0"/>
+              <a:cs typeface="Courier New" panose="02070309020205020404" pitchFamily="49" charset="0"/>
+            </a:endParaRPr>
+          </a:p>
+          <a:p>
+            <a:pPr lvl="1"/>
+            <a:r>
+              <a:rPr lang="en-US" dirty="0">
+                <a:latin typeface="Courier New" panose="02070309020205020404" pitchFamily="49" charset="0"/>
+                <a:ea typeface="Calibri" panose="020F0502020204030204" pitchFamily="34" charset="0"/>
+                <a:cs typeface="Courier New" panose="02070309020205020404" pitchFamily="49" charset="0"/>
+                <a:hlinkClick r:id="rId3"/>
+              </a:rPr>
+              <a:t>drake</a:t>
+            </a:r>
+            <a:endParaRPr lang="en-US" dirty="0">
+              <a:latin typeface="Courier New" panose="02070309020205020404" pitchFamily="49" charset="0"/>
+              <a:ea typeface="Calibri" panose="020F0502020204030204" pitchFamily="34" charset="0"/>
+              <a:cs typeface="Courier New" panose="02070309020205020404" pitchFamily="49" charset="0"/>
+            </a:endParaRPr>
+          </a:p>
+          <a:p>
+            <a:pPr marL="0" indent="0">
+              <a:buNone/>
+            </a:pPr>
+            <a:endParaRPr lang="en-US" dirty="0">
+              <a:latin typeface="Courier New" panose="02070309020205020404" pitchFamily="49" charset="0"/>
+              <a:ea typeface="Calibri" panose="020F0502020204030204" pitchFamily="34" charset="0"/>
+              <a:cs typeface="Courier New" panose="02070309020205020404" pitchFamily="49" charset="0"/>
+            </a:endParaRPr>
+          </a:p>
+        </p:txBody>
+      </p:sp>
+      <p:pic>
+        <p:nvPicPr>
+          <p:cNvPr id="7" name="Picture 6">
+            <a:extLst>
+              <a:ext uri="{FF2B5EF4-FFF2-40B4-BE49-F238E27FC236}">
+                <a16:creationId xmlns:a16="http://schemas.microsoft.com/office/drawing/2014/main" id="{4355C578-9070-134A-9734-E600D5F5670E}"/>
+              </a:ext>
+            </a:extLst>
+          </p:cNvPr>
+          <p:cNvPicPr>
+            <a:picLocks noChangeAspect="1"/>
+          </p:cNvPicPr>
+          <p:nvPr/>
+        </p:nvPicPr>
+        <p:blipFill>
+          <a:blip r:embed="rId4"/>
+          <a:stretch>
+            <a:fillRect/>
+          </a:stretch>
+        </p:blipFill>
+        <p:spPr>
+          <a:xfrm>
+            <a:off x="4432841" y="1399667"/>
+            <a:ext cx="7632700" cy="5346700"/>
+          </a:xfrm>
+          <a:prstGeom prst="rect">
+            <a:avLst/>
+          </a:prstGeom>
+        </p:spPr>
+      </p:pic>
+    </p:spTree>
+    <p:extLst>
+      <p:ext uri="{BB962C8B-B14F-4D97-AF65-F5344CB8AC3E}">
+        <p14:creationId xmlns:p14="http://schemas.microsoft.com/office/powerpoint/2010/main" val="1034752107"/>
+      </p:ext>
+    </p:extLst>
+  </p:cSld>
+  <p:clrMapOvr>
+    <a:masterClrMapping/>
+  </p:clrMapOvr>
+</p:sld>
+</file>
+
+<file path=ppt/slides/slide9.xml><?xml version="1.0" encoding="utf-8"?>
+<p:sld xmlns:a="http://schemas.openxmlformats.org/drawingml/2006/main" xmlns:r="http://schemas.openxmlformats.org/officeDocument/2006/relationships" xmlns:p="http://schemas.openxmlformats.org/presentationml/2006/main">
+  <p:cSld>
+    <p:spTree>
+      <p:nvGrpSpPr>
+        <p:cNvPr id="1" name=""/>
+        <p:cNvGrpSpPr/>
+        <p:nvPr/>
+      </p:nvGrpSpPr>
+      <p:grpSpPr>
+        <a:xfrm>
+          <a:off x="0" y="0"/>
+          <a:ext cx="0" cy="0"/>
+          <a:chOff x="0" y="0"/>
+          <a:chExt cx="0" cy="0"/>
+        </a:xfrm>
+      </p:grpSpPr>
+      <p:sp>
+        <p:nvSpPr>
+          <p:cNvPr id="2" name="Title 1">
+            <a:extLst>
+              <a:ext uri="{FF2B5EF4-FFF2-40B4-BE49-F238E27FC236}">
+                <a16:creationId xmlns:a16="http://schemas.microsoft.com/office/drawing/2014/main" id="{7E6F8741-54FD-D743-972A-3A7CB54562DE}"/>
+              </a:ext>
+            </a:extLst>
+          </p:cNvPr>
+          <p:cNvSpPr>
+            <a:spLocks noGrp="1"/>
+          </p:cNvSpPr>
+          <p:nvPr>
+            <p:ph type="title"/>
+          </p:nvPr>
+        </p:nvSpPr>
+        <p:spPr/>
+        <p:txBody>
+          <a:bodyPr/>
+          <a:lstStyle/>
+          <a:p>
+            <a:r>
+              <a:rPr lang="en-US" dirty="0"/>
               <a:t>Tools/Utilities</a:t>
             </a:r>
           </a:p>
@@ -6510,14 +6826,14 @@
             <p:ph idx="1"/>
             <p:extLst>
               <p:ext uri="{D42A27DB-BD31-4B8C-83A1-F6EECF244321}">
-                <p14:modId xmlns:p14="http://schemas.microsoft.com/office/powerpoint/2010/main" val="3521439038"/>
+                <p14:modId xmlns:p14="http://schemas.microsoft.com/office/powerpoint/2010/main" val="3374968660"/>
               </p:ext>
             </p:extLst>
           </p:nvPr>
         </p:nvGraphicFramePr>
         <p:xfrm>
           <a:off x="838200" y="1392223"/>
-          <a:ext cx="10515600" cy="4573095"/>
+          <a:ext cx="10515600" cy="3492936"/>
         </p:xfrm>
         <a:graphic>
           <a:graphicData uri="http://schemas.openxmlformats.org/drawingml/2006/table">
@@ -6546,7 +6862,7 @@
                   </a:extLst>
                 </a:gridCol>
               </a:tblGrid>
-              <a:tr h="270411">
+              <a:tr h="238665">
                 <a:tc>
                   <a:txBody>
                     <a:bodyPr/>
@@ -6720,7 +7036,7 @@
                           <a:ea typeface="Calibri" panose="020F0502020204030204" pitchFamily="34" charset="0"/>
                           <a:cs typeface="Times New Roman" panose="02020603050405020304" pitchFamily="18" charset="0"/>
                         </a:rPr>
-                        <a:t>Bash functions</a:t>
+                        <a:t>Bash Functions</a:t>
                       </a:r>
                       <a:endParaRPr lang="en-US" sz="1800" dirty="0">
                         <a:effectLst/>
@@ -6778,7 +7094,7 @@
                   </a:ext>
                 </a:extLst>
               </a:tr>
-              <a:tr h="802111">
+              <a:tr h="524232">
                 <a:tc>
                   <a:txBody>
                     <a:bodyPr/>
@@ -6793,7 +7109,7 @@
                         </a:spcAft>
                       </a:pPr>
                       <a:r>
-                        <a:rPr lang="en-US" sz="1800">
+                        <a:rPr lang="en-US" sz="1800" dirty="0">
                           <a:effectLst/>
                           <a:latin typeface="Calibri" panose="020F0502020204030204" pitchFamily="34" charset="0"/>
                           <a:ea typeface="Calibri" panose="020F0502020204030204" pitchFamily="34" charset="0"/>
@@ -6856,16 +7172,17 @@
                         </a:spcAft>
                       </a:pPr>
                       <a:r>
-                        <a:rPr lang="en-US" sz="1800">
+                        <a:rPr lang="en-US" sz="1800" dirty="0">
                           <a:effectLst/>
                           <a:latin typeface="Courier New" panose="02070309020205020404" pitchFamily="49" charset="0"/>
                           <a:ea typeface="Calibri" panose="020F0502020204030204" pitchFamily="34" charset="0"/>
                           <a:cs typeface="Times New Roman" panose="02020603050405020304" pitchFamily="18" charset="0"/>
+                          <a:hlinkClick r:id="rId2"/>
                         </a:rPr>
                         <a:t>RJDBC</a:t>
                       </a:r>
                       <a:r>
-                        <a:rPr lang="en-US" sz="1800">
+                        <a:rPr lang="en-US" sz="1800" dirty="0">
                           <a:effectLst/>
                           <a:latin typeface="Calibri" panose="020F0502020204030204" pitchFamily="34" charset="0"/>
                           <a:ea typeface="Calibri" panose="020F0502020204030204" pitchFamily="34" charset="0"/>
@@ -6874,15 +7191,35 @@
                         <a:t>, </a:t>
                       </a:r>
                       <a:r>
-                        <a:rPr lang="en-US" sz="1800">
+                        <a:rPr lang="en-US" sz="1800" dirty="0">
+                          <a:effectLst/>
+                          <a:latin typeface="Courier New" panose="02070309020205020404" pitchFamily="49" charset="0"/>
+                          <a:ea typeface="Calibri" panose="020F0502020204030204" pitchFamily="34" charset="0"/>
+                          <a:cs typeface="Times New Roman" panose="02020603050405020304" pitchFamily="18" charset="0"/>
+                          <a:hlinkClick r:id="rId3"/>
+                        </a:rPr>
+                        <a:t>odbc</a:t>
+                      </a:r>
+                      <a:r>
+                        <a:rPr lang="en-US" sz="1800" dirty="0">
                           <a:effectLst/>
                           <a:latin typeface="Courier New" panose="02070309020205020404" pitchFamily="49" charset="0"/>
                           <a:ea typeface="Calibri" panose="020F0502020204030204" pitchFamily="34" charset="0"/>
                           <a:cs typeface="Times New Roman" panose="02020603050405020304" pitchFamily="18" charset="0"/>
                         </a:rPr>
-                        <a:t>ODBC</a:t>
+                        <a:t>,</a:t>
                       </a:r>
-                      <a:endParaRPr lang="en-US" sz="1800">
+                      <a:r>
+                        <a:rPr lang="en-US" sz="1800" dirty="0">
+                          <a:effectLst/>
+                          <a:latin typeface="Courier New" panose="02070309020205020404" pitchFamily="49" charset="0"/>
+                          <a:ea typeface="Calibri" panose="020F0502020204030204" pitchFamily="34" charset="0"/>
+                          <a:cs typeface="Times New Roman" panose="02020603050405020304" pitchFamily="18" charset="0"/>
+                          <a:hlinkClick r:id="rId4"/>
+                        </a:rPr>
+                        <a:t>RMySQL</a:t>
+                      </a:r>
+                      <a:endParaRPr lang="en-US" sz="1800" dirty="0">
                         <a:effectLst/>
                         <a:latin typeface="Calibri" panose="020F0502020204030204" pitchFamily="34" charset="0"/>
                         <a:ea typeface="Calibri" panose="020F0502020204030204" pitchFamily="34" charset="0"/>
@@ -6998,7 +7335,7 @@
                   </a:ext>
                 </a:extLst>
               </a:tr>
-              <a:tr h="534741">
+              <a:tr h="524232">
                 <a:tc>
                   <a:txBody>
                     <a:bodyPr/>
@@ -7013,7 +7350,7 @@
                         </a:spcAft>
                       </a:pPr>
                       <a:r>
-                        <a:rPr lang="en-US" sz="1800">
+                        <a:rPr lang="en-US" sz="1800" dirty="0">
                           <a:effectLst/>
                           <a:latin typeface="Calibri" panose="020F0502020204030204" pitchFamily="34" charset="0"/>
                           <a:ea typeface="Calibri" panose="020F0502020204030204" pitchFamily="34" charset="0"/>
@@ -7081,9 +7418,16 @@
                           <a:latin typeface="Courier New" panose="02070309020205020404" pitchFamily="49" charset="0"/>
                           <a:ea typeface="Calibri" panose="020F0502020204030204" pitchFamily="34" charset="0"/>
                           <a:cs typeface="Courier New" panose="02070309020205020404" pitchFamily="49" charset="0"/>
+                          <a:hlinkClick r:id="rId5"/>
                         </a:rPr>
                         <a:t>krb5</a:t>
                       </a:r>
+                      <a:endParaRPr lang="en-US" sz="1800" dirty="0">
+                        <a:effectLst/>
+                        <a:latin typeface="Courier New" panose="02070309020205020404" pitchFamily="49" charset="0"/>
+                        <a:ea typeface="Calibri" panose="020F0502020204030204" pitchFamily="34" charset="0"/>
+                        <a:cs typeface="Courier New" panose="02070309020205020404" pitchFamily="49" charset="0"/>
+                      </a:endParaRPr>
                     </a:p>
                   </a:txBody>
                   <a:tcPr marL="68580" marR="68580" marT="0" marB="0" anchor="ctr">
@@ -7139,7 +7483,7 @@
                         </a:spcAft>
                       </a:pPr>
                       <a:r>
-                        <a:rPr lang="en-US" sz="1800">
+                        <a:rPr lang="en-US" sz="1800" dirty="0">
                           <a:effectLst/>
                           <a:latin typeface="Courier New" panose="02070309020205020404" pitchFamily="49" charset="0"/>
                           <a:ea typeface="Calibri" panose="020F0502020204030204" pitchFamily="34" charset="0"/>
@@ -7147,15 +7491,12 @@
                         </a:rPr>
                         <a:t>kinit</a:t>
                       </a:r>
-                      <a:r>
-                        <a:rPr lang="en-US" sz="1800">
-                          <a:effectLst/>
-                          <a:latin typeface="Calibri" panose="020F0502020204030204" pitchFamily="34" charset="0"/>
-                          <a:ea typeface="Calibri" panose="020F0502020204030204" pitchFamily="34" charset="0"/>
-                          <a:cs typeface="Times New Roman" panose="02020603050405020304" pitchFamily="18" charset="0"/>
-                        </a:rPr>
-                        <a:t> using keytab credentials file</a:t>
-                      </a:r>
+                      <a:endParaRPr lang="en-US" sz="1800" dirty="0">
+                        <a:effectLst/>
+                        <a:latin typeface="Calibri" panose="020F0502020204030204" pitchFamily="34" charset="0"/>
+                        <a:ea typeface="Calibri" panose="020F0502020204030204" pitchFamily="34" charset="0"/>
+                        <a:cs typeface="Times New Roman" panose="02020603050405020304" pitchFamily="18" charset="0"/>
+                      </a:endParaRPr>
                     </a:p>
                   </a:txBody>
                   <a:tcPr marL="68580" marR="68580" marT="0" marB="0" anchor="ctr">
@@ -7203,7 +7544,7 @@
                   </a:ext>
                 </a:extLst>
               </a:tr>
-              <a:tr h="270411">
+              <a:tr h="524232">
                 <a:tc>
                   <a:txBody>
                     <a:bodyPr/>
@@ -7218,7 +7559,7 @@
                         </a:spcAft>
                       </a:pPr>
                       <a:r>
-                        <a:rPr lang="en-US" sz="1800">
+                        <a:rPr lang="en-US" sz="1800" dirty="0">
                           <a:effectLst/>
                           <a:latin typeface="Calibri" panose="020F0502020204030204" pitchFamily="34" charset="0"/>
                           <a:ea typeface="Calibri" panose="020F0502020204030204" pitchFamily="34" charset="0"/>
@@ -7281,15 +7622,16 @@
                         </a:spcAft>
                       </a:pPr>
                       <a:r>
-                        <a:rPr lang="en-US" sz="1800">
+                        <a:rPr lang="en-US" sz="1800" dirty="0">
                           <a:effectLst/>
                           <a:latin typeface="Courier New" panose="02070309020205020404" pitchFamily="49" charset="0"/>
                           <a:ea typeface="Calibri" panose="020F0502020204030204" pitchFamily="34" charset="0"/>
                           <a:cs typeface="Times New Roman" panose="02020603050405020304" pitchFamily="18" charset="0"/>
+                          <a:hlinkClick r:id="rId6"/>
                         </a:rPr>
                         <a:t>XLConnect</a:t>
                       </a:r>
-                      <a:endParaRPr lang="en-US" sz="1800">
+                      <a:endParaRPr lang="en-US" sz="1800" dirty="0">
                         <a:effectLst/>
                         <a:latin typeface="Calibri" panose="020F0502020204030204" pitchFamily="34" charset="0"/>
                         <a:ea typeface="Calibri" panose="020F0502020204030204" pitchFamily="34" charset="0"/>
@@ -7405,7 +7747,7 @@
                   </a:ext>
                 </a:extLst>
               </a:tr>
-              <a:tr h="534741">
+              <a:tr h="524232">
                 <a:tc>
                   <a:txBody>
                     <a:bodyPr/>
@@ -7420,7 +7762,7 @@
                         </a:spcAft>
                       </a:pPr>
                       <a:r>
-                        <a:rPr lang="en-US" sz="1800">
+                        <a:rPr lang="en-US" sz="1800" dirty="0">
                           <a:effectLst/>
                           <a:latin typeface="Calibri" panose="020F0502020204030204" pitchFamily="34" charset="0"/>
                           <a:ea typeface="Calibri" panose="020F0502020204030204" pitchFamily="34" charset="0"/>
@@ -7483,16 +7825,17 @@
                         </a:spcAft>
                       </a:pPr>
                       <a:r>
-                        <a:rPr lang="en-US" sz="1800">
+                        <a:rPr lang="en-US" sz="1800" dirty="0">
                           <a:effectLst/>
                           <a:latin typeface="Courier New" panose="02070309020205020404" pitchFamily="49" charset="0"/>
                           <a:ea typeface="Calibri" panose="020F0502020204030204" pitchFamily="34" charset="0"/>
                           <a:cs typeface="Times New Roman" panose="02020603050405020304" pitchFamily="18" charset="0"/>
+                          <a:hlinkClick r:id="rId7"/>
                         </a:rPr>
                         <a:t>rmarkdown</a:t>
                       </a:r>
                       <a:r>
-                        <a:rPr lang="en-US" sz="1800">
+                        <a:rPr lang="en-US" sz="1800" dirty="0">
                           <a:effectLst/>
                           <a:latin typeface="Calibri" panose="020F0502020204030204" pitchFamily="34" charset="0"/>
                           <a:ea typeface="Calibri" panose="020F0502020204030204" pitchFamily="34" charset="0"/>
@@ -7501,15 +7844,16 @@
                         <a:t>, </a:t>
                       </a:r>
                       <a:r>
-                        <a:rPr lang="en-US" sz="1800">
+                        <a:rPr lang="en-US" sz="1800" dirty="0">
                           <a:effectLst/>
                           <a:latin typeface="Courier New" panose="02070309020205020404" pitchFamily="49" charset="0"/>
                           <a:ea typeface="Calibri" panose="020F0502020204030204" pitchFamily="34" charset="0"/>
                           <a:cs typeface="Times New Roman" panose="02020603050405020304" pitchFamily="18" charset="0"/>
+                          <a:hlinkClick r:id="rId8"/>
                         </a:rPr>
                         <a:t>knitr</a:t>
                       </a:r>
-                      <a:endParaRPr lang="en-US" sz="1800">
+                      <a:endParaRPr lang="en-US" sz="1800" dirty="0">
                         <a:effectLst/>
                         <a:latin typeface="Calibri" panose="020F0502020204030204" pitchFamily="34" charset="0"/>
                         <a:ea typeface="Calibri" panose="020F0502020204030204" pitchFamily="34" charset="0"/>
@@ -7625,7 +7969,7 @@
                   </a:ext>
                 </a:extLst>
               </a:tr>
-              <a:tr h="1604222">
+              <a:tr h="524232">
                 <a:tc>
                   <a:txBody>
                     <a:bodyPr/>
@@ -7703,16 +8047,26 @@
                         </a:spcAft>
                       </a:pPr>
                       <a:r>
-                        <a:rPr lang="en-US" sz="1800">
+                        <a:rPr lang="en-US" sz="1800" dirty="0">
+                          <a:effectLst/>
+                          <a:latin typeface="Courier New" panose="02070309020205020404" pitchFamily="49" charset="0"/>
+                          <a:ea typeface="Calibri" panose="020F0502020204030204" pitchFamily="34" charset="0"/>
+                          <a:cs typeface="Times New Roman" panose="02020603050405020304" pitchFamily="18" charset="0"/>
+                          <a:hlinkClick r:id="rId9"/>
+                        </a:rPr>
+                        <a:t>mailR</a:t>
+                      </a:r>
+                      <a:r>
+                        <a:rPr lang="en-US" sz="1800" baseline="30000" dirty="0">
                           <a:effectLst/>
                           <a:latin typeface="Courier New" panose="02070309020205020404" pitchFamily="49" charset="0"/>
                           <a:ea typeface="Calibri" panose="020F0502020204030204" pitchFamily="34" charset="0"/>
                           <a:cs typeface="Times New Roman" panose="02020603050405020304" pitchFamily="18" charset="0"/>
                         </a:rPr>
-                        <a:t>mailR</a:t>
+                        <a:t>*</a:t>
                       </a:r>
                       <a:r>
-                        <a:rPr lang="en-US" sz="1800">
+                        <a:rPr lang="en-US" sz="1800" dirty="0">
                           <a:effectLst/>
                           <a:latin typeface="Calibri" panose="020F0502020204030204" pitchFamily="34" charset="0"/>
                           <a:ea typeface="Calibri" panose="020F0502020204030204" pitchFamily="34" charset="0"/>
@@ -7721,58 +8075,58 @@
                         <a:t>, </a:t>
                       </a:r>
                       <a:r>
-                        <a:rPr lang="en-US" sz="1800">
+                        <a:rPr lang="en-US" sz="1800" dirty="0">
+                          <a:effectLst/>
+                          <a:latin typeface="Courier New" panose="02070309020205020404" pitchFamily="49" charset="0"/>
+                          <a:ea typeface="Calibri" panose="020F0502020204030204" pitchFamily="34" charset="0"/>
+                          <a:cs typeface="Times New Roman" panose="02020603050405020304" pitchFamily="18" charset="0"/>
+                          <a:hlinkClick r:id="rId10"/>
+                        </a:rPr>
+                        <a:t>sendmailR</a:t>
+                      </a:r>
+                      <a:r>
+                        <a:rPr lang="en-US" sz="1800" baseline="30000" dirty="0">
                           <a:effectLst/>
                           <a:latin typeface="Courier New" panose="02070309020205020404" pitchFamily="49" charset="0"/>
                           <a:ea typeface="Calibri" panose="020F0502020204030204" pitchFamily="34" charset="0"/>
                           <a:cs typeface="Times New Roman" panose="02020603050405020304" pitchFamily="18" charset="0"/>
                         </a:rPr>
-                        <a:t>sendmailR</a:t>
+                        <a:t>*</a:t>
                       </a:r>
-                      <a:endParaRPr lang="en-US" sz="1800">
+                      <a:r>
+                        <a:rPr lang="en-US" sz="1800" dirty="0">
+                          <a:effectLst/>
+                          <a:latin typeface="Courier New" panose="02070309020205020404" pitchFamily="49" charset="0"/>
+                          <a:ea typeface="Calibri" panose="020F0502020204030204" pitchFamily="34" charset="0"/>
+                          <a:cs typeface="Times New Roman" panose="02020603050405020304" pitchFamily="18" charset="0"/>
+                        </a:rPr>
+                        <a:t>, </a:t>
+                      </a:r>
+                      <a:r>
+                        <a:rPr lang="en-US" sz="1800" dirty="0">
+                          <a:effectLst/>
+                          <a:latin typeface="Courier New" panose="02070309020205020404" pitchFamily="49" charset="0"/>
+                          <a:ea typeface="Calibri" panose="020F0502020204030204" pitchFamily="34" charset="0"/>
+                          <a:cs typeface="Times New Roman" panose="02020603050405020304" pitchFamily="18" charset="0"/>
+                          <a:hlinkClick r:id="rId11"/>
+                        </a:rPr>
+                        <a:t>gmailr</a:t>
+                      </a:r>
+                      <a:r>
+                        <a:rPr lang="en-US" sz="1800" baseline="30000" dirty="0">
+                          <a:effectLst/>
+                          <a:latin typeface="Courier New" panose="02070309020205020404" pitchFamily="49" charset="0"/>
+                          <a:ea typeface="Calibri" panose="020F0502020204030204" pitchFamily="34" charset="0"/>
+                          <a:cs typeface="Times New Roman" panose="02020603050405020304" pitchFamily="18" charset="0"/>
+                        </a:rPr>
+                        <a:t>+</a:t>
+                      </a:r>
+                      <a:endParaRPr lang="en-US" sz="1800" dirty="0">
                         <a:effectLst/>
                         <a:latin typeface="Calibri" panose="020F0502020204030204" pitchFamily="34" charset="0"/>
                         <a:ea typeface="Calibri" panose="020F0502020204030204" pitchFamily="34" charset="0"/>
                         <a:cs typeface="Times New Roman" panose="02020603050405020304" pitchFamily="18" charset="0"/>
                       </a:endParaRPr>
-                    </a:p>
-                    <a:p>
-                      <a:pPr marL="0" marR="0">
-                        <a:spcBef>
-                          <a:spcPts val="0"/>
-                        </a:spcBef>
-                        <a:spcAft>
-                          <a:spcPts val="0"/>
-                        </a:spcAft>
-                      </a:pPr>
-                      <a:r>
-                        <a:rPr lang="en-US" sz="1800">
-                          <a:effectLst/>
-                          <a:latin typeface="Calibri" panose="020F0502020204030204" pitchFamily="34" charset="0"/>
-                          <a:ea typeface="Calibri" panose="020F0502020204030204" pitchFamily="34" charset="0"/>
-                          <a:cs typeface="Times New Roman" panose="02020603050405020304" pitchFamily="18" charset="0"/>
-                        </a:rPr>
-                        <a:t> </a:t>
-                      </a:r>
-                    </a:p>
-                    <a:p>
-                      <a:pPr marL="0" marR="0">
-                        <a:spcBef>
-                          <a:spcPts val="0"/>
-                        </a:spcBef>
-                        <a:spcAft>
-                          <a:spcPts val="0"/>
-                        </a:spcAft>
-                      </a:pPr>
-                      <a:r>
-                        <a:rPr lang="en-US" sz="1800">
-                          <a:effectLst/>
-                          <a:latin typeface="Calibri" panose="020F0502020204030204" pitchFamily="34" charset="0"/>
-                          <a:ea typeface="Calibri" panose="020F0502020204030204" pitchFamily="34" charset="0"/>
-                          <a:cs typeface="Times New Roman" panose="02020603050405020304" pitchFamily="18" charset="0"/>
-                        </a:rPr>
-                        <a:t>** These don’t always work behind firewalls with restricted network settings.</a:t>
-                      </a:r>
                     </a:p>
                   </a:txBody>
                   <a:tcPr marL="68580" marR="68580" marT="0" marB="0" anchor="ctr">
@@ -7828,15 +8182,15 @@
                         </a:spcAft>
                       </a:pPr>
                       <a:r>
-                        <a:rPr lang="en-US" sz="1800">
+                        <a:rPr lang="en-US" sz="1800" dirty="0">
                           <a:effectLst/>
                           <a:latin typeface="Courier New" panose="02070309020205020404" pitchFamily="49" charset="0"/>
                           <a:ea typeface="Calibri" panose="020F0502020204030204" pitchFamily="34" charset="0"/>
                           <a:cs typeface="Times New Roman" panose="02020603050405020304" pitchFamily="18" charset="0"/>
                         </a:rPr>
-                        <a:t>mailx</a:t>
+                        <a:t>mail/mailx</a:t>
                       </a:r>
-                      <a:endParaRPr lang="en-US" sz="1800">
+                      <a:endParaRPr lang="en-US" sz="1800" dirty="0">
                         <a:effectLst/>
                         <a:latin typeface="Calibri" panose="020F0502020204030204" pitchFamily="34" charset="0"/>
                         <a:ea typeface="Calibri" panose="020F0502020204030204" pitchFamily="34" charset="0"/>
@@ -7889,7 +8243,7 @@
                   </a:ext>
                 </a:extLst>
               </a:tr>
-              <a:tr h="534741">
+              <a:tr h="524232">
                 <a:tc>
                   <a:txBody>
                     <a:bodyPr/>
@@ -7967,15 +8321,16 @@
                         </a:spcAft>
                       </a:pPr>
                       <a:r>
-                        <a:rPr lang="en-US" sz="1800">
+                        <a:rPr lang="en-US" sz="1800" dirty="0">
                           <a:effectLst/>
                           <a:latin typeface="Courier New" panose="02070309020205020404" pitchFamily="49" charset="0"/>
                           <a:ea typeface="Calibri" panose="020F0502020204030204" pitchFamily="34" charset="0"/>
                           <a:cs typeface="Times New Roman" panose="02020603050405020304" pitchFamily="18" charset="0"/>
+                          <a:hlinkClick r:id="rId12"/>
                         </a:rPr>
                         <a:t>cronR</a:t>
                       </a:r>
-                      <a:endParaRPr lang="en-US" sz="1800">
+                      <a:endParaRPr lang="en-US" sz="1800" dirty="0">
                         <a:effectLst/>
                         <a:latin typeface="Calibri" panose="020F0502020204030204" pitchFamily="34" charset="0"/>
                         <a:ea typeface="Calibri" panose="020F0502020204030204" pitchFamily="34" charset="0"/>
@@ -8101,108 +8456,65 @@
           </a:graphicData>
         </a:graphic>
       </p:graphicFrame>
+      <p:sp>
+        <p:nvSpPr>
+          <p:cNvPr id="3" name="Rectangle 2">
+            <a:extLst>
+              <a:ext uri="{FF2B5EF4-FFF2-40B4-BE49-F238E27FC236}">
+                <a16:creationId xmlns:a16="http://schemas.microsoft.com/office/drawing/2014/main" id="{96A685D5-9B8D-234F-82A0-E1C6AF03B503}"/>
+              </a:ext>
+            </a:extLst>
+          </p:cNvPr>
+          <p:cNvSpPr/>
+          <p:nvPr/>
+        </p:nvSpPr>
+        <p:spPr>
+          <a:xfrm>
+            <a:off x="838200" y="5058883"/>
+            <a:ext cx="10515600" cy="1015663"/>
+          </a:xfrm>
+          <a:prstGeom prst="rect">
+            <a:avLst/>
+          </a:prstGeom>
+        </p:spPr>
+        <p:txBody>
+          <a:bodyPr wrap="square">
+            <a:spAutoFit/>
+          </a:bodyPr>
+          <a:lstStyle/>
+          <a:p>
+            <a:r>
+              <a:rPr lang="en-US" sz="1600" dirty="0">
+                <a:latin typeface="Calibri" panose="020F0502020204030204" pitchFamily="34" charset="0"/>
+                <a:ea typeface="Calibri" panose="020F0502020204030204" pitchFamily="34" charset="0"/>
+                <a:cs typeface="Times New Roman" panose="02020603050405020304" pitchFamily="18" charset="0"/>
+              </a:rPr>
+              <a:t>* More advanced configuration may be necessary in order to get these working behind firewalls with restricted network settings.</a:t>
+            </a:r>
+          </a:p>
+          <a:p>
+            <a:endParaRPr lang="en-US" sz="1000" dirty="0">
+              <a:latin typeface="Calibri" panose="020F0502020204030204" pitchFamily="34" charset="0"/>
+              <a:ea typeface="Calibri" panose="020F0502020204030204" pitchFamily="34" charset="0"/>
+              <a:cs typeface="Times New Roman" panose="02020603050405020304" pitchFamily="18" charset="0"/>
+            </a:endParaRPr>
+          </a:p>
+          <a:p>
+            <a:r>
+              <a:rPr lang="en-US" sz="1600" dirty="0">
+                <a:latin typeface="Calibri" panose="020F0502020204030204" pitchFamily="34" charset="0"/>
+                <a:ea typeface="Calibri" panose="020F0502020204030204" pitchFamily="34" charset="0"/>
+                <a:cs typeface="Times New Roman" panose="02020603050405020304" pitchFamily="18" charset="0"/>
+              </a:rPr>
+              <a:t>+ Works, but last major update was 2 years ago.</a:t>
+            </a:r>
+          </a:p>
+        </p:txBody>
+      </p:sp>
     </p:spTree>
     <p:extLst>
       <p:ext uri="{BB962C8B-B14F-4D97-AF65-F5344CB8AC3E}">
-        <p14:creationId xmlns:p14="http://schemas.microsoft.com/office/powerpoint/2010/main" val="1034752107"/>
-      </p:ext>
-    </p:extLst>
-  </p:cSld>
-  <p:clrMapOvr>
-    <a:masterClrMapping/>
-  </p:clrMapOvr>
-</p:sld>
-</file>
-
-<file path=ppt/slides/slide9.xml><?xml version="1.0" encoding="utf-8"?>
-<p:sld xmlns:a="http://schemas.openxmlformats.org/drawingml/2006/main" xmlns:r="http://schemas.openxmlformats.org/officeDocument/2006/relationships" xmlns:p="http://schemas.openxmlformats.org/presentationml/2006/main">
-  <p:cSld>
-    <p:spTree>
-      <p:nvGrpSpPr>
-        <p:cNvPr id="1" name=""/>
-        <p:cNvGrpSpPr/>
-        <p:nvPr/>
-      </p:nvGrpSpPr>
-      <p:grpSpPr>
-        <a:xfrm>
-          <a:off x="0" y="0"/>
-          <a:ext cx="0" cy="0"/>
-          <a:chOff x="0" y="0"/>
-          <a:chExt cx="0" cy="0"/>
-        </a:xfrm>
-      </p:grpSpPr>
-      <p:sp>
-        <p:nvSpPr>
-          <p:cNvPr id="2" name="Title 1">
-            <a:extLst>
-              <a:ext uri="{FF2B5EF4-FFF2-40B4-BE49-F238E27FC236}">
-                <a16:creationId xmlns:a16="http://schemas.microsoft.com/office/drawing/2014/main" id="{4F909432-576F-DD4E-B149-428ED4C0B148}"/>
-              </a:ext>
-            </a:extLst>
-          </p:cNvPr>
-          <p:cNvSpPr>
-            <a:spLocks noGrp="1"/>
-          </p:cNvSpPr>
-          <p:nvPr>
-            <p:ph type="title"/>
-          </p:nvPr>
-        </p:nvSpPr>
-        <p:spPr/>
-        <p:txBody>
-          <a:bodyPr/>
-          <a:lstStyle/>
-          <a:p>
-            <a:r>
-              <a:rPr lang="en-US" dirty="0"/>
-              <a:t>Enterprise considerations</a:t>
-            </a:r>
-          </a:p>
-        </p:txBody>
-      </p:sp>
-      <p:sp>
-        <p:nvSpPr>
-          <p:cNvPr id="3" name="Content Placeholder 2">
-            <a:extLst>
-              <a:ext uri="{FF2B5EF4-FFF2-40B4-BE49-F238E27FC236}">
-                <a16:creationId xmlns:a16="http://schemas.microsoft.com/office/drawing/2014/main" id="{E3F3B1BE-0E0D-134F-86FD-854FF4BEAB9A}"/>
-              </a:ext>
-            </a:extLst>
-          </p:cNvPr>
-          <p:cNvSpPr>
-            <a:spLocks noGrp="1"/>
-          </p:cNvSpPr>
-          <p:nvPr>
-            <p:ph idx="1"/>
-          </p:nvPr>
-        </p:nvSpPr>
-        <p:spPr/>
-        <p:txBody>
-          <a:bodyPr/>
-          <a:lstStyle/>
-          <a:p>
-            <a:r>
-              <a:rPr lang="en-US" dirty="0"/>
-              <a:t>In enterprise setting, you may have limitations on which types of packages you can install on the server, so you may be limited to mostly base R or system commands. </a:t>
-            </a:r>
-          </a:p>
-          <a:p>
-            <a:pPr marL="0" indent="0">
-              <a:buNone/>
-            </a:pPr>
-            <a:endParaRPr lang="en-US" dirty="0"/>
-          </a:p>
-          <a:p>
-            <a:r>
-              <a:rPr lang="en-US" dirty="0"/>
-              <a:t>In the demo, I give an example of a workflow created under this scenario.</a:t>
-            </a:r>
-          </a:p>
-        </p:txBody>
-      </p:sp>
-    </p:spTree>
-    <p:extLst>
-      <p:ext uri="{BB962C8B-B14F-4D97-AF65-F5344CB8AC3E}">
-        <p14:creationId xmlns:p14="http://schemas.microsoft.com/office/powerpoint/2010/main" val="4241006663"/>
+        <p14:creationId xmlns:p14="http://schemas.microsoft.com/office/powerpoint/2010/main" val="818743960"/>
       </p:ext>
     </p:extLst>
   </p:cSld>

--- a/slides/Sydeaka_Watson_EARL_2018_Workflow_Automation.pptx
+++ b/slides/Sydeaka_Watson_EARL_2018_Workflow_Automation.pptx
@@ -5,25 +5,27 @@
     <p:sldMasterId id="2147483684" r:id="rId1"/>
   </p:sldMasterIdLst>
   <p:notesMasterIdLst>
-    <p:notesMasterId r:id="rId18"/>
+    <p:notesMasterId r:id="rId20"/>
   </p:notesMasterIdLst>
   <p:sldIdLst>
     <p:sldId id="256" r:id="rId2"/>
     <p:sldId id="274" r:id="rId3"/>
     <p:sldId id="376" r:id="rId4"/>
     <p:sldId id="260" r:id="rId5"/>
-    <p:sldId id="261" r:id="rId6"/>
-    <p:sldId id="262" r:id="rId7"/>
-    <p:sldId id="263" r:id="rId8"/>
-    <p:sldId id="264" r:id="rId9"/>
-    <p:sldId id="377" r:id="rId10"/>
-    <p:sldId id="265" r:id="rId11"/>
-    <p:sldId id="268" r:id="rId12"/>
-    <p:sldId id="272" r:id="rId13"/>
-    <p:sldId id="273" r:id="rId14"/>
-    <p:sldId id="266" r:id="rId15"/>
-    <p:sldId id="269" r:id="rId16"/>
+    <p:sldId id="266" r:id="rId6"/>
+    <p:sldId id="261" r:id="rId7"/>
+    <p:sldId id="262" r:id="rId8"/>
+    <p:sldId id="263" r:id="rId9"/>
+    <p:sldId id="264" r:id="rId10"/>
+    <p:sldId id="377" r:id="rId11"/>
+    <p:sldId id="265" r:id="rId12"/>
+    <p:sldId id="378" r:id="rId13"/>
+    <p:sldId id="379" r:id="rId14"/>
+    <p:sldId id="269" r:id="rId15"/>
+    <p:sldId id="268" r:id="rId16"/>
     <p:sldId id="271" r:id="rId17"/>
+    <p:sldId id="272" r:id="rId18"/>
+    <p:sldId id="273" r:id="rId19"/>
   </p:sldIdLst>
   <p:sldSz cx="12192000" cy="6858000"/>
   <p:notesSz cx="6858000" cy="9144000"/>
@@ -212,7 +214,7 @@
           <a:p>
             <a:fld id="{1056DE2E-A099-9E4F-B388-D0B65C2E8A5F}" type="datetimeFigureOut">
               <a:rPr lang="en-US" smtClean="0"/>
-              <a:t>11/7/18</a:t>
+              <a:t>11/8/18</a:t>
             </a:fld>
             <a:endParaRPr lang="en-US"/>
           </a:p>
@@ -796,7 +798,7 @@
           <a:p>
             <a:fld id="{1E0B824E-9E86-EB4D-B560-8CBEB7D5E0F5}" type="slidenum">
               <a:rPr lang="en-US" smtClean="0"/>
-              <a:t>12</a:t>
+              <a:t>17</a:t>
             </a:fld>
             <a:endParaRPr lang="en-US"/>
           </a:p>
@@ -1346,7 +1348,7 @@
           <a:p>
             <a:fld id="{78C73B09-5639-4F51-9EDB-083DFE102190}" type="datetimeFigureOut">
               <a:rPr lang="en-GB" smtClean="0"/>
-              <a:t>07/11/2018</a:t>
+              <a:t>08/11/2018</a:t>
             </a:fld>
             <a:endParaRPr lang="en-GB"/>
           </a:p>
@@ -1525,7 +1527,7 @@
           <a:p>
             <a:fld id="{78C73B09-5639-4F51-9EDB-083DFE102190}" type="datetimeFigureOut">
               <a:rPr lang="en-GB" smtClean="0"/>
-              <a:t>07/11/2018</a:t>
+              <a:t>08/11/2018</a:t>
             </a:fld>
             <a:endParaRPr lang="en-GB"/>
           </a:p>
@@ -1698,7 +1700,7 @@
           <a:p>
             <a:fld id="{78C73B09-5639-4F51-9EDB-083DFE102190}" type="datetimeFigureOut">
               <a:rPr lang="en-GB" smtClean="0"/>
-              <a:t>07/11/2018</a:t>
+              <a:t>08/11/2018</a:t>
             </a:fld>
             <a:endParaRPr lang="en-GB"/>
           </a:p>
@@ -1941,7 +1943,7 @@
           <a:p>
             <a:fld id="{78C73B09-5639-4F51-9EDB-083DFE102190}" type="datetimeFigureOut">
               <a:rPr lang="en-GB" smtClean="0"/>
-              <a:t>07/11/2018</a:t>
+              <a:t>08/11/2018</a:t>
             </a:fld>
             <a:endParaRPr lang="en-GB"/>
           </a:p>
@@ -2173,7 +2175,7 @@
           <a:p>
             <a:fld id="{78C73B09-5639-4F51-9EDB-083DFE102190}" type="datetimeFigureOut">
               <a:rPr lang="en-GB" smtClean="0"/>
-              <a:t>07/11/2018</a:t>
+              <a:t>08/11/2018</a:t>
             </a:fld>
             <a:endParaRPr lang="en-GB"/>
           </a:p>
@@ -2540,7 +2542,7 @@
           <a:p>
             <a:fld id="{78C73B09-5639-4F51-9EDB-083DFE102190}" type="datetimeFigureOut">
               <a:rPr lang="en-GB" smtClean="0"/>
-              <a:t>07/11/2018</a:t>
+              <a:t>08/11/2018</a:t>
             </a:fld>
             <a:endParaRPr lang="en-GB"/>
           </a:p>
@@ -2658,7 +2660,7 @@
           <a:p>
             <a:fld id="{78C73B09-5639-4F51-9EDB-083DFE102190}" type="datetimeFigureOut">
               <a:rPr lang="en-GB" smtClean="0"/>
-              <a:t>07/11/2018</a:t>
+              <a:t>08/11/2018</a:t>
             </a:fld>
             <a:endParaRPr lang="en-GB"/>
           </a:p>
@@ -2753,7 +2755,7 @@
           <a:p>
             <a:fld id="{78C73B09-5639-4F51-9EDB-083DFE102190}" type="datetimeFigureOut">
               <a:rPr lang="en-GB" smtClean="0"/>
-              <a:t>07/11/2018</a:t>
+              <a:t>08/11/2018</a:t>
             </a:fld>
             <a:endParaRPr lang="en-GB"/>
           </a:p>
@@ -3030,7 +3032,7 @@
           <a:p>
             <a:fld id="{78C73B09-5639-4F51-9EDB-083DFE102190}" type="datetimeFigureOut">
               <a:rPr lang="en-GB" smtClean="0"/>
-              <a:t>07/11/2018</a:t>
+              <a:t>08/11/2018</a:t>
             </a:fld>
             <a:endParaRPr lang="en-GB"/>
           </a:p>
@@ -3287,7 +3289,7 @@
           <a:p>
             <a:fld id="{78C73B09-5639-4F51-9EDB-083DFE102190}" type="datetimeFigureOut">
               <a:rPr lang="en-GB" smtClean="0"/>
-              <a:t>07/11/2018</a:t>
+              <a:t>08/11/2018</a:t>
             </a:fld>
             <a:endParaRPr lang="en-GB"/>
           </a:p>
@@ -3498,7 +3500,7 @@
           <a:p>
             <a:fld id="{78C73B09-5639-4F51-9EDB-083DFE102190}" type="datetimeFigureOut">
               <a:rPr lang="en-GB" smtClean="0"/>
-              <a:t>07/11/2018</a:t>
+              <a:t>08/11/2018</a:t>
             </a:fld>
             <a:endParaRPr lang="en-GB"/>
           </a:p>
@@ -4174,2598 +4176,6 @@
 </file>
 
 <file path=ppt/slides/slide10.xml><?xml version="1.0" encoding="utf-8"?>
-<p:sld xmlns:a="http://schemas.openxmlformats.org/drawingml/2006/main" xmlns:r="http://schemas.openxmlformats.org/officeDocument/2006/relationships" xmlns:p="http://schemas.openxmlformats.org/presentationml/2006/main">
-  <p:cSld>
-    <p:spTree>
-      <p:nvGrpSpPr>
-        <p:cNvPr id="1" name=""/>
-        <p:cNvGrpSpPr/>
-        <p:nvPr/>
-      </p:nvGrpSpPr>
-      <p:grpSpPr>
-        <a:xfrm>
-          <a:off x="0" y="0"/>
-          <a:ext cx="0" cy="0"/>
-          <a:chOff x="0" y="0"/>
-          <a:chExt cx="0" cy="0"/>
-        </a:xfrm>
-      </p:grpSpPr>
-      <p:sp>
-        <p:nvSpPr>
-          <p:cNvPr id="2" name="Title 1">
-            <a:extLst>
-              <a:ext uri="{FF2B5EF4-FFF2-40B4-BE49-F238E27FC236}">
-                <a16:creationId xmlns:a16="http://schemas.microsoft.com/office/drawing/2014/main" id="{4F909432-576F-DD4E-B149-428ED4C0B148}"/>
-              </a:ext>
-            </a:extLst>
-          </p:cNvPr>
-          <p:cNvSpPr>
-            <a:spLocks noGrp="1"/>
-          </p:cNvSpPr>
-          <p:nvPr>
-            <p:ph type="title"/>
-          </p:nvPr>
-        </p:nvSpPr>
-        <p:spPr/>
-        <p:txBody>
-          <a:bodyPr/>
-          <a:lstStyle/>
-          <a:p>
-            <a:r>
-              <a:rPr lang="en-US" dirty="0"/>
-              <a:t>Enterprise considerations</a:t>
-            </a:r>
-          </a:p>
-        </p:txBody>
-      </p:sp>
-      <p:sp>
-        <p:nvSpPr>
-          <p:cNvPr id="3" name="Content Placeholder 2">
-            <a:extLst>
-              <a:ext uri="{FF2B5EF4-FFF2-40B4-BE49-F238E27FC236}">
-                <a16:creationId xmlns:a16="http://schemas.microsoft.com/office/drawing/2014/main" id="{E3F3B1BE-0E0D-134F-86FD-854FF4BEAB9A}"/>
-              </a:ext>
-            </a:extLst>
-          </p:cNvPr>
-          <p:cNvSpPr>
-            <a:spLocks noGrp="1"/>
-          </p:cNvSpPr>
-          <p:nvPr>
-            <p:ph idx="1"/>
-          </p:nvPr>
-        </p:nvSpPr>
-        <p:spPr/>
-        <p:txBody>
-          <a:bodyPr/>
-          <a:lstStyle/>
-          <a:p>
-            <a:r>
-              <a:rPr lang="en-US" dirty="0"/>
-              <a:t>In enterprise setting, you may have limitations on which types of packages you can install on the server, so you may be limited to mostly base R or system commands. </a:t>
-            </a:r>
-          </a:p>
-          <a:p>
-            <a:pPr marL="0" indent="0">
-              <a:buNone/>
-            </a:pPr>
-            <a:endParaRPr lang="en-US" dirty="0"/>
-          </a:p>
-          <a:p>
-            <a:r>
-              <a:rPr lang="en-US" dirty="0"/>
-              <a:t>In the demo, I give an example of a workflow created under this scenario.</a:t>
-            </a:r>
-          </a:p>
-        </p:txBody>
-      </p:sp>
-    </p:spTree>
-    <p:extLst>
-      <p:ext uri="{BB962C8B-B14F-4D97-AF65-F5344CB8AC3E}">
-        <p14:creationId xmlns:p14="http://schemas.microsoft.com/office/powerpoint/2010/main" val="4241006663"/>
-      </p:ext>
-    </p:extLst>
-  </p:cSld>
-  <p:clrMapOvr>
-    <a:masterClrMapping/>
-  </p:clrMapOvr>
-</p:sld>
-</file>
-
-<file path=ppt/slides/slide11.xml><?xml version="1.0" encoding="utf-8"?>
-<p:sld xmlns:a="http://schemas.openxmlformats.org/drawingml/2006/main" xmlns:r="http://schemas.openxmlformats.org/officeDocument/2006/relationships" xmlns:p="http://schemas.openxmlformats.org/presentationml/2006/main">
-  <p:cSld>
-    <p:spTree>
-      <p:nvGrpSpPr>
-        <p:cNvPr id="1" name=""/>
-        <p:cNvGrpSpPr/>
-        <p:nvPr/>
-      </p:nvGrpSpPr>
-      <p:grpSpPr>
-        <a:xfrm>
-          <a:off x="0" y="0"/>
-          <a:ext cx="0" cy="0"/>
-          <a:chOff x="0" y="0"/>
-          <a:chExt cx="0" cy="0"/>
-        </a:xfrm>
-      </p:grpSpPr>
-      <p:sp>
-        <p:nvSpPr>
-          <p:cNvPr id="2" name="Title 1">
-            <a:extLst>
-              <a:ext uri="{FF2B5EF4-FFF2-40B4-BE49-F238E27FC236}">
-                <a16:creationId xmlns:a16="http://schemas.microsoft.com/office/drawing/2014/main" id="{91DE7701-EF12-9244-8683-D213CB4CDA44}"/>
-              </a:ext>
-            </a:extLst>
-          </p:cNvPr>
-          <p:cNvSpPr>
-            <a:spLocks noGrp="1"/>
-          </p:cNvSpPr>
-          <p:nvPr>
-            <p:ph type="title"/>
-          </p:nvPr>
-        </p:nvSpPr>
-        <p:spPr/>
-        <p:txBody>
-          <a:bodyPr/>
-          <a:lstStyle/>
-          <a:p>
-            <a:r>
-              <a:rPr lang="en-US" dirty="0"/>
-              <a:t>DEMO</a:t>
-            </a:r>
-          </a:p>
-        </p:txBody>
-      </p:sp>
-      <p:sp>
-        <p:nvSpPr>
-          <p:cNvPr id="3" name="Content Placeholder 2">
-            <a:extLst>
-              <a:ext uri="{FF2B5EF4-FFF2-40B4-BE49-F238E27FC236}">
-                <a16:creationId xmlns:a16="http://schemas.microsoft.com/office/drawing/2014/main" id="{18D3D842-E0C5-0B4C-A6A0-4A837A87F4ED}"/>
-              </a:ext>
-            </a:extLst>
-          </p:cNvPr>
-          <p:cNvSpPr>
-            <a:spLocks noGrp="1"/>
-          </p:cNvSpPr>
-          <p:nvPr>
-            <p:ph idx="1"/>
-          </p:nvPr>
-        </p:nvSpPr>
-        <p:spPr/>
-        <p:txBody>
-          <a:bodyPr/>
-          <a:lstStyle/>
-          <a:p>
-            <a:pPr marL="0" indent="0">
-              <a:buNone/>
-            </a:pPr>
-            <a:r>
-              <a:rPr lang="en-US" dirty="0"/>
-              <a:t>Example is available in my public repository: </a:t>
-            </a:r>
-          </a:p>
-          <a:p>
-            <a:pPr marL="0" indent="0">
-              <a:buNone/>
-            </a:pPr>
-            <a:r>
-              <a:rPr lang="en-US" dirty="0"/>
-              <a:t> </a:t>
-            </a:r>
-            <a:r>
-              <a:rPr lang="en-US" dirty="0">
-                <a:hlinkClick r:id="rId2"/>
-              </a:rPr>
-              <a:t>https://github.com/sydeaka/workflow-automation</a:t>
-            </a:r>
-            <a:r>
-              <a:rPr lang="en-US" dirty="0"/>
-              <a:t> </a:t>
-            </a:r>
-          </a:p>
-        </p:txBody>
-      </p:sp>
-    </p:spTree>
-    <p:extLst>
-      <p:ext uri="{BB962C8B-B14F-4D97-AF65-F5344CB8AC3E}">
-        <p14:creationId xmlns:p14="http://schemas.microsoft.com/office/powerpoint/2010/main" val="909427575"/>
-      </p:ext>
-    </p:extLst>
-  </p:cSld>
-  <p:clrMapOvr>
-    <a:masterClrMapping/>
-  </p:clrMapOvr>
-</p:sld>
-</file>
-
-<file path=ppt/slides/slide12.xml><?xml version="1.0" encoding="utf-8"?>
-<p:sld xmlns:a="http://schemas.openxmlformats.org/drawingml/2006/main" xmlns:r="http://schemas.openxmlformats.org/officeDocument/2006/relationships" xmlns:p="http://schemas.openxmlformats.org/presentationml/2006/main">
-  <p:cSld>
-    <p:spTree>
-      <p:nvGrpSpPr>
-        <p:cNvPr id="1" name=""/>
-        <p:cNvGrpSpPr/>
-        <p:nvPr/>
-      </p:nvGrpSpPr>
-      <p:grpSpPr>
-        <a:xfrm>
-          <a:off x="0" y="0"/>
-          <a:ext cx="0" cy="0"/>
-          <a:chOff x="0" y="0"/>
-          <a:chExt cx="0" cy="0"/>
-        </a:xfrm>
-      </p:grpSpPr>
-      <p:sp>
-        <p:nvSpPr>
-          <p:cNvPr id="2" name="Title 1">
-            <a:extLst>
-              <a:ext uri="{FF2B5EF4-FFF2-40B4-BE49-F238E27FC236}">
-                <a16:creationId xmlns:a16="http://schemas.microsoft.com/office/drawing/2014/main" id="{2F33E213-1ECE-E745-8E60-3C9C7D634085}"/>
-              </a:ext>
-            </a:extLst>
-          </p:cNvPr>
-          <p:cNvSpPr>
-            <a:spLocks noGrp="1"/>
-          </p:cNvSpPr>
-          <p:nvPr>
-            <p:ph type="title"/>
-          </p:nvPr>
-        </p:nvSpPr>
-        <p:spPr/>
-        <p:txBody>
-          <a:bodyPr/>
-          <a:lstStyle/>
-          <a:p>
-            <a:r>
-              <a:rPr lang="en-US" dirty="0"/>
-              <a:t>DEMO: Instructions</a:t>
-            </a:r>
-          </a:p>
-        </p:txBody>
-      </p:sp>
-      <p:sp>
-        <p:nvSpPr>
-          <p:cNvPr id="3" name="Content Placeholder 2">
-            <a:extLst>
-              <a:ext uri="{FF2B5EF4-FFF2-40B4-BE49-F238E27FC236}">
-                <a16:creationId xmlns:a16="http://schemas.microsoft.com/office/drawing/2014/main" id="{70CB7CA0-87C1-7A47-9CC9-C1A7A6021127}"/>
-              </a:ext>
-            </a:extLst>
-          </p:cNvPr>
-          <p:cNvSpPr>
-            <a:spLocks noGrp="1"/>
-          </p:cNvSpPr>
-          <p:nvPr>
-            <p:ph idx="1"/>
-          </p:nvPr>
-        </p:nvSpPr>
-        <p:spPr>
-          <a:xfrm>
-            <a:off x="838200" y="1420010"/>
-            <a:ext cx="10515600" cy="5303519"/>
-          </a:xfrm>
-        </p:spPr>
-        <p:txBody>
-          <a:bodyPr>
-            <a:normAutofit fontScale="92500" lnSpcReduction="20000"/>
-          </a:bodyPr>
-          <a:lstStyle/>
-          <a:p>
-            <a:r>
-              <a:rPr lang="en-US" dirty="0"/>
-              <a:t>System requirements</a:t>
-            </a:r>
-          </a:p>
-          <a:p>
-            <a:pPr lvl="1"/>
-            <a:r>
-              <a:rPr lang="en-US" dirty="0"/>
-              <a:t>Mac / Linux operating system</a:t>
-            </a:r>
-          </a:p>
-          <a:p>
-            <a:pPr lvl="1"/>
-            <a:r>
-              <a:rPr lang="en-US" dirty="0"/>
-              <a:t>MYSQL (optional)</a:t>
-            </a:r>
-          </a:p>
-          <a:p>
-            <a:pPr lvl="2"/>
-            <a:r>
-              <a:rPr lang="en-US" dirty="0"/>
-              <a:t>If you have MYSQL installed, set </a:t>
-            </a:r>
-            <a:r>
-              <a:rPr lang="en-US" dirty="0" err="1"/>
-              <a:t>use_mysql</a:t>
-            </a:r>
-            <a:r>
-              <a:rPr lang="en-US" dirty="0"/>
-              <a:t>=TRUE and create a credentials file in your system’s home directory. The file should contain two lines: </a:t>
-            </a:r>
-          </a:p>
-          <a:p>
-            <a:pPr marL="914400" lvl="2" indent="0">
-              <a:buNone/>
-            </a:pPr>
-            <a:endParaRPr lang="en-US" dirty="0"/>
-          </a:p>
-          <a:p>
-            <a:pPr marL="3657600" lvl="8" indent="0">
-              <a:buNone/>
-            </a:pPr>
-            <a:r>
-              <a:rPr lang="en-US" dirty="0"/>
-              <a:t>username=</a:t>
-            </a:r>
-            <a:r>
-              <a:rPr lang="en-US" dirty="0" err="1"/>
-              <a:t>YourUserName</a:t>
-            </a:r>
-            <a:r>
-              <a:rPr lang="en-US" dirty="0"/>
-              <a:t> </a:t>
-            </a:r>
-          </a:p>
-          <a:p>
-            <a:pPr marL="3657600" lvl="8" indent="0">
-              <a:buNone/>
-            </a:pPr>
-            <a:r>
-              <a:rPr lang="en-US" dirty="0"/>
-              <a:t>password=</a:t>
-            </a:r>
-            <a:r>
-              <a:rPr lang="en-US" dirty="0" err="1"/>
-              <a:t>YourPassword</a:t>
-            </a:r>
-            <a:endParaRPr lang="en-US" dirty="0"/>
-          </a:p>
-          <a:p>
-            <a:pPr marL="3657600" lvl="8" indent="0">
-              <a:buNone/>
-            </a:pPr>
-            <a:endParaRPr lang="en-US" dirty="0"/>
-          </a:p>
-          <a:p>
-            <a:pPr lvl="2"/>
-            <a:r>
-              <a:rPr lang="en-US" dirty="0"/>
-              <a:t>If not, set </a:t>
-            </a:r>
-            <a:r>
-              <a:rPr lang="en-US" dirty="0" err="1"/>
-              <a:t>use_mysql</a:t>
-            </a:r>
-            <a:r>
-              <a:rPr lang="en-US" dirty="0"/>
-              <a:t>=FALSE to run without MYSQL</a:t>
-            </a:r>
-          </a:p>
-          <a:p>
-            <a:r>
-              <a:rPr lang="en-US" dirty="0"/>
-              <a:t>To run</a:t>
-            </a:r>
-          </a:p>
-          <a:p>
-            <a:pPr lvl="1"/>
-            <a:r>
-              <a:rPr lang="en-US" dirty="0"/>
-              <a:t>navigate to the top-level directory in the repository in your terminal</a:t>
-            </a:r>
-          </a:p>
-          <a:p>
-            <a:pPr lvl="1"/>
-            <a:r>
-              <a:rPr lang="en-US" dirty="0"/>
-              <a:t>modify working directory at top of “</a:t>
-            </a:r>
-            <a:r>
-              <a:rPr lang="en-US" dirty="0" err="1"/>
-              <a:t>mysql_example.sh</a:t>
-            </a:r>
-            <a:r>
-              <a:rPr lang="en-US" dirty="0"/>
-              <a:t>” file</a:t>
-            </a:r>
-          </a:p>
-          <a:p>
-            <a:pPr lvl="1"/>
-            <a:r>
-              <a:rPr lang="en-US" dirty="0"/>
-              <a:t>modify from/to email addresses in </a:t>
-            </a:r>
-            <a:r>
-              <a:rPr lang="en-US" dirty="0" err="1"/>
-              <a:t>email.R</a:t>
-            </a:r>
-            <a:r>
-              <a:rPr lang="en-US" dirty="0"/>
-              <a:t>, and create “</a:t>
-            </a:r>
-            <a:r>
-              <a:rPr lang="en-US" dirty="0" err="1"/>
-              <a:t>gmail.txt</a:t>
-            </a:r>
-            <a:r>
-              <a:rPr lang="en-US" dirty="0"/>
-              <a:t>” file in system home directory (file just contains your password as raw text, no quotes)</a:t>
-            </a:r>
-          </a:p>
-          <a:p>
-            <a:pPr lvl="1"/>
-            <a:r>
-              <a:rPr lang="en-US" dirty="0"/>
-              <a:t>execute the following:</a:t>
-            </a:r>
-          </a:p>
-          <a:p>
-            <a:pPr marL="0" indent="0">
-              <a:buNone/>
-            </a:pPr>
-            <a:r>
-              <a:rPr lang="en-US" dirty="0">
-                <a:latin typeface="Courier New" panose="02070309020205020404" pitchFamily="49" charset="0"/>
-                <a:cs typeface="Courier New" panose="02070309020205020404" pitchFamily="49" charset="0"/>
-              </a:rPr>
-              <a:t>			   </a:t>
-            </a:r>
-            <a:r>
-              <a:rPr lang="en-US" b="1" dirty="0">
-                <a:latin typeface="Courier New" panose="02070309020205020404" pitchFamily="49" charset="0"/>
-                <a:cs typeface="Courier New" panose="02070309020205020404" pitchFamily="49" charset="0"/>
-              </a:rPr>
-              <a:t>./</a:t>
-            </a:r>
-            <a:r>
-              <a:rPr lang="en-US" b="1" dirty="0" err="1">
-                <a:latin typeface="Courier New" panose="02070309020205020404" pitchFamily="49" charset="0"/>
-                <a:cs typeface="Courier New" panose="02070309020205020404" pitchFamily="49" charset="0"/>
-              </a:rPr>
-              <a:t>mysql_example.sh</a:t>
-            </a:r>
-            <a:endParaRPr lang="en-US" b="1" dirty="0"/>
-          </a:p>
-          <a:p>
-            <a:pPr lvl="1"/>
-            <a:endParaRPr lang="en-US" dirty="0"/>
-          </a:p>
-          <a:p>
-            <a:pPr lvl="1"/>
-            <a:endParaRPr lang="en-US" dirty="0"/>
-          </a:p>
-          <a:p>
-            <a:endParaRPr lang="en-US" dirty="0"/>
-          </a:p>
-        </p:txBody>
-      </p:sp>
-    </p:spTree>
-    <p:extLst>
-      <p:ext uri="{BB962C8B-B14F-4D97-AF65-F5344CB8AC3E}">
-        <p14:creationId xmlns:p14="http://schemas.microsoft.com/office/powerpoint/2010/main" val="1554562189"/>
-      </p:ext>
-    </p:extLst>
-  </p:cSld>
-  <p:clrMapOvr>
-    <a:masterClrMapping/>
-  </p:clrMapOvr>
-</p:sld>
-</file>
-
-<file path=ppt/slides/slide13.xml><?xml version="1.0" encoding="utf-8"?>
-<p:sld xmlns:a="http://schemas.openxmlformats.org/drawingml/2006/main" xmlns:r="http://schemas.openxmlformats.org/officeDocument/2006/relationships" xmlns:p="http://schemas.openxmlformats.org/presentationml/2006/main">
-  <p:cSld>
-    <p:spTree>
-      <p:nvGrpSpPr>
-        <p:cNvPr id="1" name=""/>
-        <p:cNvGrpSpPr/>
-        <p:nvPr/>
-      </p:nvGrpSpPr>
-      <p:grpSpPr>
-        <a:xfrm>
-          <a:off x="0" y="0"/>
-          <a:ext cx="0" cy="0"/>
-          <a:chOff x="0" y="0"/>
-          <a:chExt cx="0" cy="0"/>
-        </a:xfrm>
-      </p:grpSpPr>
-      <p:sp>
-        <p:nvSpPr>
-          <p:cNvPr id="2" name="Title 1">
-            <a:extLst>
-              <a:ext uri="{FF2B5EF4-FFF2-40B4-BE49-F238E27FC236}">
-                <a16:creationId xmlns:a16="http://schemas.microsoft.com/office/drawing/2014/main" id="{026D2B04-8B5E-E54D-BE4F-6508E8FCC192}"/>
-              </a:ext>
-            </a:extLst>
-          </p:cNvPr>
-          <p:cNvSpPr>
-            <a:spLocks noGrp="1"/>
-          </p:cNvSpPr>
-          <p:nvPr>
-            <p:ph type="title"/>
-          </p:nvPr>
-        </p:nvSpPr>
-        <p:spPr/>
-        <p:txBody>
-          <a:bodyPr/>
-          <a:lstStyle/>
-          <a:p>
-            <a:r>
-              <a:rPr lang="en-US" dirty="0"/>
-              <a:t>DEMO: </a:t>
-            </a:r>
-            <a:r>
-              <a:rPr lang="en-US" dirty="0" err="1"/>
-              <a:t>Github</a:t>
-            </a:r>
-            <a:r>
-              <a:rPr lang="en-US" dirty="0"/>
-              <a:t> directory structure</a:t>
-            </a:r>
-          </a:p>
-        </p:txBody>
-      </p:sp>
-      <p:graphicFrame>
-        <p:nvGraphicFramePr>
-          <p:cNvPr id="4" name="Content Placeholder 3">
-            <a:extLst>
-              <a:ext uri="{FF2B5EF4-FFF2-40B4-BE49-F238E27FC236}">
-                <a16:creationId xmlns:a16="http://schemas.microsoft.com/office/drawing/2014/main" id="{EAE19D0B-D96F-C74A-B7DC-C9B10BE4A2D2}"/>
-              </a:ext>
-            </a:extLst>
-          </p:cNvPr>
-          <p:cNvGraphicFramePr>
-            <a:graphicFrameLocks noGrp="1"/>
-          </p:cNvGraphicFramePr>
-          <p:nvPr>
-            <p:ph idx="1"/>
-            <p:extLst>
-              <p:ext uri="{D42A27DB-BD31-4B8C-83A1-F6EECF244321}">
-                <p14:modId xmlns:p14="http://schemas.microsoft.com/office/powerpoint/2010/main" val="2091386602"/>
-              </p:ext>
-            </p:extLst>
-          </p:nvPr>
-        </p:nvGraphicFramePr>
-        <p:xfrm>
-          <a:off x="209027" y="1424704"/>
-          <a:ext cx="11773945" cy="5302668"/>
-        </p:xfrm>
-        <a:graphic>
-          <a:graphicData uri="http://schemas.openxmlformats.org/drawingml/2006/table">
-            <a:tbl>
-              <a:tblPr firstRow="1" bandRow="1">
-                <a:tableStyleId>{F5AB1C69-6EDB-4FF4-983F-18BD219EF322}</a:tableStyleId>
-              </a:tblPr>
-              <a:tblGrid>
-                <a:gridCol w="1722222">
-                  <a:extLst>
-                    <a:ext uri="{9D8B030D-6E8A-4147-A177-3AD203B41FA5}">
-                      <a16:colId xmlns:a16="http://schemas.microsoft.com/office/drawing/2014/main" val="3459403634"/>
-                    </a:ext>
-                  </a:extLst>
-                </a:gridCol>
-                <a:gridCol w="1776383">
-                  <a:extLst>
-                    <a:ext uri="{9D8B030D-6E8A-4147-A177-3AD203B41FA5}">
-                      <a16:colId xmlns:a16="http://schemas.microsoft.com/office/drawing/2014/main" val="2652063225"/>
-                    </a:ext>
-                  </a:extLst>
-                </a:gridCol>
-                <a:gridCol w="8275340">
-                  <a:extLst>
-                    <a:ext uri="{9D8B030D-6E8A-4147-A177-3AD203B41FA5}">
-                      <a16:colId xmlns:a16="http://schemas.microsoft.com/office/drawing/2014/main" val="1892026608"/>
-                    </a:ext>
-                  </a:extLst>
-                </a:gridCol>
-              </a:tblGrid>
-              <a:tr h="388549">
-                <a:tc>
-                  <a:txBody>
-                    <a:bodyPr/>
-                    <a:lstStyle/>
-                    <a:p>
-                      <a:pPr algn="ctr"/>
-                      <a:r>
-                        <a:rPr lang="en-US" sz="1800" dirty="0"/>
-                        <a:t>Folder</a:t>
-                      </a:r>
-                    </a:p>
-                  </a:txBody>
-                  <a:tcPr/>
-                </a:tc>
-                <a:tc>
-                  <a:txBody>
-                    <a:bodyPr/>
-                    <a:lstStyle/>
-                    <a:p>
-                      <a:pPr algn="ctr"/>
-                      <a:r>
-                        <a:rPr lang="en-US" sz="1800" dirty="0"/>
-                        <a:t>Subfolder</a:t>
-                      </a:r>
-                    </a:p>
-                  </a:txBody>
-                  <a:tcPr/>
-                </a:tc>
-                <a:tc>
-                  <a:txBody>
-                    <a:bodyPr/>
-                    <a:lstStyle/>
-                    <a:p>
-                      <a:pPr algn="ctr"/>
-                      <a:r>
-                        <a:rPr lang="en-US" sz="1800" dirty="0"/>
-                        <a:t>Contents</a:t>
-                      </a:r>
-                    </a:p>
-                  </a:txBody>
-                  <a:tcPr/>
-                </a:tc>
-                <a:extLst>
-                  <a:ext uri="{0D108BD9-81ED-4DB2-BD59-A6C34878D82A}">
-                    <a16:rowId xmlns:a16="http://schemas.microsoft.com/office/drawing/2014/main" val="2076470655"/>
-                  </a:ext>
-                </a:extLst>
-              </a:tr>
-              <a:tr h="388549">
-                <a:tc>
-                  <a:txBody>
-                    <a:bodyPr/>
-                    <a:lstStyle/>
-                    <a:p>
-                      <a:r>
-                        <a:rPr lang="en-US" sz="1800" dirty="0"/>
-                        <a:t>config</a:t>
-                      </a:r>
-                    </a:p>
-                  </a:txBody>
-                  <a:tcPr/>
-                </a:tc>
-                <a:tc>
-                  <a:txBody>
-                    <a:bodyPr/>
-                    <a:lstStyle/>
-                    <a:p>
-                      <a:endParaRPr lang="en-US" sz="1800" dirty="0"/>
-                    </a:p>
-                  </a:txBody>
-                  <a:tcPr/>
-                </a:tc>
-                <a:tc>
-                  <a:txBody>
-                    <a:bodyPr/>
-                    <a:lstStyle/>
-                    <a:p>
-                      <a:r>
-                        <a:rPr lang="en-US" sz="1800" dirty="0"/>
-                        <a:t>Session parameters, pointer to credential file location</a:t>
-                      </a:r>
-                    </a:p>
-                  </a:txBody>
-                  <a:tcPr/>
-                </a:tc>
-                <a:extLst>
-                  <a:ext uri="{0D108BD9-81ED-4DB2-BD59-A6C34878D82A}">
-                    <a16:rowId xmlns:a16="http://schemas.microsoft.com/office/drawing/2014/main" val="2421344104"/>
-                  </a:ext>
-                </a:extLst>
-              </a:tr>
-              <a:tr h="388549">
-                <a:tc>
-                  <a:txBody>
-                    <a:bodyPr/>
-                    <a:lstStyle/>
-                    <a:p>
-                      <a:pPr marL="0" marR="0" lvl="0" indent="0" algn="l" defTabSz="914400" rtl="0" eaLnBrk="1" fontAlgn="auto" latinLnBrk="0" hangingPunct="1">
-                        <a:lnSpc>
-                          <a:spcPct val="100000"/>
-                        </a:lnSpc>
-                        <a:spcBef>
-                          <a:spcPts val="0"/>
-                        </a:spcBef>
-                        <a:spcAft>
-                          <a:spcPts val="0"/>
-                        </a:spcAft>
-                        <a:buClrTx/>
-                        <a:buSzTx/>
-                        <a:buFontTx/>
-                        <a:buNone/>
-                        <a:tabLst/>
-                        <a:defRPr/>
-                      </a:pPr>
-                      <a:r>
-                        <a:rPr lang="en-US" sz="1800" dirty="0"/>
-                        <a:t>data</a:t>
-                      </a:r>
-                    </a:p>
-                    <a:p>
-                      <a:endParaRPr lang="en-US" sz="1800" dirty="0"/>
-                    </a:p>
-                  </a:txBody>
-                  <a:tcPr/>
-                </a:tc>
-                <a:tc>
-                  <a:txBody>
-                    <a:bodyPr/>
-                    <a:lstStyle/>
-                    <a:p>
-                      <a:r>
-                        <a:rPr lang="en-US" sz="1800" dirty="0"/>
-                        <a:t>dictionary</a:t>
-                      </a:r>
-                    </a:p>
-                  </a:txBody>
-                  <a:tcPr/>
-                </a:tc>
-                <a:tc>
-                  <a:txBody>
-                    <a:bodyPr/>
-                    <a:lstStyle/>
-                    <a:p>
-                      <a:r>
-                        <a:rPr lang="en-US" sz="1800" dirty="0"/>
-                        <a:t>Lending Club data dictionary</a:t>
-                      </a:r>
-                    </a:p>
-                  </a:txBody>
-                  <a:tcPr/>
-                </a:tc>
-                <a:extLst>
-                  <a:ext uri="{0D108BD9-81ED-4DB2-BD59-A6C34878D82A}">
-                    <a16:rowId xmlns:a16="http://schemas.microsoft.com/office/drawing/2014/main" val="4180291134"/>
-                  </a:ext>
-                </a:extLst>
-              </a:tr>
-              <a:tr h="388549">
-                <a:tc>
-                  <a:txBody>
-                    <a:bodyPr/>
-                    <a:lstStyle/>
-                    <a:p>
-                      <a:endParaRPr lang="en-US" sz="1800" dirty="0"/>
-                    </a:p>
-                  </a:txBody>
-                  <a:tcPr/>
-                </a:tc>
-                <a:tc>
-                  <a:txBody>
-                    <a:bodyPr/>
-                    <a:lstStyle/>
-                    <a:p>
-                      <a:r>
-                        <a:rPr lang="en-US" sz="1800" dirty="0"/>
-                        <a:t>downloads</a:t>
-                      </a:r>
-                    </a:p>
-                  </a:txBody>
-                  <a:tcPr/>
-                </a:tc>
-                <a:tc>
-                  <a:txBody>
-                    <a:bodyPr/>
-                    <a:lstStyle/>
-                    <a:p>
-                      <a:r>
-                        <a:rPr lang="en-US" sz="1800" dirty="0"/>
-                        <a:t>Downloaded zip files from Lending Club website + unzipped CSVs</a:t>
-                      </a:r>
-                    </a:p>
-                  </a:txBody>
-                  <a:tcPr/>
-                </a:tc>
-                <a:extLst>
-                  <a:ext uri="{0D108BD9-81ED-4DB2-BD59-A6C34878D82A}">
-                    <a16:rowId xmlns:a16="http://schemas.microsoft.com/office/drawing/2014/main" val="1841722429"/>
-                  </a:ext>
-                </a:extLst>
-              </a:tr>
-              <a:tr h="388549">
-                <a:tc>
-                  <a:txBody>
-                    <a:bodyPr/>
-                    <a:lstStyle/>
-                    <a:p>
-                      <a:endParaRPr lang="en-US" sz="1800" dirty="0"/>
-                    </a:p>
-                  </a:txBody>
-                  <a:tcPr/>
-                </a:tc>
-                <a:tc>
-                  <a:txBody>
-                    <a:bodyPr/>
-                    <a:lstStyle/>
-                    <a:p>
-                      <a:r>
-                        <a:rPr lang="en-US" sz="1800" dirty="0" err="1"/>
-                        <a:t>join_data</a:t>
-                      </a:r>
-                      <a:endParaRPr lang="en-US" sz="1800" dirty="0"/>
-                    </a:p>
-                  </a:txBody>
-                  <a:tcPr/>
-                </a:tc>
-                <a:tc>
-                  <a:txBody>
-                    <a:bodyPr/>
-                    <a:lstStyle/>
-                    <a:p>
-                      <a:r>
-                        <a:rPr lang="en-US" sz="1800" dirty="0"/>
-                        <a:t>State-level datasets to be joined to Lending Club dataset</a:t>
-                      </a:r>
-                    </a:p>
-                  </a:txBody>
-                  <a:tcPr/>
-                </a:tc>
-                <a:extLst>
-                  <a:ext uri="{0D108BD9-81ED-4DB2-BD59-A6C34878D82A}">
-                    <a16:rowId xmlns:a16="http://schemas.microsoft.com/office/drawing/2014/main" val="3360366406"/>
-                  </a:ext>
-                </a:extLst>
-              </a:tr>
-              <a:tr h="388549">
-                <a:tc>
-                  <a:txBody>
-                    <a:bodyPr/>
-                    <a:lstStyle/>
-                    <a:p>
-                      <a:endParaRPr lang="en-US" sz="1800"/>
-                    </a:p>
-                  </a:txBody>
-                  <a:tcPr/>
-                </a:tc>
-                <a:tc>
-                  <a:txBody>
-                    <a:bodyPr/>
-                    <a:lstStyle/>
-                    <a:p>
-                      <a:r>
-                        <a:rPr lang="en-US" sz="1800" dirty="0" err="1"/>
-                        <a:t>modeling_data</a:t>
-                      </a:r>
-                      <a:endParaRPr lang="en-US" sz="1800" dirty="0"/>
-                    </a:p>
-                  </a:txBody>
-                  <a:tcPr/>
-                </a:tc>
-                <a:tc>
-                  <a:txBody>
-                    <a:bodyPr/>
-                    <a:lstStyle/>
-                    <a:p>
-                      <a:r>
-                        <a:rPr lang="en-US" sz="1800" dirty="0"/>
-                        <a:t>Cleaned/transformed Lending Club data subset prepared for modeling</a:t>
-                      </a:r>
-                    </a:p>
-                  </a:txBody>
-                  <a:tcPr/>
-                </a:tc>
-                <a:extLst>
-                  <a:ext uri="{0D108BD9-81ED-4DB2-BD59-A6C34878D82A}">
-                    <a16:rowId xmlns:a16="http://schemas.microsoft.com/office/drawing/2014/main" val="3614101936"/>
-                  </a:ext>
-                </a:extLst>
-              </a:tr>
-              <a:tr h="388549">
-                <a:tc>
-                  <a:txBody>
-                    <a:bodyPr/>
-                    <a:lstStyle/>
-                    <a:p>
-                      <a:endParaRPr lang="en-US" sz="1800" dirty="0"/>
-                    </a:p>
-                  </a:txBody>
-                  <a:tcPr/>
-                </a:tc>
-                <a:tc>
-                  <a:txBody>
-                    <a:bodyPr/>
-                    <a:lstStyle/>
-                    <a:p>
-                      <a:r>
-                        <a:rPr lang="en-US" sz="1800" dirty="0" err="1"/>
-                        <a:t>sql</a:t>
-                      </a:r>
-                      <a:endParaRPr lang="en-US" sz="1800" dirty="0"/>
-                    </a:p>
-                  </a:txBody>
-                  <a:tcPr/>
-                </a:tc>
-                <a:tc>
-                  <a:txBody>
-                    <a:bodyPr/>
-                    <a:lstStyle/>
-                    <a:p>
-                      <a:r>
-                        <a:rPr lang="en-US" sz="1800" dirty="0"/>
-                        <a:t>SQL scripts created/executed in the process</a:t>
-                      </a:r>
-                    </a:p>
-                  </a:txBody>
-                  <a:tcPr/>
-                </a:tc>
-                <a:extLst>
-                  <a:ext uri="{0D108BD9-81ED-4DB2-BD59-A6C34878D82A}">
-                    <a16:rowId xmlns:a16="http://schemas.microsoft.com/office/drawing/2014/main" val="2750012578"/>
-                  </a:ext>
-                </a:extLst>
-              </a:tr>
-              <a:tr h="388549">
-                <a:tc>
-                  <a:txBody>
-                    <a:bodyPr/>
-                    <a:lstStyle/>
-                    <a:p>
-                      <a:r>
-                        <a:rPr lang="en-US" sz="1800" dirty="0" err="1"/>
-                        <a:t>model_results</a:t>
-                      </a:r>
-                      <a:endParaRPr lang="en-US" sz="1800" dirty="0"/>
-                    </a:p>
-                  </a:txBody>
-                  <a:tcPr/>
-                </a:tc>
-                <a:tc>
-                  <a:txBody>
-                    <a:bodyPr/>
-                    <a:lstStyle/>
-                    <a:p>
-                      <a:endParaRPr lang="en-US" sz="1800" dirty="0"/>
-                    </a:p>
-                  </a:txBody>
-                  <a:tcPr/>
-                </a:tc>
-                <a:tc>
-                  <a:txBody>
-                    <a:bodyPr/>
-                    <a:lstStyle/>
-                    <a:p>
-                      <a:r>
-                        <a:rPr lang="en-US" sz="1800" dirty="0"/>
-                        <a:t>h2o model files + R workspace with objects saved for use in report</a:t>
-                      </a:r>
-                    </a:p>
-                  </a:txBody>
-                  <a:tcPr/>
-                </a:tc>
-                <a:extLst>
-                  <a:ext uri="{0D108BD9-81ED-4DB2-BD59-A6C34878D82A}">
-                    <a16:rowId xmlns:a16="http://schemas.microsoft.com/office/drawing/2014/main" val="2024034160"/>
-                  </a:ext>
-                </a:extLst>
-              </a:tr>
-              <a:tr h="388549">
-                <a:tc>
-                  <a:txBody>
-                    <a:bodyPr/>
-                    <a:lstStyle/>
-                    <a:p>
-                      <a:r>
-                        <a:rPr lang="en-US" sz="1800" dirty="0"/>
-                        <a:t>plots</a:t>
-                      </a:r>
-                    </a:p>
-                  </a:txBody>
-                  <a:tcPr/>
-                </a:tc>
-                <a:tc>
-                  <a:txBody>
-                    <a:bodyPr/>
-                    <a:lstStyle/>
-                    <a:p>
-                      <a:endParaRPr lang="en-US" sz="1800" dirty="0"/>
-                    </a:p>
-                  </a:txBody>
-                  <a:tcPr/>
-                </a:tc>
-                <a:tc>
-                  <a:txBody>
-                    <a:bodyPr/>
-                    <a:lstStyle/>
-                    <a:p>
-                      <a:r>
-                        <a:rPr lang="en-US" sz="1800" dirty="0"/>
-                        <a:t>Plots to be rendered in the report</a:t>
-                      </a:r>
-                    </a:p>
-                  </a:txBody>
-                  <a:tcPr/>
-                </a:tc>
-                <a:extLst>
-                  <a:ext uri="{0D108BD9-81ED-4DB2-BD59-A6C34878D82A}">
-                    <a16:rowId xmlns:a16="http://schemas.microsoft.com/office/drawing/2014/main" val="3494472730"/>
-                  </a:ext>
-                </a:extLst>
-              </a:tr>
-              <a:tr h="388549">
-                <a:tc>
-                  <a:txBody>
-                    <a:bodyPr/>
-                    <a:lstStyle/>
-                    <a:p>
-                      <a:r>
-                        <a:rPr lang="en-US" sz="1800" dirty="0" err="1"/>
-                        <a:t>R_bots</a:t>
-                      </a:r>
-                      <a:endParaRPr lang="en-US" sz="1800" dirty="0"/>
-                    </a:p>
-                  </a:txBody>
-                  <a:tcPr/>
-                </a:tc>
-                <a:tc>
-                  <a:txBody>
-                    <a:bodyPr/>
-                    <a:lstStyle/>
-                    <a:p>
-                      <a:endParaRPr lang="en-US" sz="1800" dirty="0"/>
-                    </a:p>
-                  </a:txBody>
-                  <a:tcPr/>
-                </a:tc>
-                <a:tc>
-                  <a:txBody>
-                    <a:bodyPr/>
-                    <a:lstStyle/>
-                    <a:p>
-                      <a:r>
-                        <a:rPr lang="en-US" sz="1800" dirty="0"/>
-                        <a:t>R-scripts executed in the workflow</a:t>
-                      </a:r>
-                    </a:p>
-                  </a:txBody>
-                  <a:tcPr/>
-                </a:tc>
-                <a:extLst>
-                  <a:ext uri="{0D108BD9-81ED-4DB2-BD59-A6C34878D82A}">
-                    <a16:rowId xmlns:a16="http://schemas.microsoft.com/office/drawing/2014/main" val="812221320"/>
-                  </a:ext>
-                </a:extLst>
-              </a:tr>
-              <a:tr h="388549">
-                <a:tc>
-                  <a:txBody>
-                    <a:bodyPr/>
-                    <a:lstStyle/>
-                    <a:p>
-                      <a:r>
-                        <a:rPr lang="en-US" sz="1800" dirty="0"/>
-                        <a:t>reports</a:t>
-                      </a:r>
-                    </a:p>
-                  </a:txBody>
-                  <a:tcPr/>
-                </a:tc>
-                <a:tc>
-                  <a:txBody>
-                    <a:bodyPr/>
-                    <a:lstStyle/>
-                    <a:p>
-                      <a:endParaRPr lang="en-US" sz="1800" dirty="0"/>
-                    </a:p>
-                  </a:txBody>
-                  <a:tcPr/>
-                </a:tc>
-                <a:tc>
-                  <a:txBody>
-                    <a:bodyPr/>
-                    <a:lstStyle/>
-                    <a:p>
-                      <a:r>
-                        <a:rPr lang="en-US" sz="1800" dirty="0"/>
-                        <a:t>Rmarkdown files + rendered reports (HTML/Markdown formats)</a:t>
-                      </a:r>
-                    </a:p>
-                  </a:txBody>
-                  <a:tcPr/>
-                </a:tc>
-                <a:extLst>
-                  <a:ext uri="{0D108BD9-81ED-4DB2-BD59-A6C34878D82A}">
-                    <a16:rowId xmlns:a16="http://schemas.microsoft.com/office/drawing/2014/main" val="1299990883"/>
-                  </a:ext>
-                </a:extLst>
-              </a:tr>
-              <a:tr h="388549">
-                <a:tc>
-                  <a:txBody>
-                    <a:bodyPr/>
-                    <a:lstStyle/>
-                    <a:p>
-                      <a:r>
-                        <a:rPr lang="en-US" sz="1800" dirty="0"/>
-                        <a:t>slides</a:t>
-                      </a:r>
-                    </a:p>
-                  </a:txBody>
-                  <a:tcPr/>
-                </a:tc>
-                <a:tc>
-                  <a:txBody>
-                    <a:bodyPr/>
-                    <a:lstStyle/>
-                    <a:p>
-                      <a:endParaRPr lang="en-US" sz="1800" dirty="0"/>
-                    </a:p>
-                  </a:txBody>
-                  <a:tcPr/>
-                </a:tc>
-                <a:tc>
-                  <a:txBody>
-                    <a:bodyPr/>
-                    <a:lstStyle/>
-                    <a:p>
-                      <a:r>
-                        <a:rPr lang="en-US" sz="1800" dirty="0"/>
-                        <a:t>PPT and PDF of presentation</a:t>
-                      </a:r>
-                    </a:p>
-                  </a:txBody>
-                  <a:tcPr/>
-                </a:tc>
-                <a:extLst>
-                  <a:ext uri="{0D108BD9-81ED-4DB2-BD59-A6C34878D82A}">
-                    <a16:rowId xmlns:a16="http://schemas.microsoft.com/office/drawing/2014/main" val="78086803"/>
-                  </a:ext>
-                </a:extLst>
-              </a:tr>
-              <a:tr h="388549">
-                <a:tc>
-                  <a:txBody>
-                    <a:bodyPr/>
-                    <a:lstStyle/>
-                    <a:p>
-                      <a:r>
-                        <a:rPr lang="en-US" sz="1800" dirty="0" err="1"/>
-                        <a:t>utils</a:t>
-                      </a:r>
-                      <a:endParaRPr lang="en-US" sz="1800" dirty="0"/>
-                    </a:p>
-                  </a:txBody>
-                  <a:tcPr/>
-                </a:tc>
-                <a:tc>
-                  <a:txBody>
-                    <a:bodyPr/>
-                    <a:lstStyle/>
-                    <a:p>
-                      <a:endParaRPr lang="en-US" sz="1800" dirty="0"/>
-                    </a:p>
-                  </a:txBody>
-                  <a:tcPr/>
-                </a:tc>
-                <a:tc>
-                  <a:txBody>
-                    <a:bodyPr/>
-                    <a:lstStyle/>
-                    <a:p>
-                      <a:r>
-                        <a:rPr lang="en-US" sz="1800" dirty="0"/>
-                        <a:t>Re-usable utilities that could be used in other projects</a:t>
-                      </a:r>
-                    </a:p>
-                  </a:txBody>
-                  <a:tcPr/>
-                </a:tc>
-                <a:extLst>
-                  <a:ext uri="{0D108BD9-81ED-4DB2-BD59-A6C34878D82A}">
-                    <a16:rowId xmlns:a16="http://schemas.microsoft.com/office/drawing/2014/main" val="1413619471"/>
-                  </a:ext>
-                </a:extLst>
-              </a:tr>
-            </a:tbl>
-          </a:graphicData>
-        </a:graphic>
-      </p:graphicFrame>
-    </p:spTree>
-    <p:extLst>
-      <p:ext uri="{BB962C8B-B14F-4D97-AF65-F5344CB8AC3E}">
-        <p14:creationId xmlns:p14="http://schemas.microsoft.com/office/powerpoint/2010/main" val="3543970999"/>
-      </p:ext>
-    </p:extLst>
-  </p:cSld>
-  <p:clrMapOvr>
-    <a:masterClrMapping/>
-  </p:clrMapOvr>
-</p:sld>
-</file>
-
-<file path=ppt/slides/slide14.xml><?xml version="1.0" encoding="utf-8"?>
-<p:sld xmlns:a="http://schemas.openxmlformats.org/drawingml/2006/main" xmlns:r="http://schemas.openxmlformats.org/officeDocument/2006/relationships" xmlns:p="http://schemas.openxmlformats.org/presentationml/2006/main">
-  <p:cSld>
-    <p:spTree>
-      <p:nvGrpSpPr>
-        <p:cNvPr id="1" name=""/>
-        <p:cNvGrpSpPr/>
-        <p:nvPr/>
-      </p:nvGrpSpPr>
-      <p:grpSpPr>
-        <a:xfrm>
-          <a:off x="0" y="0"/>
-          <a:ext cx="0" cy="0"/>
-          <a:chOff x="0" y="0"/>
-          <a:chExt cx="0" cy="0"/>
-        </a:xfrm>
-      </p:grpSpPr>
-      <p:sp>
-        <p:nvSpPr>
-          <p:cNvPr id="2" name="Title 1">
-            <a:extLst>
-              <a:ext uri="{FF2B5EF4-FFF2-40B4-BE49-F238E27FC236}">
-                <a16:creationId xmlns:a16="http://schemas.microsoft.com/office/drawing/2014/main" id="{156B4F97-C8DC-884B-BE50-CAA56A351B04}"/>
-              </a:ext>
-            </a:extLst>
-          </p:cNvPr>
-          <p:cNvSpPr>
-            <a:spLocks noGrp="1"/>
-          </p:cNvSpPr>
-          <p:nvPr>
-            <p:ph type="title"/>
-          </p:nvPr>
-        </p:nvSpPr>
-        <p:spPr/>
-        <p:txBody>
-          <a:bodyPr/>
-          <a:lstStyle/>
-          <a:p>
-            <a:r>
-              <a:rPr lang="en-US" dirty="0"/>
-              <a:t>DEMO: Skeleton of </a:t>
-            </a:r>
-            <a:r>
-              <a:rPr lang="en-US" b="1" dirty="0" err="1">
-                <a:latin typeface="Courier New" panose="02070309020205020404" pitchFamily="49" charset="0"/>
-                <a:cs typeface="Courier New" panose="02070309020205020404" pitchFamily="49" charset="0"/>
-              </a:rPr>
-              <a:t>mysql_example.sh</a:t>
-            </a:r>
-            <a:endParaRPr lang="en-US" b="1" dirty="0">
-              <a:latin typeface="Courier New" panose="02070309020205020404" pitchFamily="49" charset="0"/>
-              <a:cs typeface="Courier New" panose="02070309020205020404" pitchFamily="49" charset="0"/>
-            </a:endParaRPr>
-          </a:p>
-        </p:txBody>
-      </p:sp>
-      <p:sp>
-        <p:nvSpPr>
-          <p:cNvPr id="3" name="Content Placeholder 2">
-            <a:extLst>
-              <a:ext uri="{FF2B5EF4-FFF2-40B4-BE49-F238E27FC236}">
-                <a16:creationId xmlns:a16="http://schemas.microsoft.com/office/drawing/2014/main" id="{BF5DC333-5F7D-074F-9393-5C73E060AA16}"/>
-              </a:ext>
-            </a:extLst>
-          </p:cNvPr>
-          <p:cNvSpPr>
-            <a:spLocks noGrp="1"/>
-          </p:cNvSpPr>
-          <p:nvPr>
-            <p:ph idx="1"/>
-          </p:nvPr>
-        </p:nvSpPr>
-        <p:spPr>
-          <a:xfrm>
-            <a:off x="838200" y="1449106"/>
-            <a:ext cx="10515600" cy="5252907"/>
-          </a:xfrm>
-        </p:spPr>
-        <p:txBody>
-          <a:bodyPr>
-            <a:normAutofit fontScale="85000" lnSpcReduction="20000"/>
-          </a:bodyPr>
-          <a:lstStyle/>
-          <a:p>
-            <a:pPr marL="514350" indent="-514350">
-              <a:buFont typeface="+mj-lt"/>
-              <a:buAutoNum type="arabicPeriod"/>
-            </a:pPr>
-            <a:r>
-              <a:rPr lang="en-US" dirty="0"/>
-              <a:t>Read in MYSQL credentials and set session parameters</a:t>
-            </a:r>
-          </a:p>
-          <a:p>
-            <a:pPr marL="514350" indent="-514350">
-              <a:buFont typeface="+mj-lt"/>
-              <a:buAutoNum type="arabicPeriod"/>
-            </a:pPr>
-            <a:r>
-              <a:rPr lang="en-US" dirty="0"/>
-              <a:t>Download dataset from Lending Club website for selected year/quarter if it does not exist</a:t>
-            </a:r>
-          </a:p>
-          <a:p>
-            <a:pPr marL="514350" indent="-514350">
-              <a:buFont typeface="+mj-lt"/>
-              <a:buAutoNum type="arabicPeriod"/>
-            </a:pPr>
-            <a:r>
-              <a:rPr lang="en-US" dirty="0"/>
-              <a:t>Generate code that moves data into MYSQL database + join with existing dataset</a:t>
-            </a:r>
-          </a:p>
-          <a:p>
-            <a:pPr marL="514350" indent="-514350">
-              <a:buFont typeface="+mj-lt"/>
-              <a:buAutoNum type="arabicPeriod"/>
-            </a:pPr>
-            <a:r>
-              <a:rPr lang="en-US" dirty="0"/>
-              <a:t>Execute code created in #3</a:t>
-            </a:r>
-          </a:p>
-          <a:p>
-            <a:pPr marL="514350" indent="-514350">
-              <a:buFont typeface="+mj-lt"/>
-              <a:buAutoNum type="arabicPeriod"/>
-            </a:pPr>
-            <a:r>
-              <a:rPr lang="en-US" dirty="0"/>
-              <a:t>Generate code to create new MYSQL table with selected attributes for modeling</a:t>
-            </a:r>
-          </a:p>
-          <a:p>
-            <a:pPr marL="514350" indent="-514350">
-              <a:buFont typeface="+mj-lt"/>
-              <a:buAutoNum type="arabicPeriod"/>
-            </a:pPr>
-            <a:r>
-              <a:rPr lang="en-US" dirty="0"/>
-              <a:t>Execute code created in #5</a:t>
-            </a:r>
-          </a:p>
-          <a:p>
-            <a:pPr marL="514350" indent="-514350">
-              <a:buFont typeface="+mj-lt"/>
-              <a:buAutoNum type="arabicPeriod"/>
-            </a:pPr>
-            <a:r>
-              <a:rPr lang="en-US" dirty="0"/>
-              <a:t>Pull MYSQL modeling table into an R session, apply transformations</a:t>
-            </a:r>
-          </a:p>
-          <a:p>
-            <a:pPr marL="514350" indent="-514350">
-              <a:buFont typeface="+mj-lt"/>
-              <a:buAutoNum type="arabicPeriod"/>
-            </a:pPr>
-            <a:r>
-              <a:rPr lang="en-US" dirty="0"/>
-              <a:t>Build predictive models and save results</a:t>
-            </a:r>
-          </a:p>
-          <a:p>
-            <a:pPr marL="514350" indent="-514350">
-              <a:buFont typeface="+mj-lt"/>
-              <a:buAutoNum type="arabicPeriod"/>
-            </a:pPr>
-            <a:r>
-              <a:rPr lang="en-US" dirty="0"/>
-              <a:t>Create report of descriptive stats + modeling results</a:t>
-            </a:r>
-          </a:p>
-          <a:p>
-            <a:pPr marL="514350" indent="-514350">
-              <a:buFont typeface="+mj-lt"/>
-              <a:buAutoNum type="arabicPeriod"/>
-            </a:pPr>
-            <a:r>
-              <a:rPr lang="en-US" dirty="0"/>
-              <a:t>Email report</a:t>
-            </a:r>
-          </a:p>
-          <a:p>
-            <a:pPr marL="514350" indent="-514350">
-              <a:buFont typeface="+mj-lt"/>
-              <a:buAutoNum type="arabicPeriod"/>
-            </a:pPr>
-            <a:r>
-              <a:rPr lang="en-US" dirty="0"/>
-              <a:t>Check workflow code into </a:t>
-            </a:r>
-            <a:r>
-              <a:rPr lang="en-US" dirty="0" err="1"/>
-              <a:t>Github</a:t>
-            </a:r>
-            <a:r>
-              <a:rPr lang="en-US" dirty="0"/>
-              <a:t> repository</a:t>
-            </a:r>
-          </a:p>
-        </p:txBody>
-      </p:sp>
-    </p:spTree>
-    <p:extLst>
-      <p:ext uri="{BB962C8B-B14F-4D97-AF65-F5344CB8AC3E}">
-        <p14:creationId xmlns:p14="http://schemas.microsoft.com/office/powerpoint/2010/main" val="3361270873"/>
-      </p:ext>
-    </p:extLst>
-  </p:cSld>
-  <p:clrMapOvr>
-    <a:masterClrMapping/>
-  </p:clrMapOvr>
-</p:sld>
-</file>
-
-<file path=ppt/slides/slide15.xml><?xml version="1.0" encoding="utf-8"?>
-<p:sld xmlns:a="http://schemas.openxmlformats.org/drawingml/2006/main" xmlns:r="http://schemas.openxmlformats.org/officeDocument/2006/relationships" xmlns:p="http://schemas.openxmlformats.org/presentationml/2006/main">
-  <p:cSld>
-    <p:spTree>
-      <p:nvGrpSpPr>
-        <p:cNvPr id="1" name=""/>
-        <p:cNvGrpSpPr/>
-        <p:nvPr/>
-      </p:nvGrpSpPr>
-      <p:grpSpPr>
-        <a:xfrm>
-          <a:off x="0" y="0"/>
-          <a:ext cx="0" cy="0"/>
-          <a:chOff x="0" y="0"/>
-          <a:chExt cx="0" cy="0"/>
-        </a:xfrm>
-      </p:grpSpPr>
-      <p:sp>
-        <p:nvSpPr>
-          <p:cNvPr id="2" name="Title 1">
-            <a:extLst>
-              <a:ext uri="{FF2B5EF4-FFF2-40B4-BE49-F238E27FC236}">
-                <a16:creationId xmlns:a16="http://schemas.microsoft.com/office/drawing/2014/main" id="{27D6ED08-6F70-5E44-B773-071A6B83BD0F}"/>
-              </a:ext>
-            </a:extLst>
-          </p:cNvPr>
-          <p:cNvSpPr>
-            <a:spLocks noGrp="1"/>
-          </p:cNvSpPr>
-          <p:nvPr>
-            <p:ph type="title"/>
-          </p:nvPr>
-        </p:nvSpPr>
-        <p:spPr/>
-        <p:txBody>
-          <a:bodyPr/>
-          <a:lstStyle/>
-          <a:p>
-            <a:r>
-              <a:rPr lang="en-US" dirty="0"/>
-              <a:t>Other considerations</a:t>
-            </a:r>
-          </a:p>
-        </p:txBody>
-      </p:sp>
-      <p:sp>
-        <p:nvSpPr>
-          <p:cNvPr id="3" name="Content Placeholder 2">
-            <a:extLst>
-              <a:ext uri="{FF2B5EF4-FFF2-40B4-BE49-F238E27FC236}">
-                <a16:creationId xmlns:a16="http://schemas.microsoft.com/office/drawing/2014/main" id="{9964C833-8175-2F4D-96B3-D6EFE28985EB}"/>
-              </a:ext>
-            </a:extLst>
-          </p:cNvPr>
-          <p:cNvSpPr>
-            <a:spLocks noGrp="1"/>
-          </p:cNvSpPr>
-          <p:nvPr>
-            <p:ph idx="1"/>
-          </p:nvPr>
-        </p:nvSpPr>
-        <p:spPr>
-          <a:xfrm>
-            <a:off x="838200" y="1597024"/>
-            <a:ext cx="10515600" cy="4887147"/>
-          </a:xfrm>
-        </p:spPr>
-        <p:txBody>
-          <a:bodyPr>
-            <a:normAutofit lnSpcReduction="10000"/>
-          </a:bodyPr>
-          <a:lstStyle/>
-          <a:p>
-            <a:pPr lvl="0"/>
-            <a:r>
-              <a:rPr lang="en-US" dirty="0"/>
-              <a:t>Software, package, platform dependencies (Ex. Spark 2.0 vs 2.2; h2o 3.14 vs 3.18); solution: environments</a:t>
-            </a:r>
-          </a:p>
-          <a:p>
-            <a:pPr lvl="0"/>
-            <a:r>
-              <a:rPr lang="en-US" dirty="0"/>
-              <a:t>Storage space and memory requirements </a:t>
-            </a:r>
-          </a:p>
-          <a:p>
-            <a:pPr lvl="0"/>
-            <a:r>
-              <a:rPr lang="en-US" dirty="0"/>
-              <a:t>Scale: if dataset gets larger over time, the solution might not work as well (scale up). May need to adjust framework on the front end or do it later. Monitor strain on resource demands, run time, and other metrics </a:t>
-            </a:r>
-          </a:p>
-          <a:p>
-            <a:pPr lvl="0"/>
-            <a:r>
-              <a:rPr lang="en-US" dirty="0"/>
-              <a:t>Tech dev requirements if you want to move process to production</a:t>
-            </a:r>
-          </a:p>
-          <a:p>
-            <a:pPr lvl="0"/>
-            <a:r>
-              <a:rPr lang="en-US" dirty="0"/>
-              <a:t>Documentation of the workflow</a:t>
-            </a:r>
-          </a:p>
-          <a:p>
-            <a:pPr lvl="0"/>
-            <a:r>
-              <a:rPr lang="en-US" dirty="0"/>
-              <a:t>Redundancy: make sure more than one person understands the process well and can help maintain it</a:t>
-            </a:r>
-          </a:p>
-          <a:p>
-            <a:endParaRPr lang="en-US" dirty="0"/>
-          </a:p>
-        </p:txBody>
-      </p:sp>
-    </p:spTree>
-    <p:extLst>
-      <p:ext uri="{BB962C8B-B14F-4D97-AF65-F5344CB8AC3E}">
-        <p14:creationId xmlns:p14="http://schemas.microsoft.com/office/powerpoint/2010/main" val="882553464"/>
-      </p:ext>
-    </p:extLst>
-  </p:cSld>
-  <p:clrMapOvr>
-    <a:masterClrMapping/>
-  </p:clrMapOvr>
-</p:sld>
-</file>
-
-<file path=ppt/slides/slide16.xml><?xml version="1.0" encoding="utf-8"?>
-<p:sld xmlns:a="http://schemas.openxmlformats.org/drawingml/2006/main" xmlns:r="http://schemas.openxmlformats.org/officeDocument/2006/relationships" xmlns:p="http://schemas.openxmlformats.org/presentationml/2006/main">
-  <p:cSld>
-    <p:spTree>
-      <p:nvGrpSpPr>
-        <p:cNvPr id="1" name=""/>
-        <p:cNvGrpSpPr/>
-        <p:nvPr/>
-      </p:nvGrpSpPr>
-      <p:grpSpPr>
-        <a:xfrm>
-          <a:off x="0" y="0"/>
-          <a:ext cx="0" cy="0"/>
-          <a:chOff x="0" y="0"/>
-          <a:chExt cx="0" cy="0"/>
-        </a:xfrm>
-      </p:grpSpPr>
-      <p:sp>
-        <p:nvSpPr>
-          <p:cNvPr id="2" name="Title 1">
-            <a:extLst>
-              <a:ext uri="{FF2B5EF4-FFF2-40B4-BE49-F238E27FC236}">
-                <a16:creationId xmlns:a16="http://schemas.microsoft.com/office/drawing/2014/main" id="{6A5CE905-F02E-6B43-81A3-6172D2F08E21}"/>
-              </a:ext>
-            </a:extLst>
-          </p:cNvPr>
-          <p:cNvSpPr>
-            <a:spLocks noGrp="1"/>
-          </p:cNvSpPr>
-          <p:nvPr>
-            <p:ph type="title"/>
-          </p:nvPr>
-        </p:nvSpPr>
-        <p:spPr>
-          <a:xfrm>
-            <a:off x="838200" y="2796352"/>
-            <a:ext cx="10515600" cy="1325563"/>
-          </a:xfrm>
-        </p:spPr>
-        <p:txBody>
-          <a:bodyPr/>
-          <a:lstStyle/>
-          <a:p>
-            <a:pPr algn="ctr"/>
-            <a:r>
-              <a:rPr lang="en-US" dirty="0"/>
-              <a:t>THANKS!</a:t>
-            </a:r>
-          </a:p>
-        </p:txBody>
-      </p:sp>
-    </p:spTree>
-    <p:extLst>
-      <p:ext uri="{BB962C8B-B14F-4D97-AF65-F5344CB8AC3E}">
-        <p14:creationId xmlns:p14="http://schemas.microsoft.com/office/powerpoint/2010/main" val="3001085261"/>
-      </p:ext>
-    </p:extLst>
-  </p:cSld>
-  <p:clrMapOvr>
-    <a:masterClrMapping/>
-  </p:clrMapOvr>
-</p:sld>
-</file>
-
-<file path=ppt/slides/slide2.xml><?xml version="1.0" encoding="utf-8"?>
-<p:sld xmlns:a="http://schemas.openxmlformats.org/drawingml/2006/main" xmlns:r="http://schemas.openxmlformats.org/officeDocument/2006/relationships" xmlns:p="http://schemas.openxmlformats.org/presentationml/2006/main">
-  <p:cSld>
-    <p:spTree>
-      <p:nvGrpSpPr>
-        <p:cNvPr id="1" name=""/>
-        <p:cNvGrpSpPr/>
-        <p:nvPr/>
-      </p:nvGrpSpPr>
-      <p:grpSpPr>
-        <a:xfrm>
-          <a:off x="0" y="0"/>
-          <a:ext cx="0" cy="0"/>
-          <a:chOff x="0" y="0"/>
-          <a:chExt cx="0" cy="0"/>
-        </a:xfrm>
-      </p:grpSpPr>
-      <p:sp>
-        <p:nvSpPr>
-          <p:cNvPr id="2" name="Title 1">
-            <a:extLst>
-              <a:ext uri="{FF2B5EF4-FFF2-40B4-BE49-F238E27FC236}">
-                <a16:creationId xmlns:a16="http://schemas.microsoft.com/office/drawing/2014/main" id="{A3B6C93E-AE88-3140-99F2-1DF1AC8D2CB1}"/>
-              </a:ext>
-            </a:extLst>
-          </p:cNvPr>
-          <p:cNvSpPr>
-            <a:spLocks noGrp="1"/>
-          </p:cNvSpPr>
-          <p:nvPr>
-            <p:ph type="title"/>
-          </p:nvPr>
-        </p:nvSpPr>
-        <p:spPr/>
-        <p:txBody>
-          <a:bodyPr/>
-          <a:lstStyle/>
-          <a:p>
-            <a:r>
-              <a:rPr lang="en-US" dirty="0"/>
-              <a:t>Data Scientist Workflow</a:t>
-            </a:r>
-          </a:p>
-        </p:txBody>
-      </p:sp>
-      <p:pic>
-        <p:nvPicPr>
-          <p:cNvPr id="10" name="Picture 9">
-            <a:extLst>
-              <a:ext uri="{FF2B5EF4-FFF2-40B4-BE49-F238E27FC236}">
-                <a16:creationId xmlns:a16="http://schemas.microsoft.com/office/drawing/2014/main" id="{C7615319-2FF9-3240-AEE7-EAA9FD62D7D1}"/>
-              </a:ext>
-            </a:extLst>
-          </p:cNvPr>
-          <p:cNvPicPr>
-            <a:picLocks noChangeAspect="1"/>
-          </p:cNvPicPr>
-          <p:nvPr/>
-        </p:nvPicPr>
-        <p:blipFill>
-          <a:blip r:embed="rId2"/>
-          <a:stretch>
-            <a:fillRect/>
-          </a:stretch>
-        </p:blipFill>
-        <p:spPr>
-          <a:xfrm>
-            <a:off x="1352550" y="2965450"/>
-            <a:ext cx="9486900" cy="927100"/>
-          </a:xfrm>
-          <a:prstGeom prst="rect">
-            <a:avLst/>
-          </a:prstGeom>
-        </p:spPr>
-      </p:pic>
-    </p:spTree>
-    <p:extLst>
-      <p:ext uri="{BB962C8B-B14F-4D97-AF65-F5344CB8AC3E}">
-        <p14:creationId xmlns:p14="http://schemas.microsoft.com/office/powerpoint/2010/main" val="1109941816"/>
-      </p:ext>
-    </p:extLst>
-  </p:cSld>
-  <p:clrMapOvr>
-    <a:masterClrMapping/>
-  </p:clrMapOvr>
-</p:sld>
-</file>
-
-<file path=ppt/slides/slide3.xml><?xml version="1.0" encoding="utf-8"?>
-<p:sld xmlns:a="http://schemas.openxmlformats.org/drawingml/2006/main" xmlns:r="http://schemas.openxmlformats.org/officeDocument/2006/relationships" xmlns:p="http://schemas.openxmlformats.org/presentationml/2006/main">
-  <p:cSld>
-    <p:spTree>
-      <p:nvGrpSpPr>
-        <p:cNvPr id="1" name=""/>
-        <p:cNvGrpSpPr/>
-        <p:nvPr/>
-      </p:nvGrpSpPr>
-      <p:grpSpPr>
-        <a:xfrm>
-          <a:off x="0" y="0"/>
-          <a:ext cx="0" cy="0"/>
-          <a:chOff x="0" y="0"/>
-          <a:chExt cx="0" cy="0"/>
-        </a:xfrm>
-      </p:grpSpPr>
-      <p:sp>
-        <p:nvSpPr>
-          <p:cNvPr id="2" name="Title 1">
-            <a:extLst>
-              <a:ext uri="{FF2B5EF4-FFF2-40B4-BE49-F238E27FC236}">
-                <a16:creationId xmlns:a16="http://schemas.microsoft.com/office/drawing/2014/main" id="{A3B6C93E-AE88-3140-99F2-1DF1AC8D2CB1}"/>
-              </a:ext>
-            </a:extLst>
-          </p:cNvPr>
-          <p:cNvSpPr>
-            <a:spLocks noGrp="1"/>
-          </p:cNvSpPr>
-          <p:nvPr>
-            <p:ph type="title"/>
-          </p:nvPr>
-        </p:nvSpPr>
-        <p:spPr/>
-        <p:txBody>
-          <a:bodyPr/>
-          <a:lstStyle/>
-          <a:p>
-            <a:r>
-              <a:rPr lang="en-US" i="1"/>
-              <a:t>Actual</a:t>
-            </a:r>
-            <a:r>
-              <a:rPr lang="en-US"/>
-              <a:t> Data Scientist Workflow</a:t>
-            </a:r>
-            <a:endParaRPr lang="en-US" dirty="0"/>
-          </a:p>
-        </p:txBody>
-      </p:sp>
-      <p:pic>
-        <p:nvPicPr>
-          <p:cNvPr id="9" name="Picture 8">
-            <a:extLst>
-              <a:ext uri="{FF2B5EF4-FFF2-40B4-BE49-F238E27FC236}">
-                <a16:creationId xmlns:a16="http://schemas.microsoft.com/office/drawing/2014/main" id="{E1622EEC-D89E-AE4A-A14B-7E853336BF0D}"/>
-              </a:ext>
-            </a:extLst>
-          </p:cNvPr>
-          <p:cNvPicPr>
-            <a:picLocks noChangeAspect="1"/>
-          </p:cNvPicPr>
-          <p:nvPr/>
-        </p:nvPicPr>
-        <p:blipFill>
-          <a:blip r:embed="rId3"/>
-          <a:stretch>
-            <a:fillRect/>
-          </a:stretch>
-        </p:blipFill>
-        <p:spPr>
-          <a:xfrm>
-            <a:off x="0" y="1336249"/>
-            <a:ext cx="12192000" cy="4185501"/>
-          </a:xfrm>
-          <a:prstGeom prst="rect">
-            <a:avLst/>
-          </a:prstGeom>
-        </p:spPr>
-      </p:pic>
-      <p:sp>
-        <p:nvSpPr>
-          <p:cNvPr id="3" name="Down Arrow 2">
-            <a:extLst>
-              <a:ext uri="{FF2B5EF4-FFF2-40B4-BE49-F238E27FC236}">
-                <a16:creationId xmlns:a16="http://schemas.microsoft.com/office/drawing/2014/main" id="{B7894CD3-2AC4-2942-9FBD-2AB86517A5EC}"/>
-              </a:ext>
-            </a:extLst>
-          </p:cNvPr>
-          <p:cNvSpPr/>
-          <p:nvPr/>
-        </p:nvSpPr>
-        <p:spPr>
-          <a:xfrm>
-            <a:off x="8445500" y="365126"/>
-            <a:ext cx="482600" cy="803781"/>
-          </a:xfrm>
-          <a:prstGeom prst="downArrow">
-            <a:avLst/>
-          </a:prstGeom>
-          <a:solidFill>
-            <a:schemeClr val="tx1"/>
-          </a:solidFill>
-        </p:spPr>
-        <p:style>
-          <a:lnRef idx="2">
-            <a:schemeClr val="accent1">
-              <a:shade val="50000"/>
-            </a:schemeClr>
-          </a:lnRef>
-          <a:fillRef idx="1">
-            <a:schemeClr val="accent1"/>
-          </a:fillRef>
-          <a:effectRef idx="0">
-            <a:schemeClr val="accent1"/>
-          </a:effectRef>
-          <a:fontRef idx="minor">
-            <a:schemeClr val="lt1"/>
-          </a:fontRef>
-        </p:style>
-        <p:txBody>
-          <a:bodyPr rtlCol="0" anchor="ctr"/>
-          <a:lstStyle/>
-          <a:p>
-            <a:pPr algn="ctr"/>
-            <a:endParaRPr lang="en-US"/>
-          </a:p>
-        </p:txBody>
-      </p:sp>
-      <p:sp>
-        <p:nvSpPr>
-          <p:cNvPr id="4" name="TextBox 3">
-            <a:extLst>
-              <a:ext uri="{FF2B5EF4-FFF2-40B4-BE49-F238E27FC236}">
-                <a16:creationId xmlns:a16="http://schemas.microsoft.com/office/drawing/2014/main" id="{474043A3-16FD-EF4A-88E6-337FABF12C2F}"/>
-              </a:ext>
-            </a:extLst>
-          </p:cNvPr>
-          <p:cNvSpPr txBox="1"/>
-          <p:nvPr/>
-        </p:nvSpPr>
-        <p:spPr>
-          <a:xfrm>
-            <a:off x="2948539" y="3105833"/>
-            <a:ext cx="6294922" cy="646331"/>
-          </a:xfrm>
-          <a:prstGeom prst="rect">
-            <a:avLst/>
-          </a:prstGeom>
-          <a:noFill/>
-        </p:spPr>
-        <p:txBody>
-          <a:bodyPr wrap="square" rtlCol="0">
-            <a:spAutoFit/>
-          </a:bodyPr>
-          <a:lstStyle/>
-          <a:p>
-            <a:pPr marL="285750" indent="-285750">
-              <a:buFont typeface="Wingdings" pitchFamily="2" charset="2"/>
-              <a:buChar char="q"/>
-            </a:pPr>
-            <a:r>
-              <a:rPr lang="en-US" dirty="0"/>
-              <a:t>Workflow begins with data creation/ingestion.</a:t>
-            </a:r>
-          </a:p>
-          <a:p>
-            <a:pPr marL="285750" indent="-285750">
-              <a:buFont typeface="Wingdings" pitchFamily="2" charset="2"/>
-              <a:buChar char="q"/>
-            </a:pPr>
-            <a:r>
-              <a:rPr lang="en-US" dirty="0"/>
-              <a:t>Workflow “ends” with the distribution/publishing of reports.</a:t>
-            </a:r>
-          </a:p>
-        </p:txBody>
-      </p:sp>
-    </p:spTree>
-    <p:extLst>
-      <p:ext uri="{BB962C8B-B14F-4D97-AF65-F5344CB8AC3E}">
-        <p14:creationId xmlns:p14="http://schemas.microsoft.com/office/powerpoint/2010/main" val="2055568169"/>
-      </p:ext>
-    </p:extLst>
-  </p:cSld>
-  <p:clrMapOvr>
-    <a:masterClrMapping/>
-  </p:clrMapOvr>
-</p:sld>
-</file>
-
-<file path=ppt/slides/slide4.xml><?xml version="1.0" encoding="utf-8"?>
-<p:sld xmlns:a="http://schemas.openxmlformats.org/drawingml/2006/main" xmlns:r="http://schemas.openxmlformats.org/officeDocument/2006/relationships" xmlns:p="http://schemas.openxmlformats.org/presentationml/2006/main">
-  <p:cSld>
-    <p:spTree>
-      <p:nvGrpSpPr>
-        <p:cNvPr id="1" name=""/>
-        <p:cNvGrpSpPr/>
-        <p:nvPr/>
-      </p:nvGrpSpPr>
-      <p:grpSpPr>
-        <a:xfrm>
-          <a:off x="0" y="0"/>
-          <a:ext cx="0" cy="0"/>
-          <a:chOff x="0" y="0"/>
-          <a:chExt cx="0" cy="0"/>
-        </a:xfrm>
-      </p:grpSpPr>
-      <p:sp>
-        <p:nvSpPr>
-          <p:cNvPr id="2" name="Title 1">
-            <a:extLst>
-              <a:ext uri="{FF2B5EF4-FFF2-40B4-BE49-F238E27FC236}">
-                <a16:creationId xmlns:a16="http://schemas.microsoft.com/office/drawing/2014/main" id="{ACE3E6AC-92EE-8546-AB85-A77CE80B91B4}"/>
-              </a:ext>
-            </a:extLst>
-          </p:cNvPr>
-          <p:cNvSpPr>
-            <a:spLocks noGrp="1"/>
-          </p:cNvSpPr>
-          <p:nvPr>
-            <p:ph type="title"/>
-          </p:nvPr>
-        </p:nvSpPr>
-        <p:spPr/>
-        <p:txBody>
-          <a:bodyPr/>
-          <a:lstStyle/>
-          <a:p>
-            <a:r>
-              <a:rPr lang="en-US" dirty="0"/>
-              <a:t>Automated Data Science Workflows</a:t>
-            </a:r>
-          </a:p>
-        </p:txBody>
-      </p:sp>
-      <p:sp>
-        <p:nvSpPr>
-          <p:cNvPr id="3" name="Content Placeholder 2">
-            <a:extLst>
-              <a:ext uri="{FF2B5EF4-FFF2-40B4-BE49-F238E27FC236}">
-                <a16:creationId xmlns:a16="http://schemas.microsoft.com/office/drawing/2014/main" id="{27F90322-4A26-B647-9D3B-6A9CEE1C1274}"/>
-              </a:ext>
-            </a:extLst>
-          </p:cNvPr>
-          <p:cNvSpPr>
-            <a:spLocks noGrp="1"/>
-          </p:cNvSpPr>
-          <p:nvPr>
-            <p:ph idx="1"/>
-          </p:nvPr>
-        </p:nvSpPr>
-        <p:spPr/>
-        <p:txBody>
-          <a:bodyPr>
-            <a:normAutofit/>
-          </a:bodyPr>
-          <a:lstStyle/>
-          <a:p>
-            <a:r>
-              <a:rPr lang="en-US" dirty="0"/>
-              <a:t>An </a:t>
-            </a:r>
-            <a:r>
-              <a:rPr lang="en-US" b="1" i="1" u="sng" dirty="0"/>
-              <a:t>R</a:t>
-            </a:r>
-            <a:r>
-              <a:rPr lang="en-US" b="1" u="sng" dirty="0"/>
-              <a:t>-bot</a:t>
-            </a:r>
-            <a:r>
-              <a:rPr lang="en-US" dirty="0"/>
-              <a:t> is an R script that executes one or more tasks in a data science workflow.</a:t>
-            </a:r>
-          </a:p>
-          <a:p>
-            <a:r>
-              <a:rPr lang="en-US" dirty="0"/>
-              <a:t>Examples:</a:t>
-            </a:r>
-          </a:p>
-          <a:p>
-            <a:pPr lvl="1"/>
-            <a:r>
-              <a:rPr lang="en-US" dirty="0"/>
-              <a:t>Data ingestion</a:t>
-            </a:r>
-          </a:p>
-          <a:p>
-            <a:pPr lvl="1"/>
-            <a:r>
-              <a:rPr lang="en-US" dirty="0"/>
-              <a:t>Create report with dynamically generated content</a:t>
-            </a:r>
-          </a:p>
-          <a:p>
-            <a:pPr lvl="1"/>
-            <a:r>
-              <a:rPr lang="en-US" dirty="0"/>
-              <a:t>Send emails</a:t>
-            </a:r>
-          </a:p>
-          <a:p>
-            <a:pPr lvl="1"/>
-            <a:r>
-              <a:rPr lang="en-US" dirty="0"/>
-              <a:t>Version control</a:t>
-            </a:r>
-          </a:p>
-          <a:p>
-            <a:r>
-              <a:rPr lang="en-US" dirty="0"/>
-              <a:t>An end-to-end automated data science workflow could consist of a collection of </a:t>
-            </a:r>
-            <a:r>
-              <a:rPr lang="en-US" b="1" i="1" dirty="0"/>
-              <a:t>R-bots</a:t>
-            </a:r>
-            <a:r>
-              <a:rPr lang="en-US" dirty="0"/>
-              <a:t> executed from a common framework.</a:t>
-            </a:r>
-          </a:p>
-          <a:p>
-            <a:endParaRPr lang="en-US" dirty="0"/>
-          </a:p>
-        </p:txBody>
-      </p:sp>
-    </p:spTree>
-    <p:extLst>
-      <p:ext uri="{BB962C8B-B14F-4D97-AF65-F5344CB8AC3E}">
-        <p14:creationId xmlns:p14="http://schemas.microsoft.com/office/powerpoint/2010/main" val="1948331136"/>
-      </p:ext>
-    </p:extLst>
-  </p:cSld>
-  <p:clrMapOvr>
-    <a:masterClrMapping/>
-  </p:clrMapOvr>
-</p:sld>
-</file>
-
-<file path=ppt/slides/slide5.xml><?xml version="1.0" encoding="utf-8"?>
-<p:sld xmlns:a="http://schemas.openxmlformats.org/drawingml/2006/main" xmlns:r="http://schemas.openxmlformats.org/officeDocument/2006/relationships" xmlns:p="http://schemas.openxmlformats.org/presentationml/2006/main">
-  <p:cSld>
-    <p:spTree>
-      <p:nvGrpSpPr>
-        <p:cNvPr id="1" name=""/>
-        <p:cNvGrpSpPr/>
-        <p:nvPr/>
-      </p:nvGrpSpPr>
-      <p:grpSpPr>
-        <a:xfrm>
-          <a:off x="0" y="0"/>
-          <a:ext cx="0" cy="0"/>
-          <a:chOff x="0" y="0"/>
-          <a:chExt cx="0" cy="0"/>
-        </a:xfrm>
-      </p:grpSpPr>
-      <p:sp>
-        <p:nvSpPr>
-          <p:cNvPr id="2" name="Title 1">
-            <a:extLst>
-              <a:ext uri="{FF2B5EF4-FFF2-40B4-BE49-F238E27FC236}">
-                <a16:creationId xmlns:a16="http://schemas.microsoft.com/office/drawing/2014/main" id="{A2046142-65F1-EA4F-AD12-BD31C41404C9}"/>
-              </a:ext>
-            </a:extLst>
-          </p:cNvPr>
-          <p:cNvSpPr>
-            <a:spLocks noGrp="1"/>
-          </p:cNvSpPr>
-          <p:nvPr>
-            <p:ph type="title"/>
-          </p:nvPr>
-        </p:nvSpPr>
-        <p:spPr/>
-        <p:txBody>
-          <a:bodyPr/>
-          <a:lstStyle/>
-          <a:p>
-            <a:r>
-              <a:rPr lang="en-US" dirty="0"/>
-              <a:t>Use Cases</a:t>
-            </a:r>
-          </a:p>
-        </p:txBody>
-      </p:sp>
-      <p:sp>
-        <p:nvSpPr>
-          <p:cNvPr id="3" name="Content Placeholder 2">
-            <a:extLst>
-              <a:ext uri="{FF2B5EF4-FFF2-40B4-BE49-F238E27FC236}">
-                <a16:creationId xmlns:a16="http://schemas.microsoft.com/office/drawing/2014/main" id="{93E3114A-3773-E14E-A9A1-FCBC6C41440C}"/>
-              </a:ext>
-            </a:extLst>
-          </p:cNvPr>
-          <p:cNvSpPr>
-            <a:spLocks noGrp="1"/>
-          </p:cNvSpPr>
-          <p:nvPr>
-            <p:ph idx="1"/>
-          </p:nvPr>
-        </p:nvSpPr>
-        <p:spPr/>
-        <p:txBody>
-          <a:bodyPr/>
-          <a:lstStyle/>
-          <a:p>
-            <a:pPr lvl="0"/>
-            <a:r>
-              <a:rPr lang="en-US" dirty="0"/>
-              <a:t>Well-defined analyses that will be performed over and over again</a:t>
-            </a:r>
-          </a:p>
-          <a:p>
-            <a:pPr lvl="0"/>
-            <a:r>
-              <a:rPr lang="en-US" dirty="0"/>
-              <a:t>Analyses in development stages, where feedback must be incorporated over and over again</a:t>
-            </a:r>
-          </a:p>
-          <a:p>
-            <a:pPr lvl="0"/>
-            <a:r>
-              <a:rPr lang="en-US" dirty="0"/>
-              <a:t>“Hands-free” automation</a:t>
-            </a:r>
-          </a:p>
-          <a:p>
-            <a:pPr lvl="1"/>
-            <a:r>
-              <a:rPr lang="en-US" dirty="0"/>
-              <a:t>Task scheduler manages the runs </a:t>
-            </a:r>
-          </a:p>
-          <a:p>
-            <a:r>
-              <a:rPr lang="en-US" dirty="0"/>
-              <a:t>“Manual” automation</a:t>
-            </a:r>
-          </a:p>
-          <a:p>
-            <a:pPr lvl="1"/>
-            <a:r>
-              <a:rPr lang="en-US" dirty="0"/>
-              <a:t>Entire process kicks off as soon as the data scientist presses the button</a:t>
-            </a:r>
-          </a:p>
-          <a:p>
-            <a:endParaRPr lang="en-US" dirty="0"/>
-          </a:p>
-        </p:txBody>
-      </p:sp>
-    </p:spTree>
-    <p:extLst>
-      <p:ext uri="{BB962C8B-B14F-4D97-AF65-F5344CB8AC3E}">
-        <p14:creationId xmlns:p14="http://schemas.microsoft.com/office/powerpoint/2010/main" val="1865958995"/>
-      </p:ext>
-    </p:extLst>
-  </p:cSld>
-  <p:clrMapOvr>
-    <a:masterClrMapping/>
-  </p:clrMapOvr>
-</p:sld>
-</file>
-
-<file path=ppt/slides/slide6.xml><?xml version="1.0" encoding="utf-8"?>
-<p:sld xmlns:a="http://schemas.openxmlformats.org/drawingml/2006/main" xmlns:r="http://schemas.openxmlformats.org/officeDocument/2006/relationships" xmlns:p="http://schemas.openxmlformats.org/presentationml/2006/main">
-  <p:cSld>
-    <p:spTree>
-      <p:nvGrpSpPr>
-        <p:cNvPr id="1" name=""/>
-        <p:cNvGrpSpPr/>
-        <p:nvPr/>
-      </p:nvGrpSpPr>
-      <p:grpSpPr>
-        <a:xfrm>
-          <a:off x="0" y="0"/>
-          <a:ext cx="0" cy="0"/>
-          <a:chOff x="0" y="0"/>
-          <a:chExt cx="0" cy="0"/>
-        </a:xfrm>
-      </p:grpSpPr>
-      <p:sp>
-        <p:nvSpPr>
-          <p:cNvPr id="2" name="Title 1">
-            <a:extLst>
-              <a:ext uri="{FF2B5EF4-FFF2-40B4-BE49-F238E27FC236}">
-                <a16:creationId xmlns:a16="http://schemas.microsoft.com/office/drawing/2014/main" id="{D452B17B-CCFA-0D48-A9DE-A8E298C36BD1}"/>
-              </a:ext>
-            </a:extLst>
-          </p:cNvPr>
-          <p:cNvSpPr>
-            <a:spLocks noGrp="1"/>
-          </p:cNvSpPr>
-          <p:nvPr>
-            <p:ph type="title"/>
-          </p:nvPr>
-        </p:nvSpPr>
-        <p:spPr/>
-        <p:txBody>
-          <a:bodyPr/>
-          <a:lstStyle/>
-          <a:p>
-            <a:r>
-              <a:rPr lang="en-US" dirty="0"/>
-              <a:t>Benefits</a:t>
-            </a:r>
-          </a:p>
-        </p:txBody>
-      </p:sp>
-      <p:sp>
-        <p:nvSpPr>
-          <p:cNvPr id="3" name="Content Placeholder 2">
-            <a:extLst>
-              <a:ext uri="{FF2B5EF4-FFF2-40B4-BE49-F238E27FC236}">
-                <a16:creationId xmlns:a16="http://schemas.microsoft.com/office/drawing/2014/main" id="{CC3F3D49-58E0-2F4B-9DD6-B91F59783551}"/>
-              </a:ext>
-            </a:extLst>
-          </p:cNvPr>
-          <p:cNvSpPr>
-            <a:spLocks noGrp="1"/>
-          </p:cNvSpPr>
-          <p:nvPr>
-            <p:ph idx="1"/>
-          </p:nvPr>
-        </p:nvSpPr>
-        <p:spPr/>
-        <p:txBody>
-          <a:bodyPr/>
-          <a:lstStyle/>
-          <a:p>
-            <a:pPr lvl="0"/>
-            <a:r>
-              <a:rPr lang="en-US" dirty="0"/>
-              <a:t>Reproducible research</a:t>
-            </a:r>
-          </a:p>
-          <a:p>
-            <a:pPr lvl="0"/>
-            <a:r>
-              <a:rPr lang="en-US" dirty="0"/>
-              <a:t>Version control over entire process</a:t>
-            </a:r>
-          </a:p>
-          <a:p>
-            <a:pPr lvl="0"/>
-            <a:r>
-              <a:rPr lang="en-US" dirty="0"/>
-              <a:t>Less time spent on mundane, repetitive tasks</a:t>
-            </a:r>
-          </a:p>
-          <a:p>
-            <a:pPr lvl="0"/>
-            <a:r>
-              <a:rPr lang="en-US" dirty="0"/>
-              <a:t>Easier to get results reports generated and distributed to stakeholders</a:t>
-            </a:r>
-          </a:p>
-          <a:p>
-            <a:endParaRPr lang="en-US" dirty="0"/>
-          </a:p>
-        </p:txBody>
-      </p:sp>
-    </p:spTree>
-    <p:extLst>
-      <p:ext uri="{BB962C8B-B14F-4D97-AF65-F5344CB8AC3E}">
-        <p14:creationId xmlns:p14="http://schemas.microsoft.com/office/powerpoint/2010/main" val="2072396587"/>
-      </p:ext>
-    </p:extLst>
-  </p:cSld>
-  <p:clrMapOvr>
-    <a:masterClrMapping/>
-  </p:clrMapOvr>
-</p:sld>
-</file>
-
-<file path=ppt/slides/slide7.xml><?xml version="1.0" encoding="utf-8"?>
-<p:sld xmlns:a="http://schemas.openxmlformats.org/drawingml/2006/main" xmlns:r="http://schemas.openxmlformats.org/officeDocument/2006/relationships" xmlns:p="http://schemas.openxmlformats.org/presentationml/2006/main">
-  <p:cSld>
-    <p:spTree>
-      <p:nvGrpSpPr>
-        <p:cNvPr id="1" name=""/>
-        <p:cNvGrpSpPr/>
-        <p:nvPr/>
-      </p:nvGrpSpPr>
-      <p:grpSpPr>
-        <a:xfrm>
-          <a:off x="0" y="0"/>
-          <a:ext cx="0" cy="0"/>
-          <a:chOff x="0" y="0"/>
-          <a:chExt cx="0" cy="0"/>
-        </a:xfrm>
-      </p:grpSpPr>
-      <p:sp>
-        <p:nvSpPr>
-          <p:cNvPr id="2" name="Title 1">
-            <a:extLst>
-              <a:ext uri="{FF2B5EF4-FFF2-40B4-BE49-F238E27FC236}">
-                <a16:creationId xmlns:a16="http://schemas.microsoft.com/office/drawing/2014/main" id="{E31AA82F-D8CB-EC4A-98EC-494A52080B3C}"/>
-              </a:ext>
-            </a:extLst>
-          </p:cNvPr>
-          <p:cNvSpPr>
-            <a:spLocks noGrp="1"/>
-          </p:cNvSpPr>
-          <p:nvPr>
-            <p:ph type="title"/>
-          </p:nvPr>
-        </p:nvSpPr>
-        <p:spPr/>
-        <p:txBody>
-          <a:bodyPr/>
-          <a:lstStyle/>
-          <a:p>
-            <a:r>
-              <a:rPr lang="en-US" dirty="0"/>
-              <a:t>Workflow automation framework</a:t>
-            </a:r>
-          </a:p>
-        </p:txBody>
-      </p:sp>
-      <p:sp>
-        <p:nvSpPr>
-          <p:cNvPr id="3" name="Content Placeholder 2">
-            <a:extLst>
-              <a:ext uri="{FF2B5EF4-FFF2-40B4-BE49-F238E27FC236}">
-                <a16:creationId xmlns:a16="http://schemas.microsoft.com/office/drawing/2014/main" id="{BDFDA865-9E5F-C54F-BE26-6FEFC17C5D9B}"/>
-              </a:ext>
-            </a:extLst>
-          </p:cNvPr>
-          <p:cNvSpPr>
-            <a:spLocks noGrp="1"/>
-          </p:cNvSpPr>
-          <p:nvPr>
-            <p:ph idx="1"/>
-          </p:nvPr>
-        </p:nvSpPr>
-        <p:spPr>
-          <a:xfrm>
-            <a:off x="838200" y="1488741"/>
-            <a:ext cx="10515600" cy="4671994"/>
-          </a:xfrm>
-        </p:spPr>
-        <p:txBody>
-          <a:bodyPr/>
-          <a:lstStyle/>
-          <a:p>
-            <a:pPr lvl="0"/>
-            <a:r>
-              <a:rPr lang="en-US" dirty="0"/>
-              <a:t>Adopt modularized approach, with flexibility to swap out components</a:t>
-            </a:r>
-          </a:p>
-          <a:p>
-            <a:pPr lvl="0"/>
-            <a:r>
-              <a:rPr lang="en-US" dirty="0"/>
-              <a:t>Use common framework from which all </a:t>
-            </a:r>
-            <a:r>
-              <a:rPr lang="en-US" b="1" i="1" dirty="0"/>
-              <a:t>R-bots</a:t>
-            </a:r>
-            <a:r>
-              <a:rPr lang="en-US" dirty="0"/>
-              <a:t> are executed (e.g., R, Bash)</a:t>
-            </a:r>
-          </a:p>
-          <a:p>
-            <a:pPr lvl="0"/>
-            <a:r>
-              <a:rPr lang="en-US" dirty="0"/>
-              <a:t>Set parameters (manually or dynamically)</a:t>
-            </a:r>
-          </a:p>
-          <a:p>
-            <a:pPr lvl="0"/>
-            <a:r>
-              <a:rPr lang="en-US" dirty="0"/>
-              <a:t>Re-use code (functions)</a:t>
-            </a:r>
-          </a:p>
-          <a:p>
-            <a:pPr lvl="0"/>
-            <a:r>
-              <a:rPr lang="en-US" dirty="0"/>
-              <a:t>Write code that creates/executes dynamically generated code</a:t>
-            </a:r>
-          </a:p>
-          <a:p>
-            <a:pPr lvl="0"/>
-            <a:r>
-              <a:rPr lang="en-US" dirty="0"/>
-              <a:t>Relinquish low level decisions to computer</a:t>
-            </a:r>
-          </a:p>
-          <a:p>
-            <a:pPr lvl="1"/>
-            <a:r>
-              <a:rPr lang="en-US" dirty="0"/>
-              <a:t>Use conditional logic</a:t>
-            </a:r>
-          </a:p>
-          <a:p>
-            <a:pPr lvl="1"/>
-            <a:r>
-              <a:rPr lang="en-US" dirty="0"/>
-              <a:t>Error handling</a:t>
-            </a:r>
-          </a:p>
-          <a:p>
-            <a:pPr lvl="1"/>
-            <a:r>
-              <a:rPr lang="en-US" dirty="0"/>
-              <a:t>Automated validation of results</a:t>
-            </a:r>
-          </a:p>
-        </p:txBody>
-      </p:sp>
-    </p:spTree>
-    <p:extLst>
-      <p:ext uri="{BB962C8B-B14F-4D97-AF65-F5344CB8AC3E}">
-        <p14:creationId xmlns:p14="http://schemas.microsoft.com/office/powerpoint/2010/main" val="4028657287"/>
-      </p:ext>
-    </p:extLst>
-  </p:cSld>
-  <p:clrMapOvr>
-    <a:masterClrMapping/>
-  </p:clrMapOvr>
-</p:sld>
-</file>
-
-<file path=ppt/slides/slide8.xml><?xml version="1.0" encoding="utf-8"?>
-<p:sld xmlns:a="http://schemas.openxmlformats.org/drawingml/2006/main" xmlns:r="http://schemas.openxmlformats.org/officeDocument/2006/relationships" xmlns:p="http://schemas.openxmlformats.org/presentationml/2006/main">
-  <p:cSld>
-    <p:spTree>
-      <p:nvGrpSpPr>
-        <p:cNvPr id="1" name=""/>
-        <p:cNvGrpSpPr/>
-        <p:nvPr/>
-      </p:nvGrpSpPr>
-      <p:grpSpPr>
-        <a:xfrm>
-          <a:off x="0" y="0"/>
-          <a:ext cx="0" cy="0"/>
-          <a:chOff x="0" y="0"/>
-          <a:chExt cx="0" cy="0"/>
-        </a:xfrm>
-      </p:grpSpPr>
-      <p:sp>
-        <p:nvSpPr>
-          <p:cNvPr id="2" name="Title 1">
-            <a:extLst>
-              <a:ext uri="{FF2B5EF4-FFF2-40B4-BE49-F238E27FC236}">
-                <a16:creationId xmlns:a16="http://schemas.microsoft.com/office/drawing/2014/main" id="{7E6F8741-54FD-D743-972A-3A7CB54562DE}"/>
-              </a:ext>
-            </a:extLst>
-          </p:cNvPr>
-          <p:cNvSpPr>
-            <a:spLocks noGrp="1"/>
-          </p:cNvSpPr>
-          <p:nvPr>
-            <p:ph type="title"/>
-          </p:nvPr>
-        </p:nvSpPr>
-        <p:spPr/>
-        <p:txBody>
-          <a:bodyPr/>
-          <a:lstStyle/>
-          <a:p>
-            <a:r>
-              <a:rPr lang="en-US" dirty="0"/>
-              <a:t>R packages for workflow management</a:t>
-            </a:r>
-          </a:p>
-        </p:txBody>
-      </p:sp>
-      <p:sp>
-        <p:nvSpPr>
-          <p:cNvPr id="4" name="Content Placeholder 3">
-            <a:extLst>
-              <a:ext uri="{FF2B5EF4-FFF2-40B4-BE49-F238E27FC236}">
-                <a16:creationId xmlns:a16="http://schemas.microsoft.com/office/drawing/2014/main" id="{CD7D28C0-C85F-3242-BDDD-7ECC05172DBF}"/>
-              </a:ext>
-            </a:extLst>
-          </p:cNvPr>
-          <p:cNvSpPr>
-            <a:spLocks noGrp="1"/>
-          </p:cNvSpPr>
-          <p:nvPr>
-            <p:ph idx="1"/>
-          </p:nvPr>
-        </p:nvSpPr>
-        <p:spPr>
-          <a:xfrm>
-            <a:off x="838199" y="1690690"/>
-            <a:ext cx="3490609" cy="4070229"/>
-          </a:xfrm>
-        </p:spPr>
-        <p:txBody>
-          <a:bodyPr/>
-          <a:lstStyle/>
-          <a:p>
-            <a:pPr lvl="1"/>
-            <a:r>
-              <a:rPr lang="en-US" dirty="0">
-                <a:latin typeface="Courier New" panose="02070309020205020404" pitchFamily="49" charset="0"/>
-                <a:ea typeface="Calibri" panose="020F0502020204030204" pitchFamily="34" charset="0"/>
-                <a:cs typeface="Courier New" panose="02070309020205020404" pitchFamily="49" charset="0"/>
-                <a:hlinkClick r:id="rId2"/>
-              </a:rPr>
-              <a:t>workflowr</a:t>
-            </a:r>
-            <a:endParaRPr lang="en-US" dirty="0">
-              <a:latin typeface="Courier New" panose="02070309020205020404" pitchFamily="49" charset="0"/>
-              <a:ea typeface="Calibri" panose="020F0502020204030204" pitchFamily="34" charset="0"/>
-              <a:cs typeface="Courier New" panose="02070309020205020404" pitchFamily="49" charset="0"/>
-            </a:endParaRPr>
-          </a:p>
-          <a:p>
-            <a:pPr lvl="1"/>
-            <a:r>
-              <a:rPr lang="en-US" dirty="0">
-                <a:latin typeface="Courier New" panose="02070309020205020404" pitchFamily="49" charset="0"/>
-                <a:ea typeface="Calibri" panose="020F0502020204030204" pitchFamily="34" charset="0"/>
-                <a:cs typeface="Courier New" panose="02070309020205020404" pitchFamily="49" charset="0"/>
-                <a:hlinkClick r:id="rId3"/>
-              </a:rPr>
-              <a:t>drake</a:t>
-            </a:r>
-            <a:endParaRPr lang="en-US" dirty="0">
-              <a:latin typeface="Courier New" panose="02070309020205020404" pitchFamily="49" charset="0"/>
-              <a:ea typeface="Calibri" panose="020F0502020204030204" pitchFamily="34" charset="0"/>
-              <a:cs typeface="Courier New" panose="02070309020205020404" pitchFamily="49" charset="0"/>
-            </a:endParaRPr>
-          </a:p>
-          <a:p>
-            <a:pPr marL="0" indent="0">
-              <a:buNone/>
-            </a:pPr>
-            <a:endParaRPr lang="en-US" dirty="0">
-              <a:latin typeface="Courier New" panose="02070309020205020404" pitchFamily="49" charset="0"/>
-              <a:ea typeface="Calibri" panose="020F0502020204030204" pitchFamily="34" charset="0"/>
-              <a:cs typeface="Courier New" panose="02070309020205020404" pitchFamily="49" charset="0"/>
-            </a:endParaRPr>
-          </a:p>
-        </p:txBody>
-      </p:sp>
-      <p:pic>
-        <p:nvPicPr>
-          <p:cNvPr id="7" name="Picture 6">
-            <a:extLst>
-              <a:ext uri="{FF2B5EF4-FFF2-40B4-BE49-F238E27FC236}">
-                <a16:creationId xmlns:a16="http://schemas.microsoft.com/office/drawing/2014/main" id="{4355C578-9070-134A-9734-E600D5F5670E}"/>
-              </a:ext>
-            </a:extLst>
-          </p:cNvPr>
-          <p:cNvPicPr>
-            <a:picLocks noChangeAspect="1"/>
-          </p:cNvPicPr>
-          <p:nvPr/>
-        </p:nvPicPr>
-        <p:blipFill>
-          <a:blip r:embed="rId4"/>
-          <a:stretch>
-            <a:fillRect/>
-          </a:stretch>
-        </p:blipFill>
-        <p:spPr>
-          <a:xfrm>
-            <a:off x="4432841" y="1399667"/>
-            <a:ext cx="7632700" cy="5346700"/>
-          </a:xfrm>
-          <a:prstGeom prst="rect">
-            <a:avLst/>
-          </a:prstGeom>
-        </p:spPr>
-      </p:pic>
-    </p:spTree>
-    <p:extLst>
-      <p:ext uri="{BB962C8B-B14F-4D97-AF65-F5344CB8AC3E}">
-        <p14:creationId xmlns:p14="http://schemas.microsoft.com/office/powerpoint/2010/main" val="1034752107"/>
-      </p:ext>
-    </p:extLst>
-  </p:cSld>
-  <p:clrMapOvr>
-    <a:masterClrMapping/>
-  </p:clrMapOvr>
-</p:sld>
-</file>
-
-<file path=ppt/slides/slide9.xml><?xml version="1.0" encoding="utf-8"?>
 <p:sld xmlns:a="http://schemas.openxmlformats.org/drawingml/2006/main" xmlns:r="http://schemas.openxmlformats.org/officeDocument/2006/relationships" xmlns:p="http://schemas.openxmlformats.org/presentationml/2006/main">
   <p:cSld>
     <p:spTree>
@@ -8524,6 +5934,4398 @@
 </p:sld>
 </file>
 
+<file path=ppt/slides/slide11.xml><?xml version="1.0" encoding="utf-8"?>
+<p:sld xmlns:a="http://schemas.openxmlformats.org/drawingml/2006/main" xmlns:r="http://schemas.openxmlformats.org/officeDocument/2006/relationships" xmlns:p="http://schemas.openxmlformats.org/presentationml/2006/main">
+  <p:cSld>
+    <p:spTree>
+      <p:nvGrpSpPr>
+        <p:cNvPr id="1" name=""/>
+        <p:cNvGrpSpPr/>
+        <p:nvPr/>
+      </p:nvGrpSpPr>
+      <p:grpSpPr>
+        <a:xfrm>
+          <a:off x="0" y="0"/>
+          <a:ext cx="0" cy="0"/>
+          <a:chOff x="0" y="0"/>
+          <a:chExt cx="0" cy="0"/>
+        </a:xfrm>
+      </p:grpSpPr>
+      <p:sp>
+        <p:nvSpPr>
+          <p:cNvPr id="2" name="Title 1">
+            <a:extLst>
+              <a:ext uri="{FF2B5EF4-FFF2-40B4-BE49-F238E27FC236}">
+                <a16:creationId xmlns:a16="http://schemas.microsoft.com/office/drawing/2014/main" id="{4F909432-576F-DD4E-B149-428ED4C0B148}"/>
+              </a:ext>
+            </a:extLst>
+          </p:cNvPr>
+          <p:cNvSpPr>
+            <a:spLocks noGrp="1"/>
+          </p:cNvSpPr>
+          <p:nvPr>
+            <p:ph type="title"/>
+          </p:nvPr>
+        </p:nvSpPr>
+        <p:spPr/>
+        <p:txBody>
+          <a:bodyPr/>
+          <a:lstStyle/>
+          <a:p>
+            <a:r>
+              <a:rPr lang="en-US" dirty="0"/>
+              <a:t>Enterprise considerations</a:t>
+            </a:r>
+          </a:p>
+        </p:txBody>
+      </p:sp>
+      <p:sp>
+        <p:nvSpPr>
+          <p:cNvPr id="3" name="Content Placeholder 2">
+            <a:extLst>
+              <a:ext uri="{FF2B5EF4-FFF2-40B4-BE49-F238E27FC236}">
+                <a16:creationId xmlns:a16="http://schemas.microsoft.com/office/drawing/2014/main" id="{E3F3B1BE-0E0D-134F-86FD-854FF4BEAB9A}"/>
+              </a:ext>
+            </a:extLst>
+          </p:cNvPr>
+          <p:cNvSpPr>
+            <a:spLocks noGrp="1"/>
+          </p:cNvSpPr>
+          <p:nvPr>
+            <p:ph idx="1"/>
+          </p:nvPr>
+        </p:nvSpPr>
+        <p:spPr/>
+        <p:txBody>
+          <a:bodyPr/>
+          <a:lstStyle/>
+          <a:p>
+            <a:r>
+              <a:rPr lang="en-US" dirty="0"/>
+              <a:t>In enterprise setting, you may have limitations on which types of packages you can install on the server, so you may be limited to mostly base R or system commands. </a:t>
+            </a:r>
+          </a:p>
+          <a:p>
+            <a:pPr marL="0" indent="0">
+              <a:buNone/>
+            </a:pPr>
+            <a:endParaRPr lang="en-US" dirty="0"/>
+          </a:p>
+          <a:p>
+            <a:r>
+              <a:rPr lang="en-US" dirty="0"/>
+              <a:t>In the demo, I give an example of a workflow created under this scenario.</a:t>
+            </a:r>
+          </a:p>
+        </p:txBody>
+      </p:sp>
+    </p:spTree>
+    <p:extLst>
+      <p:ext uri="{BB962C8B-B14F-4D97-AF65-F5344CB8AC3E}">
+        <p14:creationId xmlns:p14="http://schemas.microsoft.com/office/powerpoint/2010/main" val="4241006663"/>
+      </p:ext>
+    </p:extLst>
+  </p:cSld>
+  <p:clrMapOvr>
+    <a:masterClrMapping/>
+  </p:clrMapOvr>
+</p:sld>
+</file>
+
+<file path=ppt/slides/slide12.xml><?xml version="1.0" encoding="utf-8"?>
+<p:sld xmlns:a="http://schemas.openxmlformats.org/drawingml/2006/main" xmlns:r="http://schemas.openxmlformats.org/officeDocument/2006/relationships" xmlns:p="http://schemas.openxmlformats.org/presentationml/2006/main">
+  <p:cSld>
+    <p:spTree>
+      <p:nvGrpSpPr>
+        <p:cNvPr id="1" name=""/>
+        <p:cNvGrpSpPr/>
+        <p:nvPr/>
+      </p:nvGrpSpPr>
+      <p:grpSpPr>
+        <a:xfrm>
+          <a:off x="0" y="0"/>
+          <a:ext cx="0" cy="0"/>
+          <a:chOff x="0" y="0"/>
+          <a:chExt cx="0" cy="0"/>
+        </a:xfrm>
+      </p:grpSpPr>
+      <p:sp>
+        <p:nvSpPr>
+          <p:cNvPr id="2" name="Title 1">
+            <a:extLst>
+              <a:ext uri="{FF2B5EF4-FFF2-40B4-BE49-F238E27FC236}">
+                <a16:creationId xmlns:a16="http://schemas.microsoft.com/office/drawing/2014/main" id="{156B4F97-C8DC-884B-BE50-CAA56A351B04}"/>
+              </a:ext>
+            </a:extLst>
+          </p:cNvPr>
+          <p:cNvSpPr>
+            <a:spLocks noGrp="1"/>
+          </p:cNvSpPr>
+          <p:nvPr>
+            <p:ph type="title"/>
+          </p:nvPr>
+        </p:nvSpPr>
+        <p:spPr>
+          <a:xfrm>
+            <a:off x="838200" y="365127"/>
+            <a:ext cx="10515600" cy="1325563"/>
+          </a:xfrm>
+        </p:spPr>
+        <p:txBody>
+          <a:bodyPr>
+            <a:normAutofit/>
+          </a:bodyPr>
+          <a:lstStyle/>
+          <a:p>
+            <a:r>
+              <a:rPr lang="en-US" sz="3600" dirty="0"/>
+              <a:t>DEMO: Lending Club Example</a:t>
+            </a:r>
+            <a:endParaRPr lang="en-US" sz="3600" b="1" dirty="0">
+              <a:latin typeface="Courier New" panose="02070309020205020404" pitchFamily="49" charset="0"/>
+              <a:cs typeface="Courier New" panose="02070309020205020404" pitchFamily="49" charset="0"/>
+            </a:endParaRPr>
+          </a:p>
+        </p:txBody>
+      </p:sp>
+      <p:sp>
+        <p:nvSpPr>
+          <p:cNvPr id="6" name="Rectangle 5">
+            <a:extLst>
+              <a:ext uri="{FF2B5EF4-FFF2-40B4-BE49-F238E27FC236}">
+                <a16:creationId xmlns:a16="http://schemas.microsoft.com/office/drawing/2014/main" id="{1A8B3172-346C-D14B-909D-94215659D494}"/>
+              </a:ext>
+            </a:extLst>
+          </p:cNvPr>
+          <p:cNvSpPr/>
+          <p:nvPr/>
+        </p:nvSpPr>
+        <p:spPr>
+          <a:xfrm>
+            <a:off x="1337797" y="1339058"/>
+            <a:ext cx="1800323" cy="956502"/>
+          </a:xfrm>
+          <a:prstGeom prst="rect">
+            <a:avLst/>
+          </a:prstGeom>
+        </p:spPr>
+        <p:style>
+          <a:lnRef idx="2">
+            <a:schemeClr val="accent1">
+              <a:shade val="50000"/>
+            </a:schemeClr>
+          </a:lnRef>
+          <a:fillRef idx="1">
+            <a:schemeClr val="accent1"/>
+          </a:fillRef>
+          <a:effectRef idx="0">
+            <a:schemeClr val="accent1"/>
+          </a:effectRef>
+          <a:fontRef idx="minor">
+            <a:schemeClr val="lt1"/>
+          </a:fontRef>
+        </p:style>
+        <p:txBody>
+          <a:bodyPr rtlCol="0" anchor="ctr"/>
+          <a:lstStyle/>
+          <a:p>
+            <a:pPr algn="ctr"/>
+            <a:r>
+              <a:rPr lang="en-US" dirty="0"/>
+              <a:t>Set session parameters</a:t>
+            </a:r>
+          </a:p>
+        </p:txBody>
+      </p:sp>
+      <p:sp>
+        <p:nvSpPr>
+          <p:cNvPr id="7" name="Rectangle 6">
+            <a:extLst>
+              <a:ext uri="{FF2B5EF4-FFF2-40B4-BE49-F238E27FC236}">
+                <a16:creationId xmlns:a16="http://schemas.microsoft.com/office/drawing/2014/main" id="{6E03834F-AEB7-664D-93F9-73AEB5BECD00}"/>
+              </a:ext>
+            </a:extLst>
+          </p:cNvPr>
+          <p:cNvSpPr/>
+          <p:nvPr/>
+        </p:nvSpPr>
+        <p:spPr>
+          <a:xfrm>
+            <a:off x="3495557" y="1339058"/>
+            <a:ext cx="1800323" cy="956502"/>
+          </a:xfrm>
+          <a:prstGeom prst="rect">
+            <a:avLst/>
+          </a:prstGeom>
+        </p:spPr>
+        <p:style>
+          <a:lnRef idx="2">
+            <a:schemeClr val="accent1">
+              <a:shade val="50000"/>
+            </a:schemeClr>
+          </a:lnRef>
+          <a:fillRef idx="1">
+            <a:schemeClr val="accent1"/>
+          </a:fillRef>
+          <a:effectRef idx="0">
+            <a:schemeClr val="accent1"/>
+          </a:effectRef>
+          <a:fontRef idx="minor">
+            <a:schemeClr val="lt1"/>
+          </a:fontRef>
+        </p:style>
+        <p:txBody>
+          <a:bodyPr rtlCol="0" anchor="ctr"/>
+          <a:lstStyle/>
+          <a:p>
+            <a:pPr algn="ctr"/>
+            <a:r>
+              <a:rPr lang="en-US" dirty="0"/>
+              <a:t>Download dataset from LC website</a:t>
+            </a:r>
+          </a:p>
+        </p:txBody>
+      </p:sp>
+      <p:sp>
+        <p:nvSpPr>
+          <p:cNvPr id="8" name="Rectangle 7">
+            <a:extLst>
+              <a:ext uri="{FF2B5EF4-FFF2-40B4-BE49-F238E27FC236}">
+                <a16:creationId xmlns:a16="http://schemas.microsoft.com/office/drawing/2014/main" id="{28FA7CB8-37D5-4C46-AC1D-E25B0B06836B}"/>
+              </a:ext>
+            </a:extLst>
+          </p:cNvPr>
+          <p:cNvSpPr/>
+          <p:nvPr/>
+        </p:nvSpPr>
+        <p:spPr>
+          <a:xfrm>
+            <a:off x="4809718" y="2541046"/>
+            <a:ext cx="1800323" cy="956502"/>
+          </a:xfrm>
+          <a:prstGeom prst="rect">
+            <a:avLst/>
+          </a:prstGeom>
+        </p:spPr>
+        <p:style>
+          <a:lnRef idx="2">
+            <a:schemeClr val="accent1">
+              <a:shade val="50000"/>
+            </a:schemeClr>
+          </a:lnRef>
+          <a:fillRef idx="1">
+            <a:schemeClr val="accent1"/>
+          </a:fillRef>
+          <a:effectRef idx="0">
+            <a:schemeClr val="accent1"/>
+          </a:effectRef>
+          <a:fontRef idx="minor">
+            <a:schemeClr val="lt1"/>
+          </a:fontRef>
+        </p:style>
+        <p:txBody>
+          <a:bodyPr rtlCol="0" anchor="ctr"/>
+          <a:lstStyle/>
+          <a:p>
+            <a:pPr algn="ctr"/>
+            <a:r>
+              <a:rPr lang="en-US" dirty="0"/>
+              <a:t>Move LC dataset into MySQL</a:t>
+            </a:r>
+          </a:p>
+        </p:txBody>
+      </p:sp>
+      <p:sp>
+        <p:nvSpPr>
+          <p:cNvPr id="10" name="Rectangle 9">
+            <a:extLst>
+              <a:ext uri="{FF2B5EF4-FFF2-40B4-BE49-F238E27FC236}">
+                <a16:creationId xmlns:a16="http://schemas.microsoft.com/office/drawing/2014/main" id="{DA121486-1A46-9540-BFA3-0FD2FEFFD1C7}"/>
+              </a:ext>
+            </a:extLst>
+          </p:cNvPr>
+          <p:cNvSpPr/>
+          <p:nvPr/>
+        </p:nvSpPr>
+        <p:spPr>
+          <a:xfrm>
+            <a:off x="4809717" y="3856486"/>
+            <a:ext cx="1800323" cy="956502"/>
+          </a:xfrm>
+          <a:prstGeom prst="rect">
+            <a:avLst/>
+          </a:prstGeom>
+        </p:spPr>
+        <p:style>
+          <a:lnRef idx="2">
+            <a:schemeClr val="accent1">
+              <a:shade val="50000"/>
+            </a:schemeClr>
+          </a:lnRef>
+          <a:fillRef idx="1">
+            <a:schemeClr val="accent1"/>
+          </a:fillRef>
+          <a:effectRef idx="0">
+            <a:schemeClr val="accent1"/>
+          </a:effectRef>
+          <a:fontRef idx="minor">
+            <a:schemeClr val="lt1"/>
+          </a:fontRef>
+        </p:style>
+        <p:txBody>
+          <a:bodyPr rtlCol="0" anchor="ctr"/>
+          <a:lstStyle/>
+          <a:p>
+            <a:pPr algn="ctr"/>
+            <a:r>
+              <a:rPr lang="en-US" dirty="0"/>
+              <a:t>Data cleaning/ transformations</a:t>
+            </a:r>
+          </a:p>
+        </p:txBody>
+      </p:sp>
+      <p:sp>
+        <p:nvSpPr>
+          <p:cNvPr id="11" name="Rectangle 10">
+            <a:extLst>
+              <a:ext uri="{FF2B5EF4-FFF2-40B4-BE49-F238E27FC236}">
+                <a16:creationId xmlns:a16="http://schemas.microsoft.com/office/drawing/2014/main" id="{21E67E26-CFB9-9C44-8730-E37E19C1EF3E}"/>
+              </a:ext>
+            </a:extLst>
+          </p:cNvPr>
+          <p:cNvSpPr/>
+          <p:nvPr/>
+        </p:nvSpPr>
+        <p:spPr>
+          <a:xfrm>
+            <a:off x="3495556" y="4982192"/>
+            <a:ext cx="1800323" cy="956502"/>
+          </a:xfrm>
+          <a:prstGeom prst="rect">
+            <a:avLst/>
+          </a:prstGeom>
+        </p:spPr>
+        <p:style>
+          <a:lnRef idx="2">
+            <a:schemeClr val="accent1">
+              <a:shade val="50000"/>
+            </a:schemeClr>
+          </a:lnRef>
+          <a:fillRef idx="1">
+            <a:schemeClr val="accent1"/>
+          </a:fillRef>
+          <a:effectRef idx="0">
+            <a:schemeClr val="accent1"/>
+          </a:effectRef>
+          <a:fontRef idx="minor">
+            <a:schemeClr val="lt1"/>
+          </a:fontRef>
+        </p:style>
+        <p:txBody>
+          <a:bodyPr rtlCol="0" anchor="ctr"/>
+          <a:lstStyle/>
+          <a:p>
+            <a:pPr algn="ctr"/>
+            <a:r>
+              <a:rPr lang="en-US" dirty="0"/>
+              <a:t>Build predictive models</a:t>
+            </a:r>
+          </a:p>
+        </p:txBody>
+      </p:sp>
+      <p:sp>
+        <p:nvSpPr>
+          <p:cNvPr id="12" name="Rectangle 11">
+            <a:extLst>
+              <a:ext uri="{FF2B5EF4-FFF2-40B4-BE49-F238E27FC236}">
+                <a16:creationId xmlns:a16="http://schemas.microsoft.com/office/drawing/2014/main" id="{BE527B8C-FAA8-C743-BA54-C405A4DC2263}"/>
+              </a:ext>
+            </a:extLst>
+          </p:cNvPr>
+          <p:cNvSpPr/>
+          <p:nvPr/>
+        </p:nvSpPr>
+        <p:spPr>
+          <a:xfrm>
+            <a:off x="1337796" y="4982192"/>
+            <a:ext cx="1800323" cy="956502"/>
+          </a:xfrm>
+          <a:prstGeom prst="rect">
+            <a:avLst/>
+          </a:prstGeom>
+        </p:spPr>
+        <p:style>
+          <a:lnRef idx="2">
+            <a:schemeClr val="accent1">
+              <a:shade val="50000"/>
+            </a:schemeClr>
+          </a:lnRef>
+          <a:fillRef idx="1">
+            <a:schemeClr val="accent1"/>
+          </a:fillRef>
+          <a:effectRef idx="0">
+            <a:schemeClr val="accent1"/>
+          </a:effectRef>
+          <a:fontRef idx="minor">
+            <a:schemeClr val="lt1"/>
+          </a:fontRef>
+        </p:style>
+        <p:txBody>
+          <a:bodyPr rtlCol="0" anchor="ctr"/>
+          <a:lstStyle/>
+          <a:p>
+            <a:pPr algn="ctr"/>
+            <a:r>
+              <a:rPr lang="en-US" dirty="0"/>
+              <a:t>Create report</a:t>
+            </a:r>
+          </a:p>
+        </p:txBody>
+      </p:sp>
+      <p:sp>
+        <p:nvSpPr>
+          <p:cNvPr id="13" name="Rectangle 12">
+            <a:extLst>
+              <a:ext uri="{FF2B5EF4-FFF2-40B4-BE49-F238E27FC236}">
+                <a16:creationId xmlns:a16="http://schemas.microsoft.com/office/drawing/2014/main" id="{CF28210B-C1C3-6E4B-BCBA-4938BC7E6F00}"/>
+              </a:ext>
+            </a:extLst>
+          </p:cNvPr>
+          <p:cNvSpPr/>
+          <p:nvPr/>
+        </p:nvSpPr>
+        <p:spPr>
+          <a:xfrm>
+            <a:off x="53526" y="3856485"/>
+            <a:ext cx="1800323" cy="956502"/>
+          </a:xfrm>
+          <a:prstGeom prst="rect">
+            <a:avLst/>
+          </a:prstGeom>
+        </p:spPr>
+        <p:style>
+          <a:lnRef idx="2">
+            <a:schemeClr val="accent1">
+              <a:shade val="50000"/>
+            </a:schemeClr>
+          </a:lnRef>
+          <a:fillRef idx="1">
+            <a:schemeClr val="accent1"/>
+          </a:fillRef>
+          <a:effectRef idx="0">
+            <a:schemeClr val="accent1"/>
+          </a:effectRef>
+          <a:fontRef idx="minor">
+            <a:schemeClr val="lt1"/>
+          </a:fontRef>
+        </p:style>
+        <p:txBody>
+          <a:bodyPr rtlCol="0" anchor="ctr"/>
+          <a:lstStyle/>
+          <a:p>
+            <a:pPr algn="ctr"/>
+            <a:r>
+              <a:rPr lang="en-US" dirty="0"/>
+              <a:t>Email report</a:t>
+            </a:r>
+          </a:p>
+        </p:txBody>
+      </p:sp>
+      <p:sp>
+        <p:nvSpPr>
+          <p:cNvPr id="14" name="Rectangle 13">
+            <a:extLst>
+              <a:ext uri="{FF2B5EF4-FFF2-40B4-BE49-F238E27FC236}">
+                <a16:creationId xmlns:a16="http://schemas.microsoft.com/office/drawing/2014/main" id="{572A8640-D093-764F-B9EC-17821E20CD1D}"/>
+              </a:ext>
+            </a:extLst>
+          </p:cNvPr>
+          <p:cNvSpPr/>
+          <p:nvPr/>
+        </p:nvSpPr>
+        <p:spPr>
+          <a:xfrm>
+            <a:off x="53526" y="2541046"/>
+            <a:ext cx="1800323" cy="956502"/>
+          </a:xfrm>
+          <a:prstGeom prst="rect">
+            <a:avLst/>
+          </a:prstGeom>
+        </p:spPr>
+        <p:style>
+          <a:lnRef idx="2">
+            <a:schemeClr val="accent1">
+              <a:shade val="50000"/>
+            </a:schemeClr>
+          </a:lnRef>
+          <a:fillRef idx="1">
+            <a:schemeClr val="accent1"/>
+          </a:fillRef>
+          <a:effectRef idx="0">
+            <a:schemeClr val="accent1"/>
+          </a:effectRef>
+          <a:fontRef idx="minor">
+            <a:schemeClr val="lt1"/>
+          </a:fontRef>
+        </p:style>
+        <p:txBody>
+          <a:bodyPr rtlCol="0" anchor="ctr"/>
+          <a:lstStyle/>
+          <a:p>
+            <a:pPr algn="ctr"/>
+            <a:r>
+              <a:rPr lang="en-US" dirty="0" err="1"/>
+              <a:t>Github</a:t>
+            </a:r>
+            <a:r>
+              <a:rPr lang="en-US" dirty="0"/>
+              <a:t> check-in</a:t>
+            </a:r>
+          </a:p>
+        </p:txBody>
+      </p:sp>
+      <p:sp>
+        <p:nvSpPr>
+          <p:cNvPr id="16" name="TextBox 15">
+            <a:extLst>
+              <a:ext uri="{FF2B5EF4-FFF2-40B4-BE49-F238E27FC236}">
+                <a16:creationId xmlns:a16="http://schemas.microsoft.com/office/drawing/2014/main" id="{064C6E98-6C11-4242-B02D-362A62348E97}"/>
+              </a:ext>
+            </a:extLst>
+          </p:cNvPr>
+          <p:cNvSpPr txBox="1"/>
+          <p:nvPr/>
+        </p:nvSpPr>
+        <p:spPr>
+          <a:xfrm>
+            <a:off x="7270976" y="1351508"/>
+            <a:ext cx="4568986" cy="3785652"/>
+          </a:xfrm>
+          <a:prstGeom prst="rect">
+            <a:avLst/>
+          </a:prstGeom>
+          <a:noFill/>
+        </p:spPr>
+        <p:txBody>
+          <a:bodyPr wrap="square" rtlCol="0">
+            <a:spAutoFit/>
+          </a:bodyPr>
+          <a:lstStyle/>
+          <a:p>
+            <a:pPr marL="285750" indent="-285750">
+              <a:buFont typeface="Arial" panose="020B0604020202020204" pitchFamily="34" charset="0"/>
+              <a:buChar char="•"/>
+            </a:pPr>
+            <a:r>
+              <a:rPr lang="en-US" sz="2400" dirty="0"/>
+              <a:t>Peer to peer lending platform</a:t>
+            </a:r>
+          </a:p>
+          <a:p>
+            <a:endParaRPr lang="en-US" sz="2400" dirty="0"/>
+          </a:p>
+          <a:p>
+            <a:pPr marL="285750" indent="-285750">
+              <a:buFont typeface="Arial" panose="020B0604020202020204" pitchFamily="34" charset="0"/>
+              <a:buChar char="•"/>
+            </a:pPr>
+            <a:r>
+              <a:rPr lang="en-US" sz="2400" dirty="0"/>
+              <a:t>Goal: Build a model to predict probability of a loan default</a:t>
+            </a:r>
+          </a:p>
+          <a:p>
+            <a:pPr marL="285750" indent="-285750">
+              <a:buFont typeface="Arial" panose="020B0604020202020204" pitchFamily="34" charset="0"/>
+              <a:buChar char="•"/>
+            </a:pPr>
+            <a:endParaRPr lang="en-US" sz="2400" dirty="0"/>
+          </a:p>
+          <a:p>
+            <a:pPr marL="285750" indent="-285750">
+              <a:buFont typeface="Arial" panose="020B0604020202020204" pitchFamily="34" charset="0"/>
+              <a:buChar char="•"/>
+            </a:pPr>
+            <a:r>
+              <a:rPr lang="en-US" sz="2400" dirty="0"/>
+              <a:t>Example automates the</a:t>
+            </a:r>
+          </a:p>
+          <a:p>
+            <a:pPr marL="742950" lvl="1" indent="-285750">
+              <a:buFont typeface="Arial" panose="020B0604020202020204" pitchFamily="34" charset="0"/>
+              <a:buChar char="•"/>
+            </a:pPr>
+            <a:r>
+              <a:rPr lang="en-US" sz="2400" dirty="0"/>
+              <a:t>data retrieval and storage</a:t>
+            </a:r>
+          </a:p>
+          <a:p>
+            <a:pPr marL="742950" lvl="1" indent="-285750">
+              <a:buFont typeface="Arial" panose="020B0604020202020204" pitchFamily="34" charset="0"/>
+              <a:buChar char="•"/>
+            </a:pPr>
+            <a:r>
+              <a:rPr lang="en-US" sz="2400" dirty="0"/>
+              <a:t>model building</a:t>
+            </a:r>
+          </a:p>
+          <a:p>
+            <a:pPr marL="742950" lvl="1" indent="-285750">
+              <a:buFont typeface="Arial" panose="020B0604020202020204" pitchFamily="34" charset="0"/>
+              <a:buChar char="•"/>
+            </a:pPr>
+            <a:r>
+              <a:rPr lang="en-US" sz="2400" dirty="0"/>
+              <a:t>report generation</a:t>
+            </a:r>
+          </a:p>
+          <a:p>
+            <a:pPr marL="742950" lvl="1" indent="-285750">
+              <a:buFont typeface="Arial" panose="020B0604020202020204" pitchFamily="34" charset="0"/>
+              <a:buChar char="•"/>
+            </a:pPr>
+            <a:r>
+              <a:rPr lang="en-US" sz="2400" dirty="0"/>
+              <a:t>version control</a:t>
+            </a:r>
+          </a:p>
+        </p:txBody>
+      </p:sp>
+      <p:cxnSp>
+        <p:nvCxnSpPr>
+          <p:cNvPr id="18" name="Straight Arrow Connector 17">
+            <a:extLst>
+              <a:ext uri="{FF2B5EF4-FFF2-40B4-BE49-F238E27FC236}">
+                <a16:creationId xmlns:a16="http://schemas.microsoft.com/office/drawing/2014/main" id="{A8644B9A-1D6F-604F-A582-76D8ACD9100B}"/>
+              </a:ext>
+            </a:extLst>
+          </p:cNvPr>
+          <p:cNvCxnSpPr>
+            <a:stCxn id="6" idx="3"/>
+            <a:endCxn id="7" idx="1"/>
+          </p:cNvCxnSpPr>
+          <p:nvPr/>
+        </p:nvCxnSpPr>
+        <p:spPr>
+          <a:xfrm>
+            <a:off x="3138120" y="1817309"/>
+            <a:ext cx="357437" cy="0"/>
+          </a:xfrm>
+          <a:prstGeom prst="straightConnector1">
+            <a:avLst/>
+          </a:prstGeom>
+          <a:ln w="57150">
+            <a:tailEnd type="triangle"/>
+          </a:ln>
+        </p:spPr>
+        <p:style>
+          <a:lnRef idx="1">
+            <a:schemeClr val="accent1"/>
+          </a:lnRef>
+          <a:fillRef idx="0">
+            <a:schemeClr val="accent1"/>
+          </a:fillRef>
+          <a:effectRef idx="0">
+            <a:schemeClr val="accent1"/>
+          </a:effectRef>
+          <a:fontRef idx="minor">
+            <a:schemeClr val="tx1"/>
+          </a:fontRef>
+        </p:style>
+      </p:cxnSp>
+      <p:cxnSp>
+        <p:nvCxnSpPr>
+          <p:cNvPr id="23" name="Curved Connector 22">
+            <a:extLst>
+              <a:ext uri="{FF2B5EF4-FFF2-40B4-BE49-F238E27FC236}">
+                <a16:creationId xmlns:a16="http://schemas.microsoft.com/office/drawing/2014/main" id="{5C33FCA3-DDD0-6041-A78F-5ADAD213F442}"/>
+              </a:ext>
+            </a:extLst>
+          </p:cNvPr>
+          <p:cNvCxnSpPr>
+            <a:cxnSpLocks/>
+            <a:stCxn id="7" idx="3"/>
+            <a:endCxn id="8" idx="0"/>
+          </p:cNvCxnSpPr>
+          <p:nvPr/>
+        </p:nvCxnSpPr>
+        <p:spPr>
+          <a:xfrm>
+            <a:off x="5295880" y="1817309"/>
+            <a:ext cx="414000" cy="723737"/>
+          </a:xfrm>
+          <a:prstGeom prst="curvedConnector2">
+            <a:avLst/>
+          </a:prstGeom>
+          <a:ln w="57150">
+            <a:tailEnd type="triangle"/>
+          </a:ln>
+        </p:spPr>
+        <p:style>
+          <a:lnRef idx="1">
+            <a:schemeClr val="accent1"/>
+          </a:lnRef>
+          <a:fillRef idx="0">
+            <a:schemeClr val="accent1"/>
+          </a:fillRef>
+          <a:effectRef idx="0">
+            <a:schemeClr val="accent1"/>
+          </a:effectRef>
+          <a:fontRef idx="minor">
+            <a:schemeClr val="tx1"/>
+          </a:fontRef>
+        </p:style>
+      </p:cxnSp>
+      <p:cxnSp>
+        <p:nvCxnSpPr>
+          <p:cNvPr id="26" name="Straight Arrow Connector 25">
+            <a:extLst>
+              <a:ext uri="{FF2B5EF4-FFF2-40B4-BE49-F238E27FC236}">
+                <a16:creationId xmlns:a16="http://schemas.microsoft.com/office/drawing/2014/main" id="{C6D791C4-1F4A-F24F-BBA7-5F66E86101AB}"/>
+              </a:ext>
+            </a:extLst>
+          </p:cNvPr>
+          <p:cNvCxnSpPr>
+            <a:cxnSpLocks/>
+            <a:stCxn id="8" idx="2"/>
+            <a:endCxn id="10" idx="0"/>
+          </p:cNvCxnSpPr>
+          <p:nvPr/>
+        </p:nvCxnSpPr>
+        <p:spPr>
+          <a:xfrm flipH="1">
+            <a:off x="5709879" y="3497548"/>
+            <a:ext cx="1" cy="358938"/>
+          </a:xfrm>
+          <a:prstGeom prst="straightConnector1">
+            <a:avLst/>
+          </a:prstGeom>
+          <a:ln w="57150">
+            <a:tailEnd type="triangle"/>
+          </a:ln>
+        </p:spPr>
+        <p:style>
+          <a:lnRef idx="1">
+            <a:schemeClr val="accent1"/>
+          </a:lnRef>
+          <a:fillRef idx="0">
+            <a:schemeClr val="accent1"/>
+          </a:fillRef>
+          <a:effectRef idx="0">
+            <a:schemeClr val="accent1"/>
+          </a:effectRef>
+          <a:fontRef idx="minor">
+            <a:schemeClr val="tx1"/>
+          </a:fontRef>
+        </p:style>
+      </p:cxnSp>
+      <p:cxnSp>
+        <p:nvCxnSpPr>
+          <p:cNvPr id="30" name="Curved Connector 29">
+            <a:extLst>
+              <a:ext uri="{FF2B5EF4-FFF2-40B4-BE49-F238E27FC236}">
+                <a16:creationId xmlns:a16="http://schemas.microsoft.com/office/drawing/2014/main" id="{3DF26A0E-7BB0-274A-B081-FD7566F57DB1}"/>
+              </a:ext>
+            </a:extLst>
+          </p:cNvPr>
+          <p:cNvCxnSpPr>
+            <a:cxnSpLocks/>
+            <a:stCxn id="10" idx="2"/>
+            <a:endCxn id="11" idx="3"/>
+          </p:cNvCxnSpPr>
+          <p:nvPr/>
+        </p:nvCxnSpPr>
+        <p:spPr>
+          <a:xfrm rot="5400000">
+            <a:off x="5179152" y="4929715"/>
+            <a:ext cx="647455" cy="414000"/>
+          </a:xfrm>
+          <a:prstGeom prst="curvedConnector2">
+            <a:avLst/>
+          </a:prstGeom>
+          <a:ln w="57150">
+            <a:tailEnd type="triangle"/>
+          </a:ln>
+        </p:spPr>
+        <p:style>
+          <a:lnRef idx="1">
+            <a:schemeClr val="accent1"/>
+          </a:lnRef>
+          <a:fillRef idx="0">
+            <a:schemeClr val="accent1"/>
+          </a:fillRef>
+          <a:effectRef idx="0">
+            <a:schemeClr val="accent1"/>
+          </a:effectRef>
+          <a:fontRef idx="minor">
+            <a:schemeClr val="tx1"/>
+          </a:fontRef>
+        </p:style>
+      </p:cxnSp>
+      <p:cxnSp>
+        <p:nvCxnSpPr>
+          <p:cNvPr id="33" name="Straight Arrow Connector 32">
+            <a:extLst>
+              <a:ext uri="{FF2B5EF4-FFF2-40B4-BE49-F238E27FC236}">
+                <a16:creationId xmlns:a16="http://schemas.microsoft.com/office/drawing/2014/main" id="{6C4C7E30-F506-7340-9A39-70072DBFC1DB}"/>
+              </a:ext>
+            </a:extLst>
+          </p:cNvPr>
+          <p:cNvCxnSpPr>
+            <a:cxnSpLocks/>
+            <a:stCxn id="11" idx="1"/>
+            <a:endCxn id="12" idx="3"/>
+          </p:cNvCxnSpPr>
+          <p:nvPr/>
+        </p:nvCxnSpPr>
+        <p:spPr>
+          <a:xfrm flipH="1">
+            <a:off x="3138119" y="5460443"/>
+            <a:ext cx="357437" cy="0"/>
+          </a:xfrm>
+          <a:prstGeom prst="straightConnector1">
+            <a:avLst/>
+          </a:prstGeom>
+          <a:ln w="57150">
+            <a:tailEnd type="triangle"/>
+          </a:ln>
+        </p:spPr>
+        <p:style>
+          <a:lnRef idx="1">
+            <a:schemeClr val="accent1"/>
+          </a:lnRef>
+          <a:fillRef idx="0">
+            <a:schemeClr val="accent1"/>
+          </a:fillRef>
+          <a:effectRef idx="0">
+            <a:schemeClr val="accent1"/>
+          </a:effectRef>
+          <a:fontRef idx="minor">
+            <a:schemeClr val="tx1"/>
+          </a:fontRef>
+        </p:style>
+      </p:cxnSp>
+      <p:cxnSp>
+        <p:nvCxnSpPr>
+          <p:cNvPr id="40" name="Curved Connector 39">
+            <a:extLst>
+              <a:ext uri="{FF2B5EF4-FFF2-40B4-BE49-F238E27FC236}">
+                <a16:creationId xmlns:a16="http://schemas.microsoft.com/office/drawing/2014/main" id="{24C0D1CC-B2A5-094D-AEDE-C553B876ECF3}"/>
+              </a:ext>
+            </a:extLst>
+          </p:cNvPr>
+          <p:cNvCxnSpPr>
+            <a:cxnSpLocks/>
+            <a:stCxn id="12" idx="1"/>
+            <a:endCxn id="13" idx="2"/>
+          </p:cNvCxnSpPr>
+          <p:nvPr/>
+        </p:nvCxnSpPr>
+        <p:spPr>
+          <a:xfrm rot="10800000">
+            <a:off x="953688" y="4812987"/>
+            <a:ext cx="384108" cy="647456"/>
+          </a:xfrm>
+          <a:prstGeom prst="curvedConnector2">
+            <a:avLst/>
+          </a:prstGeom>
+          <a:ln w="57150">
+            <a:tailEnd type="triangle"/>
+          </a:ln>
+        </p:spPr>
+        <p:style>
+          <a:lnRef idx="1">
+            <a:schemeClr val="accent1"/>
+          </a:lnRef>
+          <a:fillRef idx="0">
+            <a:schemeClr val="accent1"/>
+          </a:fillRef>
+          <a:effectRef idx="0">
+            <a:schemeClr val="accent1"/>
+          </a:effectRef>
+          <a:fontRef idx="minor">
+            <a:schemeClr val="tx1"/>
+          </a:fontRef>
+        </p:style>
+      </p:cxnSp>
+      <p:cxnSp>
+        <p:nvCxnSpPr>
+          <p:cNvPr id="49" name="Straight Arrow Connector 48">
+            <a:extLst>
+              <a:ext uri="{FF2B5EF4-FFF2-40B4-BE49-F238E27FC236}">
+                <a16:creationId xmlns:a16="http://schemas.microsoft.com/office/drawing/2014/main" id="{5818F0B0-2F92-0644-92E3-CAE0536F57CE}"/>
+              </a:ext>
+            </a:extLst>
+          </p:cNvPr>
+          <p:cNvCxnSpPr>
+            <a:cxnSpLocks/>
+            <a:stCxn id="13" idx="0"/>
+            <a:endCxn id="14" idx="2"/>
+          </p:cNvCxnSpPr>
+          <p:nvPr/>
+        </p:nvCxnSpPr>
+        <p:spPr>
+          <a:xfrm flipV="1">
+            <a:off x="953688" y="3497548"/>
+            <a:ext cx="0" cy="358937"/>
+          </a:xfrm>
+          <a:prstGeom prst="straightConnector1">
+            <a:avLst/>
+          </a:prstGeom>
+          <a:ln w="57150">
+            <a:tailEnd type="triangle"/>
+          </a:ln>
+        </p:spPr>
+        <p:style>
+          <a:lnRef idx="1">
+            <a:schemeClr val="accent1"/>
+          </a:lnRef>
+          <a:fillRef idx="0">
+            <a:schemeClr val="accent1"/>
+          </a:fillRef>
+          <a:effectRef idx="0">
+            <a:schemeClr val="accent1"/>
+          </a:effectRef>
+          <a:fontRef idx="minor">
+            <a:schemeClr val="tx1"/>
+          </a:fontRef>
+        </p:style>
+      </p:cxnSp>
+      <p:cxnSp>
+        <p:nvCxnSpPr>
+          <p:cNvPr id="52" name="Curved Connector 51">
+            <a:extLst>
+              <a:ext uri="{FF2B5EF4-FFF2-40B4-BE49-F238E27FC236}">
+                <a16:creationId xmlns:a16="http://schemas.microsoft.com/office/drawing/2014/main" id="{E745A814-47B6-8142-B79D-BB505693ABB1}"/>
+              </a:ext>
+            </a:extLst>
+          </p:cNvPr>
+          <p:cNvCxnSpPr>
+            <a:cxnSpLocks/>
+            <a:stCxn id="14" idx="0"/>
+            <a:endCxn id="6" idx="1"/>
+          </p:cNvCxnSpPr>
+          <p:nvPr/>
+        </p:nvCxnSpPr>
+        <p:spPr>
+          <a:xfrm rot="5400000" flipH="1" flipV="1">
+            <a:off x="783874" y="1987124"/>
+            <a:ext cx="723737" cy="384109"/>
+          </a:xfrm>
+          <a:prstGeom prst="curvedConnector2">
+            <a:avLst/>
+          </a:prstGeom>
+          <a:ln w="57150">
+            <a:tailEnd type="triangle"/>
+          </a:ln>
+        </p:spPr>
+        <p:style>
+          <a:lnRef idx="1">
+            <a:schemeClr val="accent1"/>
+          </a:lnRef>
+          <a:fillRef idx="0">
+            <a:schemeClr val="accent1"/>
+          </a:fillRef>
+          <a:effectRef idx="0">
+            <a:schemeClr val="accent1"/>
+          </a:effectRef>
+          <a:fontRef idx="minor">
+            <a:schemeClr val="tx1"/>
+          </a:fontRef>
+        </p:style>
+      </p:cxnSp>
+    </p:spTree>
+    <p:extLst>
+      <p:ext uri="{BB962C8B-B14F-4D97-AF65-F5344CB8AC3E}">
+        <p14:creationId xmlns:p14="http://schemas.microsoft.com/office/powerpoint/2010/main" val="3898843265"/>
+      </p:ext>
+    </p:extLst>
+  </p:cSld>
+  <p:clrMapOvr>
+    <a:masterClrMapping/>
+  </p:clrMapOvr>
+</p:sld>
+</file>
+
+<file path=ppt/slides/slide13.xml><?xml version="1.0" encoding="utf-8"?>
+<p:sld xmlns:a="http://schemas.openxmlformats.org/drawingml/2006/main" xmlns:r="http://schemas.openxmlformats.org/officeDocument/2006/relationships" xmlns:p="http://schemas.openxmlformats.org/presentationml/2006/main">
+  <p:cSld>
+    <p:spTree>
+      <p:nvGrpSpPr>
+        <p:cNvPr id="1" name=""/>
+        <p:cNvGrpSpPr/>
+        <p:nvPr/>
+      </p:nvGrpSpPr>
+      <p:grpSpPr>
+        <a:xfrm>
+          <a:off x="0" y="0"/>
+          <a:ext cx="0" cy="0"/>
+          <a:chOff x="0" y="0"/>
+          <a:chExt cx="0" cy="0"/>
+        </a:xfrm>
+      </p:grpSpPr>
+      <p:sp>
+        <p:nvSpPr>
+          <p:cNvPr id="2" name="Title 1">
+            <a:extLst>
+              <a:ext uri="{FF2B5EF4-FFF2-40B4-BE49-F238E27FC236}">
+                <a16:creationId xmlns:a16="http://schemas.microsoft.com/office/drawing/2014/main" id="{156B4F97-C8DC-884B-BE50-CAA56A351B04}"/>
+              </a:ext>
+            </a:extLst>
+          </p:cNvPr>
+          <p:cNvSpPr>
+            <a:spLocks noGrp="1"/>
+          </p:cNvSpPr>
+          <p:nvPr>
+            <p:ph type="title"/>
+          </p:nvPr>
+        </p:nvSpPr>
+        <p:spPr>
+          <a:xfrm>
+            <a:off x="838200" y="365127"/>
+            <a:ext cx="10515600" cy="1325563"/>
+          </a:xfrm>
+        </p:spPr>
+        <p:txBody>
+          <a:bodyPr>
+            <a:normAutofit/>
+          </a:bodyPr>
+          <a:lstStyle/>
+          <a:p>
+            <a:r>
+              <a:rPr lang="en-US" sz="3600" dirty="0"/>
+              <a:t>DEMO: Lending Club Example</a:t>
+            </a:r>
+            <a:endParaRPr lang="en-US" sz="3600" b="1" dirty="0">
+              <a:latin typeface="Courier New" panose="02070309020205020404" pitchFamily="49" charset="0"/>
+              <a:cs typeface="Courier New" panose="02070309020205020404" pitchFamily="49" charset="0"/>
+            </a:endParaRPr>
+          </a:p>
+        </p:txBody>
+      </p:sp>
+      <p:pic>
+        <p:nvPicPr>
+          <p:cNvPr id="3" name="Picture 2">
+            <a:extLst>
+              <a:ext uri="{FF2B5EF4-FFF2-40B4-BE49-F238E27FC236}">
+                <a16:creationId xmlns:a16="http://schemas.microsoft.com/office/drawing/2014/main" id="{68481543-75D4-2D43-91C5-D28CD38DC082}"/>
+              </a:ext>
+            </a:extLst>
+          </p:cNvPr>
+          <p:cNvPicPr>
+            <a:picLocks noChangeAspect="1"/>
+          </p:cNvPicPr>
+          <p:nvPr/>
+        </p:nvPicPr>
+        <p:blipFill>
+          <a:blip r:embed="rId2"/>
+          <a:stretch>
+            <a:fillRect/>
+          </a:stretch>
+        </p:blipFill>
+        <p:spPr>
+          <a:xfrm>
+            <a:off x="3144906" y="1282667"/>
+            <a:ext cx="5902188" cy="4587343"/>
+          </a:xfrm>
+          <a:prstGeom prst="rect">
+            <a:avLst/>
+          </a:prstGeom>
+        </p:spPr>
+      </p:pic>
+    </p:spTree>
+    <p:extLst>
+      <p:ext uri="{BB962C8B-B14F-4D97-AF65-F5344CB8AC3E}">
+        <p14:creationId xmlns:p14="http://schemas.microsoft.com/office/powerpoint/2010/main" val="1475672138"/>
+      </p:ext>
+    </p:extLst>
+  </p:cSld>
+  <p:clrMapOvr>
+    <a:masterClrMapping/>
+  </p:clrMapOvr>
+</p:sld>
+</file>
+
+<file path=ppt/slides/slide14.xml><?xml version="1.0" encoding="utf-8"?>
+<p:sld xmlns:a="http://schemas.openxmlformats.org/drawingml/2006/main" xmlns:r="http://schemas.openxmlformats.org/officeDocument/2006/relationships" xmlns:p="http://schemas.openxmlformats.org/presentationml/2006/main">
+  <p:cSld>
+    <p:spTree>
+      <p:nvGrpSpPr>
+        <p:cNvPr id="1" name=""/>
+        <p:cNvGrpSpPr/>
+        <p:nvPr/>
+      </p:nvGrpSpPr>
+      <p:grpSpPr>
+        <a:xfrm>
+          <a:off x="0" y="0"/>
+          <a:ext cx="0" cy="0"/>
+          <a:chOff x="0" y="0"/>
+          <a:chExt cx="0" cy="0"/>
+        </a:xfrm>
+      </p:grpSpPr>
+      <p:sp>
+        <p:nvSpPr>
+          <p:cNvPr id="2" name="Title 1">
+            <a:extLst>
+              <a:ext uri="{FF2B5EF4-FFF2-40B4-BE49-F238E27FC236}">
+                <a16:creationId xmlns:a16="http://schemas.microsoft.com/office/drawing/2014/main" id="{27D6ED08-6F70-5E44-B773-071A6B83BD0F}"/>
+              </a:ext>
+            </a:extLst>
+          </p:cNvPr>
+          <p:cNvSpPr>
+            <a:spLocks noGrp="1"/>
+          </p:cNvSpPr>
+          <p:nvPr>
+            <p:ph type="title"/>
+          </p:nvPr>
+        </p:nvSpPr>
+        <p:spPr/>
+        <p:txBody>
+          <a:bodyPr/>
+          <a:lstStyle/>
+          <a:p>
+            <a:r>
+              <a:rPr lang="en-US" dirty="0"/>
+              <a:t>Other considerations</a:t>
+            </a:r>
+          </a:p>
+        </p:txBody>
+      </p:sp>
+      <p:sp>
+        <p:nvSpPr>
+          <p:cNvPr id="3" name="Content Placeholder 2">
+            <a:extLst>
+              <a:ext uri="{FF2B5EF4-FFF2-40B4-BE49-F238E27FC236}">
+                <a16:creationId xmlns:a16="http://schemas.microsoft.com/office/drawing/2014/main" id="{9964C833-8175-2F4D-96B3-D6EFE28985EB}"/>
+              </a:ext>
+            </a:extLst>
+          </p:cNvPr>
+          <p:cNvSpPr>
+            <a:spLocks noGrp="1"/>
+          </p:cNvSpPr>
+          <p:nvPr>
+            <p:ph idx="1"/>
+          </p:nvPr>
+        </p:nvSpPr>
+        <p:spPr>
+          <a:xfrm>
+            <a:off x="838200" y="1597024"/>
+            <a:ext cx="10515600" cy="4887147"/>
+          </a:xfrm>
+        </p:spPr>
+        <p:txBody>
+          <a:bodyPr>
+            <a:normAutofit lnSpcReduction="10000"/>
+          </a:bodyPr>
+          <a:lstStyle/>
+          <a:p>
+            <a:pPr lvl="0"/>
+            <a:r>
+              <a:rPr lang="en-US" dirty="0"/>
+              <a:t>Software, package, platform dependencies (Ex. Spark 2.0 vs 2.2; h2o 3.14 vs 3.18); solution: environments</a:t>
+            </a:r>
+          </a:p>
+          <a:p>
+            <a:pPr lvl="0"/>
+            <a:r>
+              <a:rPr lang="en-US" dirty="0"/>
+              <a:t>Storage space and memory requirements </a:t>
+            </a:r>
+          </a:p>
+          <a:p>
+            <a:pPr lvl="0"/>
+            <a:r>
+              <a:rPr lang="en-US" dirty="0"/>
+              <a:t>Scale: if dataset gets larger over time, the solution might not work as well (scale up). May need to adjust framework on the front end or do it later. Monitor strain on resource demands, run time, and other metrics </a:t>
+            </a:r>
+          </a:p>
+          <a:p>
+            <a:pPr lvl="0"/>
+            <a:r>
+              <a:rPr lang="en-US" dirty="0"/>
+              <a:t>Tech dev requirements if you want to move process to production</a:t>
+            </a:r>
+          </a:p>
+          <a:p>
+            <a:pPr lvl="0"/>
+            <a:r>
+              <a:rPr lang="en-US" dirty="0"/>
+              <a:t>Documentation of the workflow</a:t>
+            </a:r>
+          </a:p>
+          <a:p>
+            <a:pPr lvl="0"/>
+            <a:r>
+              <a:rPr lang="en-US" dirty="0"/>
+              <a:t>Redundancy: make sure more than one person understands the process well and can help maintain it</a:t>
+            </a:r>
+          </a:p>
+          <a:p>
+            <a:endParaRPr lang="en-US" dirty="0"/>
+          </a:p>
+        </p:txBody>
+      </p:sp>
+    </p:spTree>
+    <p:extLst>
+      <p:ext uri="{BB962C8B-B14F-4D97-AF65-F5344CB8AC3E}">
+        <p14:creationId xmlns:p14="http://schemas.microsoft.com/office/powerpoint/2010/main" val="882553464"/>
+      </p:ext>
+    </p:extLst>
+  </p:cSld>
+  <p:clrMapOvr>
+    <a:masterClrMapping/>
+  </p:clrMapOvr>
+</p:sld>
+</file>
+
+<file path=ppt/slides/slide15.xml><?xml version="1.0" encoding="utf-8"?>
+<p:sld xmlns:a="http://schemas.openxmlformats.org/drawingml/2006/main" xmlns:r="http://schemas.openxmlformats.org/officeDocument/2006/relationships" xmlns:p="http://schemas.openxmlformats.org/presentationml/2006/main">
+  <p:cSld>
+    <p:spTree>
+      <p:nvGrpSpPr>
+        <p:cNvPr id="1" name=""/>
+        <p:cNvGrpSpPr/>
+        <p:nvPr/>
+      </p:nvGrpSpPr>
+      <p:grpSpPr>
+        <a:xfrm>
+          <a:off x="0" y="0"/>
+          <a:ext cx="0" cy="0"/>
+          <a:chOff x="0" y="0"/>
+          <a:chExt cx="0" cy="0"/>
+        </a:xfrm>
+      </p:grpSpPr>
+      <p:sp>
+        <p:nvSpPr>
+          <p:cNvPr id="2" name="Title 1">
+            <a:extLst>
+              <a:ext uri="{FF2B5EF4-FFF2-40B4-BE49-F238E27FC236}">
+                <a16:creationId xmlns:a16="http://schemas.microsoft.com/office/drawing/2014/main" id="{91DE7701-EF12-9244-8683-D213CB4CDA44}"/>
+              </a:ext>
+            </a:extLst>
+          </p:cNvPr>
+          <p:cNvSpPr>
+            <a:spLocks noGrp="1"/>
+          </p:cNvSpPr>
+          <p:nvPr>
+            <p:ph type="title"/>
+          </p:nvPr>
+        </p:nvSpPr>
+        <p:spPr/>
+        <p:txBody>
+          <a:bodyPr/>
+          <a:lstStyle/>
+          <a:p>
+            <a:r>
+              <a:rPr lang="en-US" dirty="0"/>
+              <a:t>Let’s talk automation!</a:t>
+            </a:r>
+          </a:p>
+        </p:txBody>
+      </p:sp>
+      <p:sp>
+        <p:nvSpPr>
+          <p:cNvPr id="3" name="Content Placeholder 2">
+            <a:extLst>
+              <a:ext uri="{FF2B5EF4-FFF2-40B4-BE49-F238E27FC236}">
+                <a16:creationId xmlns:a16="http://schemas.microsoft.com/office/drawing/2014/main" id="{18D3D842-E0C5-0B4C-A6A0-4A837A87F4ED}"/>
+              </a:ext>
+            </a:extLst>
+          </p:cNvPr>
+          <p:cNvSpPr>
+            <a:spLocks noGrp="1"/>
+          </p:cNvSpPr>
+          <p:nvPr>
+            <p:ph idx="1"/>
+          </p:nvPr>
+        </p:nvSpPr>
+        <p:spPr>
+          <a:xfrm>
+            <a:off x="838200" y="2425682"/>
+            <a:ext cx="4555733" cy="2006635"/>
+          </a:xfrm>
+        </p:spPr>
+        <p:txBody>
+          <a:bodyPr numCol="1"/>
+          <a:lstStyle/>
+          <a:p>
+            <a:pPr marL="0" indent="0">
+              <a:buNone/>
+            </a:pPr>
+            <a:r>
+              <a:rPr lang="en-US" dirty="0"/>
+              <a:t>Contact Info:</a:t>
+            </a:r>
+          </a:p>
+          <a:p>
+            <a:pPr marL="0" indent="0">
+              <a:buNone/>
+            </a:pPr>
+            <a:r>
+              <a:rPr lang="en-US" dirty="0" err="1"/>
+              <a:t>www.sydeaka.com</a:t>
+            </a:r>
+            <a:endParaRPr lang="en-US" dirty="0"/>
+          </a:p>
+          <a:p>
+            <a:pPr marL="0" indent="0">
+              <a:buNone/>
+            </a:pPr>
+            <a:r>
+              <a:rPr lang="en-US" dirty="0" err="1"/>
+              <a:t>sydeakawatson@gmail.com</a:t>
+            </a:r>
+            <a:endParaRPr lang="en-US" dirty="0"/>
+          </a:p>
+          <a:p>
+            <a:pPr marL="0" indent="0">
+              <a:buNone/>
+            </a:pPr>
+            <a:endParaRPr lang="en-US" dirty="0"/>
+          </a:p>
+          <a:p>
+            <a:pPr marL="0" indent="0">
+              <a:buNone/>
+            </a:pPr>
+            <a:endParaRPr lang="en-US" dirty="0"/>
+          </a:p>
+        </p:txBody>
+      </p:sp>
+      <p:sp>
+        <p:nvSpPr>
+          <p:cNvPr id="4" name="Rectangle 3">
+            <a:extLst>
+              <a:ext uri="{FF2B5EF4-FFF2-40B4-BE49-F238E27FC236}">
+                <a16:creationId xmlns:a16="http://schemas.microsoft.com/office/drawing/2014/main" id="{6DA08538-DE8E-344C-8522-4B3CA66A2A35}"/>
+              </a:ext>
+            </a:extLst>
+          </p:cNvPr>
+          <p:cNvSpPr/>
+          <p:nvPr/>
+        </p:nvSpPr>
+        <p:spPr>
+          <a:xfrm>
+            <a:off x="1621604" y="5145051"/>
+            <a:ext cx="8948791" cy="523220"/>
+          </a:xfrm>
+          <a:prstGeom prst="rect">
+            <a:avLst/>
+          </a:prstGeom>
+        </p:spPr>
+        <p:txBody>
+          <a:bodyPr wrap="square">
+            <a:spAutoFit/>
+          </a:bodyPr>
+          <a:lstStyle/>
+          <a:p>
+            <a:pPr algn="ctr"/>
+            <a:r>
+              <a:rPr lang="it" sz="2800" dirty="0"/>
+              <a:t>Demo: https://github.com/sydeaka/workflow-automation </a:t>
+            </a:r>
+          </a:p>
+        </p:txBody>
+      </p:sp>
+      <p:pic>
+        <p:nvPicPr>
+          <p:cNvPr id="5" name="Picture 4">
+            <a:extLst>
+              <a:ext uri="{FF2B5EF4-FFF2-40B4-BE49-F238E27FC236}">
+                <a16:creationId xmlns:a16="http://schemas.microsoft.com/office/drawing/2014/main" id="{99E7CDBA-6F1A-E646-A755-98980E60F8E5}"/>
+              </a:ext>
+            </a:extLst>
+          </p:cNvPr>
+          <p:cNvPicPr>
+            <a:picLocks noChangeAspect="1"/>
+          </p:cNvPicPr>
+          <p:nvPr/>
+        </p:nvPicPr>
+        <p:blipFill>
+          <a:blip r:embed="rId2"/>
+          <a:stretch>
+            <a:fillRect/>
+          </a:stretch>
+        </p:blipFill>
+        <p:spPr>
+          <a:xfrm>
+            <a:off x="5356621" y="2306852"/>
+            <a:ext cx="6537433" cy="2244294"/>
+          </a:xfrm>
+          <a:prstGeom prst="rect">
+            <a:avLst/>
+          </a:prstGeom>
+        </p:spPr>
+      </p:pic>
+    </p:spTree>
+    <p:extLst>
+      <p:ext uri="{BB962C8B-B14F-4D97-AF65-F5344CB8AC3E}">
+        <p14:creationId xmlns:p14="http://schemas.microsoft.com/office/powerpoint/2010/main" val="909427575"/>
+      </p:ext>
+    </p:extLst>
+  </p:cSld>
+  <p:clrMapOvr>
+    <a:masterClrMapping/>
+  </p:clrMapOvr>
+</p:sld>
+</file>
+
+<file path=ppt/slides/slide16.xml><?xml version="1.0" encoding="utf-8"?>
+<p:sld xmlns:a="http://schemas.openxmlformats.org/drawingml/2006/main" xmlns:r="http://schemas.openxmlformats.org/officeDocument/2006/relationships" xmlns:p="http://schemas.openxmlformats.org/presentationml/2006/main">
+  <p:cSld>
+    <p:spTree>
+      <p:nvGrpSpPr>
+        <p:cNvPr id="1" name=""/>
+        <p:cNvGrpSpPr/>
+        <p:nvPr/>
+      </p:nvGrpSpPr>
+      <p:grpSpPr>
+        <a:xfrm>
+          <a:off x="0" y="0"/>
+          <a:ext cx="0" cy="0"/>
+          <a:chOff x="0" y="0"/>
+          <a:chExt cx="0" cy="0"/>
+        </a:xfrm>
+      </p:grpSpPr>
+      <p:sp>
+        <p:nvSpPr>
+          <p:cNvPr id="2" name="Title 1">
+            <a:extLst>
+              <a:ext uri="{FF2B5EF4-FFF2-40B4-BE49-F238E27FC236}">
+                <a16:creationId xmlns:a16="http://schemas.microsoft.com/office/drawing/2014/main" id="{6A5CE905-F02E-6B43-81A3-6172D2F08E21}"/>
+              </a:ext>
+            </a:extLst>
+          </p:cNvPr>
+          <p:cNvSpPr>
+            <a:spLocks noGrp="1"/>
+          </p:cNvSpPr>
+          <p:nvPr>
+            <p:ph type="title"/>
+          </p:nvPr>
+        </p:nvSpPr>
+        <p:spPr>
+          <a:xfrm>
+            <a:off x="838200" y="2796352"/>
+            <a:ext cx="10515600" cy="1325563"/>
+          </a:xfrm>
+        </p:spPr>
+        <p:txBody>
+          <a:bodyPr/>
+          <a:lstStyle/>
+          <a:p>
+            <a:pPr algn="ctr"/>
+            <a:r>
+              <a:rPr lang="en-US" dirty="0"/>
+              <a:t>Appendix</a:t>
+            </a:r>
+          </a:p>
+        </p:txBody>
+      </p:sp>
+    </p:spTree>
+    <p:extLst>
+      <p:ext uri="{BB962C8B-B14F-4D97-AF65-F5344CB8AC3E}">
+        <p14:creationId xmlns:p14="http://schemas.microsoft.com/office/powerpoint/2010/main" val="3001085261"/>
+      </p:ext>
+    </p:extLst>
+  </p:cSld>
+  <p:clrMapOvr>
+    <a:masterClrMapping/>
+  </p:clrMapOvr>
+</p:sld>
+</file>
+
+<file path=ppt/slides/slide17.xml><?xml version="1.0" encoding="utf-8"?>
+<p:sld xmlns:a="http://schemas.openxmlformats.org/drawingml/2006/main" xmlns:r="http://schemas.openxmlformats.org/officeDocument/2006/relationships" xmlns:p="http://schemas.openxmlformats.org/presentationml/2006/main">
+  <p:cSld>
+    <p:spTree>
+      <p:nvGrpSpPr>
+        <p:cNvPr id="1" name=""/>
+        <p:cNvGrpSpPr/>
+        <p:nvPr/>
+      </p:nvGrpSpPr>
+      <p:grpSpPr>
+        <a:xfrm>
+          <a:off x="0" y="0"/>
+          <a:ext cx="0" cy="0"/>
+          <a:chOff x="0" y="0"/>
+          <a:chExt cx="0" cy="0"/>
+        </a:xfrm>
+      </p:grpSpPr>
+      <p:sp>
+        <p:nvSpPr>
+          <p:cNvPr id="2" name="Title 1">
+            <a:extLst>
+              <a:ext uri="{FF2B5EF4-FFF2-40B4-BE49-F238E27FC236}">
+                <a16:creationId xmlns:a16="http://schemas.microsoft.com/office/drawing/2014/main" id="{2F33E213-1ECE-E745-8E60-3C9C7D634085}"/>
+              </a:ext>
+            </a:extLst>
+          </p:cNvPr>
+          <p:cNvSpPr>
+            <a:spLocks noGrp="1"/>
+          </p:cNvSpPr>
+          <p:nvPr>
+            <p:ph type="title"/>
+          </p:nvPr>
+        </p:nvSpPr>
+        <p:spPr/>
+        <p:txBody>
+          <a:bodyPr/>
+          <a:lstStyle/>
+          <a:p>
+            <a:r>
+              <a:rPr lang="en-US" dirty="0"/>
+              <a:t>DEMO: Instructions</a:t>
+            </a:r>
+          </a:p>
+        </p:txBody>
+      </p:sp>
+      <p:sp>
+        <p:nvSpPr>
+          <p:cNvPr id="3" name="Content Placeholder 2">
+            <a:extLst>
+              <a:ext uri="{FF2B5EF4-FFF2-40B4-BE49-F238E27FC236}">
+                <a16:creationId xmlns:a16="http://schemas.microsoft.com/office/drawing/2014/main" id="{70CB7CA0-87C1-7A47-9CC9-C1A7A6021127}"/>
+              </a:ext>
+            </a:extLst>
+          </p:cNvPr>
+          <p:cNvSpPr>
+            <a:spLocks noGrp="1"/>
+          </p:cNvSpPr>
+          <p:nvPr>
+            <p:ph idx="1"/>
+          </p:nvPr>
+        </p:nvSpPr>
+        <p:spPr>
+          <a:xfrm>
+            <a:off x="838200" y="1420010"/>
+            <a:ext cx="10515600" cy="5303519"/>
+          </a:xfrm>
+        </p:spPr>
+        <p:txBody>
+          <a:bodyPr>
+            <a:normAutofit fontScale="92500" lnSpcReduction="20000"/>
+          </a:bodyPr>
+          <a:lstStyle/>
+          <a:p>
+            <a:r>
+              <a:rPr lang="en-US" dirty="0"/>
+              <a:t>System requirements</a:t>
+            </a:r>
+          </a:p>
+          <a:p>
+            <a:pPr lvl="1"/>
+            <a:r>
+              <a:rPr lang="en-US" dirty="0"/>
+              <a:t>Mac / Linux operating system</a:t>
+            </a:r>
+          </a:p>
+          <a:p>
+            <a:pPr lvl="1"/>
+            <a:r>
+              <a:rPr lang="en-US" dirty="0"/>
+              <a:t>MYSQL (optional)</a:t>
+            </a:r>
+          </a:p>
+          <a:p>
+            <a:pPr lvl="2"/>
+            <a:r>
+              <a:rPr lang="en-US" dirty="0"/>
+              <a:t>If you have MYSQL installed, set </a:t>
+            </a:r>
+            <a:r>
+              <a:rPr lang="en-US" dirty="0" err="1"/>
+              <a:t>use_mysql</a:t>
+            </a:r>
+            <a:r>
+              <a:rPr lang="en-US" dirty="0"/>
+              <a:t>=TRUE and create a credentials file in your system’s home directory. The file should contain two lines: </a:t>
+            </a:r>
+          </a:p>
+          <a:p>
+            <a:pPr marL="914400" lvl="2" indent="0">
+              <a:buNone/>
+            </a:pPr>
+            <a:endParaRPr lang="en-US" dirty="0"/>
+          </a:p>
+          <a:p>
+            <a:pPr marL="3657600" lvl="8" indent="0">
+              <a:buNone/>
+            </a:pPr>
+            <a:r>
+              <a:rPr lang="en-US" dirty="0"/>
+              <a:t>username=</a:t>
+            </a:r>
+            <a:r>
+              <a:rPr lang="en-US" dirty="0" err="1"/>
+              <a:t>YourUserName</a:t>
+            </a:r>
+            <a:r>
+              <a:rPr lang="en-US" dirty="0"/>
+              <a:t> </a:t>
+            </a:r>
+          </a:p>
+          <a:p>
+            <a:pPr marL="3657600" lvl="8" indent="0">
+              <a:buNone/>
+            </a:pPr>
+            <a:r>
+              <a:rPr lang="en-US" dirty="0"/>
+              <a:t>password=</a:t>
+            </a:r>
+            <a:r>
+              <a:rPr lang="en-US" dirty="0" err="1"/>
+              <a:t>YourPassword</a:t>
+            </a:r>
+            <a:endParaRPr lang="en-US" dirty="0"/>
+          </a:p>
+          <a:p>
+            <a:pPr marL="3657600" lvl="8" indent="0">
+              <a:buNone/>
+            </a:pPr>
+            <a:endParaRPr lang="en-US" dirty="0"/>
+          </a:p>
+          <a:p>
+            <a:pPr lvl="2"/>
+            <a:r>
+              <a:rPr lang="en-US" dirty="0"/>
+              <a:t>If not, set </a:t>
+            </a:r>
+            <a:r>
+              <a:rPr lang="en-US" dirty="0" err="1"/>
+              <a:t>use_mysql</a:t>
+            </a:r>
+            <a:r>
+              <a:rPr lang="en-US" dirty="0"/>
+              <a:t>=FALSE to run without MYSQL</a:t>
+            </a:r>
+          </a:p>
+          <a:p>
+            <a:r>
+              <a:rPr lang="en-US" dirty="0"/>
+              <a:t>To run</a:t>
+            </a:r>
+          </a:p>
+          <a:p>
+            <a:pPr lvl="1"/>
+            <a:r>
+              <a:rPr lang="en-US" dirty="0"/>
+              <a:t>navigate to the top-level directory in the repository in your terminal</a:t>
+            </a:r>
+          </a:p>
+          <a:p>
+            <a:pPr lvl="1"/>
+            <a:r>
+              <a:rPr lang="en-US" dirty="0"/>
+              <a:t>modify working directory at top of “</a:t>
+            </a:r>
+            <a:r>
+              <a:rPr lang="en-US" dirty="0" err="1"/>
+              <a:t>mysql_example.sh</a:t>
+            </a:r>
+            <a:r>
+              <a:rPr lang="en-US" dirty="0"/>
+              <a:t>” file</a:t>
+            </a:r>
+          </a:p>
+          <a:p>
+            <a:pPr lvl="1"/>
+            <a:r>
+              <a:rPr lang="en-US" dirty="0"/>
+              <a:t>modify from/to email addresses in </a:t>
+            </a:r>
+            <a:r>
+              <a:rPr lang="en-US" dirty="0" err="1"/>
+              <a:t>email.R</a:t>
+            </a:r>
+            <a:r>
+              <a:rPr lang="en-US" dirty="0"/>
+              <a:t>, and create “</a:t>
+            </a:r>
+            <a:r>
+              <a:rPr lang="en-US" dirty="0" err="1"/>
+              <a:t>gmail.txt</a:t>
+            </a:r>
+            <a:r>
+              <a:rPr lang="en-US" dirty="0"/>
+              <a:t>” file in system home directory (file just contains your password as raw text, no quotes)</a:t>
+            </a:r>
+          </a:p>
+          <a:p>
+            <a:pPr lvl="1"/>
+            <a:r>
+              <a:rPr lang="en-US" dirty="0"/>
+              <a:t>execute the following:</a:t>
+            </a:r>
+          </a:p>
+          <a:p>
+            <a:pPr marL="0" indent="0">
+              <a:buNone/>
+            </a:pPr>
+            <a:r>
+              <a:rPr lang="en-US" dirty="0">
+                <a:latin typeface="Courier New" panose="02070309020205020404" pitchFamily="49" charset="0"/>
+                <a:cs typeface="Courier New" panose="02070309020205020404" pitchFamily="49" charset="0"/>
+              </a:rPr>
+              <a:t>			   </a:t>
+            </a:r>
+            <a:r>
+              <a:rPr lang="en-US" b="1" dirty="0">
+                <a:latin typeface="Courier New" panose="02070309020205020404" pitchFamily="49" charset="0"/>
+                <a:cs typeface="Courier New" panose="02070309020205020404" pitchFamily="49" charset="0"/>
+              </a:rPr>
+              <a:t>./</a:t>
+            </a:r>
+            <a:r>
+              <a:rPr lang="en-US" b="1" dirty="0" err="1">
+                <a:latin typeface="Courier New" panose="02070309020205020404" pitchFamily="49" charset="0"/>
+                <a:cs typeface="Courier New" panose="02070309020205020404" pitchFamily="49" charset="0"/>
+              </a:rPr>
+              <a:t>mysql_example.sh</a:t>
+            </a:r>
+            <a:endParaRPr lang="en-US" b="1" dirty="0"/>
+          </a:p>
+          <a:p>
+            <a:pPr lvl="1"/>
+            <a:endParaRPr lang="en-US" dirty="0"/>
+          </a:p>
+          <a:p>
+            <a:pPr lvl="1"/>
+            <a:endParaRPr lang="en-US" dirty="0"/>
+          </a:p>
+          <a:p>
+            <a:endParaRPr lang="en-US" dirty="0"/>
+          </a:p>
+        </p:txBody>
+      </p:sp>
+    </p:spTree>
+    <p:extLst>
+      <p:ext uri="{BB962C8B-B14F-4D97-AF65-F5344CB8AC3E}">
+        <p14:creationId xmlns:p14="http://schemas.microsoft.com/office/powerpoint/2010/main" val="1554562189"/>
+      </p:ext>
+    </p:extLst>
+  </p:cSld>
+  <p:clrMapOvr>
+    <a:masterClrMapping/>
+  </p:clrMapOvr>
+</p:sld>
+</file>
+
+<file path=ppt/slides/slide18.xml><?xml version="1.0" encoding="utf-8"?>
+<p:sld xmlns:a="http://schemas.openxmlformats.org/drawingml/2006/main" xmlns:r="http://schemas.openxmlformats.org/officeDocument/2006/relationships" xmlns:p="http://schemas.openxmlformats.org/presentationml/2006/main">
+  <p:cSld>
+    <p:spTree>
+      <p:nvGrpSpPr>
+        <p:cNvPr id="1" name=""/>
+        <p:cNvGrpSpPr/>
+        <p:nvPr/>
+      </p:nvGrpSpPr>
+      <p:grpSpPr>
+        <a:xfrm>
+          <a:off x="0" y="0"/>
+          <a:ext cx="0" cy="0"/>
+          <a:chOff x="0" y="0"/>
+          <a:chExt cx="0" cy="0"/>
+        </a:xfrm>
+      </p:grpSpPr>
+      <p:sp>
+        <p:nvSpPr>
+          <p:cNvPr id="2" name="Title 1">
+            <a:extLst>
+              <a:ext uri="{FF2B5EF4-FFF2-40B4-BE49-F238E27FC236}">
+                <a16:creationId xmlns:a16="http://schemas.microsoft.com/office/drawing/2014/main" id="{026D2B04-8B5E-E54D-BE4F-6508E8FCC192}"/>
+              </a:ext>
+            </a:extLst>
+          </p:cNvPr>
+          <p:cNvSpPr>
+            <a:spLocks noGrp="1"/>
+          </p:cNvSpPr>
+          <p:nvPr>
+            <p:ph type="title"/>
+          </p:nvPr>
+        </p:nvSpPr>
+        <p:spPr/>
+        <p:txBody>
+          <a:bodyPr/>
+          <a:lstStyle/>
+          <a:p>
+            <a:r>
+              <a:rPr lang="en-US" dirty="0"/>
+              <a:t>DEMO: </a:t>
+            </a:r>
+            <a:r>
+              <a:rPr lang="en-US" dirty="0" err="1"/>
+              <a:t>Github</a:t>
+            </a:r>
+            <a:r>
+              <a:rPr lang="en-US" dirty="0"/>
+              <a:t> directory structure</a:t>
+            </a:r>
+          </a:p>
+        </p:txBody>
+      </p:sp>
+      <p:graphicFrame>
+        <p:nvGraphicFramePr>
+          <p:cNvPr id="4" name="Content Placeholder 3">
+            <a:extLst>
+              <a:ext uri="{FF2B5EF4-FFF2-40B4-BE49-F238E27FC236}">
+                <a16:creationId xmlns:a16="http://schemas.microsoft.com/office/drawing/2014/main" id="{EAE19D0B-D96F-C74A-B7DC-C9B10BE4A2D2}"/>
+              </a:ext>
+            </a:extLst>
+          </p:cNvPr>
+          <p:cNvGraphicFramePr>
+            <a:graphicFrameLocks noGrp="1"/>
+          </p:cNvGraphicFramePr>
+          <p:nvPr>
+            <p:ph idx="1"/>
+            <p:extLst>
+              <p:ext uri="{D42A27DB-BD31-4B8C-83A1-F6EECF244321}">
+                <p14:modId xmlns:p14="http://schemas.microsoft.com/office/powerpoint/2010/main" val="2091386602"/>
+              </p:ext>
+            </p:extLst>
+          </p:nvPr>
+        </p:nvGraphicFramePr>
+        <p:xfrm>
+          <a:off x="209027" y="1424704"/>
+          <a:ext cx="11773945" cy="5302668"/>
+        </p:xfrm>
+        <a:graphic>
+          <a:graphicData uri="http://schemas.openxmlformats.org/drawingml/2006/table">
+            <a:tbl>
+              <a:tblPr firstRow="1" bandRow="1">
+                <a:tableStyleId>{F5AB1C69-6EDB-4FF4-983F-18BD219EF322}</a:tableStyleId>
+              </a:tblPr>
+              <a:tblGrid>
+                <a:gridCol w="1722222">
+                  <a:extLst>
+                    <a:ext uri="{9D8B030D-6E8A-4147-A177-3AD203B41FA5}">
+                      <a16:colId xmlns:a16="http://schemas.microsoft.com/office/drawing/2014/main" val="3459403634"/>
+                    </a:ext>
+                  </a:extLst>
+                </a:gridCol>
+                <a:gridCol w="1776383">
+                  <a:extLst>
+                    <a:ext uri="{9D8B030D-6E8A-4147-A177-3AD203B41FA5}">
+                      <a16:colId xmlns:a16="http://schemas.microsoft.com/office/drawing/2014/main" val="2652063225"/>
+                    </a:ext>
+                  </a:extLst>
+                </a:gridCol>
+                <a:gridCol w="8275340">
+                  <a:extLst>
+                    <a:ext uri="{9D8B030D-6E8A-4147-A177-3AD203B41FA5}">
+                      <a16:colId xmlns:a16="http://schemas.microsoft.com/office/drawing/2014/main" val="1892026608"/>
+                    </a:ext>
+                  </a:extLst>
+                </a:gridCol>
+              </a:tblGrid>
+              <a:tr h="388549">
+                <a:tc>
+                  <a:txBody>
+                    <a:bodyPr/>
+                    <a:lstStyle/>
+                    <a:p>
+                      <a:pPr algn="ctr"/>
+                      <a:r>
+                        <a:rPr lang="en-US" sz="1800" dirty="0"/>
+                        <a:t>Folder</a:t>
+                      </a:r>
+                    </a:p>
+                  </a:txBody>
+                  <a:tcPr/>
+                </a:tc>
+                <a:tc>
+                  <a:txBody>
+                    <a:bodyPr/>
+                    <a:lstStyle/>
+                    <a:p>
+                      <a:pPr algn="ctr"/>
+                      <a:r>
+                        <a:rPr lang="en-US" sz="1800" dirty="0"/>
+                        <a:t>Subfolder</a:t>
+                      </a:r>
+                    </a:p>
+                  </a:txBody>
+                  <a:tcPr/>
+                </a:tc>
+                <a:tc>
+                  <a:txBody>
+                    <a:bodyPr/>
+                    <a:lstStyle/>
+                    <a:p>
+                      <a:pPr algn="ctr"/>
+                      <a:r>
+                        <a:rPr lang="en-US" sz="1800" dirty="0"/>
+                        <a:t>Contents</a:t>
+                      </a:r>
+                    </a:p>
+                  </a:txBody>
+                  <a:tcPr/>
+                </a:tc>
+                <a:extLst>
+                  <a:ext uri="{0D108BD9-81ED-4DB2-BD59-A6C34878D82A}">
+                    <a16:rowId xmlns:a16="http://schemas.microsoft.com/office/drawing/2014/main" val="2076470655"/>
+                  </a:ext>
+                </a:extLst>
+              </a:tr>
+              <a:tr h="388549">
+                <a:tc>
+                  <a:txBody>
+                    <a:bodyPr/>
+                    <a:lstStyle/>
+                    <a:p>
+                      <a:r>
+                        <a:rPr lang="en-US" sz="1800" dirty="0"/>
+                        <a:t>config</a:t>
+                      </a:r>
+                    </a:p>
+                  </a:txBody>
+                  <a:tcPr/>
+                </a:tc>
+                <a:tc>
+                  <a:txBody>
+                    <a:bodyPr/>
+                    <a:lstStyle/>
+                    <a:p>
+                      <a:endParaRPr lang="en-US" sz="1800" dirty="0"/>
+                    </a:p>
+                  </a:txBody>
+                  <a:tcPr/>
+                </a:tc>
+                <a:tc>
+                  <a:txBody>
+                    <a:bodyPr/>
+                    <a:lstStyle/>
+                    <a:p>
+                      <a:r>
+                        <a:rPr lang="en-US" sz="1800" dirty="0"/>
+                        <a:t>Session parameters, pointer to credential file location</a:t>
+                      </a:r>
+                    </a:p>
+                  </a:txBody>
+                  <a:tcPr/>
+                </a:tc>
+                <a:extLst>
+                  <a:ext uri="{0D108BD9-81ED-4DB2-BD59-A6C34878D82A}">
+                    <a16:rowId xmlns:a16="http://schemas.microsoft.com/office/drawing/2014/main" val="2421344104"/>
+                  </a:ext>
+                </a:extLst>
+              </a:tr>
+              <a:tr h="388549">
+                <a:tc>
+                  <a:txBody>
+                    <a:bodyPr/>
+                    <a:lstStyle/>
+                    <a:p>
+                      <a:pPr marL="0" marR="0" lvl="0" indent="0" algn="l" defTabSz="914400" rtl="0" eaLnBrk="1" fontAlgn="auto" latinLnBrk="0" hangingPunct="1">
+                        <a:lnSpc>
+                          <a:spcPct val="100000"/>
+                        </a:lnSpc>
+                        <a:spcBef>
+                          <a:spcPts val="0"/>
+                        </a:spcBef>
+                        <a:spcAft>
+                          <a:spcPts val="0"/>
+                        </a:spcAft>
+                        <a:buClrTx/>
+                        <a:buSzTx/>
+                        <a:buFontTx/>
+                        <a:buNone/>
+                        <a:tabLst/>
+                        <a:defRPr/>
+                      </a:pPr>
+                      <a:r>
+                        <a:rPr lang="en-US" sz="1800" dirty="0"/>
+                        <a:t>data</a:t>
+                      </a:r>
+                    </a:p>
+                    <a:p>
+                      <a:endParaRPr lang="en-US" sz="1800" dirty="0"/>
+                    </a:p>
+                  </a:txBody>
+                  <a:tcPr/>
+                </a:tc>
+                <a:tc>
+                  <a:txBody>
+                    <a:bodyPr/>
+                    <a:lstStyle/>
+                    <a:p>
+                      <a:r>
+                        <a:rPr lang="en-US" sz="1800" dirty="0"/>
+                        <a:t>dictionary</a:t>
+                      </a:r>
+                    </a:p>
+                  </a:txBody>
+                  <a:tcPr/>
+                </a:tc>
+                <a:tc>
+                  <a:txBody>
+                    <a:bodyPr/>
+                    <a:lstStyle/>
+                    <a:p>
+                      <a:r>
+                        <a:rPr lang="en-US" sz="1800" dirty="0"/>
+                        <a:t>Lending Club data dictionary</a:t>
+                      </a:r>
+                    </a:p>
+                  </a:txBody>
+                  <a:tcPr/>
+                </a:tc>
+                <a:extLst>
+                  <a:ext uri="{0D108BD9-81ED-4DB2-BD59-A6C34878D82A}">
+                    <a16:rowId xmlns:a16="http://schemas.microsoft.com/office/drawing/2014/main" val="4180291134"/>
+                  </a:ext>
+                </a:extLst>
+              </a:tr>
+              <a:tr h="388549">
+                <a:tc>
+                  <a:txBody>
+                    <a:bodyPr/>
+                    <a:lstStyle/>
+                    <a:p>
+                      <a:endParaRPr lang="en-US" sz="1800" dirty="0"/>
+                    </a:p>
+                  </a:txBody>
+                  <a:tcPr/>
+                </a:tc>
+                <a:tc>
+                  <a:txBody>
+                    <a:bodyPr/>
+                    <a:lstStyle/>
+                    <a:p>
+                      <a:r>
+                        <a:rPr lang="en-US" sz="1800" dirty="0"/>
+                        <a:t>downloads</a:t>
+                      </a:r>
+                    </a:p>
+                  </a:txBody>
+                  <a:tcPr/>
+                </a:tc>
+                <a:tc>
+                  <a:txBody>
+                    <a:bodyPr/>
+                    <a:lstStyle/>
+                    <a:p>
+                      <a:r>
+                        <a:rPr lang="en-US" sz="1800" dirty="0"/>
+                        <a:t>Downloaded zip files from Lending Club website + unzipped CSVs</a:t>
+                      </a:r>
+                    </a:p>
+                  </a:txBody>
+                  <a:tcPr/>
+                </a:tc>
+                <a:extLst>
+                  <a:ext uri="{0D108BD9-81ED-4DB2-BD59-A6C34878D82A}">
+                    <a16:rowId xmlns:a16="http://schemas.microsoft.com/office/drawing/2014/main" val="1841722429"/>
+                  </a:ext>
+                </a:extLst>
+              </a:tr>
+              <a:tr h="388549">
+                <a:tc>
+                  <a:txBody>
+                    <a:bodyPr/>
+                    <a:lstStyle/>
+                    <a:p>
+                      <a:endParaRPr lang="en-US" sz="1800" dirty="0"/>
+                    </a:p>
+                  </a:txBody>
+                  <a:tcPr/>
+                </a:tc>
+                <a:tc>
+                  <a:txBody>
+                    <a:bodyPr/>
+                    <a:lstStyle/>
+                    <a:p>
+                      <a:r>
+                        <a:rPr lang="en-US" sz="1800" dirty="0" err="1"/>
+                        <a:t>join_data</a:t>
+                      </a:r>
+                      <a:endParaRPr lang="en-US" sz="1800" dirty="0"/>
+                    </a:p>
+                  </a:txBody>
+                  <a:tcPr/>
+                </a:tc>
+                <a:tc>
+                  <a:txBody>
+                    <a:bodyPr/>
+                    <a:lstStyle/>
+                    <a:p>
+                      <a:r>
+                        <a:rPr lang="en-US" sz="1800" dirty="0"/>
+                        <a:t>State-level datasets to be joined to Lending Club dataset</a:t>
+                      </a:r>
+                    </a:p>
+                  </a:txBody>
+                  <a:tcPr/>
+                </a:tc>
+                <a:extLst>
+                  <a:ext uri="{0D108BD9-81ED-4DB2-BD59-A6C34878D82A}">
+                    <a16:rowId xmlns:a16="http://schemas.microsoft.com/office/drawing/2014/main" val="3360366406"/>
+                  </a:ext>
+                </a:extLst>
+              </a:tr>
+              <a:tr h="388549">
+                <a:tc>
+                  <a:txBody>
+                    <a:bodyPr/>
+                    <a:lstStyle/>
+                    <a:p>
+                      <a:endParaRPr lang="en-US" sz="1800"/>
+                    </a:p>
+                  </a:txBody>
+                  <a:tcPr/>
+                </a:tc>
+                <a:tc>
+                  <a:txBody>
+                    <a:bodyPr/>
+                    <a:lstStyle/>
+                    <a:p>
+                      <a:r>
+                        <a:rPr lang="en-US" sz="1800" dirty="0" err="1"/>
+                        <a:t>modeling_data</a:t>
+                      </a:r>
+                      <a:endParaRPr lang="en-US" sz="1800" dirty="0"/>
+                    </a:p>
+                  </a:txBody>
+                  <a:tcPr/>
+                </a:tc>
+                <a:tc>
+                  <a:txBody>
+                    <a:bodyPr/>
+                    <a:lstStyle/>
+                    <a:p>
+                      <a:r>
+                        <a:rPr lang="en-US" sz="1800" dirty="0"/>
+                        <a:t>Cleaned/transformed Lending Club data subset prepared for modeling</a:t>
+                      </a:r>
+                    </a:p>
+                  </a:txBody>
+                  <a:tcPr/>
+                </a:tc>
+                <a:extLst>
+                  <a:ext uri="{0D108BD9-81ED-4DB2-BD59-A6C34878D82A}">
+                    <a16:rowId xmlns:a16="http://schemas.microsoft.com/office/drawing/2014/main" val="3614101936"/>
+                  </a:ext>
+                </a:extLst>
+              </a:tr>
+              <a:tr h="388549">
+                <a:tc>
+                  <a:txBody>
+                    <a:bodyPr/>
+                    <a:lstStyle/>
+                    <a:p>
+                      <a:endParaRPr lang="en-US" sz="1800" dirty="0"/>
+                    </a:p>
+                  </a:txBody>
+                  <a:tcPr/>
+                </a:tc>
+                <a:tc>
+                  <a:txBody>
+                    <a:bodyPr/>
+                    <a:lstStyle/>
+                    <a:p>
+                      <a:r>
+                        <a:rPr lang="en-US" sz="1800" dirty="0" err="1"/>
+                        <a:t>sql</a:t>
+                      </a:r>
+                      <a:endParaRPr lang="en-US" sz="1800" dirty="0"/>
+                    </a:p>
+                  </a:txBody>
+                  <a:tcPr/>
+                </a:tc>
+                <a:tc>
+                  <a:txBody>
+                    <a:bodyPr/>
+                    <a:lstStyle/>
+                    <a:p>
+                      <a:r>
+                        <a:rPr lang="en-US" sz="1800" dirty="0"/>
+                        <a:t>SQL scripts created/executed in the process</a:t>
+                      </a:r>
+                    </a:p>
+                  </a:txBody>
+                  <a:tcPr/>
+                </a:tc>
+                <a:extLst>
+                  <a:ext uri="{0D108BD9-81ED-4DB2-BD59-A6C34878D82A}">
+                    <a16:rowId xmlns:a16="http://schemas.microsoft.com/office/drawing/2014/main" val="2750012578"/>
+                  </a:ext>
+                </a:extLst>
+              </a:tr>
+              <a:tr h="388549">
+                <a:tc>
+                  <a:txBody>
+                    <a:bodyPr/>
+                    <a:lstStyle/>
+                    <a:p>
+                      <a:r>
+                        <a:rPr lang="en-US" sz="1800" dirty="0" err="1"/>
+                        <a:t>model_results</a:t>
+                      </a:r>
+                      <a:endParaRPr lang="en-US" sz="1800" dirty="0"/>
+                    </a:p>
+                  </a:txBody>
+                  <a:tcPr/>
+                </a:tc>
+                <a:tc>
+                  <a:txBody>
+                    <a:bodyPr/>
+                    <a:lstStyle/>
+                    <a:p>
+                      <a:endParaRPr lang="en-US" sz="1800" dirty="0"/>
+                    </a:p>
+                  </a:txBody>
+                  <a:tcPr/>
+                </a:tc>
+                <a:tc>
+                  <a:txBody>
+                    <a:bodyPr/>
+                    <a:lstStyle/>
+                    <a:p>
+                      <a:r>
+                        <a:rPr lang="en-US" sz="1800" dirty="0"/>
+                        <a:t>h2o model files + R workspace with objects saved for use in report</a:t>
+                      </a:r>
+                    </a:p>
+                  </a:txBody>
+                  <a:tcPr/>
+                </a:tc>
+                <a:extLst>
+                  <a:ext uri="{0D108BD9-81ED-4DB2-BD59-A6C34878D82A}">
+                    <a16:rowId xmlns:a16="http://schemas.microsoft.com/office/drawing/2014/main" val="2024034160"/>
+                  </a:ext>
+                </a:extLst>
+              </a:tr>
+              <a:tr h="388549">
+                <a:tc>
+                  <a:txBody>
+                    <a:bodyPr/>
+                    <a:lstStyle/>
+                    <a:p>
+                      <a:r>
+                        <a:rPr lang="en-US" sz="1800" dirty="0"/>
+                        <a:t>plots</a:t>
+                      </a:r>
+                    </a:p>
+                  </a:txBody>
+                  <a:tcPr/>
+                </a:tc>
+                <a:tc>
+                  <a:txBody>
+                    <a:bodyPr/>
+                    <a:lstStyle/>
+                    <a:p>
+                      <a:endParaRPr lang="en-US" sz="1800" dirty="0"/>
+                    </a:p>
+                  </a:txBody>
+                  <a:tcPr/>
+                </a:tc>
+                <a:tc>
+                  <a:txBody>
+                    <a:bodyPr/>
+                    <a:lstStyle/>
+                    <a:p>
+                      <a:r>
+                        <a:rPr lang="en-US" sz="1800" dirty="0"/>
+                        <a:t>Plots to be rendered in the report</a:t>
+                      </a:r>
+                    </a:p>
+                  </a:txBody>
+                  <a:tcPr/>
+                </a:tc>
+                <a:extLst>
+                  <a:ext uri="{0D108BD9-81ED-4DB2-BD59-A6C34878D82A}">
+                    <a16:rowId xmlns:a16="http://schemas.microsoft.com/office/drawing/2014/main" val="3494472730"/>
+                  </a:ext>
+                </a:extLst>
+              </a:tr>
+              <a:tr h="388549">
+                <a:tc>
+                  <a:txBody>
+                    <a:bodyPr/>
+                    <a:lstStyle/>
+                    <a:p>
+                      <a:r>
+                        <a:rPr lang="en-US" sz="1800" dirty="0" err="1"/>
+                        <a:t>R_bots</a:t>
+                      </a:r>
+                      <a:endParaRPr lang="en-US" sz="1800" dirty="0"/>
+                    </a:p>
+                  </a:txBody>
+                  <a:tcPr/>
+                </a:tc>
+                <a:tc>
+                  <a:txBody>
+                    <a:bodyPr/>
+                    <a:lstStyle/>
+                    <a:p>
+                      <a:endParaRPr lang="en-US" sz="1800" dirty="0"/>
+                    </a:p>
+                  </a:txBody>
+                  <a:tcPr/>
+                </a:tc>
+                <a:tc>
+                  <a:txBody>
+                    <a:bodyPr/>
+                    <a:lstStyle/>
+                    <a:p>
+                      <a:r>
+                        <a:rPr lang="en-US" sz="1800" dirty="0"/>
+                        <a:t>R-scripts executed in the workflow</a:t>
+                      </a:r>
+                    </a:p>
+                  </a:txBody>
+                  <a:tcPr/>
+                </a:tc>
+                <a:extLst>
+                  <a:ext uri="{0D108BD9-81ED-4DB2-BD59-A6C34878D82A}">
+                    <a16:rowId xmlns:a16="http://schemas.microsoft.com/office/drawing/2014/main" val="812221320"/>
+                  </a:ext>
+                </a:extLst>
+              </a:tr>
+              <a:tr h="388549">
+                <a:tc>
+                  <a:txBody>
+                    <a:bodyPr/>
+                    <a:lstStyle/>
+                    <a:p>
+                      <a:r>
+                        <a:rPr lang="en-US" sz="1800" dirty="0"/>
+                        <a:t>reports</a:t>
+                      </a:r>
+                    </a:p>
+                  </a:txBody>
+                  <a:tcPr/>
+                </a:tc>
+                <a:tc>
+                  <a:txBody>
+                    <a:bodyPr/>
+                    <a:lstStyle/>
+                    <a:p>
+                      <a:endParaRPr lang="en-US" sz="1800" dirty="0"/>
+                    </a:p>
+                  </a:txBody>
+                  <a:tcPr/>
+                </a:tc>
+                <a:tc>
+                  <a:txBody>
+                    <a:bodyPr/>
+                    <a:lstStyle/>
+                    <a:p>
+                      <a:r>
+                        <a:rPr lang="en-US" sz="1800" dirty="0"/>
+                        <a:t>Rmarkdown files + rendered reports (HTML/Markdown formats)</a:t>
+                      </a:r>
+                    </a:p>
+                  </a:txBody>
+                  <a:tcPr/>
+                </a:tc>
+                <a:extLst>
+                  <a:ext uri="{0D108BD9-81ED-4DB2-BD59-A6C34878D82A}">
+                    <a16:rowId xmlns:a16="http://schemas.microsoft.com/office/drawing/2014/main" val="1299990883"/>
+                  </a:ext>
+                </a:extLst>
+              </a:tr>
+              <a:tr h="388549">
+                <a:tc>
+                  <a:txBody>
+                    <a:bodyPr/>
+                    <a:lstStyle/>
+                    <a:p>
+                      <a:r>
+                        <a:rPr lang="en-US" sz="1800" dirty="0"/>
+                        <a:t>slides</a:t>
+                      </a:r>
+                    </a:p>
+                  </a:txBody>
+                  <a:tcPr/>
+                </a:tc>
+                <a:tc>
+                  <a:txBody>
+                    <a:bodyPr/>
+                    <a:lstStyle/>
+                    <a:p>
+                      <a:endParaRPr lang="en-US" sz="1800" dirty="0"/>
+                    </a:p>
+                  </a:txBody>
+                  <a:tcPr/>
+                </a:tc>
+                <a:tc>
+                  <a:txBody>
+                    <a:bodyPr/>
+                    <a:lstStyle/>
+                    <a:p>
+                      <a:r>
+                        <a:rPr lang="en-US" sz="1800" dirty="0"/>
+                        <a:t>PPT and PDF of presentation</a:t>
+                      </a:r>
+                    </a:p>
+                  </a:txBody>
+                  <a:tcPr/>
+                </a:tc>
+                <a:extLst>
+                  <a:ext uri="{0D108BD9-81ED-4DB2-BD59-A6C34878D82A}">
+                    <a16:rowId xmlns:a16="http://schemas.microsoft.com/office/drawing/2014/main" val="78086803"/>
+                  </a:ext>
+                </a:extLst>
+              </a:tr>
+              <a:tr h="388549">
+                <a:tc>
+                  <a:txBody>
+                    <a:bodyPr/>
+                    <a:lstStyle/>
+                    <a:p>
+                      <a:r>
+                        <a:rPr lang="en-US" sz="1800" dirty="0" err="1"/>
+                        <a:t>utils</a:t>
+                      </a:r>
+                      <a:endParaRPr lang="en-US" sz="1800" dirty="0"/>
+                    </a:p>
+                  </a:txBody>
+                  <a:tcPr/>
+                </a:tc>
+                <a:tc>
+                  <a:txBody>
+                    <a:bodyPr/>
+                    <a:lstStyle/>
+                    <a:p>
+                      <a:endParaRPr lang="en-US" sz="1800" dirty="0"/>
+                    </a:p>
+                  </a:txBody>
+                  <a:tcPr/>
+                </a:tc>
+                <a:tc>
+                  <a:txBody>
+                    <a:bodyPr/>
+                    <a:lstStyle/>
+                    <a:p>
+                      <a:r>
+                        <a:rPr lang="en-US" sz="1800" dirty="0"/>
+                        <a:t>Re-usable utilities that could be used in other projects</a:t>
+                      </a:r>
+                    </a:p>
+                  </a:txBody>
+                  <a:tcPr/>
+                </a:tc>
+                <a:extLst>
+                  <a:ext uri="{0D108BD9-81ED-4DB2-BD59-A6C34878D82A}">
+                    <a16:rowId xmlns:a16="http://schemas.microsoft.com/office/drawing/2014/main" val="1413619471"/>
+                  </a:ext>
+                </a:extLst>
+              </a:tr>
+            </a:tbl>
+          </a:graphicData>
+        </a:graphic>
+      </p:graphicFrame>
+    </p:spTree>
+    <p:extLst>
+      <p:ext uri="{BB962C8B-B14F-4D97-AF65-F5344CB8AC3E}">
+        <p14:creationId xmlns:p14="http://schemas.microsoft.com/office/powerpoint/2010/main" val="3543970999"/>
+      </p:ext>
+    </p:extLst>
+  </p:cSld>
+  <p:clrMapOvr>
+    <a:masterClrMapping/>
+  </p:clrMapOvr>
+</p:sld>
+</file>
+
+<file path=ppt/slides/slide2.xml><?xml version="1.0" encoding="utf-8"?>
+<p:sld xmlns:a="http://schemas.openxmlformats.org/drawingml/2006/main" xmlns:r="http://schemas.openxmlformats.org/officeDocument/2006/relationships" xmlns:p="http://schemas.openxmlformats.org/presentationml/2006/main">
+  <p:cSld>
+    <p:spTree>
+      <p:nvGrpSpPr>
+        <p:cNvPr id="1" name=""/>
+        <p:cNvGrpSpPr/>
+        <p:nvPr/>
+      </p:nvGrpSpPr>
+      <p:grpSpPr>
+        <a:xfrm>
+          <a:off x="0" y="0"/>
+          <a:ext cx="0" cy="0"/>
+          <a:chOff x="0" y="0"/>
+          <a:chExt cx="0" cy="0"/>
+        </a:xfrm>
+      </p:grpSpPr>
+      <p:sp>
+        <p:nvSpPr>
+          <p:cNvPr id="2" name="Title 1">
+            <a:extLst>
+              <a:ext uri="{FF2B5EF4-FFF2-40B4-BE49-F238E27FC236}">
+                <a16:creationId xmlns:a16="http://schemas.microsoft.com/office/drawing/2014/main" id="{A3B6C93E-AE88-3140-99F2-1DF1AC8D2CB1}"/>
+              </a:ext>
+            </a:extLst>
+          </p:cNvPr>
+          <p:cNvSpPr>
+            <a:spLocks noGrp="1"/>
+          </p:cNvSpPr>
+          <p:nvPr>
+            <p:ph type="title"/>
+          </p:nvPr>
+        </p:nvSpPr>
+        <p:spPr/>
+        <p:txBody>
+          <a:bodyPr/>
+          <a:lstStyle/>
+          <a:p>
+            <a:r>
+              <a:rPr lang="en-US" dirty="0"/>
+              <a:t>Data Scientist Workflow</a:t>
+            </a:r>
+          </a:p>
+        </p:txBody>
+      </p:sp>
+      <p:pic>
+        <p:nvPicPr>
+          <p:cNvPr id="10" name="Picture 9">
+            <a:extLst>
+              <a:ext uri="{FF2B5EF4-FFF2-40B4-BE49-F238E27FC236}">
+                <a16:creationId xmlns:a16="http://schemas.microsoft.com/office/drawing/2014/main" id="{C7615319-2FF9-3240-AEE7-EAA9FD62D7D1}"/>
+              </a:ext>
+            </a:extLst>
+          </p:cNvPr>
+          <p:cNvPicPr>
+            <a:picLocks noChangeAspect="1"/>
+          </p:cNvPicPr>
+          <p:nvPr/>
+        </p:nvPicPr>
+        <p:blipFill>
+          <a:blip r:embed="rId2"/>
+          <a:stretch>
+            <a:fillRect/>
+          </a:stretch>
+        </p:blipFill>
+        <p:spPr>
+          <a:xfrm>
+            <a:off x="1352550" y="2965450"/>
+            <a:ext cx="9486900" cy="927100"/>
+          </a:xfrm>
+          <a:prstGeom prst="rect">
+            <a:avLst/>
+          </a:prstGeom>
+        </p:spPr>
+      </p:pic>
+    </p:spTree>
+    <p:extLst>
+      <p:ext uri="{BB962C8B-B14F-4D97-AF65-F5344CB8AC3E}">
+        <p14:creationId xmlns:p14="http://schemas.microsoft.com/office/powerpoint/2010/main" val="1109941816"/>
+      </p:ext>
+    </p:extLst>
+  </p:cSld>
+  <p:clrMapOvr>
+    <a:masterClrMapping/>
+  </p:clrMapOvr>
+</p:sld>
+</file>
+
+<file path=ppt/slides/slide3.xml><?xml version="1.0" encoding="utf-8"?>
+<p:sld xmlns:a="http://schemas.openxmlformats.org/drawingml/2006/main" xmlns:r="http://schemas.openxmlformats.org/officeDocument/2006/relationships" xmlns:p="http://schemas.openxmlformats.org/presentationml/2006/main">
+  <p:cSld>
+    <p:spTree>
+      <p:nvGrpSpPr>
+        <p:cNvPr id="1" name=""/>
+        <p:cNvGrpSpPr/>
+        <p:nvPr/>
+      </p:nvGrpSpPr>
+      <p:grpSpPr>
+        <a:xfrm>
+          <a:off x="0" y="0"/>
+          <a:ext cx="0" cy="0"/>
+          <a:chOff x="0" y="0"/>
+          <a:chExt cx="0" cy="0"/>
+        </a:xfrm>
+      </p:grpSpPr>
+      <p:sp>
+        <p:nvSpPr>
+          <p:cNvPr id="2" name="Title 1">
+            <a:extLst>
+              <a:ext uri="{FF2B5EF4-FFF2-40B4-BE49-F238E27FC236}">
+                <a16:creationId xmlns:a16="http://schemas.microsoft.com/office/drawing/2014/main" id="{A3B6C93E-AE88-3140-99F2-1DF1AC8D2CB1}"/>
+              </a:ext>
+            </a:extLst>
+          </p:cNvPr>
+          <p:cNvSpPr>
+            <a:spLocks noGrp="1"/>
+          </p:cNvSpPr>
+          <p:nvPr>
+            <p:ph type="title"/>
+          </p:nvPr>
+        </p:nvSpPr>
+        <p:spPr/>
+        <p:txBody>
+          <a:bodyPr/>
+          <a:lstStyle/>
+          <a:p>
+            <a:r>
+              <a:rPr lang="en-US" i="1"/>
+              <a:t>Actual</a:t>
+            </a:r>
+            <a:r>
+              <a:rPr lang="en-US"/>
+              <a:t> Data Scientist Workflow</a:t>
+            </a:r>
+            <a:endParaRPr lang="en-US" dirty="0"/>
+          </a:p>
+        </p:txBody>
+      </p:sp>
+      <p:pic>
+        <p:nvPicPr>
+          <p:cNvPr id="9" name="Picture 8">
+            <a:extLst>
+              <a:ext uri="{FF2B5EF4-FFF2-40B4-BE49-F238E27FC236}">
+                <a16:creationId xmlns:a16="http://schemas.microsoft.com/office/drawing/2014/main" id="{E1622EEC-D89E-AE4A-A14B-7E853336BF0D}"/>
+              </a:ext>
+            </a:extLst>
+          </p:cNvPr>
+          <p:cNvPicPr>
+            <a:picLocks noChangeAspect="1"/>
+          </p:cNvPicPr>
+          <p:nvPr/>
+        </p:nvPicPr>
+        <p:blipFill>
+          <a:blip r:embed="rId3"/>
+          <a:stretch>
+            <a:fillRect/>
+          </a:stretch>
+        </p:blipFill>
+        <p:spPr>
+          <a:xfrm>
+            <a:off x="0" y="1336249"/>
+            <a:ext cx="12192000" cy="4185501"/>
+          </a:xfrm>
+          <a:prstGeom prst="rect">
+            <a:avLst/>
+          </a:prstGeom>
+        </p:spPr>
+      </p:pic>
+      <p:sp>
+        <p:nvSpPr>
+          <p:cNvPr id="3" name="Down Arrow 2">
+            <a:extLst>
+              <a:ext uri="{FF2B5EF4-FFF2-40B4-BE49-F238E27FC236}">
+                <a16:creationId xmlns:a16="http://schemas.microsoft.com/office/drawing/2014/main" id="{B7894CD3-2AC4-2942-9FBD-2AB86517A5EC}"/>
+              </a:ext>
+            </a:extLst>
+          </p:cNvPr>
+          <p:cNvSpPr/>
+          <p:nvPr/>
+        </p:nvSpPr>
+        <p:spPr>
+          <a:xfrm>
+            <a:off x="8445500" y="365126"/>
+            <a:ext cx="482600" cy="803781"/>
+          </a:xfrm>
+          <a:prstGeom prst="downArrow">
+            <a:avLst/>
+          </a:prstGeom>
+          <a:solidFill>
+            <a:schemeClr val="tx1"/>
+          </a:solidFill>
+        </p:spPr>
+        <p:style>
+          <a:lnRef idx="2">
+            <a:schemeClr val="accent1">
+              <a:shade val="50000"/>
+            </a:schemeClr>
+          </a:lnRef>
+          <a:fillRef idx="1">
+            <a:schemeClr val="accent1"/>
+          </a:fillRef>
+          <a:effectRef idx="0">
+            <a:schemeClr val="accent1"/>
+          </a:effectRef>
+          <a:fontRef idx="minor">
+            <a:schemeClr val="lt1"/>
+          </a:fontRef>
+        </p:style>
+        <p:txBody>
+          <a:bodyPr rtlCol="0" anchor="ctr"/>
+          <a:lstStyle/>
+          <a:p>
+            <a:pPr algn="ctr"/>
+            <a:endParaRPr lang="en-US"/>
+          </a:p>
+        </p:txBody>
+      </p:sp>
+      <p:sp>
+        <p:nvSpPr>
+          <p:cNvPr id="4" name="TextBox 3">
+            <a:extLst>
+              <a:ext uri="{FF2B5EF4-FFF2-40B4-BE49-F238E27FC236}">
+                <a16:creationId xmlns:a16="http://schemas.microsoft.com/office/drawing/2014/main" id="{474043A3-16FD-EF4A-88E6-337FABF12C2F}"/>
+              </a:ext>
+            </a:extLst>
+          </p:cNvPr>
+          <p:cNvSpPr txBox="1"/>
+          <p:nvPr/>
+        </p:nvSpPr>
+        <p:spPr>
+          <a:xfrm>
+            <a:off x="2948539" y="3105833"/>
+            <a:ext cx="6294922" cy="646331"/>
+          </a:xfrm>
+          <a:prstGeom prst="rect">
+            <a:avLst/>
+          </a:prstGeom>
+          <a:noFill/>
+        </p:spPr>
+        <p:txBody>
+          <a:bodyPr wrap="square" rtlCol="0">
+            <a:spAutoFit/>
+          </a:bodyPr>
+          <a:lstStyle/>
+          <a:p>
+            <a:pPr marL="285750" indent="-285750">
+              <a:buFont typeface="Wingdings" pitchFamily="2" charset="2"/>
+              <a:buChar char="q"/>
+            </a:pPr>
+            <a:r>
+              <a:rPr lang="en-US" dirty="0"/>
+              <a:t>Workflow begins with data creation/ingestion.</a:t>
+            </a:r>
+          </a:p>
+          <a:p>
+            <a:pPr marL="285750" indent="-285750">
+              <a:buFont typeface="Wingdings" pitchFamily="2" charset="2"/>
+              <a:buChar char="q"/>
+            </a:pPr>
+            <a:r>
+              <a:rPr lang="en-US" dirty="0"/>
+              <a:t>Workflow “ends” with the distribution/publishing of reports.</a:t>
+            </a:r>
+          </a:p>
+        </p:txBody>
+      </p:sp>
+    </p:spTree>
+    <p:extLst>
+      <p:ext uri="{BB962C8B-B14F-4D97-AF65-F5344CB8AC3E}">
+        <p14:creationId xmlns:p14="http://schemas.microsoft.com/office/powerpoint/2010/main" val="2055568169"/>
+      </p:ext>
+    </p:extLst>
+  </p:cSld>
+  <p:clrMapOvr>
+    <a:masterClrMapping/>
+  </p:clrMapOvr>
+</p:sld>
+</file>
+
+<file path=ppt/slides/slide4.xml><?xml version="1.0" encoding="utf-8"?>
+<p:sld xmlns:a="http://schemas.openxmlformats.org/drawingml/2006/main" xmlns:r="http://schemas.openxmlformats.org/officeDocument/2006/relationships" xmlns:p="http://schemas.openxmlformats.org/presentationml/2006/main">
+  <p:cSld>
+    <p:spTree>
+      <p:nvGrpSpPr>
+        <p:cNvPr id="1" name=""/>
+        <p:cNvGrpSpPr/>
+        <p:nvPr/>
+      </p:nvGrpSpPr>
+      <p:grpSpPr>
+        <a:xfrm>
+          <a:off x="0" y="0"/>
+          <a:ext cx="0" cy="0"/>
+          <a:chOff x="0" y="0"/>
+          <a:chExt cx="0" cy="0"/>
+        </a:xfrm>
+      </p:grpSpPr>
+      <p:sp>
+        <p:nvSpPr>
+          <p:cNvPr id="2" name="Title 1">
+            <a:extLst>
+              <a:ext uri="{FF2B5EF4-FFF2-40B4-BE49-F238E27FC236}">
+                <a16:creationId xmlns:a16="http://schemas.microsoft.com/office/drawing/2014/main" id="{ACE3E6AC-92EE-8546-AB85-A77CE80B91B4}"/>
+              </a:ext>
+            </a:extLst>
+          </p:cNvPr>
+          <p:cNvSpPr>
+            <a:spLocks noGrp="1"/>
+          </p:cNvSpPr>
+          <p:nvPr>
+            <p:ph type="title"/>
+          </p:nvPr>
+        </p:nvSpPr>
+        <p:spPr/>
+        <p:txBody>
+          <a:bodyPr/>
+          <a:lstStyle/>
+          <a:p>
+            <a:r>
+              <a:rPr lang="en-US" dirty="0"/>
+              <a:t>Automated Data Science Workflows</a:t>
+            </a:r>
+          </a:p>
+        </p:txBody>
+      </p:sp>
+      <p:sp>
+        <p:nvSpPr>
+          <p:cNvPr id="3" name="Content Placeholder 2">
+            <a:extLst>
+              <a:ext uri="{FF2B5EF4-FFF2-40B4-BE49-F238E27FC236}">
+                <a16:creationId xmlns:a16="http://schemas.microsoft.com/office/drawing/2014/main" id="{27F90322-4A26-B647-9D3B-6A9CEE1C1274}"/>
+              </a:ext>
+            </a:extLst>
+          </p:cNvPr>
+          <p:cNvSpPr>
+            <a:spLocks noGrp="1"/>
+          </p:cNvSpPr>
+          <p:nvPr>
+            <p:ph idx="1"/>
+          </p:nvPr>
+        </p:nvSpPr>
+        <p:spPr/>
+        <p:txBody>
+          <a:bodyPr>
+            <a:normAutofit/>
+          </a:bodyPr>
+          <a:lstStyle/>
+          <a:p>
+            <a:r>
+              <a:rPr lang="en-US" dirty="0"/>
+              <a:t>An </a:t>
+            </a:r>
+            <a:r>
+              <a:rPr lang="en-US" b="1" i="1" u="sng" dirty="0"/>
+              <a:t>R</a:t>
+            </a:r>
+            <a:r>
+              <a:rPr lang="en-US" b="1" u="sng" dirty="0"/>
+              <a:t>-bot</a:t>
+            </a:r>
+            <a:r>
+              <a:rPr lang="en-US" dirty="0"/>
+              <a:t> is an R script that executes one or more tasks in a data science workflow.</a:t>
+            </a:r>
+          </a:p>
+          <a:p>
+            <a:r>
+              <a:rPr lang="en-US" dirty="0"/>
+              <a:t>Examples:</a:t>
+            </a:r>
+          </a:p>
+          <a:p>
+            <a:pPr lvl="1"/>
+            <a:r>
+              <a:rPr lang="en-US" dirty="0"/>
+              <a:t>Data ingestion</a:t>
+            </a:r>
+          </a:p>
+          <a:p>
+            <a:pPr lvl="1"/>
+            <a:r>
+              <a:rPr lang="en-US" dirty="0"/>
+              <a:t>Create report with dynamically generated content</a:t>
+            </a:r>
+          </a:p>
+          <a:p>
+            <a:pPr lvl="1"/>
+            <a:r>
+              <a:rPr lang="en-US" dirty="0"/>
+              <a:t>Send emails</a:t>
+            </a:r>
+          </a:p>
+          <a:p>
+            <a:pPr lvl="1"/>
+            <a:r>
+              <a:rPr lang="en-US" dirty="0"/>
+              <a:t>Version control</a:t>
+            </a:r>
+          </a:p>
+          <a:p>
+            <a:r>
+              <a:rPr lang="en-US" dirty="0"/>
+              <a:t>An end-to-end automated data science workflow could consist of a collection of </a:t>
+            </a:r>
+            <a:r>
+              <a:rPr lang="en-US" b="1" i="1" dirty="0"/>
+              <a:t>R-bots</a:t>
+            </a:r>
+            <a:r>
+              <a:rPr lang="en-US" dirty="0"/>
+              <a:t> executed from a common framework.</a:t>
+            </a:r>
+          </a:p>
+          <a:p>
+            <a:endParaRPr lang="en-US" dirty="0"/>
+          </a:p>
+        </p:txBody>
+      </p:sp>
+    </p:spTree>
+    <p:extLst>
+      <p:ext uri="{BB962C8B-B14F-4D97-AF65-F5344CB8AC3E}">
+        <p14:creationId xmlns:p14="http://schemas.microsoft.com/office/powerpoint/2010/main" val="1948331136"/>
+      </p:ext>
+    </p:extLst>
+  </p:cSld>
+  <p:clrMapOvr>
+    <a:masterClrMapping/>
+  </p:clrMapOvr>
+</p:sld>
+</file>
+
+<file path=ppt/slides/slide5.xml><?xml version="1.0" encoding="utf-8"?>
+<p:sld xmlns:a="http://schemas.openxmlformats.org/drawingml/2006/main" xmlns:r="http://schemas.openxmlformats.org/officeDocument/2006/relationships" xmlns:p="http://schemas.openxmlformats.org/presentationml/2006/main">
+  <p:cSld>
+    <p:spTree>
+      <p:nvGrpSpPr>
+        <p:cNvPr id="1" name=""/>
+        <p:cNvGrpSpPr/>
+        <p:nvPr/>
+      </p:nvGrpSpPr>
+      <p:grpSpPr>
+        <a:xfrm>
+          <a:off x="0" y="0"/>
+          <a:ext cx="0" cy="0"/>
+          <a:chOff x="0" y="0"/>
+          <a:chExt cx="0" cy="0"/>
+        </a:xfrm>
+      </p:grpSpPr>
+      <p:sp>
+        <p:nvSpPr>
+          <p:cNvPr id="2" name="Title 1">
+            <a:extLst>
+              <a:ext uri="{FF2B5EF4-FFF2-40B4-BE49-F238E27FC236}">
+                <a16:creationId xmlns:a16="http://schemas.microsoft.com/office/drawing/2014/main" id="{156B4F97-C8DC-884B-BE50-CAA56A351B04}"/>
+              </a:ext>
+            </a:extLst>
+          </p:cNvPr>
+          <p:cNvSpPr>
+            <a:spLocks noGrp="1"/>
+          </p:cNvSpPr>
+          <p:nvPr>
+            <p:ph type="title"/>
+          </p:nvPr>
+        </p:nvSpPr>
+        <p:spPr>
+          <a:xfrm>
+            <a:off x="838200" y="365127"/>
+            <a:ext cx="10515600" cy="1325563"/>
+          </a:xfrm>
+        </p:spPr>
+        <p:txBody>
+          <a:bodyPr>
+            <a:normAutofit/>
+          </a:bodyPr>
+          <a:lstStyle/>
+          <a:p>
+            <a:r>
+              <a:rPr lang="en-US" sz="3600" dirty="0"/>
+              <a:t>DEMO: Lending Club Example</a:t>
+            </a:r>
+            <a:endParaRPr lang="en-US" sz="3600" b="1" dirty="0">
+              <a:latin typeface="Courier New" panose="02070309020205020404" pitchFamily="49" charset="0"/>
+              <a:cs typeface="Courier New" panose="02070309020205020404" pitchFamily="49" charset="0"/>
+            </a:endParaRPr>
+          </a:p>
+        </p:txBody>
+      </p:sp>
+      <p:sp>
+        <p:nvSpPr>
+          <p:cNvPr id="6" name="Rectangle 5">
+            <a:extLst>
+              <a:ext uri="{FF2B5EF4-FFF2-40B4-BE49-F238E27FC236}">
+                <a16:creationId xmlns:a16="http://schemas.microsoft.com/office/drawing/2014/main" id="{1A8B3172-346C-D14B-909D-94215659D494}"/>
+              </a:ext>
+            </a:extLst>
+          </p:cNvPr>
+          <p:cNvSpPr/>
+          <p:nvPr/>
+        </p:nvSpPr>
+        <p:spPr>
+          <a:xfrm>
+            <a:off x="1337797" y="1339058"/>
+            <a:ext cx="1800323" cy="956502"/>
+          </a:xfrm>
+          <a:prstGeom prst="rect">
+            <a:avLst/>
+          </a:prstGeom>
+        </p:spPr>
+        <p:style>
+          <a:lnRef idx="2">
+            <a:schemeClr val="accent1">
+              <a:shade val="50000"/>
+            </a:schemeClr>
+          </a:lnRef>
+          <a:fillRef idx="1">
+            <a:schemeClr val="accent1"/>
+          </a:fillRef>
+          <a:effectRef idx="0">
+            <a:schemeClr val="accent1"/>
+          </a:effectRef>
+          <a:fontRef idx="minor">
+            <a:schemeClr val="lt1"/>
+          </a:fontRef>
+        </p:style>
+        <p:txBody>
+          <a:bodyPr rtlCol="0" anchor="ctr"/>
+          <a:lstStyle/>
+          <a:p>
+            <a:pPr algn="ctr"/>
+            <a:r>
+              <a:rPr lang="en-US" dirty="0"/>
+              <a:t>Set session parameters</a:t>
+            </a:r>
+          </a:p>
+        </p:txBody>
+      </p:sp>
+      <p:sp>
+        <p:nvSpPr>
+          <p:cNvPr id="7" name="Rectangle 6">
+            <a:extLst>
+              <a:ext uri="{FF2B5EF4-FFF2-40B4-BE49-F238E27FC236}">
+                <a16:creationId xmlns:a16="http://schemas.microsoft.com/office/drawing/2014/main" id="{6E03834F-AEB7-664D-93F9-73AEB5BECD00}"/>
+              </a:ext>
+            </a:extLst>
+          </p:cNvPr>
+          <p:cNvSpPr/>
+          <p:nvPr/>
+        </p:nvSpPr>
+        <p:spPr>
+          <a:xfrm>
+            <a:off x="3495557" y="1339058"/>
+            <a:ext cx="1800323" cy="956502"/>
+          </a:xfrm>
+          <a:prstGeom prst="rect">
+            <a:avLst/>
+          </a:prstGeom>
+        </p:spPr>
+        <p:style>
+          <a:lnRef idx="2">
+            <a:schemeClr val="accent1">
+              <a:shade val="50000"/>
+            </a:schemeClr>
+          </a:lnRef>
+          <a:fillRef idx="1">
+            <a:schemeClr val="accent1"/>
+          </a:fillRef>
+          <a:effectRef idx="0">
+            <a:schemeClr val="accent1"/>
+          </a:effectRef>
+          <a:fontRef idx="minor">
+            <a:schemeClr val="lt1"/>
+          </a:fontRef>
+        </p:style>
+        <p:txBody>
+          <a:bodyPr rtlCol="0" anchor="ctr"/>
+          <a:lstStyle/>
+          <a:p>
+            <a:pPr algn="ctr"/>
+            <a:r>
+              <a:rPr lang="en-US" dirty="0"/>
+              <a:t>Download dataset from LC website</a:t>
+            </a:r>
+          </a:p>
+        </p:txBody>
+      </p:sp>
+      <p:sp>
+        <p:nvSpPr>
+          <p:cNvPr id="8" name="Rectangle 7">
+            <a:extLst>
+              <a:ext uri="{FF2B5EF4-FFF2-40B4-BE49-F238E27FC236}">
+                <a16:creationId xmlns:a16="http://schemas.microsoft.com/office/drawing/2014/main" id="{28FA7CB8-37D5-4C46-AC1D-E25B0B06836B}"/>
+              </a:ext>
+            </a:extLst>
+          </p:cNvPr>
+          <p:cNvSpPr/>
+          <p:nvPr/>
+        </p:nvSpPr>
+        <p:spPr>
+          <a:xfrm>
+            <a:off x="4809718" y="2541046"/>
+            <a:ext cx="1800323" cy="956502"/>
+          </a:xfrm>
+          <a:prstGeom prst="rect">
+            <a:avLst/>
+          </a:prstGeom>
+        </p:spPr>
+        <p:style>
+          <a:lnRef idx="2">
+            <a:schemeClr val="accent1">
+              <a:shade val="50000"/>
+            </a:schemeClr>
+          </a:lnRef>
+          <a:fillRef idx="1">
+            <a:schemeClr val="accent1"/>
+          </a:fillRef>
+          <a:effectRef idx="0">
+            <a:schemeClr val="accent1"/>
+          </a:effectRef>
+          <a:fontRef idx="minor">
+            <a:schemeClr val="lt1"/>
+          </a:fontRef>
+        </p:style>
+        <p:txBody>
+          <a:bodyPr rtlCol="0" anchor="ctr"/>
+          <a:lstStyle/>
+          <a:p>
+            <a:pPr algn="ctr"/>
+            <a:r>
+              <a:rPr lang="en-US" dirty="0"/>
+              <a:t>Move LC dataset into MySQL</a:t>
+            </a:r>
+          </a:p>
+        </p:txBody>
+      </p:sp>
+      <p:sp>
+        <p:nvSpPr>
+          <p:cNvPr id="10" name="Rectangle 9">
+            <a:extLst>
+              <a:ext uri="{FF2B5EF4-FFF2-40B4-BE49-F238E27FC236}">
+                <a16:creationId xmlns:a16="http://schemas.microsoft.com/office/drawing/2014/main" id="{DA121486-1A46-9540-BFA3-0FD2FEFFD1C7}"/>
+              </a:ext>
+            </a:extLst>
+          </p:cNvPr>
+          <p:cNvSpPr/>
+          <p:nvPr/>
+        </p:nvSpPr>
+        <p:spPr>
+          <a:xfrm>
+            <a:off x="4809717" y="3856486"/>
+            <a:ext cx="1800323" cy="956502"/>
+          </a:xfrm>
+          <a:prstGeom prst="rect">
+            <a:avLst/>
+          </a:prstGeom>
+        </p:spPr>
+        <p:style>
+          <a:lnRef idx="2">
+            <a:schemeClr val="accent1">
+              <a:shade val="50000"/>
+            </a:schemeClr>
+          </a:lnRef>
+          <a:fillRef idx="1">
+            <a:schemeClr val="accent1"/>
+          </a:fillRef>
+          <a:effectRef idx="0">
+            <a:schemeClr val="accent1"/>
+          </a:effectRef>
+          <a:fontRef idx="minor">
+            <a:schemeClr val="lt1"/>
+          </a:fontRef>
+        </p:style>
+        <p:txBody>
+          <a:bodyPr rtlCol="0" anchor="ctr"/>
+          <a:lstStyle/>
+          <a:p>
+            <a:pPr algn="ctr"/>
+            <a:r>
+              <a:rPr lang="en-US" dirty="0"/>
+              <a:t>Data cleaning/ transformations</a:t>
+            </a:r>
+          </a:p>
+        </p:txBody>
+      </p:sp>
+      <p:sp>
+        <p:nvSpPr>
+          <p:cNvPr id="11" name="Rectangle 10">
+            <a:extLst>
+              <a:ext uri="{FF2B5EF4-FFF2-40B4-BE49-F238E27FC236}">
+                <a16:creationId xmlns:a16="http://schemas.microsoft.com/office/drawing/2014/main" id="{21E67E26-CFB9-9C44-8730-E37E19C1EF3E}"/>
+              </a:ext>
+            </a:extLst>
+          </p:cNvPr>
+          <p:cNvSpPr/>
+          <p:nvPr/>
+        </p:nvSpPr>
+        <p:spPr>
+          <a:xfrm>
+            <a:off x="3495556" y="4982192"/>
+            <a:ext cx="1800323" cy="956502"/>
+          </a:xfrm>
+          <a:prstGeom prst="rect">
+            <a:avLst/>
+          </a:prstGeom>
+        </p:spPr>
+        <p:style>
+          <a:lnRef idx="2">
+            <a:schemeClr val="accent1">
+              <a:shade val="50000"/>
+            </a:schemeClr>
+          </a:lnRef>
+          <a:fillRef idx="1">
+            <a:schemeClr val="accent1"/>
+          </a:fillRef>
+          <a:effectRef idx="0">
+            <a:schemeClr val="accent1"/>
+          </a:effectRef>
+          <a:fontRef idx="minor">
+            <a:schemeClr val="lt1"/>
+          </a:fontRef>
+        </p:style>
+        <p:txBody>
+          <a:bodyPr rtlCol="0" anchor="ctr"/>
+          <a:lstStyle/>
+          <a:p>
+            <a:pPr algn="ctr"/>
+            <a:r>
+              <a:rPr lang="en-US" dirty="0"/>
+              <a:t>Build predictive models</a:t>
+            </a:r>
+          </a:p>
+        </p:txBody>
+      </p:sp>
+      <p:sp>
+        <p:nvSpPr>
+          <p:cNvPr id="12" name="Rectangle 11">
+            <a:extLst>
+              <a:ext uri="{FF2B5EF4-FFF2-40B4-BE49-F238E27FC236}">
+                <a16:creationId xmlns:a16="http://schemas.microsoft.com/office/drawing/2014/main" id="{BE527B8C-FAA8-C743-BA54-C405A4DC2263}"/>
+              </a:ext>
+            </a:extLst>
+          </p:cNvPr>
+          <p:cNvSpPr/>
+          <p:nvPr/>
+        </p:nvSpPr>
+        <p:spPr>
+          <a:xfrm>
+            <a:off x="1337796" y="4982192"/>
+            <a:ext cx="1800323" cy="956502"/>
+          </a:xfrm>
+          <a:prstGeom prst="rect">
+            <a:avLst/>
+          </a:prstGeom>
+        </p:spPr>
+        <p:style>
+          <a:lnRef idx="2">
+            <a:schemeClr val="accent1">
+              <a:shade val="50000"/>
+            </a:schemeClr>
+          </a:lnRef>
+          <a:fillRef idx="1">
+            <a:schemeClr val="accent1"/>
+          </a:fillRef>
+          <a:effectRef idx="0">
+            <a:schemeClr val="accent1"/>
+          </a:effectRef>
+          <a:fontRef idx="minor">
+            <a:schemeClr val="lt1"/>
+          </a:fontRef>
+        </p:style>
+        <p:txBody>
+          <a:bodyPr rtlCol="0" anchor="ctr"/>
+          <a:lstStyle/>
+          <a:p>
+            <a:pPr algn="ctr"/>
+            <a:r>
+              <a:rPr lang="en-US" dirty="0"/>
+              <a:t>Create report</a:t>
+            </a:r>
+          </a:p>
+        </p:txBody>
+      </p:sp>
+      <p:sp>
+        <p:nvSpPr>
+          <p:cNvPr id="13" name="Rectangle 12">
+            <a:extLst>
+              <a:ext uri="{FF2B5EF4-FFF2-40B4-BE49-F238E27FC236}">
+                <a16:creationId xmlns:a16="http://schemas.microsoft.com/office/drawing/2014/main" id="{CF28210B-C1C3-6E4B-BCBA-4938BC7E6F00}"/>
+              </a:ext>
+            </a:extLst>
+          </p:cNvPr>
+          <p:cNvSpPr/>
+          <p:nvPr/>
+        </p:nvSpPr>
+        <p:spPr>
+          <a:xfrm>
+            <a:off x="53526" y="3856485"/>
+            <a:ext cx="1800323" cy="956502"/>
+          </a:xfrm>
+          <a:prstGeom prst="rect">
+            <a:avLst/>
+          </a:prstGeom>
+        </p:spPr>
+        <p:style>
+          <a:lnRef idx="2">
+            <a:schemeClr val="accent1">
+              <a:shade val="50000"/>
+            </a:schemeClr>
+          </a:lnRef>
+          <a:fillRef idx="1">
+            <a:schemeClr val="accent1"/>
+          </a:fillRef>
+          <a:effectRef idx="0">
+            <a:schemeClr val="accent1"/>
+          </a:effectRef>
+          <a:fontRef idx="minor">
+            <a:schemeClr val="lt1"/>
+          </a:fontRef>
+        </p:style>
+        <p:txBody>
+          <a:bodyPr rtlCol="0" anchor="ctr"/>
+          <a:lstStyle/>
+          <a:p>
+            <a:pPr algn="ctr"/>
+            <a:r>
+              <a:rPr lang="en-US" dirty="0"/>
+              <a:t>Email report</a:t>
+            </a:r>
+          </a:p>
+        </p:txBody>
+      </p:sp>
+      <p:sp>
+        <p:nvSpPr>
+          <p:cNvPr id="14" name="Rectangle 13">
+            <a:extLst>
+              <a:ext uri="{FF2B5EF4-FFF2-40B4-BE49-F238E27FC236}">
+                <a16:creationId xmlns:a16="http://schemas.microsoft.com/office/drawing/2014/main" id="{572A8640-D093-764F-B9EC-17821E20CD1D}"/>
+              </a:ext>
+            </a:extLst>
+          </p:cNvPr>
+          <p:cNvSpPr/>
+          <p:nvPr/>
+        </p:nvSpPr>
+        <p:spPr>
+          <a:xfrm>
+            <a:off x="53526" y="2541046"/>
+            <a:ext cx="1800323" cy="956502"/>
+          </a:xfrm>
+          <a:prstGeom prst="rect">
+            <a:avLst/>
+          </a:prstGeom>
+        </p:spPr>
+        <p:style>
+          <a:lnRef idx="2">
+            <a:schemeClr val="accent1">
+              <a:shade val="50000"/>
+            </a:schemeClr>
+          </a:lnRef>
+          <a:fillRef idx="1">
+            <a:schemeClr val="accent1"/>
+          </a:fillRef>
+          <a:effectRef idx="0">
+            <a:schemeClr val="accent1"/>
+          </a:effectRef>
+          <a:fontRef idx="minor">
+            <a:schemeClr val="lt1"/>
+          </a:fontRef>
+        </p:style>
+        <p:txBody>
+          <a:bodyPr rtlCol="0" anchor="ctr"/>
+          <a:lstStyle/>
+          <a:p>
+            <a:pPr algn="ctr"/>
+            <a:r>
+              <a:rPr lang="en-US" dirty="0" err="1"/>
+              <a:t>Github</a:t>
+            </a:r>
+            <a:r>
+              <a:rPr lang="en-US" dirty="0"/>
+              <a:t> check-in</a:t>
+            </a:r>
+          </a:p>
+        </p:txBody>
+      </p:sp>
+      <p:sp>
+        <p:nvSpPr>
+          <p:cNvPr id="16" name="TextBox 15">
+            <a:extLst>
+              <a:ext uri="{FF2B5EF4-FFF2-40B4-BE49-F238E27FC236}">
+                <a16:creationId xmlns:a16="http://schemas.microsoft.com/office/drawing/2014/main" id="{064C6E98-6C11-4242-B02D-362A62348E97}"/>
+              </a:ext>
+            </a:extLst>
+          </p:cNvPr>
+          <p:cNvSpPr txBox="1"/>
+          <p:nvPr/>
+        </p:nvSpPr>
+        <p:spPr>
+          <a:xfrm>
+            <a:off x="7270976" y="1351508"/>
+            <a:ext cx="4568986" cy="3785652"/>
+          </a:xfrm>
+          <a:prstGeom prst="rect">
+            <a:avLst/>
+          </a:prstGeom>
+          <a:noFill/>
+        </p:spPr>
+        <p:txBody>
+          <a:bodyPr wrap="square" rtlCol="0">
+            <a:spAutoFit/>
+          </a:bodyPr>
+          <a:lstStyle/>
+          <a:p>
+            <a:pPr marL="285750" indent="-285750">
+              <a:buFont typeface="Arial" panose="020B0604020202020204" pitchFamily="34" charset="0"/>
+              <a:buChar char="•"/>
+            </a:pPr>
+            <a:r>
+              <a:rPr lang="en-US" sz="2400" dirty="0"/>
+              <a:t>Peer to peer lending platform</a:t>
+            </a:r>
+          </a:p>
+          <a:p>
+            <a:endParaRPr lang="en-US" sz="2400" dirty="0"/>
+          </a:p>
+          <a:p>
+            <a:pPr marL="285750" indent="-285750">
+              <a:buFont typeface="Arial" panose="020B0604020202020204" pitchFamily="34" charset="0"/>
+              <a:buChar char="•"/>
+            </a:pPr>
+            <a:r>
+              <a:rPr lang="en-US" sz="2400" dirty="0"/>
+              <a:t>Goal: Build a model to predict probability of a loan default</a:t>
+            </a:r>
+          </a:p>
+          <a:p>
+            <a:pPr marL="285750" indent="-285750">
+              <a:buFont typeface="Arial" panose="020B0604020202020204" pitchFamily="34" charset="0"/>
+              <a:buChar char="•"/>
+            </a:pPr>
+            <a:endParaRPr lang="en-US" sz="2400" dirty="0"/>
+          </a:p>
+          <a:p>
+            <a:pPr marL="285750" indent="-285750">
+              <a:buFont typeface="Arial" panose="020B0604020202020204" pitchFamily="34" charset="0"/>
+              <a:buChar char="•"/>
+            </a:pPr>
+            <a:r>
+              <a:rPr lang="en-US" sz="2400" dirty="0"/>
+              <a:t>Example automates the</a:t>
+            </a:r>
+          </a:p>
+          <a:p>
+            <a:pPr marL="742950" lvl="1" indent="-285750">
+              <a:buFont typeface="Arial" panose="020B0604020202020204" pitchFamily="34" charset="0"/>
+              <a:buChar char="•"/>
+            </a:pPr>
+            <a:r>
+              <a:rPr lang="en-US" sz="2400" dirty="0"/>
+              <a:t>data retrieval and storage</a:t>
+            </a:r>
+          </a:p>
+          <a:p>
+            <a:pPr marL="742950" lvl="1" indent="-285750">
+              <a:buFont typeface="Arial" panose="020B0604020202020204" pitchFamily="34" charset="0"/>
+              <a:buChar char="•"/>
+            </a:pPr>
+            <a:r>
+              <a:rPr lang="en-US" sz="2400" dirty="0"/>
+              <a:t>model building</a:t>
+            </a:r>
+          </a:p>
+          <a:p>
+            <a:pPr marL="742950" lvl="1" indent="-285750">
+              <a:buFont typeface="Arial" panose="020B0604020202020204" pitchFamily="34" charset="0"/>
+              <a:buChar char="•"/>
+            </a:pPr>
+            <a:r>
+              <a:rPr lang="en-US" sz="2400" dirty="0"/>
+              <a:t>report generation</a:t>
+            </a:r>
+          </a:p>
+          <a:p>
+            <a:pPr marL="742950" lvl="1" indent="-285750">
+              <a:buFont typeface="Arial" panose="020B0604020202020204" pitchFamily="34" charset="0"/>
+              <a:buChar char="•"/>
+            </a:pPr>
+            <a:r>
+              <a:rPr lang="en-US" sz="2400" dirty="0"/>
+              <a:t>version control</a:t>
+            </a:r>
+          </a:p>
+        </p:txBody>
+      </p:sp>
+      <p:cxnSp>
+        <p:nvCxnSpPr>
+          <p:cNvPr id="18" name="Straight Arrow Connector 17">
+            <a:extLst>
+              <a:ext uri="{FF2B5EF4-FFF2-40B4-BE49-F238E27FC236}">
+                <a16:creationId xmlns:a16="http://schemas.microsoft.com/office/drawing/2014/main" id="{A8644B9A-1D6F-604F-A582-76D8ACD9100B}"/>
+              </a:ext>
+            </a:extLst>
+          </p:cNvPr>
+          <p:cNvCxnSpPr>
+            <a:stCxn id="6" idx="3"/>
+            <a:endCxn id="7" idx="1"/>
+          </p:cNvCxnSpPr>
+          <p:nvPr/>
+        </p:nvCxnSpPr>
+        <p:spPr>
+          <a:xfrm>
+            <a:off x="3138120" y="1817309"/>
+            <a:ext cx="357437" cy="0"/>
+          </a:xfrm>
+          <a:prstGeom prst="straightConnector1">
+            <a:avLst/>
+          </a:prstGeom>
+          <a:ln w="57150">
+            <a:tailEnd type="triangle"/>
+          </a:ln>
+        </p:spPr>
+        <p:style>
+          <a:lnRef idx="1">
+            <a:schemeClr val="accent1"/>
+          </a:lnRef>
+          <a:fillRef idx="0">
+            <a:schemeClr val="accent1"/>
+          </a:fillRef>
+          <a:effectRef idx="0">
+            <a:schemeClr val="accent1"/>
+          </a:effectRef>
+          <a:fontRef idx="minor">
+            <a:schemeClr val="tx1"/>
+          </a:fontRef>
+        </p:style>
+      </p:cxnSp>
+      <p:cxnSp>
+        <p:nvCxnSpPr>
+          <p:cNvPr id="23" name="Curved Connector 22">
+            <a:extLst>
+              <a:ext uri="{FF2B5EF4-FFF2-40B4-BE49-F238E27FC236}">
+                <a16:creationId xmlns:a16="http://schemas.microsoft.com/office/drawing/2014/main" id="{5C33FCA3-DDD0-6041-A78F-5ADAD213F442}"/>
+              </a:ext>
+            </a:extLst>
+          </p:cNvPr>
+          <p:cNvCxnSpPr>
+            <a:cxnSpLocks/>
+            <a:stCxn id="7" idx="3"/>
+            <a:endCxn id="8" idx="0"/>
+          </p:cNvCxnSpPr>
+          <p:nvPr/>
+        </p:nvCxnSpPr>
+        <p:spPr>
+          <a:xfrm>
+            <a:off x="5295880" y="1817309"/>
+            <a:ext cx="414000" cy="723737"/>
+          </a:xfrm>
+          <a:prstGeom prst="curvedConnector2">
+            <a:avLst/>
+          </a:prstGeom>
+          <a:ln w="57150">
+            <a:tailEnd type="triangle"/>
+          </a:ln>
+        </p:spPr>
+        <p:style>
+          <a:lnRef idx="1">
+            <a:schemeClr val="accent1"/>
+          </a:lnRef>
+          <a:fillRef idx="0">
+            <a:schemeClr val="accent1"/>
+          </a:fillRef>
+          <a:effectRef idx="0">
+            <a:schemeClr val="accent1"/>
+          </a:effectRef>
+          <a:fontRef idx="minor">
+            <a:schemeClr val="tx1"/>
+          </a:fontRef>
+        </p:style>
+      </p:cxnSp>
+      <p:cxnSp>
+        <p:nvCxnSpPr>
+          <p:cNvPr id="26" name="Straight Arrow Connector 25">
+            <a:extLst>
+              <a:ext uri="{FF2B5EF4-FFF2-40B4-BE49-F238E27FC236}">
+                <a16:creationId xmlns:a16="http://schemas.microsoft.com/office/drawing/2014/main" id="{C6D791C4-1F4A-F24F-BBA7-5F66E86101AB}"/>
+              </a:ext>
+            </a:extLst>
+          </p:cNvPr>
+          <p:cNvCxnSpPr>
+            <a:cxnSpLocks/>
+            <a:stCxn id="8" idx="2"/>
+            <a:endCxn id="10" idx="0"/>
+          </p:cNvCxnSpPr>
+          <p:nvPr/>
+        </p:nvCxnSpPr>
+        <p:spPr>
+          <a:xfrm flipH="1">
+            <a:off x="5709879" y="3497548"/>
+            <a:ext cx="1" cy="358938"/>
+          </a:xfrm>
+          <a:prstGeom prst="straightConnector1">
+            <a:avLst/>
+          </a:prstGeom>
+          <a:ln w="57150">
+            <a:tailEnd type="triangle"/>
+          </a:ln>
+        </p:spPr>
+        <p:style>
+          <a:lnRef idx="1">
+            <a:schemeClr val="accent1"/>
+          </a:lnRef>
+          <a:fillRef idx="0">
+            <a:schemeClr val="accent1"/>
+          </a:fillRef>
+          <a:effectRef idx="0">
+            <a:schemeClr val="accent1"/>
+          </a:effectRef>
+          <a:fontRef idx="minor">
+            <a:schemeClr val="tx1"/>
+          </a:fontRef>
+        </p:style>
+      </p:cxnSp>
+      <p:cxnSp>
+        <p:nvCxnSpPr>
+          <p:cNvPr id="30" name="Curved Connector 29">
+            <a:extLst>
+              <a:ext uri="{FF2B5EF4-FFF2-40B4-BE49-F238E27FC236}">
+                <a16:creationId xmlns:a16="http://schemas.microsoft.com/office/drawing/2014/main" id="{3DF26A0E-7BB0-274A-B081-FD7566F57DB1}"/>
+              </a:ext>
+            </a:extLst>
+          </p:cNvPr>
+          <p:cNvCxnSpPr>
+            <a:cxnSpLocks/>
+            <a:stCxn id="10" idx="2"/>
+            <a:endCxn id="11" idx="3"/>
+          </p:cNvCxnSpPr>
+          <p:nvPr/>
+        </p:nvCxnSpPr>
+        <p:spPr>
+          <a:xfrm rot="5400000">
+            <a:off x="5179152" y="4929715"/>
+            <a:ext cx="647455" cy="414000"/>
+          </a:xfrm>
+          <a:prstGeom prst="curvedConnector2">
+            <a:avLst/>
+          </a:prstGeom>
+          <a:ln w="57150">
+            <a:tailEnd type="triangle"/>
+          </a:ln>
+        </p:spPr>
+        <p:style>
+          <a:lnRef idx="1">
+            <a:schemeClr val="accent1"/>
+          </a:lnRef>
+          <a:fillRef idx="0">
+            <a:schemeClr val="accent1"/>
+          </a:fillRef>
+          <a:effectRef idx="0">
+            <a:schemeClr val="accent1"/>
+          </a:effectRef>
+          <a:fontRef idx="minor">
+            <a:schemeClr val="tx1"/>
+          </a:fontRef>
+        </p:style>
+      </p:cxnSp>
+      <p:cxnSp>
+        <p:nvCxnSpPr>
+          <p:cNvPr id="33" name="Straight Arrow Connector 32">
+            <a:extLst>
+              <a:ext uri="{FF2B5EF4-FFF2-40B4-BE49-F238E27FC236}">
+                <a16:creationId xmlns:a16="http://schemas.microsoft.com/office/drawing/2014/main" id="{6C4C7E30-F506-7340-9A39-70072DBFC1DB}"/>
+              </a:ext>
+            </a:extLst>
+          </p:cNvPr>
+          <p:cNvCxnSpPr>
+            <a:cxnSpLocks/>
+            <a:stCxn id="11" idx="1"/>
+            <a:endCxn id="12" idx="3"/>
+          </p:cNvCxnSpPr>
+          <p:nvPr/>
+        </p:nvCxnSpPr>
+        <p:spPr>
+          <a:xfrm flipH="1">
+            <a:off x="3138119" y="5460443"/>
+            <a:ext cx="357437" cy="0"/>
+          </a:xfrm>
+          <a:prstGeom prst="straightConnector1">
+            <a:avLst/>
+          </a:prstGeom>
+          <a:ln w="57150">
+            <a:tailEnd type="triangle"/>
+          </a:ln>
+        </p:spPr>
+        <p:style>
+          <a:lnRef idx="1">
+            <a:schemeClr val="accent1"/>
+          </a:lnRef>
+          <a:fillRef idx="0">
+            <a:schemeClr val="accent1"/>
+          </a:fillRef>
+          <a:effectRef idx="0">
+            <a:schemeClr val="accent1"/>
+          </a:effectRef>
+          <a:fontRef idx="minor">
+            <a:schemeClr val="tx1"/>
+          </a:fontRef>
+        </p:style>
+      </p:cxnSp>
+      <p:cxnSp>
+        <p:nvCxnSpPr>
+          <p:cNvPr id="40" name="Curved Connector 39">
+            <a:extLst>
+              <a:ext uri="{FF2B5EF4-FFF2-40B4-BE49-F238E27FC236}">
+                <a16:creationId xmlns:a16="http://schemas.microsoft.com/office/drawing/2014/main" id="{24C0D1CC-B2A5-094D-AEDE-C553B876ECF3}"/>
+              </a:ext>
+            </a:extLst>
+          </p:cNvPr>
+          <p:cNvCxnSpPr>
+            <a:cxnSpLocks/>
+            <a:stCxn id="12" idx="1"/>
+            <a:endCxn id="13" idx="2"/>
+          </p:cNvCxnSpPr>
+          <p:nvPr/>
+        </p:nvCxnSpPr>
+        <p:spPr>
+          <a:xfrm rot="10800000">
+            <a:off x="953688" y="4812987"/>
+            <a:ext cx="384108" cy="647456"/>
+          </a:xfrm>
+          <a:prstGeom prst="curvedConnector2">
+            <a:avLst/>
+          </a:prstGeom>
+          <a:ln w="57150">
+            <a:tailEnd type="triangle"/>
+          </a:ln>
+        </p:spPr>
+        <p:style>
+          <a:lnRef idx="1">
+            <a:schemeClr val="accent1"/>
+          </a:lnRef>
+          <a:fillRef idx="0">
+            <a:schemeClr val="accent1"/>
+          </a:fillRef>
+          <a:effectRef idx="0">
+            <a:schemeClr val="accent1"/>
+          </a:effectRef>
+          <a:fontRef idx="minor">
+            <a:schemeClr val="tx1"/>
+          </a:fontRef>
+        </p:style>
+      </p:cxnSp>
+      <p:cxnSp>
+        <p:nvCxnSpPr>
+          <p:cNvPr id="49" name="Straight Arrow Connector 48">
+            <a:extLst>
+              <a:ext uri="{FF2B5EF4-FFF2-40B4-BE49-F238E27FC236}">
+                <a16:creationId xmlns:a16="http://schemas.microsoft.com/office/drawing/2014/main" id="{5818F0B0-2F92-0644-92E3-CAE0536F57CE}"/>
+              </a:ext>
+            </a:extLst>
+          </p:cNvPr>
+          <p:cNvCxnSpPr>
+            <a:cxnSpLocks/>
+            <a:stCxn id="13" idx="0"/>
+            <a:endCxn id="14" idx="2"/>
+          </p:cNvCxnSpPr>
+          <p:nvPr/>
+        </p:nvCxnSpPr>
+        <p:spPr>
+          <a:xfrm flipV="1">
+            <a:off x="953688" y="3497548"/>
+            <a:ext cx="0" cy="358937"/>
+          </a:xfrm>
+          <a:prstGeom prst="straightConnector1">
+            <a:avLst/>
+          </a:prstGeom>
+          <a:ln w="57150">
+            <a:tailEnd type="triangle"/>
+          </a:ln>
+        </p:spPr>
+        <p:style>
+          <a:lnRef idx="1">
+            <a:schemeClr val="accent1"/>
+          </a:lnRef>
+          <a:fillRef idx="0">
+            <a:schemeClr val="accent1"/>
+          </a:fillRef>
+          <a:effectRef idx="0">
+            <a:schemeClr val="accent1"/>
+          </a:effectRef>
+          <a:fontRef idx="minor">
+            <a:schemeClr val="tx1"/>
+          </a:fontRef>
+        </p:style>
+      </p:cxnSp>
+      <p:cxnSp>
+        <p:nvCxnSpPr>
+          <p:cNvPr id="52" name="Curved Connector 51">
+            <a:extLst>
+              <a:ext uri="{FF2B5EF4-FFF2-40B4-BE49-F238E27FC236}">
+                <a16:creationId xmlns:a16="http://schemas.microsoft.com/office/drawing/2014/main" id="{E745A814-47B6-8142-B79D-BB505693ABB1}"/>
+              </a:ext>
+            </a:extLst>
+          </p:cNvPr>
+          <p:cNvCxnSpPr>
+            <a:cxnSpLocks/>
+            <a:stCxn id="14" idx="0"/>
+            <a:endCxn id="6" idx="1"/>
+          </p:cNvCxnSpPr>
+          <p:nvPr/>
+        </p:nvCxnSpPr>
+        <p:spPr>
+          <a:xfrm rot="5400000" flipH="1" flipV="1">
+            <a:off x="783874" y="1987124"/>
+            <a:ext cx="723737" cy="384109"/>
+          </a:xfrm>
+          <a:prstGeom prst="curvedConnector2">
+            <a:avLst/>
+          </a:prstGeom>
+          <a:ln w="57150">
+            <a:tailEnd type="triangle"/>
+          </a:ln>
+        </p:spPr>
+        <p:style>
+          <a:lnRef idx="1">
+            <a:schemeClr val="accent1"/>
+          </a:lnRef>
+          <a:fillRef idx="0">
+            <a:schemeClr val="accent1"/>
+          </a:fillRef>
+          <a:effectRef idx="0">
+            <a:schemeClr val="accent1"/>
+          </a:effectRef>
+          <a:fontRef idx="minor">
+            <a:schemeClr val="tx1"/>
+          </a:fontRef>
+        </p:style>
+      </p:cxnSp>
+    </p:spTree>
+    <p:extLst>
+      <p:ext uri="{BB962C8B-B14F-4D97-AF65-F5344CB8AC3E}">
+        <p14:creationId xmlns:p14="http://schemas.microsoft.com/office/powerpoint/2010/main" val="3361270873"/>
+      </p:ext>
+    </p:extLst>
+  </p:cSld>
+  <p:clrMapOvr>
+    <a:masterClrMapping/>
+  </p:clrMapOvr>
+</p:sld>
+</file>
+
+<file path=ppt/slides/slide6.xml><?xml version="1.0" encoding="utf-8"?>
+<p:sld xmlns:a="http://schemas.openxmlformats.org/drawingml/2006/main" xmlns:r="http://schemas.openxmlformats.org/officeDocument/2006/relationships" xmlns:p="http://schemas.openxmlformats.org/presentationml/2006/main">
+  <p:cSld>
+    <p:spTree>
+      <p:nvGrpSpPr>
+        <p:cNvPr id="1" name=""/>
+        <p:cNvGrpSpPr/>
+        <p:nvPr/>
+      </p:nvGrpSpPr>
+      <p:grpSpPr>
+        <a:xfrm>
+          <a:off x="0" y="0"/>
+          <a:ext cx="0" cy="0"/>
+          <a:chOff x="0" y="0"/>
+          <a:chExt cx="0" cy="0"/>
+        </a:xfrm>
+      </p:grpSpPr>
+      <p:sp>
+        <p:nvSpPr>
+          <p:cNvPr id="2" name="Title 1">
+            <a:extLst>
+              <a:ext uri="{FF2B5EF4-FFF2-40B4-BE49-F238E27FC236}">
+                <a16:creationId xmlns:a16="http://schemas.microsoft.com/office/drawing/2014/main" id="{A2046142-65F1-EA4F-AD12-BD31C41404C9}"/>
+              </a:ext>
+            </a:extLst>
+          </p:cNvPr>
+          <p:cNvSpPr>
+            <a:spLocks noGrp="1"/>
+          </p:cNvSpPr>
+          <p:nvPr>
+            <p:ph type="title"/>
+          </p:nvPr>
+        </p:nvSpPr>
+        <p:spPr/>
+        <p:txBody>
+          <a:bodyPr/>
+          <a:lstStyle/>
+          <a:p>
+            <a:r>
+              <a:rPr lang="en-US" dirty="0"/>
+              <a:t>Use Cases</a:t>
+            </a:r>
+          </a:p>
+        </p:txBody>
+      </p:sp>
+      <p:sp>
+        <p:nvSpPr>
+          <p:cNvPr id="3" name="Content Placeholder 2">
+            <a:extLst>
+              <a:ext uri="{FF2B5EF4-FFF2-40B4-BE49-F238E27FC236}">
+                <a16:creationId xmlns:a16="http://schemas.microsoft.com/office/drawing/2014/main" id="{93E3114A-3773-E14E-A9A1-FCBC6C41440C}"/>
+              </a:ext>
+            </a:extLst>
+          </p:cNvPr>
+          <p:cNvSpPr>
+            <a:spLocks noGrp="1"/>
+          </p:cNvSpPr>
+          <p:nvPr>
+            <p:ph idx="1"/>
+          </p:nvPr>
+        </p:nvSpPr>
+        <p:spPr/>
+        <p:txBody>
+          <a:bodyPr/>
+          <a:lstStyle/>
+          <a:p>
+            <a:pPr lvl="0"/>
+            <a:r>
+              <a:rPr lang="en-US" dirty="0"/>
+              <a:t>Well-defined analyses that will be performed over and over again</a:t>
+            </a:r>
+          </a:p>
+          <a:p>
+            <a:pPr lvl="0"/>
+            <a:r>
+              <a:rPr lang="en-US" dirty="0"/>
+              <a:t>Analyses in development stages, where feedback must be incorporated over and over again</a:t>
+            </a:r>
+          </a:p>
+          <a:p>
+            <a:pPr lvl="0"/>
+            <a:r>
+              <a:rPr lang="en-US" dirty="0"/>
+              <a:t>“Hands-free” automation</a:t>
+            </a:r>
+          </a:p>
+          <a:p>
+            <a:pPr lvl="1"/>
+            <a:r>
+              <a:rPr lang="en-US" dirty="0"/>
+              <a:t>Task scheduler manages the runs </a:t>
+            </a:r>
+          </a:p>
+          <a:p>
+            <a:r>
+              <a:rPr lang="en-US" dirty="0"/>
+              <a:t>“Manual” automation</a:t>
+            </a:r>
+          </a:p>
+          <a:p>
+            <a:pPr lvl="1"/>
+            <a:r>
+              <a:rPr lang="en-US" dirty="0"/>
+              <a:t>Entire process kicks off as soon as the data scientist presses the button</a:t>
+            </a:r>
+          </a:p>
+          <a:p>
+            <a:endParaRPr lang="en-US" dirty="0"/>
+          </a:p>
+        </p:txBody>
+      </p:sp>
+    </p:spTree>
+    <p:extLst>
+      <p:ext uri="{BB962C8B-B14F-4D97-AF65-F5344CB8AC3E}">
+        <p14:creationId xmlns:p14="http://schemas.microsoft.com/office/powerpoint/2010/main" val="1865958995"/>
+      </p:ext>
+    </p:extLst>
+  </p:cSld>
+  <p:clrMapOvr>
+    <a:masterClrMapping/>
+  </p:clrMapOvr>
+</p:sld>
+</file>
+
+<file path=ppt/slides/slide7.xml><?xml version="1.0" encoding="utf-8"?>
+<p:sld xmlns:a="http://schemas.openxmlformats.org/drawingml/2006/main" xmlns:r="http://schemas.openxmlformats.org/officeDocument/2006/relationships" xmlns:p="http://schemas.openxmlformats.org/presentationml/2006/main">
+  <p:cSld>
+    <p:spTree>
+      <p:nvGrpSpPr>
+        <p:cNvPr id="1" name=""/>
+        <p:cNvGrpSpPr/>
+        <p:nvPr/>
+      </p:nvGrpSpPr>
+      <p:grpSpPr>
+        <a:xfrm>
+          <a:off x="0" y="0"/>
+          <a:ext cx="0" cy="0"/>
+          <a:chOff x="0" y="0"/>
+          <a:chExt cx="0" cy="0"/>
+        </a:xfrm>
+      </p:grpSpPr>
+      <p:sp>
+        <p:nvSpPr>
+          <p:cNvPr id="2" name="Title 1">
+            <a:extLst>
+              <a:ext uri="{FF2B5EF4-FFF2-40B4-BE49-F238E27FC236}">
+                <a16:creationId xmlns:a16="http://schemas.microsoft.com/office/drawing/2014/main" id="{D452B17B-CCFA-0D48-A9DE-A8E298C36BD1}"/>
+              </a:ext>
+            </a:extLst>
+          </p:cNvPr>
+          <p:cNvSpPr>
+            <a:spLocks noGrp="1"/>
+          </p:cNvSpPr>
+          <p:nvPr>
+            <p:ph type="title"/>
+          </p:nvPr>
+        </p:nvSpPr>
+        <p:spPr/>
+        <p:txBody>
+          <a:bodyPr/>
+          <a:lstStyle/>
+          <a:p>
+            <a:r>
+              <a:rPr lang="en-US" dirty="0"/>
+              <a:t>Benefits</a:t>
+            </a:r>
+          </a:p>
+        </p:txBody>
+      </p:sp>
+      <p:sp>
+        <p:nvSpPr>
+          <p:cNvPr id="3" name="Content Placeholder 2">
+            <a:extLst>
+              <a:ext uri="{FF2B5EF4-FFF2-40B4-BE49-F238E27FC236}">
+                <a16:creationId xmlns:a16="http://schemas.microsoft.com/office/drawing/2014/main" id="{CC3F3D49-58E0-2F4B-9DD6-B91F59783551}"/>
+              </a:ext>
+            </a:extLst>
+          </p:cNvPr>
+          <p:cNvSpPr>
+            <a:spLocks noGrp="1"/>
+          </p:cNvSpPr>
+          <p:nvPr>
+            <p:ph idx="1"/>
+          </p:nvPr>
+        </p:nvSpPr>
+        <p:spPr/>
+        <p:txBody>
+          <a:bodyPr/>
+          <a:lstStyle/>
+          <a:p>
+            <a:pPr lvl="0"/>
+            <a:r>
+              <a:rPr lang="en-US" dirty="0"/>
+              <a:t>Reproducible research</a:t>
+            </a:r>
+          </a:p>
+          <a:p>
+            <a:pPr lvl="0"/>
+            <a:r>
+              <a:rPr lang="en-US" dirty="0"/>
+              <a:t>Version control over entire process</a:t>
+            </a:r>
+          </a:p>
+          <a:p>
+            <a:pPr lvl="0"/>
+            <a:r>
+              <a:rPr lang="en-US" dirty="0"/>
+              <a:t>Less time spent on mundane, repetitive tasks</a:t>
+            </a:r>
+          </a:p>
+          <a:p>
+            <a:pPr lvl="0"/>
+            <a:r>
+              <a:rPr lang="en-US" dirty="0"/>
+              <a:t>Easier to get results reports generated and distributed to stakeholders</a:t>
+            </a:r>
+          </a:p>
+          <a:p>
+            <a:endParaRPr lang="en-US" dirty="0"/>
+          </a:p>
+        </p:txBody>
+      </p:sp>
+    </p:spTree>
+    <p:extLst>
+      <p:ext uri="{BB962C8B-B14F-4D97-AF65-F5344CB8AC3E}">
+        <p14:creationId xmlns:p14="http://schemas.microsoft.com/office/powerpoint/2010/main" val="2072396587"/>
+      </p:ext>
+    </p:extLst>
+  </p:cSld>
+  <p:clrMapOvr>
+    <a:masterClrMapping/>
+  </p:clrMapOvr>
+</p:sld>
+</file>
+
+<file path=ppt/slides/slide8.xml><?xml version="1.0" encoding="utf-8"?>
+<p:sld xmlns:a="http://schemas.openxmlformats.org/drawingml/2006/main" xmlns:r="http://schemas.openxmlformats.org/officeDocument/2006/relationships" xmlns:p="http://schemas.openxmlformats.org/presentationml/2006/main">
+  <p:cSld>
+    <p:spTree>
+      <p:nvGrpSpPr>
+        <p:cNvPr id="1" name=""/>
+        <p:cNvGrpSpPr/>
+        <p:nvPr/>
+      </p:nvGrpSpPr>
+      <p:grpSpPr>
+        <a:xfrm>
+          <a:off x="0" y="0"/>
+          <a:ext cx="0" cy="0"/>
+          <a:chOff x="0" y="0"/>
+          <a:chExt cx="0" cy="0"/>
+        </a:xfrm>
+      </p:grpSpPr>
+      <p:sp>
+        <p:nvSpPr>
+          <p:cNvPr id="2" name="Title 1">
+            <a:extLst>
+              <a:ext uri="{FF2B5EF4-FFF2-40B4-BE49-F238E27FC236}">
+                <a16:creationId xmlns:a16="http://schemas.microsoft.com/office/drawing/2014/main" id="{E31AA82F-D8CB-EC4A-98EC-494A52080B3C}"/>
+              </a:ext>
+            </a:extLst>
+          </p:cNvPr>
+          <p:cNvSpPr>
+            <a:spLocks noGrp="1"/>
+          </p:cNvSpPr>
+          <p:nvPr>
+            <p:ph type="title"/>
+          </p:nvPr>
+        </p:nvSpPr>
+        <p:spPr/>
+        <p:txBody>
+          <a:bodyPr/>
+          <a:lstStyle/>
+          <a:p>
+            <a:r>
+              <a:rPr lang="en-US" dirty="0"/>
+              <a:t>Workflow automation framework</a:t>
+            </a:r>
+          </a:p>
+        </p:txBody>
+      </p:sp>
+      <p:sp>
+        <p:nvSpPr>
+          <p:cNvPr id="3" name="Content Placeholder 2">
+            <a:extLst>
+              <a:ext uri="{FF2B5EF4-FFF2-40B4-BE49-F238E27FC236}">
+                <a16:creationId xmlns:a16="http://schemas.microsoft.com/office/drawing/2014/main" id="{BDFDA865-9E5F-C54F-BE26-6FEFC17C5D9B}"/>
+              </a:ext>
+            </a:extLst>
+          </p:cNvPr>
+          <p:cNvSpPr>
+            <a:spLocks noGrp="1"/>
+          </p:cNvSpPr>
+          <p:nvPr>
+            <p:ph idx="1"/>
+          </p:nvPr>
+        </p:nvSpPr>
+        <p:spPr>
+          <a:xfrm>
+            <a:off x="838200" y="1488741"/>
+            <a:ext cx="10515600" cy="4671994"/>
+          </a:xfrm>
+        </p:spPr>
+        <p:txBody>
+          <a:bodyPr/>
+          <a:lstStyle/>
+          <a:p>
+            <a:pPr lvl="0"/>
+            <a:r>
+              <a:rPr lang="en-US" dirty="0"/>
+              <a:t>Adopt modularized approach, with flexibility to swap out components</a:t>
+            </a:r>
+          </a:p>
+          <a:p>
+            <a:pPr lvl="0"/>
+            <a:r>
+              <a:rPr lang="en-US" dirty="0"/>
+              <a:t>Use common framework from which all </a:t>
+            </a:r>
+            <a:r>
+              <a:rPr lang="en-US" b="1" i="1" dirty="0"/>
+              <a:t>R-bots</a:t>
+            </a:r>
+            <a:r>
+              <a:rPr lang="en-US" dirty="0"/>
+              <a:t> are executed (e.g., R, Bash)</a:t>
+            </a:r>
+          </a:p>
+          <a:p>
+            <a:pPr lvl="0"/>
+            <a:r>
+              <a:rPr lang="en-US" dirty="0"/>
+              <a:t>Set parameters (manually or dynamically)</a:t>
+            </a:r>
+          </a:p>
+          <a:p>
+            <a:pPr lvl="0"/>
+            <a:r>
+              <a:rPr lang="en-US" dirty="0"/>
+              <a:t>Re-use code (functions)</a:t>
+            </a:r>
+          </a:p>
+          <a:p>
+            <a:pPr lvl="0"/>
+            <a:r>
+              <a:rPr lang="en-US" dirty="0"/>
+              <a:t>Write code that creates/executes dynamically generated code</a:t>
+            </a:r>
+          </a:p>
+          <a:p>
+            <a:pPr lvl="0"/>
+            <a:r>
+              <a:rPr lang="en-US" dirty="0"/>
+              <a:t>Relinquish low level decisions to computer</a:t>
+            </a:r>
+          </a:p>
+          <a:p>
+            <a:pPr lvl="1"/>
+            <a:r>
+              <a:rPr lang="en-US" dirty="0"/>
+              <a:t>Use conditional logic</a:t>
+            </a:r>
+          </a:p>
+          <a:p>
+            <a:pPr lvl="1"/>
+            <a:r>
+              <a:rPr lang="en-US" dirty="0"/>
+              <a:t>Error handling</a:t>
+            </a:r>
+          </a:p>
+          <a:p>
+            <a:pPr lvl="1"/>
+            <a:r>
+              <a:rPr lang="en-US" dirty="0"/>
+              <a:t>Automated validation of results</a:t>
+            </a:r>
+          </a:p>
+        </p:txBody>
+      </p:sp>
+    </p:spTree>
+    <p:extLst>
+      <p:ext uri="{BB962C8B-B14F-4D97-AF65-F5344CB8AC3E}">
+        <p14:creationId xmlns:p14="http://schemas.microsoft.com/office/powerpoint/2010/main" val="4028657287"/>
+      </p:ext>
+    </p:extLst>
+  </p:cSld>
+  <p:clrMapOvr>
+    <a:masterClrMapping/>
+  </p:clrMapOvr>
+</p:sld>
+</file>
+
+<file path=ppt/slides/slide9.xml><?xml version="1.0" encoding="utf-8"?>
+<p:sld xmlns:a="http://schemas.openxmlformats.org/drawingml/2006/main" xmlns:r="http://schemas.openxmlformats.org/officeDocument/2006/relationships" xmlns:p="http://schemas.openxmlformats.org/presentationml/2006/main">
+  <p:cSld>
+    <p:spTree>
+      <p:nvGrpSpPr>
+        <p:cNvPr id="1" name=""/>
+        <p:cNvGrpSpPr/>
+        <p:nvPr/>
+      </p:nvGrpSpPr>
+      <p:grpSpPr>
+        <a:xfrm>
+          <a:off x="0" y="0"/>
+          <a:ext cx="0" cy="0"/>
+          <a:chOff x="0" y="0"/>
+          <a:chExt cx="0" cy="0"/>
+        </a:xfrm>
+      </p:grpSpPr>
+      <p:sp>
+        <p:nvSpPr>
+          <p:cNvPr id="2" name="Title 1">
+            <a:extLst>
+              <a:ext uri="{FF2B5EF4-FFF2-40B4-BE49-F238E27FC236}">
+                <a16:creationId xmlns:a16="http://schemas.microsoft.com/office/drawing/2014/main" id="{7E6F8741-54FD-D743-972A-3A7CB54562DE}"/>
+              </a:ext>
+            </a:extLst>
+          </p:cNvPr>
+          <p:cNvSpPr>
+            <a:spLocks noGrp="1"/>
+          </p:cNvSpPr>
+          <p:nvPr>
+            <p:ph type="title"/>
+          </p:nvPr>
+        </p:nvSpPr>
+        <p:spPr/>
+        <p:txBody>
+          <a:bodyPr/>
+          <a:lstStyle/>
+          <a:p>
+            <a:r>
+              <a:rPr lang="en-US" dirty="0"/>
+              <a:t>R packages for workflow management</a:t>
+            </a:r>
+          </a:p>
+        </p:txBody>
+      </p:sp>
+      <p:sp>
+        <p:nvSpPr>
+          <p:cNvPr id="4" name="Content Placeholder 3">
+            <a:extLst>
+              <a:ext uri="{FF2B5EF4-FFF2-40B4-BE49-F238E27FC236}">
+                <a16:creationId xmlns:a16="http://schemas.microsoft.com/office/drawing/2014/main" id="{CD7D28C0-C85F-3242-BDDD-7ECC05172DBF}"/>
+              </a:ext>
+            </a:extLst>
+          </p:cNvPr>
+          <p:cNvSpPr>
+            <a:spLocks noGrp="1"/>
+          </p:cNvSpPr>
+          <p:nvPr>
+            <p:ph idx="1"/>
+          </p:nvPr>
+        </p:nvSpPr>
+        <p:spPr>
+          <a:xfrm>
+            <a:off x="838199" y="1690690"/>
+            <a:ext cx="3490609" cy="4070229"/>
+          </a:xfrm>
+        </p:spPr>
+        <p:txBody>
+          <a:bodyPr/>
+          <a:lstStyle/>
+          <a:p>
+            <a:pPr lvl="1"/>
+            <a:r>
+              <a:rPr lang="en-US" dirty="0">
+                <a:latin typeface="Courier New" panose="02070309020205020404" pitchFamily="49" charset="0"/>
+                <a:ea typeface="Calibri" panose="020F0502020204030204" pitchFamily="34" charset="0"/>
+                <a:cs typeface="Courier New" panose="02070309020205020404" pitchFamily="49" charset="0"/>
+                <a:hlinkClick r:id="rId2"/>
+              </a:rPr>
+              <a:t>workflowr</a:t>
+            </a:r>
+            <a:endParaRPr lang="en-US" dirty="0">
+              <a:latin typeface="Courier New" panose="02070309020205020404" pitchFamily="49" charset="0"/>
+              <a:ea typeface="Calibri" panose="020F0502020204030204" pitchFamily="34" charset="0"/>
+              <a:cs typeface="Courier New" panose="02070309020205020404" pitchFamily="49" charset="0"/>
+            </a:endParaRPr>
+          </a:p>
+          <a:p>
+            <a:pPr lvl="1"/>
+            <a:r>
+              <a:rPr lang="en-US" dirty="0">
+                <a:latin typeface="Courier New" panose="02070309020205020404" pitchFamily="49" charset="0"/>
+                <a:ea typeface="Calibri" panose="020F0502020204030204" pitchFamily="34" charset="0"/>
+                <a:cs typeface="Courier New" panose="02070309020205020404" pitchFamily="49" charset="0"/>
+                <a:hlinkClick r:id="rId3"/>
+              </a:rPr>
+              <a:t>drake</a:t>
+            </a:r>
+            <a:endParaRPr lang="en-US" dirty="0">
+              <a:latin typeface="Courier New" panose="02070309020205020404" pitchFamily="49" charset="0"/>
+              <a:ea typeface="Calibri" panose="020F0502020204030204" pitchFamily="34" charset="0"/>
+              <a:cs typeface="Courier New" panose="02070309020205020404" pitchFamily="49" charset="0"/>
+            </a:endParaRPr>
+          </a:p>
+          <a:p>
+            <a:pPr marL="0" indent="0">
+              <a:buNone/>
+            </a:pPr>
+            <a:endParaRPr lang="en-US" dirty="0">
+              <a:latin typeface="Courier New" panose="02070309020205020404" pitchFamily="49" charset="0"/>
+              <a:ea typeface="Calibri" panose="020F0502020204030204" pitchFamily="34" charset="0"/>
+              <a:cs typeface="Courier New" panose="02070309020205020404" pitchFamily="49" charset="0"/>
+            </a:endParaRPr>
+          </a:p>
+        </p:txBody>
+      </p:sp>
+      <p:pic>
+        <p:nvPicPr>
+          <p:cNvPr id="7" name="Picture 6">
+            <a:extLst>
+              <a:ext uri="{FF2B5EF4-FFF2-40B4-BE49-F238E27FC236}">
+                <a16:creationId xmlns:a16="http://schemas.microsoft.com/office/drawing/2014/main" id="{4355C578-9070-134A-9734-E600D5F5670E}"/>
+              </a:ext>
+            </a:extLst>
+          </p:cNvPr>
+          <p:cNvPicPr>
+            <a:picLocks noChangeAspect="1"/>
+          </p:cNvPicPr>
+          <p:nvPr/>
+        </p:nvPicPr>
+        <p:blipFill>
+          <a:blip r:embed="rId4"/>
+          <a:stretch>
+            <a:fillRect/>
+          </a:stretch>
+        </p:blipFill>
+        <p:spPr>
+          <a:xfrm>
+            <a:off x="4432841" y="1399667"/>
+            <a:ext cx="7632700" cy="5346700"/>
+          </a:xfrm>
+          <a:prstGeom prst="rect">
+            <a:avLst/>
+          </a:prstGeom>
+        </p:spPr>
+      </p:pic>
+    </p:spTree>
+    <p:extLst>
+      <p:ext uri="{BB962C8B-B14F-4D97-AF65-F5344CB8AC3E}">
+        <p14:creationId xmlns:p14="http://schemas.microsoft.com/office/powerpoint/2010/main" val="1034752107"/>
+      </p:ext>
+    </p:extLst>
+  </p:cSld>
+  <p:clrMapOvr>
+    <a:masterClrMapping/>
+  </p:clrMapOvr>
+</p:sld>
+</file>
+
 <file path=ppt/theme/theme1.xml><?xml version="1.0" encoding="utf-8"?>
 <a:theme xmlns:a="http://schemas.openxmlformats.org/drawingml/2006/main" name="1_Office Theme">
   <a:themeElements>

--- a/slides/Sydeaka_Watson_EARL_2018_Workflow_Automation.pptx
+++ b/slides/Sydeaka_Watson_EARL_2018_Workflow_Automation.pptx
@@ -6206,6 +6206,9 @@
           <a:prstGeom prst="rect">
             <a:avLst/>
           </a:prstGeom>
+          <a:solidFill>
+            <a:schemeClr val="accent2"/>
+          </a:solidFill>
         </p:spPr>
         <p:style>
           <a:lnRef idx="2">
@@ -6402,6 +6405,9 @@
           <a:prstGeom prst="rect">
             <a:avLst/>
           </a:prstGeom>
+          <a:solidFill>
+            <a:schemeClr val="accent2"/>
+          </a:solidFill>
         </p:spPr>
         <p:style>
           <a:lnRef idx="2">
@@ -6451,6 +6457,9 @@
           <a:prstGeom prst="rect">
             <a:avLst/>
           </a:prstGeom>
+          <a:solidFill>
+            <a:schemeClr val="accent2"/>
+          </a:solidFill>
         </p:spPr>
         <p:style>
           <a:lnRef idx="2">
@@ -6499,7 +6508,7 @@
         <p:spPr>
           <a:xfrm>
             <a:off x="7270976" y="1351508"/>
-            <a:ext cx="4568986" cy="3785652"/>
+            <a:ext cx="4568986" cy="1938992"/>
           </a:xfrm>
           <a:prstGeom prst="rect">
             <a:avLst/>
@@ -6512,83 +6521,39 @@
           </a:bodyPr>
           <a:lstStyle/>
           <a:p>
-            <a:pPr marL="285750" indent="-285750">
+            <a:r>
+              <a:rPr lang="en-US" sz="2400" dirty="0"/>
+              <a:t>Outputs</a:t>
+            </a:r>
+          </a:p>
+          <a:p>
+            <a:pPr marL="342900" indent="-342900">
               <a:buFont typeface="Arial" panose="020B0604020202020204" pitchFamily="34" charset="0"/>
               <a:buChar char="•"/>
             </a:pPr>
             <a:r>
               <a:rPr lang="en-US" sz="2400" dirty="0"/>
-              <a:t>Peer to peer lending platform</a:t>
-            </a:r>
-          </a:p>
-          <a:p>
-            <a:endParaRPr lang="en-US" sz="2400" dirty="0"/>
-          </a:p>
-          <a:p>
-            <a:pPr marL="285750" indent="-285750">
+              <a:t>Generate/execute code</a:t>
+            </a:r>
+          </a:p>
+          <a:p>
+            <a:pPr marL="342900" indent="-342900">
               <a:buFont typeface="Arial" panose="020B0604020202020204" pitchFamily="34" charset="0"/>
               <a:buChar char="•"/>
             </a:pPr>
             <a:r>
               <a:rPr lang="en-US" sz="2400" dirty="0"/>
-              <a:t>Goal: Build a model to predict probability of a loan default</a:t>
-            </a:r>
-          </a:p>
-          <a:p>
-            <a:pPr marL="285750" indent="-285750">
+              <a:t>Email report and link to code repository</a:t>
+            </a:r>
+          </a:p>
+          <a:p>
+            <a:pPr marL="342900" indent="-342900">
               <a:buFont typeface="Arial" panose="020B0604020202020204" pitchFamily="34" charset="0"/>
               <a:buChar char="•"/>
             </a:pPr>
-            <a:endParaRPr lang="en-US" sz="2400" dirty="0"/>
-          </a:p>
-          <a:p>
-            <a:pPr marL="285750" indent="-285750">
-              <a:buFont typeface="Arial" panose="020B0604020202020204" pitchFamily="34" charset="0"/>
-              <a:buChar char="•"/>
-            </a:pPr>
             <a:r>
               <a:rPr lang="en-US" sz="2400" dirty="0"/>
-              <a:t>Example automates the</a:t>
-            </a:r>
-          </a:p>
-          <a:p>
-            <a:pPr marL="742950" lvl="1" indent="-285750">
-              <a:buFont typeface="Arial" panose="020B0604020202020204" pitchFamily="34" charset="0"/>
-              <a:buChar char="•"/>
-            </a:pPr>
-            <a:r>
-              <a:rPr lang="en-US" sz="2400" dirty="0"/>
-              <a:t>data retrieval and storage</a:t>
-            </a:r>
-          </a:p>
-          <a:p>
-            <a:pPr marL="742950" lvl="1" indent="-285750">
-              <a:buFont typeface="Arial" panose="020B0604020202020204" pitchFamily="34" charset="0"/>
-              <a:buChar char="•"/>
-            </a:pPr>
-            <a:r>
-              <a:rPr lang="en-US" sz="2400" dirty="0"/>
-              <a:t>model building</a:t>
-            </a:r>
-          </a:p>
-          <a:p>
-            <a:pPr marL="742950" lvl="1" indent="-285750">
-              <a:buFont typeface="Arial" panose="020B0604020202020204" pitchFamily="34" charset="0"/>
-              <a:buChar char="•"/>
-            </a:pPr>
-            <a:r>
-              <a:rPr lang="en-US" sz="2400" dirty="0"/>
-              <a:t>report generation</a:t>
-            </a:r>
-          </a:p>
-          <a:p>
-            <a:pPr marL="742950" lvl="1" indent="-285750">
-              <a:buFont typeface="Arial" panose="020B0604020202020204" pitchFamily="34" charset="0"/>
-              <a:buChar char="•"/>
-            </a:pPr>
-            <a:r>
-              <a:rPr lang="en-US" sz="2400" dirty="0"/>
-              <a:t>version control</a:t>
+              <a:t>Version control</a:t>
             </a:r>
           </a:p>
         </p:txBody>
@@ -6946,6 +6911,183 @@
   <p:clrMapOvr>
     <a:masterClrMapping/>
   </p:clrMapOvr>
+  <p:timing>
+    <p:tnLst>
+      <p:par>
+        <p:cTn id="1" dur="indefinite" restart="never" nodeType="tmRoot">
+          <p:childTnLst>
+            <p:seq concurrent="1" nextAc="seek">
+              <p:cTn id="2" dur="indefinite" nodeType="mainSeq">
+                <p:childTnLst>
+                  <p:par>
+                    <p:cTn id="3" fill="hold">
+                      <p:stCondLst>
+                        <p:cond delay="indefinite"/>
+                      </p:stCondLst>
+                      <p:childTnLst>
+                        <p:par>
+                          <p:cTn id="4" fill="hold">
+                            <p:stCondLst>
+                              <p:cond delay="0"/>
+                            </p:stCondLst>
+                            <p:childTnLst>
+                              <p:par>
+                                <p:cTn id="5" presetID="1" presetClass="entr" presetSubtype="0" fill="hold" nodeType="clickEffect">
+                                  <p:stCondLst>
+                                    <p:cond delay="0"/>
+                                  </p:stCondLst>
+                                  <p:childTnLst>
+                                    <p:set>
+                                      <p:cBhvr>
+                                        <p:cTn id="6" dur="1" fill="hold">
+                                          <p:stCondLst>
+                                            <p:cond delay="0"/>
+                                          </p:stCondLst>
+                                        </p:cTn>
+                                        <p:tgtEl>
+                                          <p:spTgt spid="16">
+                                            <p:txEl>
+                                              <p:pRg st="1" end="1"/>
+                                            </p:txEl>
+                                          </p:spTgt>
+                                        </p:tgtEl>
+                                        <p:attrNameLst>
+                                          <p:attrName>style.visibility</p:attrName>
+                                        </p:attrNameLst>
+                                      </p:cBhvr>
+                                      <p:to>
+                                        <p:strVal val="visible"/>
+                                      </p:to>
+                                    </p:set>
+                                  </p:childTnLst>
+                                </p:cTn>
+                              </p:par>
+                            </p:childTnLst>
+                          </p:cTn>
+                        </p:par>
+                      </p:childTnLst>
+                    </p:cTn>
+                  </p:par>
+                  <p:par>
+                    <p:cTn id="7" fill="hold">
+                      <p:stCondLst>
+                        <p:cond delay="indefinite"/>
+                      </p:stCondLst>
+                      <p:childTnLst>
+                        <p:par>
+                          <p:cTn id="8" fill="hold">
+                            <p:stCondLst>
+                              <p:cond delay="0"/>
+                            </p:stCondLst>
+                            <p:childTnLst>
+                              <p:par>
+                                <p:cTn id="9" presetID="1" presetClass="entr" presetSubtype="0" fill="hold" nodeType="clickEffect">
+                                  <p:stCondLst>
+                                    <p:cond delay="0"/>
+                                  </p:stCondLst>
+                                  <p:childTnLst>
+                                    <p:set>
+                                      <p:cBhvr>
+                                        <p:cTn id="10" dur="1" fill="hold">
+                                          <p:stCondLst>
+                                            <p:cond delay="0"/>
+                                          </p:stCondLst>
+                                        </p:cTn>
+                                        <p:tgtEl>
+                                          <p:spTgt spid="16">
+                                            <p:txEl>
+                                              <p:pRg st="2" end="2"/>
+                                            </p:txEl>
+                                          </p:spTgt>
+                                        </p:tgtEl>
+                                        <p:attrNameLst>
+                                          <p:attrName>style.visibility</p:attrName>
+                                        </p:attrNameLst>
+                                      </p:cBhvr>
+                                      <p:to>
+                                        <p:strVal val="visible"/>
+                                      </p:to>
+                                    </p:set>
+                                  </p:childTnLst>
+                                </p:cTn>
+                              </p:par>
+                            </p:childTnLst>
+                          </p:cTn>
+                        </p:par>
+                      </p:childTnLst>
+                    </p:cTn>
+                  </p:par>
+                  <p:par>
+                    <p:cTn id="11" fill="hold">
+                      <p:stCondLst>
+                        <p:cond delay="indefinite"/>
+                      </p:stCondLst>
+                      <p:childTnLst>
+                        <p:par>
+                          <p:cTn id="12" fill="hold">
+                            <p:stCondLst>
+                              <p:cond delay="0"/>
+                            </p:stCondLst>
+                            <p:childTnLst>
+                              <p:par>
+                                <p:cTn id="13" presetID="1" presetClass="entr" presetSubtype="0" fill="hold" nodeType="clickEffect">
+                                  <p:stCondLst>
+                                    <p:cond delay="0"/>
+                                  </p:stCondLst>
+                                  <p:childTnLst>
+                                    <p:set>
+                                      <p:cBhvr>
+                                        <p:cTn id="14" dur="1" fill="hold">
+                                          <p:stCondLst>
+                                            <p:cond delay="0"/>
+                                          </p:stCondLst>
+                                        </p:cTn>
+                                        <p:tgtEl>
+                                          <p:spTgt spid="16">
+                                            <p:txEl>
+                                              <p:pRg st="3" end="3"/>
+                                            </p:txEl>
+                                          </p:spTgt>
+                                        </p:tgtEl>
+                                        <p:attrNameLst>
+                                          <p:attrName>style.visibility</p:attrName>
+                                        </p:attrNameLst>
+                                      </p:cBhvr>
+                                      <p:to>
+                                        <p:strVal val="visible"/>
+                                      </p:to>
+                                    </p:set>
+                                  </p:childTnLst>
+                                </p:cTn>
+                              </p:par>
+                            </p:childTnLst>
+                          </p:cTn>
+                        </p:par>
+                      </p:childTnLst>
+                    </p:cTn>
+                  </p:par>
+                </p:childTnLst>
+              </p:cTn>
+              <p:prevCondLst>
+                <p:cond evt="onPrev" delay="0">
+                  <p:tgtEl>
+                    <p:sldTgt/>
+                  </p:tgtEl>
+                </p:cond>
+              </p:prevCondLst>
+              <p:nextCondLst>
+                <p:cond evt="onNext" delay="0">
+                  <p:tgtEl>
+                    <p:sldTgt/>
+                  </p:tgtEl>
+                </p:cond>
+              </p:nextCondLst>
+            </p:seq>
+          </p:childTnLst>
+        </p:cTn>
+      </p:par>
+    </p:tnLst>
+  </p:timing>
 </p:sld>
 </file>
 
@@ -7260,21 +7402,19 @@
             </a:r>
           </a:p>
           <a:p>
-            <a:pPr marL="0" indent="0">
-              <a:buNone/>
-            </a:pPr>
-            <a:r>
-              <a:rPr lang="en-US" dirty="0" err="1"/>
+            <a:r>
+              <a:rPr lang="en-US" dirty="0">
+                <a:hlinkClick r:id="rId2"/>
+              </a:rPr>
               <a:t>www.sydeaka.com</a:t>
             </a:r>
             <a:endParaRPr lang="en-US" dirty="0"/>
           </a:p>
           <a:p>
-            <a:pPr marL="0" indent="0">
-              <a:buNone/>
-            </a:pPr>
-            <a:r>
-              <a:rPr lang="en-US" dirty="0" err="1"/>
+            <a:r>
+              <a:rPr lang="en-US" dirty="0">
+                <a:hlinkClick r:id="rId3"/>
+              </a:rPr>
               <a:t>sydeakawatson@gmail.com</a:t>
             </a:r>
             <a:endParaRPr lang="en-US" dirty="0"/>
@@ -7323,7 +7463,17 @@
             <a:pPr algn="ctr"/>
             <a:r>
               <a:rPr lang="it" sz="2800" dirty="0"/>
-              <a:t>Demo: https://github.com/sydeaka/workflow-automation </a:t>
+              <a:t>Demo: </a:t>
+            </a:r>
+            <a:r>
+              <a:rPr lang="it" sz="2800" dirty="0">
+                <a:hlinkClick r:id="rId4"/>
+              </a:rPr>
+              <a:t>https://github.com/sydeaka/workflow-automation</a:t>
+            </a:r>
+            <a:r>
+              <a:rPr lang="it" sz="2800" dirty="0"/>
+              <a:t> </a:t>
             </a:r>
           </a:p>
         </p:txBody>
@@ -7343,7 +7493,7 @@
           <p:nvPr/>
         </p:nvPicPr>
         <p:blipFill>
-          <a:blip r:embed="rId2"/>
+          <a:blip r:embed="rId5"/>
           <a:stretch>
             <a:fillRect/>
           </a:stretch>
